--- a/simpleVQ.pptx
+++ b/simpleVQ.pptx
@@ -5,7 +5,7 @@
     <p:sldMasterId id="2147483648" r:id="rId1"/>
   </p:sldMasterIdLst>
   <p:notesMasterIdLst>
-    <p:notesMasterId r:id="rId12"/>
+    <p:notesMasterId r:id="rId13"/>
   </p:notesMasterIdLst>
   <p:sldIdLst>
     <p:sldId id="256" r:id="rId2"/>
@@ -18,6 +18,7 @@
     <p:sldId id="522" r:id="rId9"/>
     <p:sldId id="523" r:id="rId10"/>
     <p:sldId id="524" r:id="rId11"/>
+    <p:sldId id="525" r:id="rId12"/>
   </p:sldIdLst>
   <p:sldSz cx="12192000" cy="6858000"/>
   <p:notesSz cx="6858000" cy="9144000"/>
@@ -127,7 +128,7 @@
 <file path=ppt/revisionInfo.xml><?xml version="1.0" encoding="utf-8"?>
 <p1510:revInfo xmlns:a="http://schemas.openxmlformats.org/drawingml/2006/main" xmlns:r="http://schemas.openxmlformats.org/officeDocument/2006/relationships" xmlns:p1510="http://schemas.microsoft.com/office/powerpoint/2015/10/main">
   <p1510:revLst>
-    <p1510:client id="{1E131212-63D0-459E-B34D-67FBF34707C1}" v="1" dt="2020-11-05T14:15:16.199"/>
+    <p1510:client id="{1E131212-63D0-459E-B34D-67FBF34707C1}" v="737" dt="2020-11-07T04:25:00.722"/>
   </p1510:revLst>
 </p1510:revInfo>
 </file>
@@ -136,36 +137,209 @@
 <pc:chgInfo xmlns:a="http://schemas.openxmlformats.org/drawingml/2006/main" xmlns:r="http://schemas.openxmlformats.org/officeDocument/2006/relationships" xmlns:ac="http://schemas.microsoft.com/office/drawing/2013/main/command" xmlns:pc="http://schemas.microsoft.com/office/powerpoint/2013/main/command">
   <pc:docChgLst>
     <pc:chgData name="Drew Marquis" userId="6ae91fd8ce8dc452" providerId="LiveId" clId="{1E131212-63D0-459E-B34D-67FBF34707C1}"/>
-    <pc:docChg chg="custSel modSld">
-      <pc:chgData name="Drew Marquis" userId="6ae91fd8ce8dc452" providerId="LiveId" clId="{1E131212-63D0-459E-B34D-67FBF34707C1}" dt="2020-11-05T14:20:03.159" v="969" actId="20577"/>
+    <pc:docChg chg="undo custSel addSld delSld modSld">
+      <pc:chgData name="Drew Marquis" userId="6ae91fd8ce8dc452" providerId="LiveId" clId="{1E131212-63D0-459E-B34D-67FBF34707C1}" dt="2020-11-07T04:25:00.722" v="1937" actId="20577"/>
       <pc:docMkLst>
         <pc:docMk/>
       </pc:docMkLst>
-      <pc:sldChg chg="addSp modSp mod">
-        <pc:chgData name="Drew Marquis" userId="6ae91fd8ce8dc452" providerId="LiveId" clId="{1E131212-63D0-459E-B34D-67FBF34707C1}" dt="2020-11-05T14:16:21.276" v="209" actId="313"/>
+      <pc:sldChg chg="modSp mod">
+        <pc:chgData name="Drew Marquis" userId="6ae91fd8ce8dc452" providerId="LiveId" clId="{1E131212-63D0-459E-B34D-67FBF34707C1}" dt="2020-11-05T23:14:04.531" v="1346" actId="1076"/>
+        <pc:sldMkLst>
+          <pc:docMk/>
+          <pc:sldMk cId="1566144778" sldId="520"/>
+        </pc:sldMkLst>
+        <pc:spChg chg="mod">
+          <ac:chgData name="Drew Marquis" userId="6ae91fd8ce8dc452" providerId="LiveId" clId="{1E131212-63D0-459E-B34D-67FBF34707C1}" dt="2020-11-05T23:14:04.531" v="1346" actId="1076"/>
+          <ac:spMkLst>
+            <pc:docMk/>
+            <pc:sldMk cId="1566144778" sldId="520"/>
+            <ac:spMk id="15" creationId="{52CFDDB5-8192-4E86-8F25-8D20CD9ADE83}"/>
+          </ac:spMkLst>
+        </pc:spChg>
+      </pc:sldChg>
+      <pc:sldChg chg="modSp">
+        <pc:chgData name="Drew Marquis" userId="6ae91fd8ce8dc452" providerId="LiveId" clId="{1E131212-63D0-459E-B34D-67FBF34707C1}" dt="2020-11-05T16:12:23.289" v="972" actId="20577"/>
+        <pc:sldMkLst>
+          <pc:docMk/>
+          <pc:sldMk cId="2383876367" sldId="522"/>
+        </pc:sldMkLst>
+        <pc:spChg chg="mod">
+          <ac:chgData name="Drew Marquis" userId="6ae91fd8ce8dc452" providerId="LiveId" clId="{1E131212-63D0-459E-B34D-67FBF34707C1}" dt="2020-11-05T16:12:23.289" v="972" actId="20577"/>
+          <ac:spMkLst>
+            <pc:docMk/>
+            <pc:sldMk cId="2383876367" sldId="522"/>
+            <ac:spMk id="3" creationId="{E493E36C-E2AE-4419-9749-E7052636F34E}"/>
+          </ac:spMkLst>
+        </pc:spChg>
+      </pc:sldChg>
+      <pc:sldChg chg="addSp delSp modSp mod">
+        <pc:chgData name="Drew Marquis" userId="6ae91fd8ce8dc452" providerId="LiveId" clId="{1E131212-63D0-459E-B34D-67FBF34707C1}" dt="2020-11-05T16:43:33.722" v="986" actId="27636"/>
         <pc:sldMkLst>
           <pc:docMk/>
           <pc:sldMk cId="2212046256" sldId="523"/>
         </pc:sldMkLst>
         <pc:spChg chg="mod">
-          <ac:chgData name="Drew Marquis" userId="6ae91fd8ce8dc452" providerId="LiveId" clId="{1E131212-63D0-459E-B34D-67FBF34707C1}" dt="2020-11-05T14:16:21.276" v="209" actId="313"/>
+          <ac:chgData name="Drew Marquis" userId="6ae91fd8ce8dc452" providerId="LiveId" clId="{1E131212-63D0-459E-B34D-67FBF34707C1}" dt="2020-11-05T16:43:33.722" v="986" actId="27636"/>
           <ac:spMkLst>
             <pc:docMk/>
             <pc:sldMk cId="2212046256" sldId="523"/>
             <ac:spMk id="8" creationId="{0F4428B2-1546-4CBA-9246-4A39BEA96DF3}"/>
           </ac:spMkLst>
         </pc:spChg>
-        <pc:picChg chg="add mod modCrop">
-          <ac:chgData name="Drew Marquis" userId="6ae91fd8ce8dc452" providerId="LiveId" clId="{1E131212-63D0-459E-B34D-67FBF34707C1}" dt="2020-11-05T14:15:36.032" v="65" actId="1076"/>
+        <pc:picChg chg="add del mod modCrop">
+          <ac:chgData name="Drew Marquis" userId="6ae91fd8ce8dc452" providerId="LiveId" clId="{1E131212-63D0-459E-B34D-67FBF34707C1}" dt="2020-11-05T16:42:51.908" v="973" actId="478"/>
           <ac:picMkLst>
             <pc:docMk/>
             <pc:sldMk cId="2212046256" sldId="523"/>
             <ac:picMk id="4" creationId="{5FA78E91-EC43-41BF-9EEC-3392601EF055}"/>
           </ac:picMkLst>
         </pc:picChg>
+        <pc:picChg chg="add mod modCrop">
+          <ac:chgData name="Drew Marquis" userId="6ae91fd8ce8dc452" providerId="LiveId" clId="{1E131212-63D0-459E-B34D-67FBF34707C1}" dt="2020-11-05T16:43:21.778" v="984" actId="1076"/>
+          <ac:picMkLst>
+            <pc:docMk/>
+            <pc:sldMk cId="2212046256" sldId="523"/>
+            <ac:picMk id="6" creationId="{24DF24FF-B86C-427C-A6E5-3BC28C8FC3BF}"/>
+          </ac:picMkLst>
+        </pc:picChg>
       </pc:sldChg>
-      <pc:sldChg chg="modSp mod">
-        <pc:chgData name="Drew Marquis" userId="6ae91fd8ce8dc452" providerId="LiveId" clId="{1E131212-63D0-459E-B34D-67FBF34707C1}" dt="2020-11-05T14:20:03.159" v="969" actId="20577"/>
+      <pc:sldChg chg="addSp delSp modSp new mod">
+        <pc:chgData name="Drew Marquis" userId="6ae91fd8ce8dc452" providerId="LiveId" clId="{1E131212-63D0-459E-B34D-67FBF34707C1}" dt="2020-11-07T04:25:00.722" v="1937" actId="20577"/>
+        <pc:sldMkLst>
+          <pc:docMk/>
+          <pc:sldMk cId="2207657403" sldId="524"/>
+        </pc:sldMkLst>
+        <pc:spChg chg="mod">
+          <ac:chgData name="Drew Marquis" userId="6ae91fd8ce8dc452" providerId="LiveId" clId="{1E131212-63D0-459E-B34D-67FBF34707C1}" dt="2020-11-05T18:52:10.049" v="994" actId="20577"/>
+          <ac:spMkLst>
+            <pc:docMk/>
+            <pc:sldMk cId="2207657403" sldId="524"/>
+            <ac:spMk id="2" creationId="{52C79DD4-0B1F-47A5-BE84-B4AA5AA592D9}"/>
+          </ac:spMkLst>
+        </pc:spChg>
+        <pc:spChg chg="mod">
+          <ac:chgData name="Drew Marquis" userId="6ae91fd8ce8dc452" providerId="LiveId" clId="{1E131212-63D0-459E-B34D-67FBF34707C1}" dt="2020-11-07T04:25:00.722" v="1937" actId="20577"/>
+          <ac:spMkLst>
+            <pc:docMk/>
+            <pc:sldMk cId="2207657403" sldId="524"/>
+            <ac:spMk id="3" creationId="{AE28555E-88EA-4EF9-99C9-DA7594AEE9CD}"/>
+          </ac:spMkLst>
+        </pc:spChg>
+        <pc:spChg chg="mod">
+          <ac:chgData name="Drew Marquis" userId="6ae91fd8ce8dc452" providerId="LiveId" clId="{1E131212-63D0-459E-B34D-67FBF34707C1}" dt="2020-11-05T23:11:09.742" v="1275"/>
+          <ac:spMkLst>
+            <pc:docMk/>
+            <pc:sldMk cId="2207657403" sldId="524"/>
+            <ac:spMk id="5" creationId="{E5BED1C2-0F5A-40AB-823D-533820DD07D8}"/>
+          </ac:spMkLst>
+        </pc:spChg>
+        <pc:spChg chg="mod">
+          <ac:chgData name="Drew Marquis" userId="6ae91fd8ce8dc452" providerId="LiveId" clId="{1E131212-63D0-459E-B34D-67FBF34707C1}" dt="2020-11-05T23:11:09.742" v="1275"/>
+          <ac:spMkLst>
+            <pc:docMk/>
+            <pc:sldMk cId="2207657403" sldId="524"/>
+            <ac:spMk id="6" creationId="{24467B3C-25CE-4152-BDDA-E50FE7245D7B}"/>
+          </ac:spMkLst>
+        </pc:spChg>
+        <pc:spChg chg="mod">
+          <ac:chgData name="Drew Marquis" userId="6ae91fd8ce8dc452" providerId="LiveId" clId="{1E131212-63D0-459E-B34D-67FBF34707C1}" dt="2020-11-05T23:11:09.742" v="1275"/>
+          <ac:spMkLst>
+            <pc:docMk/>
+            <pc:sldMk cId="2207657403" sldId="524"/>
+            <ac:spMk id="7" creationId="{48DF1D6F-469B-44D5-9F93-CA86518D18F3}"/>
+          </ac:spMkLst>
+        </pc:spChg>
+        <pc:spChg chg="mod">
+          <ac:chgData name="Drew Marquis" userId="6ae91fd8ce8dc452" providerId="LiveId" clId="{1E131212-63D0-459E-B34D-67FBF34707C1}" dt="2020-11-05T23:11:09.742" v="1275"/>
+          <ac:spMkLst>
+            <pc:docMk/>
+            <pc:sldMk cId="2207657403" sldId="524"/>
+            <ac:spMk id="8" creationId="{8E674B5B-81F6-488E-B724-90DCCBEA244A}"/>
+          </ac:spMkLst>
+        </pc:spChg>
+        <pc:spChg chg="mod">
+          <ac:chgData name="Drew Marquis" userId="6ae91fd8ce8dc452" providerId="LiveId" clId="{1E131212-63D0-459E-B34D-67FBF34707C1}" dt="2020-11-05T23:11:09.742" v="1275"/>
+          <ac:spMkLst>
+            <pc:docMk/>
+            <pc:sldMk cId="2207657403" sldId="524"/>
+            <ac:spMk id="9" creationId="{CF3E441A-CD28-4EA3-93AE-A3845636546A}"/>
+          </ac:spMkLst>
+        </pc:spChg>
+        <pc:spChg chg="mod">
+          <ac:chgData name="Drew Marquis" userId="6ae91fd8ce8dc452" providerId="LiveId" clId="{1E131212-63D0-459E-B34D-67FBF34707C1}" dt="2020-11-05T23:11:09.742" v="1275"/>
+          <ac:spMkLst>
+            <pc:docMk/>
+            <pc:sldMk cId="2207657403" sldId="524"/>
+            <ac:spMk id="12" creationId="{A8C90343-C663-4843-91C5-50F77B61FD58}"/>
+          </ac:spMkLst>
+        </pc:spChg>
+        <pc:spChg chg="mod">
+          <ac:chgData name="Drew Marquis" userId="6ae91fd8ce8dc452" providerId="LiveId" clId="{1E131212-63D0-459E-B34D-67FBF34707C1}" dt="2020-11-05T23:11:09.742" v="1275"/>
+          <ac:spMkLst>
+            <pc:docMk/>
+            <pc:sldMk cId="2207657403" sldId="524"/>
+            <ac:spMk id="13" creationId="{AB038C36-01FD-4CB2-AB34-8CAD6E1CF6F4}"/>
+          </ac:spMkLst>
+        </pc:spChg>
+        <pc:spChg chg="mod">
+          <ac:chgData name="Drew Marquis" userId="6ae91fd8ce8dc452" providerId="LiveId" clId="{1E131212-63D0-459E-B34D-67FBF34707C1}" dt="2020-11-05T23:11:09.742" v="1275"/>
+          <ac:spMkLst>
+            <pc:docMk/>
+            <pc:sldMk cId="2207657403" sldId="524"/>
+            <ac:spMk id="14" creationId="{D3E4E945-779A-4758-9A1D-08595C926E9E}"/>
+          </ac:spMkLst>
+        </pc:spChg>
+        <pc:spChg chg="add mod">
+          <ac:chgData name="Drew Marquis" userId="6ae91fd8ce8dc452" providerId="LiveId" clId="{1E131212-63D0-459E-B34D-67FBF34707C1}" dt="2020-11-05T23:13:18.668" v="1344" actId="20577"/>
+          <ac:spMkLst>
+            <pc:docMk/>
+            <pc:sldMk cId="2207657403" sldId="524"/>
+            <ac:spMk id="16" creationId="{EF005087-2E35-42AA-853F-2BEA8793309A}"/>
+          </ac:spMkLst>
+        </pc:spChg>
+        <pc:spChg chg="add del mod">
+          <ac:chgData name="Drew Marquis" userId="6ae91fd8ce8dc452" providerId="LiveId" clId="{1E131212-63D0-459E-B34D-67FBF34707C1}" dt="2020-11-05T23:13:05.173" v="1312" actId="478"/>
+          <ac:spMkLst>
+            <pc:docMk/>
+            <pc:sldMk cId="2207657403" sldId="524"/>
+            <ac:spMk id="17" creationId="{BC3599E5-7BAE-4EE8-8793-1726E3CE31B3}"/>
+          </ac:spMkLst>
+        </pc:spChg>
+        <pc:spChg chg="add del mod">
+          <ac:chgData name="Drew Marquis" userId="6ae91fd8ce8dc452" providerId="LiveId" clId="{1E131212-63D0-459E-B34D-67FBF34707C1}" dt="2020-11-05T23:13:02.156" v="1311" actId="478"/>
+          <ac:spMkLst>
+            <pc:docMk/>
+            <pc:sldMk cId="2207657403" sldId="524"/>
+            <ac:spMk id="18" creationId="{9CF4F44E-3164-4FAF-816A-E44C5E528C17}"/>
+          </ac:spMkLst>
+        </pc:spChg>
+        <pc:grpChg chg="add mod">
+          <ac:chgData name="Drew Marquis" userId="6ae91fd8ce8dc452" providerId="LiveId" clId="{1E131212-63D0-459E-B34D-67FBF34707C1}" dt="2020-11-05T23:11:09.742" v="1275"/>
+          <ac:grpSpMkLst>
+            <pc:docMk/>
+            <pc:sldMk cId="2207657403" sldId="524"/>
+            <ac:grpSpMk id="4" creationId="{2A7E3E24-951F-40F7-BD56-E05F1994CFEF}"/>
+          </ac:grpSpMkLst>
+        </pc:grpChg>
+        <pc:cxnChg chg="mod">
+          <ac:chgData name="Drew Marquis" userId="6ae91fd8ce8dc452" providerId="LiveId" clId="{1E131212-63D0-459E-B34D-67FBF34707C1}" dt="2020-11-05T23:11:09.742" v="1275"/>
+          <ac:cxnSpMkLst>
+            <pc:docMk/>
+            <pc:sldMk cId="2207657403" sldId="524"/>
+            <ac:cxnSpMk id="10" creationId="{315FC438-1E68-419C-9D39-BA4B5A56C5E6}"/>
+          </ac:cxnSpMkLst>
+        </pc:cxnChg>
+        <pc:cxnChg chg="mod">
+          <ac:chgData name="Drew Marquis" userId="6ae91fd8ce8dc452" providerId="LiveId" clId="{1E131212-63D0-459E-B34D-67FBF34707C1}" dt="2020-11-05T23:11:09.742" v="1275"/>
+          <ac:cxnSpMkLst>
+            <pc:docMk/>
+            <pc:sldMk cId="2207657403" sldId="524"/>
+            <ac:cxnSpMk id="11" creationId="{14A248DA-97BF-4CAC-94DD-81FDF3F296FC}"/>
+          </ac:cxnSpMkLst>
+        </pc:cxnChg>
+      </pc:sldChg>
+      <pc:sldChg chg="modSp del mod">
+        <pc:chgData name="Drew Marquis" userId="6ae91fd8ce8dc452" providerId="LiveId" clId="{1E131212-63D0-459E-B34D-67FBF34707C1}" dt="2020-11-05T16:42:56.012" v="977" actId="47"/>
         <pc:sldMkLst>
           <pc:docMk/>
           <pc:sldMk cId="3259833862" sldId="524"/>
@@ -176,6 +350,29 @@
             <pc:docMk/>
             <pc:sldMk cId="3259833862" sldId="524"/>
             <ac:spMk id="3" creationId="{66F25524-E2F4-47E9-9F4E-87D3944103F0}"/>
+          </ac:spMkLst>
+        </pc:spChg>
+      </pc:sldChg>
+      <pc:sldChg chg="modSp new mod">
+        <pc:chgData name="Drew Marquis" userId="6ae91fd8ce8dc452" providerId="LiveId" clId="{1E131212-63D0-459E-B34D-67FBF34707C1}" dt="2020-11-06T21:35:28.894" v="1930" actId="20577"/>
+        <pc:sldMkLst>
+          <pc:docMk/>
+          <pc:sldMk cId="1028067249" sldId="525"/>
+        </pc:sldMkLst>
+        <pc:spChg chg="mod">
+          <ac:chgData name="Drew Marquis" userId="6ae91fd8ce8dc452" providerId="LiveId" clId="{1E131212-63D0-459E-B34D-67FBF34707C1}" dt="2020-11-06T21:35:04.794" v="1925" actId="20577"/>
+          <ac:spMkLst>
+            <pc:docMk/>
+            <pc:sldMk cId="1028067249" sldId="525"/>
+            <ac:spMk id="2" creationId="{C3B035D3-B986-41FE-AF30-EC90847215BB}"/>
+          </ac:spMkLst>
+        </pc:spChg>
+        <pc:spChg chg="mod">
+          <ac:chgData name="Drew Marquis" userId="6ae91fd8ce8dc452" providerId="LiveId" clId="{1E131212-63D0-459E-B34D-67FBF34707C1}" dt="2020-11-06T21:35:28.894" v="1930" actId="20577"/>
+          <ac:spMkLst>
+            <pc:docMk/>
+            <pc:sldMk cId="1028067249" sldId="525"/>
+            <ac:spMk id="3" creationId="{C923CB21-4307-42BE-8C89-3478E760FC11}"/>
           </ac:spMkLst>
         </pc:spChg>
       </pc:sldChg>
@@ -266,7 +463,7 @@
           <a:p>
             <a:fld id="{F7D92278-9D26-4755-B95D-9C7B0F025AB5}" type="datetimeFigureOut">
               <a:rPr lang="en-US" smtClean="0"/>
-              <a:t>11/5/2020</a:t>
+              <a:t>11/6/2020</a:t>
             </a:fld>
             <a:endParaRPr lang="en-US"/>
           </a:p>
@@ -764,7 +961,7 @@
           <a:p>
             <a:fld id="{7B9ACE5E-1ED8-4B5D-AECC-D2C5A1AFE758}" type="datetimeFigureOut">
               <a:rPr lang="en-US" smtClean="0"/>
-              <a:t>11/5/2020</a:t>
+              <a:t>11/6/2020</a:t>
             </a:fld>
             <a:endParaRPr lang="en-US"/>
           </a:p>
@@ -962,7 +1159,7 @@
           <a:p>
             <a:fld id="{7B9ACE5E-1ED8-4B5D-AECC-D2C5A1AFE758}" type="datetimeFigureOut">
               <a:rPr lang="en-US" smtClean="0"/>
-              <a:t>11/5/2020</a:t>
+              <a:t>11/6/2020</a:t>
             </a:fld>
             <a:endParaRPr lang="en-US"/>
           </a:p>
@@ -1170,7 +1367,7 @@
           <a:p>
             <a:fld id="{7B9ACE5E-1ED8-4B5D-AECC-D2C5A1AFE758}" type="datetimeFigureOut">
               <a:rPr lang="en-US" smtClean="0"/>
-              <a:t>11/5/2020</a:t>
+              <a:t>11/6/2020</a:t>
             </a:fld>
             <a:endParaRPr lang="en-US"/>
           </a:p>
@@ -1368,7 +1565,7 @@
           <a:p>
             <a:fld id="{7B9ACE5E-1ED8-4B5D-AECC-D2C5A1AFE758}" type="datetimeFigureOut">
               <a:rPr lang="en-US" smtClean="0"/>
-              <a:t>11/5/2020</a:t>
+              <a:t>11/6/2020</a:t>
             </a:fld>
             <a:endParaRPr lang="en-US"/>
           </a:p>
@@ -1643,7 +1840,7 @@
           <a:p>
             <a:fld id="{7B9ACE5E-1ED8-4B5D-AECC-D2C5A1AFE758}" type="datetimeFigureOut">
               <a:rPr lang="en-US" smtClean="0"/>
-              <a:t>11/5/2020</a:t>
+              <a:t>11/6/2020</a:t>
             </a:fld>
             <a:endParaRPr lang="en-US"/>
           </a:p>
@@ -1908,7 +2105,7 @@
           <a:p>
             <a:fld id="{7B9ACE5E-1ED8-4B5D-AECC-D2C5A1AFE758}" type="datetimeFigureOut">
               <a:rPr lang="en-US" smtClean="0"/>
-              <a:t>11/5/2020</a:t>
+              <a:t>11/6/2020</a:t>
             </a:fld>
             <a:endParaRPr lang="en-US"/>
           </a:p>
@@ -2320,7 +2517,7 @@
           <a:p>
             <a:fld id="{7B9ACE5E-1ED8-4B5D-AECC-D2C5A1AFE758}" type="datetimeFigureOut">
               <a:rPr lang="en-US" smtClean="0"/>
-              <a:t>11/5/2020</a:t>
+              <a:t>11/6/2020</a:t>
             </a:fld>
             <a:endParaRPr lang="en-US"/>
           </a:p>
@@ -2461,7 +2658,7 @@
           <a:p>
             <a:fld id="{7B9ACE5E-1ED8-4B5D-AECC-D2C5A1AFE758}" type="datetimeFigureOut">
               <a:rPr lang="en-US" smtClean="0"/>
-              <a:t>11/5/2020</a:t>
+              <a:t>11/6/2020</a:t>
             </a:fld>
             <a:endParaRPr lang="en-US"/>
           </a:p>
@@ -2574,7 +2771,7 @@
           <a:p>
             <a:fld id="{7B9ACE5E-1ED8-4B5D-AECC-D2C5A1AFE758}" type="datetimeFigureOut">
               <a:rPr lang="en-US" smtClean="0"/>
-              <a:t>11/5/2020</a:t>
+              <a:t>11/6/2020</a:t>
             </a:fld>
             <a:endParaRPr lang="en-US"/>
           </a:p>
@@ -2885,7 +3082,7 @@
           <a:p>
             <a:fld id="{7B9ACE5E-1ED8-4B5D-AECC-D2C5A1AFE758}" type="datetimeFigureOut">
               <a:rPr lang="en-US" smtClean="0"/>
-              <a:t>11/5/2020</a:t>
+              <a:t>11/6/2020</a:t>
             </a:fld>
             <a:endParaRPr lang="en-US"/>
           </a:p>
@@ -3173,7 +3370,7 @@
           <a:p>
             <a:fld id="{7B9ACE5E-1ED8-4B5D-AECC-D2C5A1AFE758}" type="datetimeFigureOut">
               <a:rPr lang="en-US" smtClean="0"/>
-              <a:t>11/5/2020</a:t>
+              <a:t>11/6/2020</a:t>
             </a:fld>
             <a:endParaRPr lang="en-US"/>
           </a:p>
@@ -3414,7 +3611,7 @@
           <a:p>
             <a:fld id="{7B9ACE5E-1ED8-4B5D-AECC-D2C5A1AFE758}" type="datetimeFigureOut">
               <a:rPr lang="en-US" smtClean="0"/>
-              <a:t>11/5/2020</a:t>
+              <a:t>11/6/2020</a:t>
             </a:fld>
             <a:endParaRPr lang="en-US"/>
           </a:p>
@@ -3922,7 +4119,7 @@
           <p:cNvPr id="2" name="Title 1">
             <a:extLst>
               <a:ext uri="{FF2B5EF4-FFF2-40B4-BE49-F238E27FC236}">
-                <a16:creationId xmlns:a16="http://schemas.microsoft.com/office/drawing/2014/main" id="{B3510333-C6DB-4443-B03D-C4A0CAC345D5}"/>
+                <a16:creationId xmlns:a16="http://schemas.microsoft.com/office/drawing/2014/main" id="{52C79DD4-0B1F-47A5-BE84-B4AA5AA592D9}"/>
               </a:ext>
             </a:extLst>
           </p:cNvPr>
@@ -3940,17 +4137,1570 @@
           <a:p>
             <a:r>
               <a:rPr lang="en-US" dirty="0"/>
-              <a:t>Current thoughts on Model B</a:t>
+              <a:t>Model C</a:t>
             </a:r>
           </a:p>
         </p:txBody>
       </p:sp>
+      <mc:AlternateContent xmlns:mc="http://schemas.openxmlformats.org/markup-compatibility/2006">
+        <mc:Choice xmlns:a14="http://schemas.microsoft.com/office/drawing/2010/main" Requires="a14">
+          <p:sp>
+            <p:nvSpPr>
+              <p:cNvPr id="3" name="Content Placeholder 2">
+                <a:extLst>
+                  <a:ext uri="{FF2B5EF4-FFF2-40B4-BE49-F238E27FC236}">
+                    <a16:creationId xmlns:a16="http://schemas.microsoft.com/office/drawing/2014/main" id="{AE28555E-88EA-4EF9-99C9-DA7594AEE9CD}"/>
+                  </a:ext>
+                </a:extLst>
+              </p:cNvPr>
+              <p:cNvSpPr>
+                <a:spLocks noGrp="1"/>
+              </p:cNvSpPr>
+              <p:nvPr>
+                <p:ph idx="1"/>
+              </p:nvPr>
+            </p:nvSpPr>
+            <p:spPr/>
+            <p:txBody>
+              <a:bodyPr/>
+              <a:lstStyle/>
+              <a:p>
+                <a14:m>
+                  <m:oMath xmlns:m="http://schemas.openxmlformats.org/officeDocument/2006/math">
+                    <m:f>
+                      <m:fPr>
+                        <m:ctrlPr>
+                          <a:rPr lang="en-US" b="0" i="1" smtClean="0">
+                            <a:latin typeface="Cambria Math" panose="02040503050406030204" pitchFamily="18" charset="0"/>
+                          </a:rPr>
+                        </m:ctrlPr>
+                      </m:fPr>
+                      <m:num>
+                        <m:r>
+                          <a:rPr lang="en-US" b="0" i="1" smtClean="0">
+                            <a:latin typeface="Cambria Math" panose="02040503050406030204" pitchFamily="18" charset="0"/>
+                          </a:rPr>
+                          <m:t>𝑑</m:t>
+                        </m:r>
+                        <m:sSub>
+                          <m:sSubPr>
+                            <m:ctrlPr>
+                              <a:rPr lang="en-US" b="0" i="1" smtClean="0">
+                                <a:latin typeface="Cambria Math" panose="02040503050406030204" pitchFamily="18" charset="0"/>
+                              </a:rPr>
+                            </m:ctrlPr>
+                          </m:sSubPr>
+                          <m:e>
+                            <m:r>
+                              <a:rPr lang="en-US" b="0" i="1" smtClean="0">
+                                <a:latin typeface="Cambria Math" panose="02040503050406030204" pitchFamily="18" charset="0"/>
+                              </a:rPr>
+                              <m:t>𝑃</m:t>
+                            </m:r>
+                          </m:e>
+                          <m:sub>
+                            <m:r>
+                              <a:rPr lang="en-US" b="0" i="1" smtClean="0">
+                                <a:latin typeface="Cambria Math" panose="02040503050406030204" pitchFamily="18" charset="0"/>
+                              </a:rPr>
+                              <m:t>𝑎𝑙𝑣</m:t>
+                            </m:r>
+                          </m:sub>
+                        </m:sSub>
+                      </m:num>
+                      <m:den>
+                        <m:r>
+                          <a:rPr lang="en-US" b="0" i="1" smtClean="0">
+                            <a:latin typeface="Cambria Math" panose="02040503050406030204" pitchFamily="18" charset="0"/>
+                          </a:rPr>
+                          <m:t>𝑑𝑡</m:t>
+                        </m:r>
+                      </m:den>
+                    </m:f>
+                    <m:r>
+                      <a:rPr lang="en-US" b="0" i="1" smtClean="0">
+                        <a:latin typeface="Cambria Math" panose="02040503050406030204" pitchFamily="18" charset="0"/>
+                      </a:rPr>
+                      <m:t>=</m:t>
+                    </m:r>
+                    <m:f>
+                      <m:fPr>
+                        <m:ctrlPr>
+                          <a:rPr lang="en-US" b="0" i="1" smtClean="0">
+                            <a:latin typeface="Cambria Math" panose="02040503050406030204" pitchFamily="18" charset="0"/>
+                          </a:rPr>
+                        </m:ctrlPr>
+                      </m:fPr>
+                      <m:num>
+                        <m:r>
+                          <a:rPr lang="en-US" b="0" i="1" smtClean="0">
+                            <a:latin typeface="Cambria Math" panose="02040503050406030204" pitchFamily="18" charset="0"/>
+                          </a:rPr>
+                          <m:t>𝑉</m:t>
+                        </m:r>
+                        <m:d>
+                          <m:dPr>
+                            <m:ctrlPr>
+                              <a:rPr lang="en-US" b="0" i="1" smtClean="0">
+                                <a:latin typeface="Cambria Math" panose="02040503050406030204" pitchFamily="18" charset="0"/>
+                              </a:rPr>
+                            </m:ctrlPr>
+                          </m:dPr>
+                          <m:e>
+                            <m:sSub>
+                              <m:sSubPr>
+                                <m:ctrlPr>
+                                  <a:rPr lang="en-US" b="0" i="1" smtClean="0">
+                                    <a:latin typeface="Cambria Math" panose="02040503050406030204" pitchFamily="18" charset="0"/>
+                                  </a:rPr>
+                                </m:ctrlPr>
+                              </m:sSubPr>
+                              <m:e>
+                                <m:r>
+                                  <a:rPr lang="en-US" b="0" i="1" smtClean="0">
+                                    <a:latin typeface="Cambria Math" panose="02040503050406030204" pitchFamily="18" charset="0"/>
+                                  </a:rPr>
+                                  <m:t>𝑃</m:t>
+                                </m:r>
+                              </m:e>
+                              <m:sub>
+                                <m:r>
+                                  <a:rPr lang="en-US" b="0" i="1" smtClean="0">
+                                    <a:latin typeface="Cambria Math" panose="02040503050406030204" pitchFamily="18" charset="0"/>
+                                  </a:rPr>
+                                  <m:t>𝑎𝑖𝑟</m:t>
+                                </m:r>
+                              </m:sub>
+                            </m:sSub>
+                            <m:r>
+                              <a:rPr lang="en-US" b="0" i="1" smtClean="0">
+                                <a:latin typeface="Cambria Math" panose="02040503050406030204" pitchFamily="18" charset="0"/>
+                              </a:rPr>
+                              <m:t>−</m:t>
+                            </m:r>
+                            <m:sSub>
+                              <m:sSubPr>
+                                <m:ctrlPr>
+                                  <a:rPr lang="en-US" b="0" i="1" smtClean="0">
+                                    <a:latin typeface="Cambria Math" panose="02040503050406030204" pitchFamily="18" charset="0"/>
+                                  </a:rPr>
+                                </m:ctrlPr>
+                              </m:sSubPr>
+                              <m:e>
+                                <m:r>
+                                  <a:rPr lang="en-US" b="0" i="1" smtClean="0">
+                                    <a:latin typeface="Cambria Math" panose="02040503050406030204" pitchFamily="18" charset="0"/>
+                                  </a:rPr>
+                                  <m:t>𝑃</m:t>
+                                </m:r>
+                              </m:e>
+                              <m:sub>
+                                <m:r>
+                                  <a:rPr lang="en-US" b="0" i="1" smtClean="0">
+                                    <a:latin typeface="Cambria Math" panose="02040503050406030204" pitchFamily="18" charset="0"/>
+                                  </a:rPr>
+                                  <m:t>𝑎𝑙𝑣</m:t>
+                                </m:r>
+                              </m:sub>
+                            </m:sSub>
+                          </m:e>
+                        </m:d>
+                        <m:r>
+                          <a:rPr lang="en-US" b="0" i="1" smtClean="0">
+                            <a:latin typeface="Cambria Math" panose="02040503050406030204" pitchFamily="18" charset="0"/>
+                          </a:rPr>
+                          <m:t>−</m:t>
+                        </m:r>
+                        <m:r>
+                          <a:rPr lang="en-US" b="0" i="1" smtClean="0">
+                            <a:latin typeface="Cambria Math" panose="02040503050406030204" pitchFamily="18" charset="0"/>
+                          </a:rPr>
+                          <m:t>𝐷</m:t>
+                        </m:r>
+                        <m:r>
+                          <a:rPr lang="en-US" b="0" i="1" smtClean="0">
+                            <a:latin typeface="Cambria Math" panose="02040503050406030204" pitchFamily="18" charset="0"/>
+                          </a:rPr>
+                          <m:t>(</m:t>
+                        </m:r>
+                        <m:sSub>
+                          <m:sSubPr>
+                            <m:ctrlPr>
+                              <a:rPr lang="en-US" b="0" i="1" smtClean="0">
+                                <a:latin typeface="Cambria Math" panose="02040503050406030204" pitchFamily="18" charset="0"/>
+                              </a:rPr>
+                            </m:ctrlPr>
+                          </m:sSubPr>
+                          <m:e>
+                            <m:r>
+                              <a:rPr lang="en-US" b="0" i="1" smtClean="0">
+                                <a:latin typeface="Cambria Math" panose="02040503050406030204" pitchFamily="18" charset="0"/>
+                              </a:rPr>
+                              <m:t>𝑃</m:t>
+                            </m:r>
+                          </m:e>
+                          <m:sub>
+                            <m:r>
+                              <a:rPr lang="en-US" b="0" i="1" smtClean="0">
+                                <a:latin typeface="Cambria Math" panose="02040503050406030204" pitchFamily="18" charset="0"/>
+                              </a:rPr>
+                              <m:t>𝑎𝑙𝑣</m:t>
+                            </m:r>
+                          </m:sub>
+                        </m:sSub>
+                        <m:r>
+                          <a:rPr lang="en-US" b="0" i="1" smtClean="0">
+                            <a:latin typeface="Cambria Math" panose="02040503050406030204" pitchFamily="18" charset="0"/>
+                          </a:rPr>
+                          <m:t>−〈</m:t>
+                        </m:r>
+                        <m:sSub>
+                          <m:sSubPr>
+                            <m:ctrlPr>
+                              <a:rPr lang="en-US" b="0" i="1" smtClean="0">
+                                <a:latin typeface="Cambria Math" panose="02040503050406030204" pitchFamily="18" charset="0"/>
+                              </a:rPr>
+                            </m:ctrlPr>
+                          </m:sSubPr>
+                          <m:e>
+                            <m:r>
+                              <a:rPr lang="en-US" b="0" i="1" smtClean="0">
+                                <a:latin typeface="Cambria Math" panose="02040503050406030204" pitchFamily="18" charset="0"/>
+                              </a:rPr>
+                              <m:t>𝑃</m:t>
+                            </m:r>
+                          </m:e>
+                          <m:sub>
+                            <m:r>
+                              <a:rPr lang="en-US" b="0" i="1" smtClean="0">
+                                <a:latin typeface="Cambria Math" panose="02040503050406030204" pitchFamily="18" charset="0"/>
+                              </a:rPr>
+                              <m:t>𝑣𝑎𝑠𝑐</m:t>
+                            </m:r>
+                          </m:sub>
+                        </m:sSub>
+                        <m:r>
+                          <a:rPr lang="en-US" b="0" i="1" smtClean="0">
+                            <a:latin typeface="Cambria Math" panose="02040503050406030204" pitchFamily="18" charset="0"/>
+                          </a:rPr>
+                          <m:t>〉)</m:t>
+                        </m:r>
+                      </m:num>
+                      <m:den>
+                        <m:sSub>
+                          <m:sSubPr>
+                            <m:ctrlPr>
+                              <a:rPr lang="en-US" b="0" i="1" smtClean="0">
+                                <a:latin typeface="Cambria Math" panose="02040503050406030204" pitchFamily="18" charset="0"/>
+                              </a:rPr>
+                            </m:ctrlPr>
+                          </m:sSubPr>
+                          <m:e>
+                            <m:r>
+                              <a:rPr lang="en-US" b="0" i="1" smtClean="0">
+                                <a:latin typeface="Cambria Math" panose="02040503050406030204" pitchFamily="18" charset="0"/>
+                              </a:rPr>
+                              <m:t>𝑉</m:t>
+                            </m:r>
+                          </m:e>
+                          <m:sub>
+                            <m:r>
+                              <a:rPr lang="en-US" b="0" i="1" smtClean="0">
+                                <a:latin typeface="Cambria Math" panose="02040503050406030204" pitchFamily="18" charset="0"/>
+                              </a:rPr>
+                              <m:t>𝑎𝑙𝑣</m:t>
+                            </m:r>
+                          </m:sub>
+                        </m:sSub>
+                      </m:den>
+                    </m:f>
+                  </m:oMath>
+                </a14:m>
+                <a:endParaRPr lang="en-US" dirty="0"/>
+              </a:p>
+              <a:p>
+                <a:endParaRPr lang="en-US" dirty="0"/>
+              </a:p>
+              <a:p>
+                <a14:m>
+                  <m:oMath xmlns:m="http://schemas.openxmlformats.org/officeDocument/2006/math">
+                    <m:f>
+                      <m:fPr>
+                        <m:ctrlPr>
+                          <a:rPr lang="en-US" b="0" i="1" smtClean="0">
+                            <a:latin typeface="Cambria Math" panose="02040503050406030204" pitchFamily="18" charset="0"/>
+                          </a:rPr>
+                        </m:ctrlPr>
+                      </m:fPr>
+                      <m:num>
+                        <m:r>
+                          <a:rPr lang="en-US" b="0" i="1" smtClean="0">
+                            <a:latin typeface="Cambria Math" panose="02040503050406030204" pitchFamily="18" charset="0"/>
+                          </a:rPr>
+                          <m:t>𝜕</m:t>
+                        </m:r>
+                        <m:sSub>
+                          <m:sSubPr>
+                            <m:ctrlPr>
+                              <a:rPr lang="en-US" b="0" i="1" smtClean="0">
+                                <a:latin typeface="Cambria Math" panose="02040503050406030204" pitchFamily="18" charset="0"/>
+                              </a:rPr>
+                            </m:ctrlPr>
+                          </m:sSubPr>
+                          <m:e>
+                            <m:r>
+                              <a:rPr lang="en-US" b="0" i="1" smtClean="0">
+                                <a:latin typeface="Cambria Math" panose="02040503050406030204" pitchFamily="18" charset="0"/>
+                              </a:rPr>
+                              <m:t>𝑃</m:t>
+                            </m:r>
+                          </m:e>
+                          <m:sub>
+                            <m:r>
+                              <a:rPr lang="en-US" b="0" i="1" smtClean="0">
+                                <a:latin typeface="Cambria Math" panose="02040503050406030204" pitchFamily="18" charset="0"/>
+                              </a:rPr>
+                              <m:t>𝑣𝑎𝑠𝑐</m:t>
+                            </m:r>
+                          </m:sub>
+                        </m:sSub>
+                      </m:num>
+                      <m:den>
+                        <m:r>
+                          <a:rPr lang="en-US" b="0" i="1" smtClean="0">
+                            <a:latin typeface="Cambria Math" panose="02040503050406030204" pitchFamily="18" charset="0"/>
+                          </a:rPr>
+                          <m:t>𝜕</m:t>
+                        </m:r>
+                        <m:r>
+                          <a:rPr lang="en-US" b="0" i="1" smtClean="0">
+                            <a:latin typeface="Cambria Math" panose="02040503050406030204" pitchFamily="18" charset="0"/>
+                          </a:rPr>
+                          <m:t>𝑡</m:t>
+                        </m:r>
+                      </m:den>
+                    </m:f>
+                    <m:r>
+                      <a:rPr lang="en-US" b="0" i="1" smtClean="0">
+                        <a:latin typeface="Cambria Math" panose="02040503050406030204" pitchFamily="18" charset="0"/>
+                      </a:rPr>
+                      <m:t>+</m:t>
+                    </m:r>
+                    <m:f>
+                      <m:fPr>
+                        <m:ctrlPr>
+                          <a:rPr lang="en-US" b="0" i="1" smtClean="0">
+                            <a:latin typeface="Cambria Math" panose="02040503050406030204" pitchFamily="18" charset="0"/>
+                          </a:rPr>
+                        </m:ctrlPr>
+                      </m:fPr>
+                      <m:num>
+                        <m:r>
+                          <a:rPr lang="en-US" b="0" i="1" smtClean="0">
+                            <a:latin typeface="Cambria Math" panose="02040503050406030204" pitchFamily="18" charset="0"/>
+                          </a:rPr>
+                          <m:t>𝑞𝑙</m:t>
+                        </m:r>
+                      </m:num>
+                      <m:den>
+                        <m:sSub>
+                          <m:sSubPr>
+                            <m:ctrlPr>
+                              <a:rPr lang="en-US" b="0" i="1" smtClean="0">
+                                <a:latin typeface="Cambria Math" panose="02040503050406030204" pitchFamily="18" charset="0"/>
+                              </a:rPr>
+                            </m:ctrlPr>
+                          </m:sSubPr>
+                          <m:e>
+                            <m:r>
+                              <a:rPr lang="en-US" b="0" i="1" smtClean="0">
+                                <a:latin typeface="Cambria Math" panose="02040503050406030204" pitchFamily="18" charset="0"/>
+                              </a:rPr>
+                              <m:t>𝑉</m:t>
+                            </m:r>
+                          </m:e>
+                          <m:sub>
+                            <m:r>
+                              <a:rPr lang="en-US" b="0" i="1" smtClean="0">
+                                <a:latin typeface="Cambria Math" panose="02040503050406030204" pitchFamily="18" charset="0"/>
+                              </a:rPr>
+                              <m:t>𝑣𝑎𝑠𝑐</m:t>
+                            </m:r>
+                          </m:sub>
+                        </m:sSub>
+                      </m:den>
+                    </m:f>
+                    <m:f>
+                      <m:fPr>
+                        <m:ctrlPr>
+                          <a:rPr lang="en-US" b="0" i="1" smtClean="0">
+                            <a:latin typeface="Cambria Math" panose="02040503050406030204" pitchFamily="18" charset="0"/>
+                          </a:rPr>
+                        </m:ctrlPr>
+                      </m:fPr>
+                      <m:num>
+                        <m:r>
+                          <a:rPr lang="en-US" b="0" i="1" smtClean="0">
+                            <a:latin typeface="Cambria Math" panose="02040503050406030204" pitchFamily="18" charset="0"/>
+                          </a:rPr>
+                          <m:t>𝜕</m:t>
+                        </m:r>
+                        <m:sSub>
+                          <m:sSubPr>
+                            <m:ctrlPr>
+                              <a:rPr lang="en-US" b="0" i="1" smtClean="0">
+                                <a:latin typeface="Cambria Math" panose="02040503050406030204" pitchFamily="18" charset="0"/>
+                              </a:rPr>
+                            </m:ctrlPr>
+                          </m:sSubPr>
+                          <m:e>
+                            <m:r>
+                              <a:rPr lang="en-US" b="0" i="1" smtClean="0">
+                                <a:latin typeface="Cambria Math" panose="02040503050406030204" pitchFamily="18" charset="0"/>
+                              </a:rPr>
+                              <m:t>𝑃</m:t>
+                            </m:r>
+                          </m:e>
+                          <m:sub>
+                            <m:r>
+                              <a:rPr lang="en-US" b="0" i="1" smtClean="0">
+                                <a:latin typeface="Cambria Math" panose="02040503050406030204" pitchFamily="18" charset="0"/>
+                              </a:rPr>
+                              <m:t>𝑣𝑎𝑠𝑐</m:t>
+                            </m:r>
+                          </m:sub>
+                        </m:sSub>
+                      </m:num>
+                      <m:den>
+                        <m:r>
+                          <a:rPr lang="en-US" b="0" i="1" smtClean="0">
+                            <a:latin typeface="Cambria Math" panose="02040503050406030204" pitchFamily="18" charset="0"/>
+                          </a:rPr>
+                          <m:t>𝜕</m:t>
+                        </m:r>
+                        <m:r>
+                          <a:rPr lang="en-US" b="0" i="1" smtClean="0">
+                            <a:latin typeface="Cambria Math" panose="02040503050406030204" pitchFamily="18" charset="0"/>
+                          </a:rPr>
+                          <m:t>𝑥</m:t>
+                        </m:r>
+                      </m:den>
+                    </m:f>
+                    <m:r>
+                      <a:rPr lang="en-US" b="0" i="1" smtClean="0">
+                        <a:latin typeface="Cambria Math" panose="02040503050406030204" pitchFamily="18" charset="0"/>
+                      </a:rPr>
+                      <m:t>=</m:t>
+                    </m:r>
+                    <m:f>
+                      <m:fPr>
+                        <m:ctrlPr>
+                          <a:rPr lang="en-US" b="0" i="1" smtClean="0">
+                            <a:latin typeface="Cambria Math" panose="02040503050406030204" pitchFamily="18" charset="0"/>
+                          </a:rPr>
+                        </m:ctrlPr>
+                      </m:fPr>
+                      <m:num>
+                        <m:r>
+                          <a:rPr lang="en-US" b="0" i="1" smtClean="0">
+                            <a:latin typeface="Cambria Math" panose="02040503050406030204" pitchFamily="18" charset="0"/>
+                          </a:rPr>
+                          <m:t>𝐷</m:t>
+                        </m:r>
+                      </m:num>
+                      <m:den>
+                        <m:sSub>
+                          <m:sSubPr>
+                            <m:ctrlPr>
+                              <a:rPr lang="en-US" b="0" i="1" smtClean="0">
+                                <a:latin typeface="Cambria Math" panose="02040503050406030204" pitchFamily="18" charset="0"/>
+                              </a:rPr>
+                            </m:ctrlPr>
+                          </m:sSubPr>
+                          <m:e>
+                            <m:r>
+                              <a:rPr lang="en-US" b="0" i="1" smtClean="0">
+                                <a:latin typeface="Cambria Math" panose="02040503050406030204" pitchFamily="18" charset="0"/>
+                              </a:rPr>
+                              <m:t>𝑉</m:t>
+                            </m:r>
+                          </m:e>
+                          <m:sub>
+                            <m:r>
+                              <a:rPr lang="en-US" b="0" i="1" smtClean="0">
+                                <a:latin typeface="Cambria Math" panose="02040503050406030204" pitchFamily="18" charset="0"/>
+                              </a:rPr>
+                              <m:t>𝑣𝑎𝑠𝑐</m:t>
+                            </m:r>
+                          </m:sub>
+                        </m:sSub>
+                      </m:den>
+                    </m:f>
+                    <m:r>
+                      <a:rPr lang="en-US" b="0" i="1" smtClean="0">
+                        <a:latin typeface="Cambria Math" panose="02040503050406030204" pitchFamily="18" charset="0"/>
+                      </a:rPr>
+                      <m:t>(</m:t>
+                    </m:r>
+                    <m:sSub>
+                      <m:sSubPr>
+                        <m:ctrlPr>
+                          <a:rPr lang="en-US" b="0" i="1" smtClean="0">
+                            <a:latin typeface="Cambria Math" panose="02040503050406030204" pitchFamily="18" charset="0"/>
+                          </a:rPr>
+                        </m:ctrlPr>
+                      </m:sSubPr>
+                      <m:e>
+                        <m:r>
+                          <a:rPr lang="en-US" b="0" i="1" smtClean="0">
+                            <a:latin typeface="Cambria Math" panose="02040503050406030204" pitchFamily="18" charset="0"/>
+                          </a:rPr>
+                          <m:t>𝑃</m:t>
+                        </m:r>
+                      </m:e>
+                      <m:sub>
+                        <m:r>
+                          <a:rPr lang="en-US" b="0" i="1" smtClean="0">
+                            <a:latin typeface="Cambria Math" panose="02040503050406030204" pitchFamily="18" charset="0"/>
+                          </a:rPr>
+                          <m:t>𝑎𝑙𝑣</m:t>
+                        </m:r>
+                      </m:sub>
+                    </m:sSub>
+                    <m:r>
+                      <a:rPr lang="en-US" b="0" i="1" smtClean="0">
+                        <a:latin typeface="Cambria Math" panose="02040503050406030204" pitchFamily="18" charset="0"/>
+                      </a:rPr>
+                      <m:t>−</m:t>
+                    </m:r>
+                    <m:sSub>
+                      <m:sSubPr>
+                        <m:ctrlPr>
+                          <a:rPr lang="en-US" b="0" i="1" smtClean="0">
+                            <a:latin typeface="Cambria Math" panose="02040503050406030204" pitchFamily="18" charset="0"/>
+                          </a:rPr>
+                        </m:ctrlPr>
+                      </m:sSubPr>
+                      <m:e>
+                        <m:r>
+                          <a:rPr lang="en-US" b="0" i="1" smtClean="0">
+                            <a:latin typeface="Cambria Math" panose="02040503050406030204" pitchFamily="18" charset="0"/>
+                          </a:rPr>
+                          <m:t>𝑃</m:t>
+                        </m:r>
+                      </m:e>
+                      <m:sub>
+                        <m:r>
+                          <a:rPr lang="en-US" b="0" i="1" smtClean="0">
+                            <a:latin typeface="Cambria Math" panose="02040503050406030204" pitchFamily="18" charset="0"/>
+                          </a:rPr>
+                          <m:t>𝑣𝑎𝑠𝑐</m:t>
+                        </m:r>
+                      </m:sub>
+                    </m:sSub>
+                    <m:r>
+                      <a:rPr lang="en-US" b="0" i="1" smtClean="0">
+                        <a:latin typeface="Cambria Math" panose="02040503050406030204" pitchFamily="18" charset="0"/>
+                      </a:rPr>
+                      <m:t>)</m:t>
+                    </m:r>
+                  </m:oMath>
+                </a14:m>
+                <a:endParaRPr lang="en-US" dirty="0"/>
+              </a:p>
+              <a:p>
+                <a:endParaRPr lang="en-US" dirty="0"/>
+              </a:p>
+              <a:p>
+                <a14:m>
+                  <m:oMath xmlns:m="http://schemas.openxmlformats.org/officeDocument/2006/math">
+                    <m:d>
+                      <m:dPr>
+                        <m:begChr m:val="〈"/>
+                        <m:endChr m:val="〉"/>
+                        <m:ctrlPr>
+                          <a:rPr lang="en-US" b="0" i="1" smtClean="0">
+                            <a:latin typeface="Cambria Math" panose="02040503050406030204" pitchFamily="18" charset="0"/>
+                          </a:rPr>
+                        </m:ctrlPr>
+                      </m:dPr>
+                      <m:e>
+                        <m:sSub>
+                          <m:sSubPr>
+                            <m:ctrlPr>
+                              <a:rPr lang="en-US" b="0" i="1" smtClean="0">
+                                <a:latin typeface="Cambria Math" panose="02040503050406030204" pitchFamily="18" charset="0"/>
+                              </a:rPr>
+                            </m:ctrlPr>
+                          </m:sSubPr>
+                          <m:e>
+                            <m:r>
+                              <a:rPr lang="en-US" b="0" i="1" smtClean="0">
+                                <a:latin typeface="Cambria Math" panose="02040503050406030204" pitchFamily="18" charset="0"/>
+                              </a:rPr>
+                              <m:t>𝑃</m:t>
+                            </m:r>
+                          </m:e>
+                          <m:sub>
+                            <m:r>
+                              <a:rPr lang="en-US" b="0" i="1" smtClean="0">
+                                <a:latin typeface="Cambria Math" panose="02040503050406030204" pitchFamily="18" charset="0"/>
+                              </a:rPr>
+                              <m:t>𝑣𝑎𝑠𝑐</m:t>
+                            </m:r>
+                          </m:sub>
+                        </m:sSub>
+                      </m:e>
+                    </m:d>
+                    <m:r>
+                      <a:rPr lang="en-US" b="0" i="1" smtClean="0">
+                        <a:latin typeface="Cambria Math" panose="02040503050406030204" pitchFamily="18" charset="0"/>
+                      </a:rPr>
+                      <m:t>(</m:t>
+                    </m:r>
+                    <m:r>
+                      <a:rPr lang="en-US" b="0" i="1" smtClean="0">
+                        <a:latin typeface="Cambria Math" panose="02040503050406030204" pitchFamily="18" charset="0"/>
+                      </a:rPr>
+                      <m:t>𝑡</m:t>
+                    </m:r>
+                    <m:r>
+                      <a:rPr lang="en-US" b="0" i="1" smtClean="0">
+                        <a:latin typeface="Cambria Math" panose="02040503050406030204" pitchFamily="18" charset="0"/>
+                      </a:rPr>
+                      <m:t>)</m:t>
+                    </m:r>
+                    <m:r>
+                      <a:rPr lang="en-US" b="0" i="0" smtClean="0">
+                        <a:latin typeface="Cambria Math" panose="02040503050406030204" pitchFamily="18" charset="0"/>
+                      </a:rPr>
+                      <m:t>=</m:t>
+                    </m:r>
+                    <m:f>
+                      <m:fPr>
+                        <m:ctrlPr>
+                          <a:rPr lang="en-US" b="0" i="1" smtClean="0">
+                            <a:latin typeface="Cambria Math" panose="02040503050406030204" pitchFamily="18" charset="0"/>
+                          </a:rPr>
+                        </m:ctrlPr>
+                      </m:fPr>
+                      <m:num>
+                        <m:r>
+                          <a:rPr lang="en-US" b="0" i="0" smtClean="0">
+                            <a:latin typeface="Cambria Math" panose="02040503050406030204" pitchFamily="18" charset="0"/>
+                          </a:rPr>
+                          <m:t>1</m:t>
+                        </m:r>
+                      </m:num>
+                      <m:den>
+                        <m:r>
+                          <a:rPr lang="en-US" b="0" i="1" smtClean="0">
+                            <a:latin typeface="Cambria Math" panose="02040503050406030204" pitchFamily="18" charset="0"/>
+                          </a:rPr>
+                          <m:t>𝑙</m:t>
+                        </m:r>
+                      </m:den>
+                    </m:f>
+                    <m:nary>
+                      <m:naryPr>
+                        <m:subHide m:val="on"/>
+                        <m:supHide m:val="on"/>
+                        <m:ctrlPr>
+                          <a:rPr lang="en-US" b="0" i="1" smtClean="0">
+                            <a:latin typeface="Cambria Math" panose="02040503050406030204" pitchFamily="18" charset="0"/>
+                          </a:rPr>
+                        </m:ctrlPr>
+                      </m:naryPr>
+                      <m:sub/>
+                      <m:sup/>
+                      <m:e>
+                        <m:sSub>
+                          <m:sSubPr>
+                            <m:ctrlPr>
+                              <a:rPr lang="en-US" b="0" i="1" smtClean="0">
+                                <a:latin typeface="Cambria Math" panose="02040503050406030204" pitchFamily="18" charset="0"/>
+                              </a:rPr>
+                            </m:ctrlPr>
+                          </m:sSubPr>
+                          <m:e>
+                            <m:r>
+                              <a:rPr lang="en-US" b="0" i="1" smtClean="0">
+                                <a:latin typeface="Cambria Math" panose="02040503050406030204" pitchFamily="18" charset="0"/>
+                              </a:rPr>
+                              <m:t>𝑃</m:t>
+                            </m:r>
+                          </m:e>
+                          <m:sub>
+                            <m:r>
+                              <a:rPr lang="en-US" b="0" i="1" smtClean="0">
+                                <a:latin typeface="Cambria Math" panose="02040503050406030204" pitchFamily="18" charset="0"/>
+                              </a:rPr>
+                              <m:t>𝑣𝑎𝑠𝑐</m:t>
+                            </m:r>
+                          </m:sub>
+                        </m:sSub>
+                        <m:r>
+                          <a:rPr lang="en-US" b="0" i="1" smtClean="0">
+                            <a:latin typeface="Cambria Math" panose="02040503050406030204" pitchFamily="18" charset="0"/>
+                          </a:rPr>
+                          <m:t>(</m:t>
+                        </m:r>
+                        <m:r>
+                          <a:rPr lang="en-US" b="0" i="1" smtClean="0">
+                            <a:latin typeface="Cambria Math" panose="02040503050406030204" pitchFamily="18" charset="0"/>
+                          </a:rPr>
+                          <m:t>𝑡</m:t>
+                        </m:r>
+                        <m:r>
+                          <a:rPr lang="en-US" b="0" i="1" smtClean="0">
+                            <a:latin typeface="Cambria Math" panose="02040503050406030204" pitchFamily="18" charset="0"/>
+                          </a:rPr>
+                          <m:t>,</m:t>
+                        </m:r>
+                        <m:r>
+                          <a:rPr lang="en-US" b="0" i="1" smtClean="0">
+                            <a:latin typeface="Cambria Math" panose="02040503050406030204" pitchFamily="18" charset="0"/>
+                          </a:rPr>
+                          <m:t>𝑥</m:t>
+                        </m:r>
+                        <m:r>
+                          <a:rPr lang="en-US" b="0" i="1" smtClean="0">
+                            <a:latin typeface="Cambria Math" panose="02040503050406030204" pitchFamily="18" charset="0"/>
+                          </a:rPr>
+                          <m:t>)</m:t>
+                        </m:r>
+                        <m:r>
+                          <a:rPr lang="en-US" b="0" i="1" smtClean="0">
+                            <a:latin typeface="Cambria Math" panose="02040503050406030204" pitchFamily="18" charset="0"/>
+                          </a:rPr>
+                          <m:t>𝑑𝑥</m:t>
+                        </m:r>
+                      </m:e>
+                    </m:nary>
+                  </m:oMath>
+                </a14:m>
+                <a:endParaRPr lang="en-US" dirty="0"/>
+              </a:p>
+            </p:txBody>
+          </p:sp>
+        </mc:Choice>
+        <mc:Fallback>
+          <p:sp>
+            <p:nvSpPr>
+              <p:cNvPr id="3" name="Content Placeholder 2">
+                <a:extLst>
+                  <a:ext uri="{FF2B5EF4-FFF2-40B4-BE49-F238E27FC236}">
+                    <a16:creationId xmlns:a16="http://schemas.microsoft.com/office/drawing/2014/main" id="{AE28555E-88EA-4EF9-99C9-DA7594AEE9CD}"/>
+                  </a:ext>
+                </a:extLst>
+              </p:cNvPr>
+              <p:cNvSpPr>
+                <a:spLocks noGrp="1" noRot="1" noChangeAspect="1" noMove="1" noResize="1" noEditPoints="1" noAdjustHandles="1" noChangeArrowheads="1" noChangeShapeType="1" noTextEdit="1"/>
+              </p:cNvSpPr>
+              <p:nvPr>
+                <p:ph idx="1"/>
+              </p:nvPr>
+            </p:nvSpPr>
+            <p:spPr>
+              <a:blipFill>
+                <a:blip r:embed="rId2"/>
+                <a:stretch>
+                  <a:fillRect/>
+                </a:stretch>
+              </a:blipFill>
+            </p:spPr>
+            <p:txBody>
+              <a:bodyPr/>
+              <a:lstStyle/>
+              <a:p>
+                <a:r>
+                  <a:rPr lang="en-US">
+                    <a:noFill/>
+                  </a:rPr>
+                  <a:t> </a:t>
+                </a:r>
+              </a:p>
+            </p:txBody>
+          </p:sp>
+        </mc:Fallback>
+      </mc:AlternateContent>
+      <p:grpSp>
+        <p:nvGrpSpPr>
+          <p:cNvPr id="4" name="Group 3">
+            <a:extLst>
+              <a:ext uri="{FF2B5EF4-FFF2-40B4-BE49-F238E27FC236}">
+                <a16:creationId xmlns:a16="http://schemas.microsoft.com/office/drawing/2014/main" id="{2A7E3E24-951F-40F7-BD56-E05F1994CFEF}"/>
+              </a:ext>
+            </a:extLst>
+          </p:cNvPr>
+          <p:cNvGrpSpPr/>
+          <p:nvPr/>
+        </p:nvGrpSpPr>
+        <p:grpSpPr>
+          <a:xfrm>
+            <a:off x="7339065" y="129175"/>
+            <a:ext cx="4745010" cy="2415735"/>
+            <a:chOff x="1620762" y="885529"/>
+            <a:chExt cx="5612765" cy="2373980"/>
+          </a:xfrm>
+        </p:grpSpPr>
+        <p:sp>
+          <p:nvSpPr>
+            <p:cNvPr id="5" name="Rectangle 4">
+              <a:extLst>
+                <a:ext uri="{FF2B5EF4-FFF2-40B4-BE49-F238E27FC236}">
+                  <a16:creationId xmlns:a16="http://schemas.microsoft.com/office/drawing/2014/main" id="{E5BED1C2-0F5A-40AB-823D-533820DD07D8}"/>
+                </a:ext>
+              </a:extLst>
+            </p:cNvPr>
+            <p:cNvSpPr/>
+            <p:nvPr/>
+          </p:nvSpPr>
+          <p:spPr>
+            <a:xfrm rot="10800000">
+              <a:off x="2161774" y="2828207"/>
+              <a:ext cx="4655966" cy="341220"/>
+            </a:xfrm>
+            <a:prstGeom prst="rect">
+              <a:avLst/>
+            </a:prstGeom>
+            <a:gradFill flip="none" rotWithShape="1">
+              <a:gsLst>
+                <a:gs pos="12000">
+                  <a:schemeClr val="accent1">
+                    <a:shade val="67500"/>
+                    <a:satMod val="115000"/>
+                    <a:alpha val="96000"/>
+                  </a:schemeClr>
+                </a:gs>
+                <a:gs pos="91000">
+                  <a:srgbClr val="FF0000">
+                    <a:lumMod val="95000"/>
+                  </a:srgbClr>
+                </a:gs>
+              </a:gsLst>
+              <a:path path="circle">
+                <a:fillToRect l="100000" t="100000"/>
+              </a:path>
+              <a:tileRect r="-100000" b="-100000"/>
+            </a:gradFill>
+            <a:ln>
+              <a:solidFill>
+                <a:schemeClr val="tx1"/>
+              </a:solidFill>
+            </a:ln>
+          </p:spPr>
+          <p:style>
+            <a:lnRef idx="2">
+              <a:schemeClr val="accent1">
+                <a:shade val="50000"/>
+              </a:schemeClr>
+            </a:lnRef>
+            <a:fillRef idx="1">
+              <a:schemeClr val="accent1"/>
+            </a:fillRef>
+            <a:effectRef idx="0">
+              <a:schemeClr val="accent1"/>
+            </a:effectRef>
+            <a:fontRef idx="minor">
+              <a:schemeClr val="lt1"/>
+            </a:fontRef>
+          </p:style>
+          <p:txBody>
+            <a:bodyPr rtlCol="0" anchor="ctr"/>
+            <a:lstStyle/>
+            <a:p>
+              <a:pPr algn="ctr"/>
+              <a:endParaRPr lang="en-US"/>
+            </a:p>
+          </p:txBody>
+        </p:sp>
+        <p:sp>
+          <p:nvSpPr>
+            <p:cNvPr id="6" name="Rectangle: Top Corners Rounded 5">
+              <a:extLst>
+                <a:ext uri="{FF2B5EF4-FFF2-40B4-BE49-F238E27FC236}">
+                  <a16:creationId xmlns:a16="http://schemas.microsoft.com/office/drawing/2014/main" id="{24467B3C-25CE-4152-BDDA-E50FE7245D7B}"/>
+                </a:ext>
+              </a:extLst>
+            </p:cNvPr>
+            <p:cNvSpPr/>
+            <p:nvPr/>
+          </p:nvSpPr>
+          <p:spPr>
+            <a:xfrm>
+              <a:off x="2385882" y="1527023"/>
+              <a:ext cx="4207748" cy="1301184"/>
+            </a:xfrm>
+            <a:prstGeom prst="round2SameRect">
+              <a:avLst>
+                <a:gd name="adj1" fmla="val 50000"/>
+                <a:gd name="adj2" fmla="val 0"/>
+              </a:avLst>
+            </a:prstGeom>
+            <a:noFill/>
+            <a:ln w="38100">
+              <a:solidFill>
+                <a:schemeClr val="tx1"/>
+              </a:solidFill>
+            </a:ln>
+          </p:spPr>
+          <p:style>
+            <a:lnRef idx="2">
+              <a:schemeClr val="accent1">
+                <a:shade val="50000"/>
+              </a:schemeClr>
+            </a:lnRef>
+            <a:fillRef idx="1">
+              <a:schemeClr val="accent1"/>
+            </a:fillRef>
+            <a:effectRef idx="0">
+              <a:schemeClr val="accent1"/>
+            </a:effectRef>
+            <a:fontRef idx="minor">
+              <a:schemeClr val="lt1"/>
+            </a:fontRef>
+          </p:style>
+          <p:txBody>
+            <a:bodyPr rtlCol="0" anchor="ctr"/>
+            <a:lstStyle/>
+            <a:p>
+              <a:pPr algn="ctr"/>
+              <a:endParaRPr lang="en-US"/>
+            </a:p>
+          </p:txBody>
+        </p:sp>
+        <p:sp>
+          <p:nvSpPr>
+            <p:cNvPr id="7" name="Rectangle 6">
+              <a:extLst>
+                <a:ext uri="{FF2B5EF4-FFF2-40B4-BE49-F238E27FC236}">
+                  <a16:creationId xmlns:a16="http://schemas.microsoft.com/office/drawing/2014/main" id="{48DF1D6F-469B-44D5-9F93-CA86518D18F3}"/>
+                </a:ext>
+              </a:extLst>
+            </p:cNvPr>
+            <p:cNvSpPr/>
+            <p:nvPr/>
+          </p:nvSpPr>
+          <p:spPr>
+            <a:xfrm>
+              <a:off x="4261074" y="885529"/>
+              <a:ext cx="457364" cy="641494"/>
+            </a:xfrm>
+            <a:prstGeom prst="rect">
+              <a:avLst/>
+            </a:prstGeom>
+            <a:noFill/>
+            <a:ln w="28575">
+              <a:solidFill>
+                <a:schemeClr val="tx1"/>
+              </a:solidFill>
+            </a:ln>
+          </p:spPr>
+          <p:style>
+            <a:lnRef idx="2">
+              <a:schemeClr val="accent1">
+                <a:shade val="50000"/>
+              </a:schemeClr>
+            </a:lnRef>
+            <a:fillRef idx="1">
+              <a:schemeClr val="accent1"/>
+            </a:fillRef>
+            <a:effectRef idx="0">
+              <a:schemeClr val="accent1"/>
+            </a:effectRef>
+            <a:fontRef idx="minor">
+              <a:schemeClr val="lt1"/>
+            </a:fontRef>
+          </p:style>
+          <p:txBody>
+            <a:bodyPr rtlCol="0" anchor="ctr"/>
+            <a:lstStyle/>
+            <a:p>
+              <a:pPr algn="ctr"/>
+              <a:endParaRPr lang="en-US"/>
+            </a:p>
+          </p:txBody>
+        </p:sp>
+        <p:sp>
+          <p:nvSpPr>
+            <p:cNvPr id="8" name="Rectangle 7">
+              <a:extLst>
+                <a:ext uri="{FF2B5EF4-FFF2-40B4-BE49-F238E27FC236}">
+                  <a16:creationId xmlns:a16="http://schemas.microsoft.com/office/drawing/2014/main" id="{8E674B5B-81F6-488E-B724-90DCCBEA244A}"/>
+                </a:ext>
+              </a:extLst>
+            </p:cNvPr>
+            <p:cNvSpPr/>
+            <p:nvPr/>
+          </p:nvSpPr>
+          <p:spPr>
+            <a:xfrm>
+              <a:off x="4272173" y="1510875"/>
+              <a:ext cx="439406" cy="411057"/>
+            </a:xfrm>
+            <a:prstGeom prst="rect">
+              <a:avLst/>
+            </a:prstGeom>
+            <a:solidFill>
+              <a:schemeClr val="bg1"/>
+            </a:solidFill>
+            <a:ln>
+              <a:noFill/>
+            </a:ln>
+          </p:spPr>
+          <p:style>
+            <a:lnRef idx="2">
+              <a:schemeClr val="accent1">
+                <a:shade val="50000"/>
+              </a:schemeClr>
+            </a:lnRef>
+            <a:fillRef idx="1">
+              <a:schemeClr val="accent1"/>
+            </a:fillRef>
+            <a:effectRef idx="0">
+              <a:schemeClr val="accent1"/>
+            </a:effectRef>
+            <a:fontRef idx="minor">
+              <a:schemeClr val="lt1"/>
+            </a:fontRef>
+          </p:style>
+          <p:txBody>
+            <a:bodyPr rtlCol="0" anchor="ctr"/>
+            <a:lstStyle/>
+            <a:p>
+              <a:pPr algn="ctr"/>
+              <a:endParaRPr lang="en-US"/>
+            </a:p>
+          </p:txBody>
+        </p:sp>
+        <p:sp>
+          <p:nvSpPr>
+            <p:cNvPr id="9" name="TextBox 8">
+              <a:extLst>
+                <a:ext uri="{FF2B5EF4-FFF2-40B4-BE49-F238E27FC236}">
+                  <a16:creationId xmlns:a16="http://schemas.microsoft.com/office/drawing/2014/main" id="{CF3E441A-CD28-4EA3-93AE-A3845636546A}"/>
+                </a:ext>
+              </a:extLst>
+            </p:cNvPr>
+            <p:cNvSpPr txBox="1"/>
+            <p:nvPr/>
+          </p:nvSpPr>
+          <p:spPr>
+            <a:xfrm rot="16200000">
+              <a:off x="3742575" y="2190436"/>
+              <a:ext cx="1090714" cy="1047432"/>
+            </a:xfrm>
+            <a:prstGeom prst="rect">
+              <a:avLst/>
+            </a:prstGeom>
+            <a:noFill/>
+          </p:spPr>
+          <p:txBody>
+            <a:bodyPr wrap="square" rtlCol="0">
+              <a:spAutoFit/>
+            </a:bodyPr>
+            <a:lstStyle/>
+            <a:p>
+              <a:r>
+                <a:rPr lang="en-US" sz="6600" dirty="0"/>
+                <a:t>⇋</a:t>
+              </a:r>
+            </a:p>
+          </p:txBody>
+        </p:sp>
+        <p:cxnSp>
+          <p:nvCxnSpPr>
+            <p:cNvPr id="10" name="Straight Arrow Connector 9">
+              <a:extLst>
+                <a:ext uri="{FF2B5EF4-FFF2-40B4-BE49-F238E27FC236}">
+                  <a16:creationId xmlns:a16="http://schemas.microsoft.com/office/drawing/2014/main" id="{315FC438-1E68-419C-9D39-BA4B5A56C5E6}"/>
+                </a:ext>
+              </a:extLst>
+            </p:cNvPr>
+            <p:cNvCxnSpPr>
+              <a:cxnSpLocks/>
+              <a:endCxn id="5" idx="3"/>
+            </p:cNvCxnSpPr>
+            <p:nvPr/>
+          </p:nvCxnSpPr>
+          <p:spPr>
+            <a:xfrm>
+              <a:off x="1620762" y="2997683"/>
+              <a:ext cx="541012" cy="1134"/>
+            </a:xfrm>
+            <a:prstGeom prst="straightConnector1">
+              <a:avLst/>
+            </a:prstGeom>
+            <a:ln w="28575">
+              <a:solidFill>
+                <a:schemeClr val="tx1"/>
+              </a:solidFill>
+              <a:tailEnd type="triangle"/>
+            </a:ln>
+          </p:spPr>
+          <p:style>
+            <a:lnRef idx="1">
+              <a:schemeClr val="accent1"/>
+            </a:lnRef>
+            <a:fillRef idx="0">
+              <a:schemeClr val="accent1"/>
+            </a:fillRef>
+            <a:effectRef idx="0">
+              <a:schemeClr val="accent1"/>
+            </a:effectRef>
+            <a:fontRef idx="minor">
+              <a:schemeClr val="tx1"/>
+            </a:fontRef>
+          </p:style>
+        </p:cxnSp>
+        <p:cxnSp>
+          <p:nvCxnSpPr>
+            <p:cNvPr id="11" name="Straight Arrow Connector 10">
+              <a:extLst>
+                <a:ext uri="{FF2B5EF4-FFF2-40B4-BE49-F238E27FC236}">
+                  <a16:creationId xmlns:a16="http://schemas.microsoft.com/office/drawing/2014/main" id="{14A248DA-97BF-4CAC-94DD-81FDF3F296FC}"/>
+                </a:ext>
+              </a:extLst>
+            </p:cNvPr>
+            <p:cNvCxnSpPr>
+              <a:cxnSpLocks/>
+            </p:cNvCxnSpPr>
+            <p:nvPr/>
+          </p:nvCxnSpPr>
+          <p:spPr>
+            <a:xfrm flipV="1">
+              <a:off x="6817740" y="2997683"/>
+              <a:ext cx="415787" cy="1134"/>
+            </a:xfrm>
+            <a:prstGeom prst="straightConnector1">
+              <a:avLst/>
+            </a:prstGeom>
+            <a:ln w="28575">
+              <a:solidFill>
+                <a:schemeClr val="tx1"/>
+              </a:solidFill>
+              <a:tailEnd type="triangle"/>
+            </a:ln>
+          </p:spPr>
+          <p:style>
+            <a:lnRef idx="1">
+              <a:schemeClr val="accent1"/>
+            </a:lnRef>
+            <a:fillRef idx="0">
+              <a:schemeClr val="accent1"/>
+            </a:fillRef>
+            <a:effectRef idx="0">
+              <a:schemeClr val="accent1"/>
+            </a:effectRef>
+            <a:fontRef idx="minor">
+              <a:schemeClr val="tx1"/>
+            </a:fontRef>
+          </p:style>
+        </p:cxnSp>
+        <p:sp>
+          <p:nvSpPr>
+            <p:cNvPr id="12" name="TextBox 11">
+              <a:extLst>
+                <a:ext uri="{FF2B5EF4-FFF2-40B4-BE49-F238E27FC236}">
+                  <a16:creationId xmlns:a16="http://schemas.microsoft.com/office/drawing/2014/main" id="{A8C90343-C663-4843-91C5-50F77B61FD58}"/>
+                </a:ext>
+              </a:extLst>
+            </p:cNvPr>
+            <p:cNvSpPr txBox="1"/>
+            <p:nvPr/>
+          </p:nvSpPr>
+          <p:spPr>
+            <a:xfrm>
+              <a:off x="2462345" y="2357511"/>
+              <a:ext cx="1154512" cy="413183"/>
+            </a:xfrm>
+            <a:prstGeom prst="rect">
+              <a:avLst/>
+            </a:prstGeom>
+            <a:noFill/>
+          </p:spPr>
+          <p:txBody>
+            <a:bodyPr wrap="square" rtlCol="0">
+              <a:spAutoFit/>
+            </a:bodyPr>
+            <a:lstStyle/>
+            <a:p>
+              <a:r>
+                <a:rPr lang="en-US" dirty="0"/>
+                <a:t>Alveoli</a:t>
+              </a:r>
+            </a:p>
+          </p:txBody>
+        </p:sp>
+        <p:sp>
+          <p:nvSpPr>
+            <p:cNvPr id="13" name="TextBox 12">
+              <a:extLst>
+                <a:ext uri="{FF2B5EF4-FFF2-40B4-BE49-F238E27FC236}">
+                  <a16:creationId xmlns:a16="http://schemas.microsoft.com/office/drawing/2014/main" id="{AB038C36-01FD-4CB2-AB34-8CAD6E1CF6F4}"/>
+                </a:ext>
+              </a:extLst>
+            </p:cNvPr>
+            <p:cNvSpPr txBox="1"/>
+            <p:nvPr/>
+          </p:nvSpPr>
+          <p:spPr>
+            <a:xfrm>
+              <a:off x="4711577" y="936667"/>
+              <a:ext cx="1188511" cy="413183"/>
+            </a:xfrm>
+            <a:prstGeom prst="rect">
+              <a:avLst/>
+            </a:prstGeom>
+            <a:noFill/>
+          </p:spPr>
+          <p:txBody>
+            <a:bodyPr wrap="square" rtlCol="0">
+              <a:spAutoFit/>
+            </a:bodyPr>
+            <a:lstStyle/>
+            <a:p>
+              <a:r>
+                <a:rPr lang="en-US" dirty="0"/>
+                <a:t>Airway</a:t>
+              </a:r>
+            </a:p>
+          </p:txBody>
+        </p:sp>
+        <p:sp>
+          <p:nvSpPr>
+            <p:cNvPr id="14" name="TextBox 13">
+              <a:extLst>
+                <a:ext uri="{FF2B5EF4-FFF2-40B4-BE49-F238E27FC236}">
+                  <a16:creationId xmlns:a16="http://schemas.microsoft.com/office/drawing/2014/main" id="{D3E4E945-779A-4758-9A1D-08595C926E9E}"/>
+                </a:ext>
+              </a:extLst>
+            </p:cNvPr>
+            <p:cNvSpPr txBox="1"/>
+            <p:nvPr/>
+          </p:nvSpPr>
+          <p:spPr>
+            <a:xfrm>
+              <a:off x="2267710" y="2779462"/>
+              <a:ext cx="2272707" cy="413183"/>
+            </a:xfrm>
+            <a:prstGeom prst="rect">
+              <a:avLst/>
+            </a:prstGeom>
+            <a:noFill/>
+            <a:ln>
+              <a:noFill/>
+            </a:ln>
+          </p:spPr>
+          <p:txBody>
+            <a:bodyPr wrap="square" rtlCol="0">
+              <a:spAutoFit/>
+            </a:bodyPr>
+            <a:lstStyle/>
+            <a:p>
+              <a:r>
+                <a:rPr lang="en-US" b="1" dirty="0">
+                  <a:ln w="10160">
+                    <a:solidFill>
+                      <a:schemeClr val="tx1"/>
+                    </a:solidFill>
+                    <a:prstDash val="solid"/>
+                  </a:ln>
+                  <a:solidFill>
+                    <a:srgbClr val="FFFFFF"/>
+                  </a:solidFill>
+                  <a:effectLst>
+                    <a:outerShdw blurRad="38100" dist="22860" dir="5400000" algn="tl" rotWithShape="0">
+                      <a:srgbClr val="000000">
+                        <a:alpha val="30000"/>
+                      </a:srgbClr>
+                    </a:outerShdw>
+                  </a:effectLst>
+                </a:rPr>
+                <a:t>Capillaries</a:t>
+              </a:r>
+            </a:p>
+          </p:txBody>
+        </p:sp>
+      </p:grpSp>
+      <mc:AlternateContent xmlns:mc="http://schemas.openxmlformats.org/markup-compatibility/2006" xmlns:a14="http://schemas.microsoft.com/office/drawing/2010/main">
+        <mc:Choice Requires="a14">
+          <p:sp>
+            <p:nvSpPr>
+              <p:cNvPr id="16" name="TextBox 15">
+                <a:extLst>
+                  <a:ext uri="{FF2B5EF4-FFF2-40B4-BE49-F238E27FC236}">
+                    <a16:creationId xmlns:a16="http://schemas.microsoft.com/office/drawing/2014/main" id="{EF005087-2E35-42AA-853F-2BEA8793309A}"/>
+                  </a:ext>
+                </a:extLst>
+              </p:cNvPr>
+              <p:cNvSpPr txBox="1"/>
+              <p:nvPr/>
+            </p:nvSpPr>
+            <p:spPr>
+              <a:xfrm>
+                <a:off x="7796434" y="3701205"/>
+                <a:ext cx="4082288" cy="2308324"/>
+              </a:xfrm>
+              <a:prstGeom prst="rect">
+                <a:avLst/>
+              </a:prstGeom>
+              <a:noFill/>
+              <a:ln w="19050">
+                <a:solidFill>
+                  <a:schemeClr val="tx1"/>
+                </a:solidFill>
+              </a:ln>
+            </p:spPr>
+            <p:txBody>
+              <a:bodyPr wrap="square" rtlCol="0">
+                <a:spAutoFit/>
+              </a:bodyPr>
+              <a:lstStyle/>
+              <a:p>
+                <a14:m>
+                  <m:oMath xmlns:m="http://schemas.openxmlformats.org/officeDocument/2006/math">
+                    <m:sSub>
+                      <m:sSubPr>
+                        <m:ctrlPr>
+                          <a:rPr lang="en-US" b="0" i="1" smtClean="0">
+                            <a:latin typeface="Cambria Math" panose="02040503050406030204" pitchFamily="18" charset="0"/>
+                          </a:rPr>
+                        </m:ctrlPr>
+                      </m:sSubPr>
+                      <m:e>
+                        <m:r>
+                          <a:rPr lang="en-US" b="0" i="1" smtClean="0">
+                            <a:latin typeface="Cambria Math" panose="02040503050406030204" pitchFamily="18" charset="0"/>
+                          </a:rPr>
+                          <m:t>𝑃</m:t>
+                        </m:r>
+                      </m:e>
+                      <m:sub>
+                        <m:r>
+                          <a:rPr lang="en-US" b="0" i="1" smtClean="0">
+                            <a:latin typeface="Cambria Math" panose="02040503050406030204" pitchFamily="18" charset="0"/>
+                          </a:rPr>
+                          <m:t>𝑖𝑛</m:t>
+                        </m:r>
+                      </m:sub>
+                    </m:sSub>
+                  </m:oMath>
+                </a14:m>
+                <a:r>
+                  <a:rPr lang="en-US" b="0" i="1" dirty="0">
+                    <a:latin typeface="Cambria Math" panose="02040503050406030204" pitchFamily="18" charset="0"/>
+                  </a:rPr>
+                  <a:t> </a:t>
+                </a:r>
+                <a:r>
+                  <a:rPr lang="en-US" dirty="0"/>
+                  <a:t>– deoxygenated blood (mmHg)</a:t>
+                </a:r>
+                <a:endParaRPr lang="en-US" b="0" i="1" dirty="0">
+                  <a:latin typeface="Cambria Math" panose="02040503050406030204" pitchFamily="18" charset="0"/>
+                </a:endParaRPr>
+              </a:p>
+              <a:p>
+                <a14:m>
+                  <m:oMath xmlns:m="http://schemas.openxmlformats.org/officeDocument/2006/math">
+                    <m:sSub>
+                      <m:sSubPr>
+                        <m:ctrlPr>
+                          <a:rPr lang="en-US" b="0" i="1" smtClean="0">
+                            <a:latin typeface="Cambria Math" panose="02040503050406030204" pitchFamily="18" charset="0"/>
+                          </a:rPr>
+                        </m:ctrlPr>
+                      </m:sSubPr>
+                      <m:e>
+                        <m:r>
+                          <a:rPr lang="en-US" b="0" i="1" smtClean="0">
+                            <a:latin typeface="Cambria Math" panose="02040503050406030204" pitchFamily="18" charset="0"/>
+                          </a:rPr>
+                          <m:t>𝑃</m:t>
+                        </m:r>
+                      </m:e>
+                      <m:sub>
+                        <m:r>
+                          <a:rPr lang="en-US" b="0" i="1" smtClean="0">
+                            <a:latin typeface="Cambria Math" panose="02040503050406030204" pitchFamily="18" charset="0"/>
+                          </a:rPr>
+                          <m:t>𝑎𝑖𝑟</m:t>
+                        </m:r>
+                      </m:sub>
+                    </m:sSub>
+                  </m:oMath>
+                </a14:m>
+                <a:r>
+                  <a:rPr lang="en-US" dirty="0"/>
+                  <a:t> – oxygen in the air (mmHg)</a:t>
+                </a:r>
+                <a:endParaRPr lang="en-US" b="0" i="1" dirty="0">
+                  <a:latin typeface="Cambria Math" panose="02040503050406030204" pitchFamily="18" charset="0"/>
+                </a:endParaRPr>
+              </a:p>
+              <a:p>
+                <a:endParaRPr lang="en-US" b="0" i="1" dirty="0">
+                  <a:latin typeface="Cambria Math" panose="02040503050406030204" pitchFamily="18" charset="0"/>
+                </a:endParaRPr>
+              </a:p>
+              <a:p>
+                <a14:m>
+                  <m:oMath xmlns:m="http://schemas.openxmlformats.org/officeDocument/2006/math">
+                    <m:r>
+                      <a:rPr lang="en-US" b="0" i="1" smtClean="0">
+                        <a:latin typeface="Cambria Math" panose="02040503050406030204" pitchFamily="18" charset="0"/>
+                      </a:rPr>
+                      <m:t>𝑞</m:t>
+                    </m:r>
+                  </m:oMath>
+                </a14:m>
+                <a:r>
+                  <a:rPr lang="en-US" dirty="0"/>
+                  <a:t> – blood flow (ml/s)</a:t>
+                </a:r>
+              </a:p>
+              <a:p>
+                <a14:m>
+                  <m:oMath xmlns:m="http://schemas.openxmlformats.org/officeDocument/2006/math">
+                    <m:r>
+                      <a:rPr lang="en-US" b="0" i="1" smtClean="0">
+                        <a:latin typeface="Cambria Math" panose="02040503050406030204" pitchFamily="18" charset="0"/>
+                      </a:rPr>
+                      <m:t>𝑣</m:t>
+                    </m:r>
+                  </m:oMath>
+                </a14:m>
+                <a:r>
+                  <a:rPr lang="en-US" dirty="0"/>
+                  <a:t> – air flow (ml/s)</a:t>
+                </a:r>
+              </a:p>
+              <a:p>
+                <a14:m>
+                  <m:oMath xmlns:m="http://schemas.openxmlformats.org/officeDocument/2006/math">
+                    <m:r>
+                      <a:rPr lang="en-US" b="0" i="1" smtClean="0">
+                        <a:latin typeface="Cambria Math" panose="02040503050406030204" pitchFamily="18" charset="0"/>
+                      </a:rPr>
+                      <m:t>𝐷</m:t>
+                    </m:r>
+                  </m:oMath>
+                </a14:m>
+                <a:r>
+                  <a:rPr lang="en-US" dirty="0"/>
+                  <a:t> – apparent diffusion capacity (ml/s)</a:t>
+                </a:r>
+              </a:p>
+              <a:p>
+                <a:endParaRPr lang="en-US" dirty="0"/>
+              </a:p>
+              <a:p>
+                <a14:m>
+                  <m:oMath xmlns:m="http://schemas.openxmlformats.org/officeDocument/2006/math">
+                    <m:r>
+                      <a:rPr lang="en-US" b="0" i="1" smtClean="0">
+                        <a:latin typeface="Cambria Math" panose="02040503050406030204" pitchFamily="18" charset="0"/>
+                      </a:rPr>
+                      <m:t>𝑙</m:t>
+                    </m:r>
+                  </m:oMath>
+                </a14:m>
+                <a:r>
+                  <a:rPr lang="en-US" dirty="0"/>
+                  <a:t> – length of capillary (cm)</a:t>
+                </a:r>
+              </a:p>
+            </p:txBody>
+          </p:sp>
+        </mc:Choice>
+        <mc:Fallback xmlns="">
+          <p:sp>
+            <p:nvSpPr>
+              <p:cNvPr id="16" name="TextBox 15">
+                <a:extLst>
+                  <a:ext uri="{FF2B5EF4-FFF2-40B4-BE49-F238E27FC236}">
+                    <a16:creationId xmlns:a16="http://schemas.microsoft.com/office/drawing/2014/main" id="{EF005087-2E35-42AA-853F-2BEA8793309A}"/>
+                  </a:ext>
+                </a:extLst>
+              </p:cNvPr>
+              <p:cNvSpPr txBox="1">
+                <a:spLocks noRot="1" noChangeAspect="1" noMove="1" noResize="1" noEditPoints="1" noAdjustHandles="1" noChangeArrowheads="1" noChangeShapeType="1" noTextEdit="1"/>
+              </p:cNvSpPr>
+              <p:nvPr/>
+            </p:nvSpPr>
+            <p:spPr>
+              <a:xfrm>
+                <a:off x="7796434" y="3701205"/>
+                <a:ext cx="4082288" cy="2308324"/>
+              </a:xfrm>
+              <a:prstGeom prst="rect">
+                <a:avLst/>
+              </a:prstGeom>
+              <a:blipFill>
+                <a:blip r:embed="rId3"/>
+                <a:stretch>
+                  <a:fillRect t="-1047" b="-2618"/>
+                </a:stretch>
+              </a:blipFill>
+              <a:ln w="19050">
+                <a:solidFill>
+                  <a:schemeClr val="tx1"/>
+                </a:solidFill>
+              </a:ln>
+            </p:spPr>
+            <p:txBody>
+              <a:bodyPr/>
+              <a:lstStyle/>
+              <a:p>
+                <a:r>
+                  <a:rPr lang="en-US">
+                    <a:noFill/>
+                  </a:rPr>
+                  <a:t> </a:t>
+                </a:r>
+              </a:p>
+            </p:txBody>
+          </p:sp>
+        </mc:Fallback>
+      </mc:AlternateContent>
+    </p:spTree>
+    <p:extLst>
+      <p:ext uri="{BB962C8B-B14F-4D97-AF65-F5344CB8AC3E}">
+        <p14:creationId xmlns:p14="http://schemas.microsoft.com/office/powerpoint/2010/main" val="2207657403"/>
+      </p:ext>
+    </p:extLst>
+  </p:cSld>
+  <p:clrMapOvr>
+    <a:masterClrMapping/>
+  </p:clrMapOvr>
+</p:sld>
+</file>
+
+<file path=ppt/slides/slide11.xml><?xml version="1.0" encoding="utf-8"?>
+<p:sld xmlns:a="http://schemas.openxmlformats.org/drawingml/2006/main" xmlns:r="http://schemas.openxmlformats.org/officeDocument/2006/relationships" xmlns:p="http://schemas.openxmlformats.org/presentationml/2006/main">
+  <p:cSld>
+    <p:spTree>
+      <p:nvGrpSpPr>
+        <p:cNvPr id="1" name=""/>
+        <p:cNvGrpSpPr/>
+        <p:nvPr/>
+      </p:nvGrpSpPr>
+      <p:grpSpPr>
+        <a:xfrm>
+          <a:off x="0" y="0"/>
+          <a:ext cx="0" cy="0"/>
+          <a:chOff x="0" y="0"/>
+          <a:chExt cx="0" cy="0"/>
+        </a:xfrm>
+      </p:grpSpPr>
       <p:sp>
         <p:nvSpPr>
-          <p:cNvPr id="3" name="Content Placeholder 2">
+          <p:cNvPr id="2" name="Title 1">
             <a:extLst>
               <a:ext uri="{FF2B5EF4-FFF2-40B4-BE49-F238E27FC236}">
-                <a16:creationId xmlns:a16="http://schemas.microsoft.com/office/drawing/2014/main" id="{66F25524-E2F4-47E9-9F4E-87D3944103F0}"/>
+                <a16:creationId xmlns:a16="http://schemas.microsoft.com/office/drawing/2014/main" id="{C3B035D3-B986-41FE-AF30-EC90847215BB}"/>
               </a:ext>
             </a:extLst>
           </p:cNvPr>
@@ -3958,67 +5708,1137 @@
             <a:spLocks noGrp="1"/>
           </p:cNvSpPr>
           <p:nvPr>
-            <p:ph idx="1"/>
+            <p:ph type="title"/>
           </p:nvPr>
         </p:nvSpPr>
         <p:spPr/>
         <p:txBody>
-          <a:bodyPr>
-            <a:normAutofit lnSpcReduction="10000"/>
-          </a:bodyPr>
+          <a:bodyPr/>
           <a:lstStyle/>
           <a:p>
             <a:r>
-              <a:rPr lang="en-US" u="sng" dirty="0"/>
-              <a:t>Something is likely wrong with the model formulation</a:t>
-            </a:r>
-          </a:p>
-          <a:p>
-            <a:pPr lvl="1"/>
-            <a:r>
               <a:rPr lang="en-US" dirty="0"/>
-              <a:t>But I’m not sure what</a:t>
-            </a:r>
-          </a:p>
-          <a:p>
-            <a:endParaRPr lang="en-US" dirty="0"/>
-          </a:p>
-          <a:p>
-            <a:r>
-              <a:rPr lang="en-US" dirty="0"/>
-              <a:t>The complete removal of airflow dependence does not make sense</a:t>
-            </a:r>
-          </a:p>
-          <a:p>
-            <a:r>
-              <a:rPr lang="en-US" dirty="0"/>
-              <a:t>It appears that the fixed point for the alveolar oxygen is effectively the oxygen in the atmosphere for all air and blood flows</a:t>
-            </a:r>
-          </a:p>
-          <a:p>
-            <a:pPr lvl="1"/>
-            <a:r>
-              <a:rPr lang="en-US" dirty="0"/>
-              <a:t>I’ve double checked this by solving the kinetics of the ODE system and the model does equilibrate so that alveolar oxygen is basically 150 mmHg for all conditions</a:t>
-            </a:r>
-          </a:p>
-          <a:p>
-            <a:pPr lvl="1"/>
-            <a:r>
-              <a:rPr lang="en-US" dirty="0"/>
-              <a:t>I can conclude that I did my numerical solving of fixed points properly, so something about the model formulation must </a:t>
-            </a:r>
-            <a:r>
-              <a:rPr lang="en-US"/>
-              <a:t>be wrong</a:t>
+              <a:t>Fixed Points of Model C</a:t>
             </a:r>
           </a:p>
         </p:txBody>
       </p:sp>
+      <mc:AlternateContent xmlns:mc="http://schemas.openxmlformats.org/markup-compatibility/2006">
+        <mc:Choice xmlns:a14="http://schemas.microsoft.com/office/drawing/2010/main" Requires="a14">
+          <p:sp>
+            <p:nvSpPr>
+              <p:cNvPr id="3" name="Content Placeholder 2">
+                <a:extLst>
+                  <a:ext uri="{FF2B5EF4-FFF2-40B4-BE49-F238E27FC236}">
+                    <a16:creationId xmlns:a16="http://schemas.microsoft.com/office/drawing/2014/main" id="{C923CB21-4307-42BE-8C89-3478E760FC11}"/>
+                  </a:ext>
+                </a:extLst>
+              </p:cNvPr>
+              <p:cNvSpPr>
+                <a:spLocks noGrp="1"/>
+              </p:cNvSpPr>
+              <p:nvPr>
+                <p:ph idx="1"/>
+              </p:nvPr>
+            </p:nvSpPr>
+            <p:spPr/>
+            <p:txBody>
+              <a:bodyPr>
+                <a:normAutofit fontScale="92500" lnSpcReduction="20000"/>
+              </a:bodyPr>
+              <a:lstStyle/>
+              <a:p>
+                <a:r>
+                  <a:rPr lang="en-US" b="1" dirty="0">
+                    <a:latin typeface="Calibri" panose="020F0502020204030204" pitchFamily="34" charset="0"/>
+                    <a:cs typeface="Calibri" panose="020F0502020204030204" pitchFamily="34" charset="0"/>
+                  </a:rPr>
+                  <a:t>Steady State solution for the spatial profile of the capillary</a:t>
+                </a:r>
+              </a:p>
+              <a:p>
+                <a14:m>
+                  <m:oMath xmlns:m="http://schemas.openxmlformats.org/officeDocument/2006/math">
+                    <m:sSubSup>
+                      <m:sSubSupPr>
+                        <m:ctrlPr>
+                          <a:rPr lang="en-US" b="0" i="1" smtClean="0">
+                            <a:latin typeface="Cambria Math" panose="02040503050406030204" pitchFamily="18" charset="0"/>
+                          </a:rPr>
+                        </m:ctrlPr>
+                      </m:sSubSupPr>
+                      <m:e>
+                        <m:r>
+                          <a:rPr lang="en-US" b="0" i="1" smtClean="0">
+                            <a:latin typeface="Cambria Math" panose="02040503050406030204" pitchFamily="18" charset="0"/>
+                          </a:rPr>
+                          <m:t>𝑃</m:t>
+                        </m:r>
+                      </m:e>
+                      <m:sub>
+                        <m:r>
+                          <a:rPr lang="en-US" b="0" i="1" smtClean="0">
+                            <a:latin typeface="Cambria Math" panose="02040503050406030204" pitchFamily="18" charset="0"/>
+                          </a:rPr>
+                          <m:t>𝑣𝑎𝑠𝑐</m:t>
+                        </m:r>
+                      </m:sub>
+                      <m:sup>
+                        <m:r>
+                          <a:rPr lang="en-US" b="0" i="1" smtClean="0">
+                            <a:latin typeface="Cambria Math" panose="02040503050406030204" pitchFamily="18" charset="0"/>
+                          </a:rPr>
+                          <m:t>∗</m:t>
+                        </m:r>
+                      </m:sup>
+                    </m:sSubSup>
+                    <m:d>
+                      <m:dPr>
+                        <m:ctrlPr>
+                          <a:rPr lang="en-US" b="0" i="1" smtClean="0">
+                            <a:latin typeface="Cambria Math" panose="02040503050406030204" pitchFamily="18" charset="0"/>
+                          </a:rPr>
+                        </m:ctrlPr>
+                      </m:dPr>
+                      <m:e>
+                        <m:r>
+                          <a:rPr lang="en-US" b="0" i="1" smtClean="0">
+                            <a:latin typeface="Cambria Math" panose="02040503050406030204" pitchFamily="18" charset="0"/>
+                          </a:rPr>
+                          <m:t>𝑥</m:t>
+                        </m:r>
+                      </m:e>
+                    </m:d>
+                    <m:r>
+                      <a:rPr lang="en-US" b="0" i="1" smtClean="0">
+                        <a:latin typeface="Cambria Math" panose="02040503050406030204" pitchFamily="18" charset="0"/>
+                      </a:rPr>
+                      <m:t>=</m:t>
+                    </m:r>
+                    <m:sSub>
+                      <m:sSubPr>
+                        <m:ctrlPr>
+                          <a:rPr lang="en-US" b="0" i="1" smtClean="0">
+                            <a:latin typeface="Cambria Math" panose="02040503050406030204" pitchFamily="18" charset="0"/>
+                          </a:rPr>
+                        </m:ctrlPr>
+                      </m:sSubPr>
+                      <m:e>
+                        <m:r>
+                          <a:rPr lang="en-US" b="0" i="1" smtClean="0">
+                            <a:latin typeface="Cambria Math" panose="02040503050406030204" pitchFamily="18" charset="0"/>
+                          </a:rPr>
+                          <m:t>𝑃</m:t>
+                        </m:r>
+                      </m:e>
+                      <m:sub>
+                        <m:r>
+                          <a:rPr lang="en-US" b="0" i="1" smtClean="0">
+                            <a:latin typeface="Cambria Math" panose="02040503050406030204" pitchFamily="18" charset="0"/>
+                          </a:rPr>
+                          <m:t>𝑎𝑙𝑣</m:t>
+                        </m:r>
+                      </m:sub>
+                    </m:sSub>
+                    <m:r>
+                      <a:rPr lang="en-US" b="0" i="1" smtClean="0">
+                        <a:latin typeface="Cambria Math" panose="02040503050406030204" pitchFamily="18" charset="0"/>
+                      </a:rPr>
+                      <m:t>+</m:t>
+                    </m:r>
+                    <m:d>
+                      <m:dPr>
+                        <m:ctrlPr>
+                          <a:rPr lang="en-US" b="0" i="1" smtClean="0">
+                            <a:latin typeface="Cambria Math" panose="02040503050406030204" pitchFamily="18" charset="0"/>
+                          </a:rPr>
+                        </m:ctrlPr>
+                      </m:dPr>
+                      <m:e>
+                        <m:sSub>
+                          <m:sSubPr>
+                            <m:ctrlPr>
+                              <a:rPr lang="en-US" b="0" i="1" smtClean="0">
+                                <a:latin typeface="Cambria Math" panose="02040503050406030204" pitchFamily="18" charset="0"/>
+                              </a:rPr>
+                            </m:ctrlPr>
+                          </m:sSubPr>
+                          <m:e>
+                            <m:r>
+                              <a:rPr lang="en-US" b="0" i="1" smtClean="0">
+                                <a:latin typeface="Cambria Math" panose="02040503050406030204" pitchFamily="18" charset="0"/>
+                              </a:rPr>
+                              <m:t>𝑃</m:t>
+                            </m:r>
+                          </m:e>
+                          <m:sub>
+                            <m:r>
+                              <a:rPr lang="en-US" b="0" i="1" smtClean="0">
+                                <a:latin typeface="Cambria Math" panose="02040503050406030204" pitchFamily="18" charset="0"/>
+                              </a:rPr>
+                              <m:t>𝑖𝑛</m:t>
+                            </m:r>
+                          </m:sub>
+                        </m:sSub>
+                        <m:r>
+                          <a:rPr lang="en-US" b="0" i="1" smtClean="0">
+                            <a:latin typeface="Cambria Math" panose="02040503050406030204" pitchFamily="18" charset="0"/>
+                          </a:rPr>
+                          <m:t>−</m:t>
+                        </m:r>
+                        <m:sSub>
+                          <m:sSubPr>
+                            <m:ctrlPr>
+                              <a:rPr lang="en-US" b="0" i="1" smtClean="0">
+                                <a:latin typeface="Cambria Math" panose="02040503050406030204" pitchFamily="18" charset="0"/>
+                              </a:rPr>
+                            </m:ctrlPr>
+                          </m:sSubPr>
+                          <m:e>
+                            <m:r>
+                              <a:rPr lang="en-US" b="0" i="1" smtClean="0">
+                                <a:latin typeface="Cambria Math" panose="02040503050406030204" pitchFamily="18" charset="0"/>
+                              </a:rPr>
+                              <m:t>𝑃</m:t>
+                            </m:r>
+                          </m:e>
+                          <m:sub>
+                            <m:r>
+                              <a:rPr lang="en-US" b="0" i="1" smtClean="0">
+                                <a:latin typeface="Cambria Math" panose="02040503050406030204" pitchFamily="18" charset="0"/>
+                              </a:rPr>
+                              <m:t>𝑎𝑙𝑣</m:t>
+                            </m:r>
+                          </m:sub>
+                        </m:sSub>
+                      </m:e>
+                    </m:d>
+                    <m:func>
+                      <m:funcPr>
+                        <m:ctrlPr>
+                          <a:rPr lang="en-US" b="0" i="1" smtClean="0">
+                            <a:latin typeface="Cambria Math" panose="02040503050406030204" pitchFamily="18" charset="0"/>
+                          </a:rPr>
+                        </m:ctrlPr>
+                      </m:funcPr>
+                      <m:fName>
+                        <m:r>
+                          <m:rPr>
+                            <m:sty m:val="p"/>
+                          </m:rPr>
+                          <a:rPr lang="en-US" b="0" i="0" smtClean="0">
+                            <a:latin typeface="Cambria Math" panose="02040503050406030204" pitchFamily="18" charset="0"/>
+                          </a:rPr>
+                          <m:t>exp</m:t>
+                        </m:r>
+                      </m:fName>
+                      <m:e>
+                        <m:d>
+                          <m:dPr>
+                            <m:ctrlPr>
+                              <a:rPr lang="en-US" b="0" i="1" smtClean="0">
+                                <a:latin typeface="Cambria Math" panose="02040503050406030204" pitchFamily="18" charset="0"/>
+                              </a:rPr>
+                            </m:ctrlPr>
+                          </m:dPr>
+                          <m:e>
+                            <m:r>
+                              <a:rPr lang="en-US" b="0" i="1" smtClean="0">
+                                <a:latin typeface="Cambria Math" panose="02040503050406030204" pitchFamily="18" charset="0"/>
+                              </a:rPr>
+                              <m:t>−</m:t>
+                            </m:r>
+                            <m:f>
+                              <m:fPr>
+                                <m:ctrlPr>
+                                  <a:rPr lang="en-US" b="0" i="1" smtClean="0">
+                                    <a:latin typeface="Cambria Math" panose="02040503050406030204" pitchFamily="18" charset="0"/>
+                                  </a:rPr>
+                                </m:ctrlPr>
+                              </m:fPr>
+                              <m:num>
+                                <m:r>
+                                  <a:rPr lang="en-US" b="0" i="1" smtClean="0">
+                                    <a:latin typeface="Cambria Math" panose="02040503050406030204" pitchFamily="18" charset="0"/>
+                                  </a:rPr>
+                                  <m:t>𝐷</m:t>
+                                </m:r>
+                              </m:num>
+                              <m:den>
+                                <m:r>
+                                  <a:rPr lang="en-US" b="0" i="1" smtClean="0">
+                                    <a:latin typeface="Cambria Math" panose="02040503050406030204" pitchFamily="18" charset="0"/>
+                                  </a:rPr>
+                                  <m:t>𝑞𝑙</m:t>
+                                </m:r>
+                              </m:den>
+                            </m:f>
+                            <m:r>
+                              <a:rPr lang="en-US" b="0" i="1" smtClean="0">
+                                <a:latin typeface="Cambria Math" panose="02040503050406030204" pitchFamily="18" charset="0"/>
+                              </a:rPr>
+                              <m:t>𝑥</m:t>
+                            </m:r>
+                          </m:e>
+                        </m:d>
+                      </m:e>
+                    </m:func>
+                  </m:oMath>
+                </a14:m>
+                <a:endParaRPr lang="en-US" b="0" dirty="0"/>
+              </a:p>
+              <a:p>
+                <a:endParaRPr lang="en-US" dirty="0"/>
+              </a:p>
+              <a:p>
+                <a14:m>
+                  <m:oMath xmlns:m="http://schemas.openxmlformats.org/officeDocument/2006/math">
+                    <m:d>
+                      <m:dPr>
+                        <m:begChr m:val="〈"/>
+                        <m:endChr m:val="〉"/>
+                        <m:ctrlPr>
+                          <a:rPr lang="en-US" b="0" i="1" smtClean="0">
+                            <a:latin typeface="Cambria Math" panose="02040503050406030204" pitchFamily="18" charset="0"/>
+                          </a:rPr>
+                        </m:ctrlPr>
+                      </m:dPr>
+                      <m:e>
+                        <m:sSubSup>
+                          <m:sSubSupPr>
+                            <m:ctrlPr>
+                              <a:rPr lang="en-US" b="0" i="1" smtClean="0">
+                                <a:latin typeface="Cambria Math" panose="02040503050406030204" pitchFamily="18" charset="0"/>
+                              </a:rPr>
+                            </m:ctrlPr>
+                          </m:sSubSupPr>
+                          <m:e>
+                            <m:r>
+                              <a:rPr lang="en-US" b="0" i="1" smtClean="0">
+                                <a:latin typeface="Cambria Math" panose="02040503050406030204" pitchFamily="18" charset="0"/>
+                              </a:rPr>
+                              <m:t>𝑃</m:t>
+                            </m:r>
+                          </m:e>
+                          <m:sub>
+                            <m:r>
+                              <a:rPr lang="en-US" b="0" i="1" smtClean="0">
+                                <a:latin typeface="Cambria Math" panose="02040503050406030204" pitchFamily="18" charset="0"/>
+                              </a:rPr>
+                              <m:t>𝑣𝑎𝑠𝑐</m:t>
+                            </m:r>
+                          </m:sub>
+                          <m:sup>
+                            <m:r>
+                              <a:rPr lang="en-US" b="0" i="1" smtClean="0">
+                                <a:latin typeface="Cambria Math" panose="02040503050406030204" pitchFamily="18" charset="0"/>
+                              </a:rPr>
+                              <m:t>∗</m:t>
+                            </m:r>
+                          </m:sup>
+                        </m:sSubSup>
+                      </m:e>
+                    </m:d>
+                    <m:r>
+                      <a:rPr lang="en-US" b="0" i="0" smtClean="0">
+                        <a:latin typeface="Cambria Math" panose="02040503050406030204" pitchFamily="18" charset="0"/>
+                      </a:rPr>
+                      <m:t>=</m:t>
+                    </m:r>
+                    <m:sSub>
+                      <m:sSubPr>
+                        <m:ctrlPr>
+                          <a:rPr lang="en-US" b="0" i="1" smtClean="0">
+                            <a:latin typeface="Cambria Math" panose="02040503050406030204" pitchFamily="18" charset="0"/>
+                          </a:rPr>
+                        </m:ctrlPr>
+                      </m:sSubPr>
+                      <m:e>
+                        <m:r>
+                          <a:rPr lang="en-US" b="0" i="1" smtClean="0">
+                            <a:latin typeface="Cambria Math" panose="02040503050406030204" pitchFamily="18" charset="0"/>
+                          </a:rPr>
+                          <m:t>𝑃</m:t>
+                        </m:r>
+                      </m:e>
+                      <m:sub>
+                        <m:r>
+                          <a:rPr lang="en-US" b="0" i="1" smtClean="0">
+                            <a:latin typeface="Cambria Math" panose="02040503050406030204" pitchFamily="18" charset="0"/>
+                          </a:rPr>
+                          <m:t>𝑎𝑙𝑣</m:t>
+                        </m:r>
+                      </m:sub>
+                    </m:sSub>
+                    <m:r>
+                      <a:rPr lang="en-US" b="0" i="1" smtClean="0">
+                        <a:latin typeface="Cambria Math" panose="02040503050406030204" pitchFamily="18" charset="0"/>
+                      </a:rPr>
+                      <m:t>+</m:t>
+                    </m:r>
+                    <m:f>
+                      <m:fPr>
+                        <m:ctrlPr>
+                          <a:rPr lang="en-US" b="0" i="1" smtClean="0">
+                            <a:latin typeface="Cambria Math" panose="02040503050406030204" pitchFamily="18" charset="0"/>
+                          </a:rPr>
+                        </m:ctrlPr>
+                      </m:fPr>
+                      <m:num>
+                        <m:r>
+                          <a:rPr lang="en-US" b="0" i="1" smtClean="0">
+                            <a:latin typeface="Cambria Math" panose="02040503050406030204" pitchFamily="18" charset="0"/>
+                          </a:rPr>
+                          <m:t>𝑞</m:t>
+                        </m:r>
+                      </m:num>
+                      <m:den>
+                        <m:r>
+                          <a:rPr lang="en-US" b="0" i="1" smtClean="0">
+                            <a:latin typeface="Cambria Math" panose="02040503050406030204" pitchFamily="18" charset="0"/>
+                          </a:rPr>
+                          <m:t>𝐷</m:t>
+                        </m:r>
+                      </m:den>
+                    </m:f>
+                    <m:d>
+                      <m:dPr>
+                        <m:ctrlPr>
+                          <a:rPr lang="en-US" b="0" i="1" smtClean="0">
+                            <a:latin typeface="Cambria Math" panose="02040503050406030204" pitchFamily="18" charset="0"/>
+                          </a:rPr>
+                        </m:ctrlPr>
+                      </m:dPr>
+                      <m:e>
+                        <m:sSub>
+                          <m:sSubPr>
+                            <m:ctrlPr>
+                              <a:rPr lang="en-US" b="0" i="1" smtClean="0">
+                                <a:latin typeface="Cambria Math" panose="02040503050406030204" pitchFamily="18" charset="0"/>
+                              </a:rPr>
+                            </m:ctrlPr>
+                          </m:sSubPr>
+                          <m:e>
+                            <m:r>
+                              <a:rPr lang="en-US" b="0" i="1" smtClean="0">
+                                <a:latin typeface="Cambria Math" panose="02040503050406030204" pitchFamily="18" charset="0"/>
+                              </a:rPr>
+                              <m:t>𝑃</m:t>
+                            </m:r>
+                          </m:e>
+                          <m:sub>
+                            <m:r>
+                              <a:rPr lang="en-US" b="0" i="1" smtClean="0">
+                                <a:latin typeface="Cambria Math" panose="02040503050406030204" pitchFamily="18" charset="0"/>
+                              </a:rPr>
+                              <m:t>𝑖𝑛</m:t>
+                            </m:r>
+                          </m:sub>
+                        </m:sSub>
+                        <m:r>
+                          <a:rPr lang="en-US" b="0" i="1" smtClean="0">
+                            <a:latin typeface="Cambria Math" panose="02040503050406030204" pitchFamily="18" charset="0"/>
+                          </a:rPr>
+                          <m:t>−</m:t>
+                        </m:r>
+                        <m:sSub>
+                          <m:sSubPr>
+                            <m:ctrlPr>
+                              <a:rPr lang="en-US" b="0" i="1" smtClean="0">
+                                <a:latin typeface="Cambria Math" panose="02040503050406030204" pitchFamily="18" charset="0"/>
+                              </a:rPr>
+                            </m:ctrlPr>
+                          </m:sSubPr>
+                          <m:e>
+                            <m:r>
+                              <a:rPr lang="en-US" b="0" i="1" smtClean="0">
+                                <a:latin typeface="Cambria Math" panose="02040503050406030204" pitchFamily="18" charset="0"/>
+                              </a:rPr>
+                              <m:t>𝑃</m:t>
+                            </m:r>
+                          </m:e>
+                          <m:sub>
+                            <m:r>
+                              <a:rPr lang="en-US" b="0" i="1" smtClean="0">
+                                <a:latin typeface="Cambria Math" panose="02040503050406030204" pitchFamily="18" charset="0"/>
+                              </a:rPr>
+                              <m:t>𝑎𝑙𝑣</m:t>
+                            </m:r>
+                          </m:sub>
+                        </m:sSub>
+                      </m:e>
+                    </m:d>
+                    <m:func>
+                      <m:funcPr>
+                        <m:ctrlPr>
+                          <a:rPr lang="en-US" b="0" i="1" smtClean="0">
+                            <a:latin typeface="Cambria Math" panose="02040503050406030204" pitchFamily="18" charset="0"/>
+                          </a:rPr>
+                        </m:ctrlPr>
+                      </m:funcPr>
+                      <m:fName>
+                        <m:r>
+                          <m:rPr>
+                            <m:sty m:val="p"/>
+                          </m:rPr>
+                          <a:rPr lang="en-US" b="0" i="0" smtClean="0">
+                            <a:latin typeface="Cambria Math" panose="02040503050406030204" pitchFamily="18" charset="0"/>
+                          </a:rPr>
+                          <m:t>exp</m:t>
+                        </m:r>
+                      </m:fName>
+                      <m:e>
+                        <m:d>
+                          <m:dPr>
+                            <m:ctrlPr>
+                              <a:rPr lang="en-US" b="0" i="1" smtClean="0">
+                                <a:latin typeface="Cambria Math" panose="02040503050406030204" pitchFamily="18" charset="0"/>
+                              </a:rPr>
+                            </m:ctrlPr>
+                          </m:dPr>
+                          <m:e>
+                            <m:r>
+                              <a:rPr lang="en-US" b="0" i="1" smtClean="0">
+                                <a:latin typeface="Cambria Math" panose="02040503050406030204" pitchFamily="18" charset="0"/>
+                              </a:rPr>
+                              <m:t>−</m:t>
+                            </m:r>
+                            <m:f>
+                              <m:fPr>
+                                <m:ctrlPr>
+                                  <a:rPr lang="en-US" b="0" i="1" smtClean="0">
+                                    <a:latin typeface="Cambria Math" panose="02040503050406030204" pitchFamily="18" charset="0"/>
+                                  </a:rPr>
+                                </m:ctrlPr>
+                              </m:fPr>
+                              <m:num>
+                                <m:r>
+                                  <a:rPr lang="en-US" b="0" i="1" smtClean="0">
+                                    <a:latin typeface="Cambria Math" panose="02040503050406030204" pitchFamily="18" charset="0"/>
+                                  </a:rPr>
+                                  <m:t>𝐷</m:t>
+                                </m:r>
+                              </m:num>
+                              <m:den>
+                                <m:r>
+                                  <a:rPr lang="en-US" b="0" i="1" smtClean="0">
+                                    <a:latin typeface="Cambria Math" panose="02040503050406030204" pitchFamily="18" charset="0"/>
+                                  </a:rPr>
+                                  <m:t>𝑞</m:t>
+                                </m:r>
+                              </m:den>
+                            </m:f>
+                          </m:e>
+                        </m:d>
+                      </m:e>
+                    </m:func>
+                  </m:oMath>
+                </a14:m>
+                <a:endParaRPr lang="en-US" b="1" dirty="0"/>
+              </a:p>
+              <a:p>
+                <a:endParaRPr lang="en-US" b="1" dirty="0"/>
+              </a:p>
+              <a:p>
+                <a:r>
+                  <a:rPr lang="en-US" b="1" dirty="0"/>
+                  <a:t>Fixed Points</a:t>
+                </a:r>
+              </a:p>
+              <a:p>
+                <a:pPr lvl="1"/>
+                <a14:m>
+                  <m:oMath xmlns:m="http://schemas.openxmlformats.org/officeDocument/2006/math">
+                    <m:sSubSup>
+                      <m:sSubSupPr>
+                        <m:ctrlPr>
+                          <a:rPr lang="en-US" b="0" i="1" smtClean="0">
+                            <a:latin typeface="Cambria Math" panose="02040503050406030204" pitchFamily="18" charset="0"/>
+                          </a:rPr>
+                        </m:ctrlPr>
+                      </m:sSubSupPr>
+                      <m:e>
+                        <m:r>
+                          <a:rPr lang="en-US" b="0" i="1" smtClean="0">
+                            <a:latin typeface="Cambria Math" panose="02040503050406030204" pitchFamily="18" charset="0"/>
+                          </a:rPr>
+                          <m:t>𝑃</m:t>
+                        </m:r>
+                      </m:e>
+                      <m:sub>
+                        <m:r>
+                          <a:rPr lang="en-US" b="0" i="1" smtClean="0">
+                            <a:latin typeface="Cambria Math" panose="02040503050406030204" pitchFamily="18" charset="0"/>
+                          </a:rPr>
+                          <m:t>𝑎𝑙𝑣</m:t>
+                        </m:r>
+                      </m:sub>
+                      <m:sup>
+                        <m:r>
+                          <a:rPr lang="en-US" b="0" i="1" smtClean="0">
+                            <a:latin typeface="Cambria Math" panose="02040503050406030204" pitchFamily="18" charset="0"/>
+                          </a:rPr>
+                          <m:t>∗</m:t>
+                        </m:r>
+                      </m:sup>
+                    </m:sSubSup>
+                    <m:r>
+                      <a:rPr lang="en-US" b="0" i="1" smtClean="0">
+                        <a:latin typeface="Cambria Math" panose="02040503050406030204" pitchFamily="18" charset="0"/>
+                      </a:rPr>
+                      <m:t>=</m:t>
+                    </m:r>
+                    <m:f>
+                      <m:fPr>
+                        <m:ctrlPr>
+                          <a:rPr lang="en-US" b="0" i="1" smtClean="0">
+                            <a:latin typeface="Cambria Math" panose="02040503050406030204" pitchFamily="18" charset="0"/>
+                          </a:rPr>
+                        </m:ctrlPr>
+                      </m:fPr>
+                      <m:num>
+                        <m:r>
+                          <a:rPr lang="en-US" b="0" i="1" smtClean="0">
+                            <a:latin typeface="Cambria Math" panose="02040503050406030204" pitchFamily="18" charset="0"/>
+                          </a:rPr>
+                          <m:t>𝑞</m:t>
+                        </m:r>
+                        <m:sSub>
+                          <m:sSubPr>
+                            <m:ctrlPr>
+                              <a:rPr lang="en-US" b="0" i="1" smtClean="0">
+                                <a:latin typeface="Cambria Math" panose="02040503050406030204" pitchFamily="18" charset="0"/>
+                              </a:rPr>
+                            </m:ctrlPr>
+                          </m:sSubPr>
+                          <m:e>
+                            <m:r>
+                              <a:rPr lang="en-US" b="0" i="1" smtClean="0">
+                                <a:latin typeface="Cambria Math" panose="02040503050406030204" pitchFamily="18" charset="0"/>
+                              </a:rPr>
+                              <m:t>𝑃</m:t>
+                            </m:r>
+                          </m:e>
+                          <m:sub>
+                            <m:r>
+                              <a:rPr lang="en-US" b="0" i="1" smtClean="0">
+                                <a:latin typeface="Cambria Math" panose="02040503050406030204" pitchFamily="18" charset="0"/>
+                              </a:rPr>
+                              <m:t>𝑖𝑛</m:t>
+                            </m:r>
+                          </m:sub>
+                        </m:sSub>
+                        <m:d>
+                          <m:dPr>
+                            <m:ctrlPr>
+                              <a:rPr lang="en-US" b="0" i="1" smtClean="0">
+                                <a:latin typeface="Cambria Math" panose="02040503050406030204" pitchFamily="18" charset="0"/>
+                              </a:rPr>
+                            </m:ctrlPr>
+                          </m:dPr>
+                          <m:e>
+                            <m:r>
+                              <a:rPr lang="en-US" b="0" i="1" smtClean="0">
+                                <a:latin typeface="Cambria Math" panose="02040503050406030204" pitchFamily="18" charset="0"/>
+                              </a:rPr>
+                              <m:t>1−</m:t>
+                            </m:r>
+                            <m:func>
+                              <m:funcPr>
+                                <m:ctrlPr>
+                                  <a:rPr lang="en-US" b="0" i="1" smtClean="0">
+                                    <a:latin typeface="Cambria Math" panose="02040503050406030204" pitchFamily="18" charset="0"/>
+                                  </a:rPr>
+                                </m:ctrlPr>
+                              </m:funcPr>
+                              <m:fName>
+                                <m:r>
+                                  <m:rPr>
+                                    <m:sty m:val="p"/>
+                                  </m:rPr>
+                                  <a:rPr lang="en-US" b="0" i="0" smtClean="0">
+                                    <a:latin typeface="Cambria Math" panose="02040503050406030204" pitchFamily="18" charset="0"/>
+                                  </a:rPr>
+                                  <m:t>exp</m:t>
+                                </m:r>
+                              </m:fName>
+                              <m:e>
+                                <m:d>
+                                  <m:dPr>
+                                    <m:ctrlPr>
+                                      <a:rPr lang="en-US" b="0" i="1" smtClean="0">
+                                        <a:latin typeface="Cambria Math" panose="02040503050406030204" pitchFamily="18" charset="0"/>
+                                      </a:rPr>
+                                    </m:ctrlPr>
+                                  </m:dPr>
+                                  <m:e>
+                                    <m:r>
+                                      <a:rPr lang="en-US" b="0" i="1" smtClean="0">
+                                        <a:latin typeface="Cambria Math" panose="02040503050406030204" pitchFamily="18" charset="0"/>
+                                      </a:rPr>
+                                      <m:t>−</m:t>
+                                    </m:r>
+                                    <m:f>
+                                      <m:fPr>
+                                        <m:ctrlPr>
+                                          <a:rPr lang="en-US" b="0" i="1" smtClean="0">
+                                            <a:latin typeface="Cambria Math" panose="02040503050406030204" pitchFamily="18" charset="0"/>
+                                          </a:rPr>
+                                        </m:ctrlPr>
+                                      </m:fPr>
+                                      <m:num>
+                                        <m:r>
+                                          <a:rPr lang="en-US" b="0" i="1" smtClean="0">
+                                            <a:latin typeface="Cambria Math" panose="02040503050406030204" pitchFamily="18" charset="0"/>
+                                          </a:rPr>
+                                          <m:t>𝐷</m:t>
+                                        </m:r>
+                                      </m:num>
+                                      <m:den>
+                                        <m:r>
+                                          <a:rPr lang="en-US" b="0" i="1" smtClean="0">
+                                            <a:latin typeface="Cambria Math" panose="02040503050406030204" pitchFamily="18" charset="0"/>
+                                          </a:rPr>
+                                          <m:t>𝑞</m:t>
+                                        </m:r>
+                                      </m:den>
+                                    </m:f>
+                                  </m:e>
+                                </m:d>
+                              </m:e>
+                            </m:func>
+                          </m:e>
+                        </m:d>
+                        <m:r>
+                          <a:rPr lang="en-US" b="0" i="1" smtClean="0">
+                            <a:latin typeface="Cambria Math" panose="02040503050406030204" pitchFamily="18" charset="0"/>
+                          </a:rPr>
+                          <m:t>−</m:t>
+                        </m:r>
+                        <m:r>
+                          <a:rPr lang="en-US" b="0" i="1" smtClean="0">
+                            <a:latin typeface="Cambria Math" panose="02040503050406030204" pitchFamily="18" charset="0"/>
+                          </a:rPr>
+                          <m:t>𝑣</m:t>
+                        </m:r>
+                        <m:sSub>
+                          <m:sSubPr>
+                            <m:ctrlPr>
+                              <a:rPr lang="en-US" b="0" i="1" smtClean="0">
+                                <a:latin typeface="Cambria Math" panose="02040503050406030204" pitchFamily="18" charset="0"/>
+                              </a:rPr>
+                            </m:ctrlPr>
+                          </m:sSubPr>
+                          <m:e>
+                            <m:r>
+                              <a:rPr lang="en-US" b="0" i="1" smtClean="0">
+                                <a:latin typeface="Cambria Math" panose="02040503050406030204" pitchFamily="18" charset="0"/>
+                              </a:rPr>
+                              <m:t>𝑃</m:t>
+                            </m:r>
+                          </m:e>
+                          <m:sub>
+                            <m:r>
+                              <a:rPr lang="en-US" b="0" i="1" smtClean="0">
+                                <a:latin typeface="Cambria Math" panose="02040503050406030204" pitchFamily="18" charset="0"/>
+                              </a:rPr>
+                              <m:t>𝑎𝑖𝑟</m:t>
+                            </m:r>
+                          </m:sub>
+                        </m:sSub>
+                      </m:num>
+                      <m:den>
+                        <m:r>
+                          <a:rPr lang="en-US" b="0" i="1" smtClean="0">
+                            <a:latin typeface="Cambria Math" panose="02040503050406030204" pitchFamily="18" charset="0"/>
+                          </a:rPr>
+                          <m:t>𝑞</m:t>
+                        </m:r>
+                        <m:d>
+                          <m:dPr>
+                            <m:ctrlPr>
+                              <a:rPr lang="en-US" b="0" i="1" smtClean="0">
+                                <a:latin typeface="Cambria Math" panose="02040503050406030204" pitchFamily="18" charset="0"/>
+                              </a:rPr>
+                            </m:ctrlPr>
+                          </m:dPr>
+                          <m:e>
+                            <m:r>
+                              <a:rPr lang="en-US" b="0" i="1" smtClean="0">
+                                <a:latin typeface="Cambria Math" panose="02040503050406030204" pitchFamily="18" charset="0"/>
+                              </a:rPr>
+                              <m:t>1</m:t>
+                            </m:r>
+                            <m:r>
+                              <a:rPr lang="en-US" b="0" i="1" smtClean="0">
+                                <a:latin typeface="Cambria Math" panose="02040503050406030204" pitchFamily="18" charset="0"/>
+                              </a:rPr>
+                              <m:t>−</m:t>
+                            </m:r>
+                            <m:func>
+                              <m:funcPr>
+                                <m:ctrlPr>
+                                  <a:rPr lang="en-US" b="0" i="1" smtClean="0">
+                                    <a:latin typeface="Cambria Math" panose="02040503050406030204" pitchFamily="18" charset="0"/>
+                                  </a:rPr>
+                                </m:ctrlPr>
+                              </m:funcPr>
+                              <m:fName>
+                                <m:r>
+                                  <m:rPr>
+                                    <m:sty m:val="p"/>
+                                  </m:rPr>
+                                  <a:rPr lang="en-US" b="0" i="0" smtClean="0">
+                                    <a:latin typeface="Cambria Math" panose="02040503050406030204" pitchFamily="18" charset="0"/>
+                                  </a:rPr>
+                                  <m:t>exp</m:t>
+                                </m:r>
+                              </m:fName>
+                              <m:e>
+                                <m:d>
+                                  <m:dPr>
+                                    <m:ctrlPr>
+                                      <a:rPr lang="en-US" b="0" i="1" smtClean="0">
+                                        <a:latin typeface="Cambria Math" panose="02040503050406030204" pitchFamily="18" charset="0"/>
+                                      </a:rPr>
+                                    </m:ctrlPr>
+                                  </m:dPr>
+                                  <m:e>
+                                    <m:r>
+                                      <a:rPr lang="en-US" b="0" i="1" smtClean="0">
+                                        <a:latin typeface="Cambria Math" panose="02040503050406030204" pitchFamily="18" charset="0"/>
+                                      </a:rPr>
+                                      <m:t>−</m:t>
+                                    </m:r>
+                                    <m:f>
+                                      <m:fPr>
+                                        <m:ctrlPr>
+                                          <a:rPr lang="en-US" b="0" i="1" smtClean="0">
+                                            <a:latin typeface="Cambria Math" panose="02040503050406030204" pitchFamily="18" charset="0"/>
+                                          </a:rPr>
+                                        </m:ctrlPr>
+                                      </m:fPr>
+                                      <m:num>
+                                        <m:r>
+                                          <a:rPr lang="en-US" b="0" i="1" smtClean="0">
+                                            <a:latin typeface="Cambria Math" panose="02040503050406030204" pitchFamily="18" charset="0"/>
+                                          </a:rPr>
+                                          <m:t>𝐷</m:t>
+                                        </m:r>
+                                      </m:num>
+                                      <m:den>
+                                        <m:r>
+                                          <a:rPr lang="en-US" b="0" i="1" smtClean="0">
+                                            <a:latin typeface="Cambria Math" panose="02040503050406030204" pitchFamily="18" charset="0"/>
+                                          </a:rPr>
+                                          <m:t>𝑞</m:t>
+                                        </m:r>
+                                      </m:den>
+                                    </m:f>
+                                  </m:e>
+                                </m:d>
+                              </m:e>
+                            </m:func>
+                          </m:e>
+                        </m:d>
+                        <m:r>
+                          <a:rPr lang="en-US" b="0" i="1" smtClean="0">
+                            <a:latin typeface="Cambria Math" panose="02040503050406030204" pitchFamily="18" charset="0"/>
+                          </a:rPr>
+                          <m:t>−</m:t>
+                        </m:r>
+                        <m:r>
+                          <a:rPr lang="en-US" b="0" i="1" smtClean="0">
+                            <a:latin typeface="Cambria Math" panose="02040503050406030204" pitchFamily="18" charset="0"/>
+                          </a:rPr>
+                          <m:t>𝑣</m:t>
+                        </m:r>
+                        <m:r>
+                          <a:rPr lang="en-US" b="0" i="1" smtClean="0">
+                            <a:latin typeface="Cambria Math" panose="02040503050406030204" pitchFamily="18" charset="0"/>
+                          </a:rPr>
+                          <m:t>−2</m:t>
+                        </m:r>
+                        <m:r>
+                          <a:rPr lang="en-US" b="0" i="1" smtClean="0">
+                            <a:latin typeface="Cambria Math" panose="02040503050406030204" pitchFamily="18" charset="0"/>
+                          </a:rPr>
+                          <m:t>𝐷</m:t>
+                        </m:r>
+                      </m:den>
+                    </m:f>
+                  </m:oMath>
+                </a14:m>
+                <a:endParaRPr lang="en-US" b="0" dirty="0"/>
+              </a:p>
+              <a:p>
+                <a:pPr lvl="1"/>
+                <a14:m>
+                  <m:oMath xmlns:m="http://schemas.openxmlformats.org/officeDocument/2006/math">
+                    <m:sSubSup>
+                      <m:sSubSupPr>
+                        <m:ctrlPr>
+                          <a:rPr lang="en-US" b="0" i="1" smtClean="0">
+                            <a:latin typeface="Cambria Math" panose="02040503050406030204" pitchFamily="18" charset="0"/>
+                          </a:rPr>
+                        </m:ctrlPr>
+                      </m:sSubSupPr>
+                      <m:e>
+                        <m:r>
+                          <a:rPr lang="en-US" b="0" i="1" smtClean="0">
+                            <a:latin typeface="Cambria Math" panose="02040503050406030204" pitchFamily="18" charset="0"/>
+                          </a:rPr>
+                          <m:t>𝑃</m:t>
+                        </m:r>
+                      </m:e>
+                      <m:sub>
+                        <m:r>
+                          <a:rPr lang="en-US" b="0" i="1" smtClean="0">
+                            <a:latin typeface="Cambria Math" panose="02040503050406030204" pitchFamily="18" charset="0"/>
+                          </a:rPr>
+                          <m:t>𝑣𝑎𝑠𝑐</m:t>
+                        </m:r>
+                      </m:sub>
+                      <m:sup>
+                        <m:r>
+                          <a:rPr lang="en-US" b="0" i="1" smtClean="0">
+                            <a:latin typeface="Cambria Math" panose="02040503050406030204" pitchFamily="18" charset="0"/>
+                          </a:rPr>
+                          <m:t>∗</m:t>
+                        </m:r>
+                      </m:sup>
+                    </m:sSubSup>
+                    <m:r>
+                      <a:rPr lang="en-US" b="0" i="1" smtClean="0">
+                        <a:latin typeface="Cambria Math" panose="02040503050406030204" pitchFamily="18" charset="0"/>
+                      </a:rPr>
+                      <m:t>(</m:t>
+                    </m:r>
+                    <m:r>
+                      <a:rPr lang="en-US" b="0" i="1" smtClean="0">
+                        <a:latin typeface="Cambria Math" panose="02040503050406030204" pitchFamily="18" charset="0"/>
+                      </a:rPr>
+                      <m:t>𝑙</m:t>
+                    </m:r>
+                    <m:r>
+                      <a:rPr lang="en-US" b="0" i="1" smtClean="0">
+                        <a:latin typeface="Cambria Math" panose="02040503050406030204" pitchFamily="18" charset="0"/>
+                      </a:rPr>
+                      <m:t>)=</m:t>
+                    </m:r>
+                    <m:sSub>
+                      <m:sSubPr>
+                        <m:ctrlPr>
+                          <a:rPr lang="en-US" i="1">
+                            <a:latin typeface="Cambria Math" panose="02040503050406030204" pitchFamily="18" charset="0"/>
+                          </a:rPr>
+                        </m:ctrlPr>
+                      </m:sSubPr>
+                      <m:e>
+                        <m:r>
+                          <a:rPr lang="en-US" i="1">
+                            <a:latin typeface="Cambria Math" panose="02040503050406030204" pitchFamily="18" charset="0"/>
+                          </a:rPr>
+                          <m:t>𝑃</m:t>
+                        </m:r>
+                      </m:e>
+                      <m:sub>
+                        <m:r>
+                          <a:rPr lang="en-US" i="1">
+                            <a:latin typeface="Cambria Math" panose="02040503050406030204" pitchFamily="18" charset="0"/>
+                          </a:rPr>
+                          <m:t>𝑎𝑙𝑣</m:t>
+                        </m:r>
+                      </m:sub>
+                    </m:sSub>
+                    <m:r>
+                      <a:rPr lang="en-US" i="1">
+                        <a:latin typeface="Cambria Math" panose="02040503050406030204" pitchFamily="18" charset="0"/>
+                      </a:rPr>
+                      <m:t>+</m:t>
+                    </m:r>
+                    <m:d>
+                      <m:dPr>
+                        <m:ctrlPr>
+                          <a:rPr lang="en-US" i="1">
+                            <a:latin typeface="Cambria Math" panose="02040503050406030204" pitchFamily="18" charset="0"/>
+                          </a:rPr>
+                        </m:ctrlPr>
+                      </m:dPr>
+                      <m:e>
+                        <m:sSub>
+                          <m:sSubPr>
+                            <m:ctrlPr>
+                              <a:rPr lang="en-US" i="1">
+                                <a:latin typeface="Cambria Math" panose="02040503050406030204" pitchFamily="18" charset="0"/>
+                              </a:rPr>
+                            </m:ctrlPr>
+                          </m:sSubPr>
+                          <m:e>
+                            <m:r>
+                              <a:rPr lang="en-US" i="1">
+                                <a:latin typeface="Cambria Math" panose="02040503050406030204" pitchFamily="18" charset="0"/>
+                              </a:rPr>
+                              <m:t>𝑃</m:t>
+                            </m:r>
+                          </m:e>
+                          <m:sub>
+                            <m:r>
+                              <a:rPr lang="en-US" i="1">
+                                <a:latin typeface="Cambria Math" panose="02040503050406030204" pitchFamily="18" charset="0"/>
+                              </a:rPr>
+                              <m:t>𝑖𝑛</m:t>
+                            </m:r>
+                          </m:sub>
+                        </m:sSub>
+                        <m:r>
+                          <a:rPr lang="en-US" i="1">
+                            <a:latin typeface="Cambria Math" panose="02040503050406030204" pitchFamily="18" charset="0"/>
+                          </a:rPr>
+                          <m:t>−</m:t>
+                        </m:r>
+                        <m:sSub>
+                          <m:sSubPr>
+                            <m:ctrlPr>
+                              <a:rPr lang="en-US" i="1">
+                                <a:latin typeface="Cambria Math" panose="02040503050406030204" pitchFamily="18" charset="0"/>
+                              </a:rPr>
+                            </m:ctrlPr>
+                          </m:sSubPr>
+                          <m:e>
+                            <m:r>
+                              <a:rPr lang="en-US" i="1">
+                                <a:latin typeface="Cambria Math" panose="02040503050406030204" pitchFamily="18" charset="0"/>
+                              </a:rPr>
+                              <m:t>𝑃</m:t>
+                            </m:r>
+                          </m:e>
+                          <m:sub>
+                            <m:r>
+                              <a:rPr lang="en-US" i="1">
+                                <a:latin typeface="Cambria Math" panose="02040503050406030204" pitchFamily="18" charset="0"/>
+                              </a:rPr>
+                              <m:t>𝑎𝑙𝑣</m:t>
+                            </m:r>
+                          </m:sub>
+                        </m:sSub>
+                      </m:e>
+                    </m:d>
+                    <m:func>
+                      <m:funcPr>
+                        <m:ctrlPr>
+                          <a:rPr lang="en-US" i="1">
+                            <a:latin typeface="Cambria Math" panose="02040503050406030204" pitchFamily="18" charset="0"/>
+                          </a:rPr>
+                        </m:ctrlPr>
+                      </m:funcPr>
+                      <m:fName>
+                        <m:r>
+                          <m:rPr>
+                            <m:sty m:val="p"/>
+                          </m:rPr>
+                          <a:rPr lang="en-US">
+                            <a:latin typeface="Cambria Math" panose="02040503050406030204" pitchFamily="18" charset="0"/>
+                          </a:rPr>
+                          <m:t>exp</m:t>
+                        </m:r>
+                      </m:fName>
+                      <m:e>
+                        <m:d>
+                          <m:dPr>
+                            <m:ctrlPr>
+                              <a:rPr lang="en-US" i="1">
+                                <a:latin typeface="Cambria Math" panose="02040503050406030204" pitchFamily="18" charset="0"/>
+                              </a:rPr>
+                            </m:ctrlPr>
+                          </m:dPr>
+                          <m:e>
+                            <m:r>
+                              <a:rPr lang="en-US" i="1">
+                                <a:latin typeface="Cambria Math" panose="02040503050406030204" pitchFamily="18" charset="0"/>
+                              </a:rPr>
+                              <m:t>−</m:t>
+                            </m:r>
+                            <m:f>
+                              <m:fPr>
+                                <m:ctrlPr>
+                                  <a:rPr lang="en-US" i="1">
+                                    <a:latin typeface="Cambria Math" panose="02040503050406030204" pitchFamily="18" charset="0"/>
+                                  </a:rPr>
+                                </m:ctrlPr>
+                              </m:fPr>
+                              <m:num>
+                                <m:r>
+                                  <a:rPr lang="en-US" i="1">
+                                    <a:latin typeface="Cambria Math" panose="02040503050406030204" pitchFamily="18" charset="0"/>
+                                  </a:rPr>
+                                  <m:t>𝐷</m:t>
+                                </m:r>
+                              </m:num>
+                              <m:den>
+                                <m:r>
+                                  <a:rPr lang="en-US" i="1">
+                                    <a:latin typeface="Cambria Math" panose="02040503050406030204" pitchFamily="18" charset="0"/>
+                                  </a:rPr>
+                                  <m:t>𝑞</m:t>
+                                </m:r>
+                              </m:den>
+                            </m:f>
+                          </m:e>
+                        </m:d>
+                      </m:e>
+                    </m:func>
+                  </m:oMath>
+                </a14:m>
+                <a:endParaRPr lang="en-US" b="0" dirty="0"/>
+              </a:p>
+            </p:txBody>
+          </p:sp>
+        </mc:Choice>
+        <mc:Fallback>
+          <p:sp>
+            <p:nvSpPr>
+              <p:cNvPr id="3" name="Content Placeholder 2">
+                <a:extLst>
+                  <a:ext uri="{FF2B5EF4-FFF2-40B4-BE49-F238E27FC236}">
+                    <a16:creationId xmlns:a16="http://schemas.microsoft.com/office/drawing/2014/main" id="{C923CB21-4307-42BE-8C89-3478E760FC11}"/>
+                  </a:ext>
+                </a:extLst>
+              </p:cNvPr>
+              <p:cNvSpPr>
+                <a:spLocks noGrp="1" noRot="1" noChangeAspect="1" noMove="1" noResize="1" noEditPoints="1" noAdjustHandles="1" noChangeArrowheads="1" noChangeShapeType="1" noTextEdit="1"/>
+              </p:cNvSpPr>
+              <p:nvPr>
+                <p:ph idx="1"/>
+              </p:nvPr>
+            </p:nvSpPr>
+            <p:spPr>
+              <a:blipFill>
+                <a:blip r:embed="rId2"/>
+                <a:stretch>
+                  <a:fillRect l="-928" t="-3501"/>
+                </a:stretch>
+              </a:blipFill>
+            </p:spPr>
+            <p:txBody>
+              <a:bodyPr/>
+              <a:lstStyle/>
+              <a:p>
+                <a:r>
+                  <a:rPr lang="en-US">
+                    <a:noFill/>
+                  </a:rPr>
+                  <a:t> </a:t>
+                </a:r>
+              </a:p>
+            </p:txBody>
+          </p:sp>
+        </mc:Fallback>
+      </mc:AlternateContent>
     </p:spTree>
     <p:extLst>
       <p:ext uri="{BB962C8B-B14F-4D97-AF65-F5344CB8AC3E}">
-        <p14:creationId xmlns:p14="http://schemas.microsoft.com/office/powerpoint/2010/main" val="3259833862"/>
+        <p14:creationId xmlns:p14="http://schemas.microsoft.com/office/powerpoint/2010/main" val="1028067249"/>
       </p:ext>
     </p:extLst>
   </p:cSld>
@@ -9475,8 +12295,8 @@
             </p:nvSpPr>
             <p:spPr>
               <a:xfrm>
-                <a:off x="7125193" y="2693813"/>
-                <a:ext cx="4937373" cy="3970318"/>
+                <a:off x="7111871" y="2759081"/>
+                <a:ext cx="4937373" cy="3693319"/>
               </a:xfrm>
               <a:prstGeom prst="rect">
                 <a:avLst/>
@@ -9749,9 +12569,6 @@
                   <a:t> – Half-max saturation (mmHg)</a:t>
                 </a:r>
               </a:p>
-              <a:p>
-                <a:endParaRPr lang="en-US" dirty="0"/>
-              </a:p>
             </p:txBody>
           </p:sp>
         </mc:Choice>
@@ -9772,8 +12589,8 @@
             </p:nvSpPr>
             <p:spPr>
               <a:xfrm>
-                <a:off x="7125193" y="2693813"/>
-                <a:ext cx="4937373" cy="3970318"/>
+                <a:off x="7111871" y="2759081"/>
+                <a:ext cx="4937373" cy="3693319"/>
               </a:xfrm>
               <a:prstGeom prst="rect">
                 <a:avLst/>
@@ -9781,7 +12598,7 @@
               <a:blipFill>
                 <a:blip r:embed="rId3"/>
                 <a:stretch>
-                  <a:fillRect l="-984" t="-765"/>
+                  <a:fillRect l="-984" t="-822" b="-1480"/>
                 </a:stretch>
               </a:blipFill>
               <a:ln w="19050">
@@ -10500,14 +13317,14 @@
                         </a:rPr>
                         <m:t>(</m:t>
                       </m:r>
-                      <m:sSub>
-                        <m:sSubPr>
+                      <m:sSubSup>
+                        <m:sSubSupPr>
                           <m:ctrlPr>
                             <a:rPr lang="en-US" b="0" i="1" smtClean="0">
                               <a:latin typeface="Cambria Math" panose="02040503050406030204" pitchFamily="18" charset="0"/>
                             </a:rPr>
                           </m:ctrlPr>
-                        </m:sSubPr>
+                        </m:sSubSupPr>
                         <m:e>
                           <m:r>
                             <a:rPr lang="en-US" b="0" i="1" smtClean="0">
@@ -10524,7 +13341,15 @@
                             <m:t>𝑎𝑙𝑣</m:t>
                           </m:r>
                         </m:sub>
-                      </m:sSub>
+                        <m:sup>
+                          <m:r>
+                            <a:rPr lang="en-US" b="0" i="1" smtClean="0">
+                              <a:latin typeface="Cambria Math" panose="02040503050406030204" pitchFamily="18" charset="0"/>
+                            </a:rPr>
+                            <m:t>∗</m:t>
+                          </m:r>
+                        </m:sup>
+                      </m:sSubSup>
                       <m:r>
                         <a:rPr lang="en-US" b="0" i="1" smtClean="0">
                           <a:latin typeface="Cambria Math" panose="02040503050406030204" pitchFamily="18" charset="0"/>
@@ -10672,7 +13497,7 @@
         </p:spPr>
         <p:txBody>
           <a:bodyPr>
-            <a:normAutofit fontScale="92500" lnSpcReduction="20000"/>
+            <a:normAutofit/>
           </a:bodyPr>
           <a:lstStyle/>
           <a:p>
@@ -10681,7 +13506,7 @@
             </a:pPr>
             <a:r>
               <a:rPr lang="en-US" b="1" dirty="0"/>
-              <a:t>Hemoglobin removes dependence on airflow? Also, the alveolar fixed point is effectively atmospheric oxygen partial pressure (150 mmHg)?</a:t>
+              <a:t>The magnitude of (air, blood) flow affect pulmonary oxygen uptake</a:t>
             </a:r>
           </a:p>
         </p:txBody>
@@ -10750,10 +13575,10 @@
       </p:sp>
       <p:pic>
         <p:nvPicPr>
-          <p:cNvPr id="4" name="Picture 3" descr="Chart&#10;&#10;Description automatically generated">
+          <p:cNvPr id="6" name="Picture 5" descr="Chart&#10;&#10;Description automatically generated">
             <a:extLst>
               <a:ext uri="{FF2B5EF4-FFF2-40B4-BE49-F238E27FC236}">
-                <a16:creationId xmlns:a16="http://schemas.microsoft.com/office/drawing/2014/main" id="{5FA78E91-EC43-41BF-9EEC-3392601EF055}"/>
+                <a16:creationId xmlns:a16="http://schemas.microsoft.com/office/drawing/2014/main" id="{24DF24FF-B86C-427C-A6E5-3BC28C8FC3BF}"/>
               </a:ext>
             </a:extLst>
           </p:cNvPr>
@@ -10770,13 +13595,13 @@
               </a:ext>
             </a:extLst>
           </a:blip>
-          <a:srcRect l="9973" t="20699" r="7926" b="21627"/>
+          <a:srcRect l="8530" t="22570" r="6875" b="23140"/>
           <a:stretch/>
         </p:blipFill>
         <p:spPr>
           <a:xfrm>
-            <a:off x="98343" y="1262572"/>
-            <a:ext cx="11623896" cy="4213521"/>
+            <a:off x="0" y="1262572"/>
+            <a:ext cx="12003056" cy="3974938"/>
           </a:xfrm>
           <a:prstGeom prst="rect">
             <a:avLst/>

--- a/simpleVQ.pptx
+++ b/simpleVQ.pptx
@@ -5,7 +5,7 @@
     <p:sldMasterId id="2147483648" r:id="rId1"/>
   </p:sldMasterIdLst>
   <p:notesMasterIdLst>
-    <p:notesMasterId r:id="rId13"/>
+    <p:notesMasterId r:id="rId19"/>
   </p:notesMasterIdLst>
   <p:sldIdLst>
     <p:sldId id="256" r:id="rId2"/>
@@ -19,6 +19,12 @@
     <p:sldId id="523" r:id="rId10"/>
     <p:sldId id="524" r:id="rId11"/>
     <p:sldId id="525" r:id="rId12"/>
+    <p:sldId id="526" r:id="rId13"/>
+    <p:sldId id="528" r:id="rId14"/>
+    <p:sldId id="529" r:id="rId15"/>
+    <p:sldId id="530" r:id="rId16"/>
+    <p:sldId id="531" r:id="rId17"/>
+    <p:sldId id="532" r:id="rId18"/>
   </p:sldIdLst>
   <p:sldSz cx="12192000" cy="6858000"/>
   <p:notesSz cx="6858000" cy="9144000"/>
@@ -128,13 +134,261 @@
 <file path=ppt/revisionInfo.xml><?xml version="1.0" encoding="utf-8"?>
 <p1510:revInfo xmlns:a="http://schemas.openxmlformats.org/drawingml/2006/main" xmlns:r="http://schemas.openxmlformats.org/officeDocument/2006/relationships" xmlns:p1510="http://schemas.microsoft.com/office/powerpoint/2015/10/main">
   <p1510:revLst>
-    <p1510:client id="{1E131212-63D0-459E-B34D-67FBF34707C1}" v="737" dt="2020-11-07T04:25:00.722"/>
+    <p1510:client id="{DCD0010E-E5EB-46E1-8333-CDE87CEE2E10}" v="879" dt="2021-01-14T20:08:53.083"/>
   </p1510:revLst>
 </p1510:revInfo>
 </file>
 
 <file path=ppt/changesInfos/changesInfo1.xml><?xml version="1.0" encoding="utf-8"?>
 <pc:chgInfo xmlns:a="http://schemas.openxmlformats.org/drawingml/2006/main" xmlns:r="http://schemas.openxmlformats.org/officeDocument/2006/relationships" xmlns:ac="http://schemas.microsoft.com/office/drawing/2013/main/command" xmlns:pc="http://schemas.microsoft.com/office/powerpoint/2013/main/command">
+  <pc:docChgLst>
+    <pc:chgData name="Drew Marquis" userId="6ae91fd8ce8dc452" providerId="LiveId" clId="{DCD0010E-E5EB-46E1-8333-CDE87CEE2E10}"/>
+    <pc:docChg chg="undo custSel addSld delSld modSld">
+      <pc:chgData name="Drew Marquis" userId="6ae91fd8ce8dc452" providerId="LiveId" clId="{DCD0010E-E5EB-46E1-8333-CDE87CEE2E10}" dt="2021-01-14T20:09:18.119" v="2434" actId="1076"/>
+      <pc:docMkLst>
+        <pc:docMk/>
+      </pc:docMkLst>
+      <pc:sldChg chg="modSp mod">
+        <pc:chgData name="Drew Marquis" userId="6ae91fd8ce8dc452" providerId="LiveId" clId="{DCD0010E-E5EB-46E1-8333-CDE87CEE2E10}" dt="2021-01-11T22:05:57.036" v="194" actId="20577"/>
+        <pc:sldMkLst>
+          <pc:docMk/>
+          <pc:sldMk cId="2207657403" sldId="524"/>
+        </pc:sldMkLst>
+        <pc:spChg chg="mod">
+          <ac:chgData name="Drew Marquis" userId="6ae91fd8ce8dc452" providerId="LiveId" clId="{DCD0010E-E5EB-46E1-8333-CDE87CEE2E10}" dt="2021-01-11T22:05:57.036" v="194" actId="20577"/>
+          <ac:spMkLst>
+            <pc:docMk/>
+            <pc:sldMk cId="2207657403" sldId="524"/>
+            <ac:spMk id="3" creationId="{AE28555E-88EA-4EF9-99C9-DA7594AEE9CD}"/>
+          </ac:spMkLst>
+        </pc:spChg>
+      </pc:sldChg>
+      <pc:sldChg chg="modSp mod">
+        <pc:chgData name="Drew Marquis" userId="6ae91fd8ce8dc452" providerId="LiveId" clId="{DCD0010E-E5EB-46E1-8333-CDE87CEE2E10}" dt="2021-01-11T21:25:51.312" v="39" actId="20577"/>
+        <pc:sldMkLst>
+          <pc:docMk/>
+          <pc:sldMk cId="1028067249" sldId="525"/>
+        </pc:sldMkLst>
+        <pc:spChg chg="mod">
+          <ac:chgData name="Drew Marquis" userId="6ae91fd8ce8dc452" providerId="LiveId" clId="{DCD0010E-E5EB-46E1-8333-CDE87CEE2E10}" dt="2021-01-11T21:25:51.312" v="39" actId="20577"/>
+          <ac:spMkLst>
+            <pc:docMk/>
+            <pc:sldMk cId="1028067249" sldId="525"/>
+            <ac:spMk id="3" creationId="{C923CB21-4307-42BE-8C89-3478E760FC11}"/>
+          </ac:spMkLst>
+        </pc:spChg>
+      </pc:sldChg>
+      <pc:sldChg chg="addSp delSp modSp new mod">
+        <pc:chgData name="Drew Marquis" userId="6ae91fd8ce8dc452" providerId="LiveId" clId="{DCD0010E-E5EB-46E1-8333-CDE87CEE2E10}" dt="2021-01-11T21:58:12.584" v="85" actId="1076"/>
+        <pc:sldMkLst>
+          <pc:docMk/>
+          <pc:sldMk cId="1216489406" sldId="526"/>
+        </pc:sldMkLst>
+        <pc:spChg chg="mod">
+          <ac:chgData name="Drew Marquis" userId="6ae91fd8ce8dc452" providerId="LiveId" clId="{DCD0010E-E5EB-46E1-8333-CDE87CEE2E10}" dt="2021-01-11T21:56:31.016" v="70" actId="20577"/>
+          <ac:spMkLst>
+            <pc:docMk/>
+            <pc:sldMk cId="1216489406" sldId="526"/>
+            <ac:spMk id="2" creationId="{76BE0450-9282-49E1-97C7-54A6CE09300D}"/>
+          </ac:spMkLst>
+        </pc:spChg>
+        <pc:spChg chg="del">
+          <ac:chgData name="Drew Marquis" userId="6ae91fd8ce8dc452" providerId="LiveId" clId="{DCD0010E-E5EB-46E1-8333-CDE87CEE2E10}" dt="2021-01-11T21:56:33.584" v="71" actId="478"/>
+          <ac:spMkLst>
+            <pc:docMk/>
+            <pc:sldMk cId="1216489406" sldId="526"/>
+            <ac:spMk id="3" creationId="{3F40692D-658F-490D-B872-7372D2C7602F}"/>
+          </ac:spMkLst>
+        </pc:spChg>
+        <pc:spChg chg="add mod">
+          <ac:chgData name="Drew Marquis" userId="6ae91fd8ce8dc452" providerId="LiveId" clId="{DCD0010E-E5EB-46E1-8333-CDE87CEE2E10}" dt="2021-01-11T21:58:12.584" v="85" actId="1076"/>
+          <ac:spMkLst>
+            <pc:docMk/>
+            <pc:sldMk cId="1216489406" sldId="526"/>
+            <ac:spMk id="6" creationId="{DBC5BF98-B783-4558-A68C-E7D3F012544C}"/>
+          </ac:spMkLst>
+        </pc:spChg>
+        <pc:picChg chg="add mod modCrop">
+          <ac:chgData name="Drew Marquis" userId="6ae91fd8ce8dc452" providerId="LiveId" clId="{DCD0010E-E5EB-46E1-8333-CDE87CEE2E10}" dt="2021-01-11T21:58:02.525" v="83" actId="1076"/>
+          <ac:picMkLst>
+            <pc:docMk/>
+            <pc:sldMk cId="1216489406" sldId="526"/>
+            <ac:picMk id="5" creationId="{F502B026-40B3-457A-8995-047D503F1EDE}"/>
+          </ac:picMkLst>
+        </pc:picChg>
+      </pc:sldChg>
+      <pc:sldChg chg="modSp new del mod">
+        <pc:chgData name="Drew Marquis" userId="6ae91fd8ce8dc452" providerId="LiveId" clId="{DCD0010E-E5EB-46E1-8333-CDE87CEE2E10}" dt="2021-01-11T21:58:43.037" v="95" actId="47"/>
+        <pc:sldMkLst>
+          <pc:docMk/>
+          <pc:sldMk cId="3578714286" sldId="527"/>
+        </pc:sldMkLst>
+        <pc:spChg chg="mod">
+          <ac:chgData name="Drew Marquis" userId="6ae91fd8ce8dc452" providerId="LiveId" clId="{DCD0010E-E5EB-46E1-8333-CDE87CEE2E10}" dt="2021-01-11T21:58:18.788" v="93" actId="20577"/>
+          <ac:spMkLst>
+            <pc:docMk/>
+            <pc:sldMk cId="3578714286" sldId="527"/>
+            <ac:spMk id="2" creationId="{FA499A79-010B-4248-937A-647AF208B38E}"/>
+          </ac:spMkLst>
+        </pc:spChg>
+      </pc:sldChg>
+      <pc:sldChg chg="modSp add mod">
+        <pc:chgData name="Drew Marquis" userId="6ae91fd8ce8dc452" providerId="LiveId" clId="{DCD0010E-E5EB-46E1-8333-CDE87CEE2E10}" dt="2021-01-13T17:27:12.861" v="686" actId="20577"/>
+        <pc:sldMkLst>
+          <pc:docMk/>
+          <pc:sldMk cId="462593626" sldId="528"/>
+        </pc:sldMkLst>
+        <pc:spChg chg="mod">
+          <ac:chgData name="Drew Marquis" userId="6ae91fd8ce8dc452" providerId="LiveId" clId="{DCD0010E-E5EB-46E1-8333-CDE87CEE2E10}" dt="2021-01-11T21:58:46.133" v="97" actId="20577"/>
+          <ac:spMkLst>
+            <pc:docMk/>
+            <pc:sldMk cId="462593626" sldId="528"/>
+            <ac:spMk id="2" creationId="{52C79DD4-0B1F-47A5-BE84-B4AA5AA592D9}"/>
+          </ac:spMkLst>
+        </pc:spChg>
+        <pc:spChg chg="mod">
+          <ac:chgData name="Drew Marquis" userId="6ae91fd8ce8dc452" providerId="LiveId" clId="{DCD0010E-E5EB-46E1-8333-CDE87CEE2E10}" dt="2021-01-13T17:27:06.431" v="682" actId="20577"/>
+          <ac:spMkLst>
+            <pc:docMk/>
+            <pc:sldMk cId="462593626" sldId="528"/>
+            <ac:spMk id="3" creationId="{AE28555E-88EA-4EF9-99C9-DA7594AEE9CD}"/>
+          </ac:spMkLst>
+        </pc:spChg>
+        <pc:spChg chg="mod">
+          <ac:chgData name="Drew Marquis" userId="6ae91fd8ce8dc452" providerId="LiveId" clId="{DCD0010E-E5EB-46E1-8333-CDE87CEE2E10}" dt="2021-01-13T17:27:12.861" v="686" actId="20577"/>
+          <ac:spMkLst>
+            <pc:docMk/>
+            <pc:sldMk cId="462593626" sldId="528"/>
+            <ac:spMk id="16" creationId="{EF005087-2E35-42AA-853F-2BEA8793309A}"/>
+          </ac:spMkLst>
+        </pc:spChg>
+      </pc:sldChg>
+      <pc:sldChg chg="modSp new mod">
+        <pc:chgData name="Drew Marquis" userId="6ae91fd8ce8dc452" providerId="LiveId" clId="{DCD0010E-E5EB-46E1-8333-CDE87CEE2E10}" dt="2021-01-13T17:39:08.399" v="1301" actId="27636"/>
+        <pc:sldMkLst>
+          <pc:docMk/>
+          <pc:sldMk cId="2822352627" sldId="529"/>
+        </pc:sldMkLst>
+        <pc:spChg chg="mod">
+          <ac:chgData name="Drew Marquis" userId="6ae91fd8ce8dc452" providerId="LiveId" clId="{DCD0010E-E5EB-46E1-8333-CDE87CEE2E10}" dt="2021-01-13T17:31:30.633" v="912" actId="20577"/>
+          <ac:spMkLst>
+            <pc:docMk/>
+            <pc:sldMk cId="2822352627" sldId="529"/>
+            <ac:spMk id="2" creationId="{07CF5FB2-28C1-40FE-9FE5-A7BC4F245EBE}"/>
+          </ac:spMkLst>
+        </pc:spChg>
+        <pc:spChg chg="mod">
+          <ac:chgData name="Drew Marquis" userId="6ae91fd8ce8dc452" providerId="LiveId" clId="{DCD0010E-E5EB-46E1-8333-CDE87CEE2E10}" dt="2021-01-13T17:39:08.399" v="1301" actId="27636"/>
+          <ac:spMkLst>
+            <pc:docMk/>
+            <pc:sldMk cId="2822352627" sldId="529"/>
+            <ac:spMk id="3" creationId="{E0F08092-3093-45D9-8078-63EC714EDB10}"/>
+          </ac:spMkLst>
+        </pc:spChg>
+      </pc:sldChg>
+      <pc:sldChg chg="modSp new mod">
+        <pc:chgData name="Drew Marquis" userId="6ae91fd8ce8dc452" providerId="LiveId" clId="{DCD0010E-E5EB-46E1-8333-CDE87CEE2E10}" dt="2021-01-13T22:00:43.789" v="2139" actId="20577"/>
+        <pc:sldMkLst>
+          <pc:docMk/>
+          <pc:sldMk cId="3421594668" sldId="530"/>
+        </pc:sldMkLst>
+        <pc:spChg chg="mod">
+          <ac:chgData name="Drew Marquis" userId="6ae91fd8ce8dc452" providerId="LiveId" clId="{DCD0010E-E5EB-46E1-8333-CDE87CEE2E10}" dt="2021-01-13T21:58:28.382" v="2094" actId="20577"/>
+          <ac:spMkLst>
+            <pc:docMk/>
+            <pc:sldMk cId="3421594668" sldId="530"/>
+            <ac:spMk id="2" creationId="{F53801C7-4F69-4D2D-B668-FF817CBE8C8C}"/>
+          </ac:spMkLst>
+        </pc:spChg>
+        <pc:spChg chg="mod">
+          <ac:chgData name="Drew Marquis" userId="6ae91fd8ce8dc452" providerId="LiveId" clId="{DCD0010E-E5EB-46E1-8333-CDE87CEE2E10}" dt="2021-01-13T22:00:43.789" v="2139" actId="20577"/>
+          <ac:spMkLst>
+            <pc:docMk/>
+            <pc:sldMk cId="3421594668" sldId="530"/>
+            <ac:spMk id="3" creationId="{9FE58CE5-BAD9-4F13-8B64-8F18FCA4AE1A}"/>
+          </ac:spMkLst>
+        </pc:spChg>
+      </pc:sldChg>
+      <pc:sldChg chg="addSp delSp modSp new mod">
+        <pc:chgData name="Drew Marquis" userId="6ae91fd8ce8dc452" providerId="LiveId" clId="{DCD0010E-E5EB-46E1-8333-CDE87CEE2E10}" dt="2021-01-14T14:58:01.561" v="2423" actId="1076"/>
+        <pc:sldMkLst>
+          <pc:docMk/>
+          <pc:sldMk cId="1566473531" sldId="531"/>
+        </pc:sldMkLst>
+        <pc:spChg chg="mod">
+          <ac:chgData name="Drew Marquis" userId="6ae91fd8ce8dc452" providerId="LiveId" clId="{DCD0010E-E5EB-46E1-8333-CDE87CEE2E10}" dt="2021-01-13T21:57:29.555" v="2029" actId="20577"/>
+          <ac:spMkLst>
+            <pc:docMk/>
+            <pc:sldMk cId="1566473531" sldId="531"/>
+            <ac:spMk id="2" creationId="{55D658C1-4480-431B-91BB-75F15C4DBA5C}"/>
+          </ac:spMkLst>
+        </pc:spChg>
+        <pc:spChg chg="del">
+          <ac:chgData name="Drew Marquis" userId="6ae91fd8ce8dc452" providerId="LiveId" clId="{DCD0010E-E5EB-46E1-8333-CDE87CEE2E10}" dt="2021-01-14T14:50:47.306" v="2140" actId="478"/>
+          <ac:spMkLst>
+            <pc:docMk/>
+            <pc:sldMk cId="1566473531" sldId="531"/>
+            <ac:spMk id="3" creationId="{FC740D64-357D-44A2-95F5-B57E169C2B58}"/>
+          </ac:spMkLst>
+        </pc:spChg>
+        <pc:spChg chg="add mod">
+          <ac:chgData name="Drew Marquis" userId="6ae91fd8ce8dc452" providerId="LiveId" clId="{DCD0010E-E5EB-46E1-8333-CDE87CEE2E10}" dt="2021-01-14T14:57:54.158" v="2421" actId="1076"/>
+          <ac:spMkLst>
+            <pc:docMk/>
+            <pc:sldMk cId="1566473531" sldId="531"/>
+            <ac:spMk id="8" creationId="{B927A7B2-DC57-43D4-BC47-5706DD3FFA43}"/>
+          </ac:spMkLst>
+        </pc:spChg>
+        <pc:picChg chg="add mod">
+          <ac:chgData name="Drew Marquis" userId="6ae91fd8ce8dc452" providerId="LiveId" clId="{DCD0010E-E5EB-46E1-8333-CDE87CEE2E10}" dt="2021-01-14T14:58:01.561" v="2423" actId="1076"/>
+          <ac:picMkLst>
+            <pc:docMk/>
+            <pc:sldMk cId="1566473531" sldId="531"/>
+            <ac:picMk id="5" creationId="{CD5EE897-7BCE-42F2-B56F-4F230F7A5034}"/>
+          </ac:picMkLst>
+        </pc:picChg>
+        <pc:picChg chg="add mod">
+          <ac:chgData name="Drew Marquis" userId="6ae91fd8ce8dc452" providerId="LiveId" clId="{DCD0010E-E5EB-46E1-8333-CDE87CEE2E10}" dt="2021-01-14T14:57:57.676" v="2422" actId="1076"/>
+          <ac:picMkLst>
+            <pc:docMk/>
+            <pc:sldMk cId="1566473531" sldId="531"/>
+            <ac:picMk id="7" creationId="{EDAEAEEB-E1E1-4691-8CBB-EA6F058C06C5}"/>
+          </ac:picMkLst>
+        </pc:picChg>
+      </pc:sldChg>
+      <pc:sldChg chg="addSp delSp modSp new mod">
+        <pc:chgData name="Drew Marquis" userId="6ae91fd8ce8dc452" providerId="LiveId" clId="{DCD0010E-E5EB-46E1-8333-CDE87CEE2E10}" dt="2021-01-14T20:09:18.119" v="2434" actId="1076"/>
+        <pc:sldMkLst>
+          <pc:docMk/>
+          <pc:sldMk cId="1176701747" sldId="532"/>
+        </pc:sldMkLst>
+        <pc:spChg chg="mod">
+          <ac:chgData name="Drew Marquis" userId="6ae91fd8ce8dc452" providerId="LiveId" clId="{DCD0010E-E5EB-46E1-8333-CDE87CEE2E10}" dt="2021-01-13T21:57:54.740" v="2053" actId="20577"/>
+          <ac:spMkLst>
+            <pc:docMk/>
+            <pc:sldMk cId="1176701747" sldId="532"/>
+            <ac:spMk id="2" creationId="{0612C22F-A397-4573-B945-AD10993C5DFE}"/>
+          </ac:spMkLst>
+        </pc:spChg>
+        <pc:spChg chg="del">
+          <ac:chgData name="Drew Marquis" userId="6ae91fd8ce8dc452" providerId="LiveId" clId="{DCD0010E-E5EB-46E1-8333-CDE87CEE2E10}" dt="2021-01-14T20:08:52.395" v="2424" actId="478"/>
+          <ac:spMkLst>
+            <pc:docMk/>
+            <pc:sldMk cId="1176701747" sldId="532"/>
+            <ac:spMk id="3" creationId="{272ADC10-69AF-4036-9D40-333A47023314}"/>
+          </ac:spMkLst>
+        </pc:spChg>
+        <pc:picChg chg="add mod modCrop">
+          <ac:chgData name="Drew Marquis" userId="6ae91fd8ce8dc452" providerId="LiveId" clId="{DCD0010E-E5EB-46E1-8333-CDE87CEE2E10}" dt="2021-01-14T20:09:18.119" v="2434" actId="1076"/>
+          <ac:picMkLst>
+            <pc:docMk/>
+            <pc:sldMk cId="1176701747" sldId="532"/>
+            <ac:picMk id="5" creationId="{7AB1B9BC-A154-4F11-8057-0E1837F2A814}"/>
+          </ac:picMkLst>
+        </pc:picChg>
+      </pc:sldChg>
+    </pc:docChg>
+  </pc:docChgLst>
   <pc:docChgLst>
     <pc:chgData name="Drew Marquis" userId="6ae91fd8ce8dc452" providerId="LiveId" clId="{1E131212-63D0-459E-B34D-67FBF34707C1}"/>
     <pc:docChg chg="undo custSel addSld delSld modSld">
@@ -463,7 +717,7 @@
           <a:p>
             <a:fld id="{F7D92278-9D26-4755-B95D-9C7B0F025AB5}" type="datetimeFigureOut">
               <a:rPr lang="en-US" smtClean="0"/>
-              <a:t>11/6/2020</a:t>
+              <a:t>1/14/2021</a:t>
             </a:fld>
             <a:endParaRPr lang="en-US"/>
           </a:p>
@@ -961,7 +1215,7 @@
           <a:p>
             <a:fld id="{7B9ACE5E-1ED8-4B5D-AECC-D2C5A1AFE758}" type="datetimeFigureOut">
               <a:rPr lang="en-US" smtClean="0"/>
-              <a:t>11/6/2020</a:t>
+              <a:t>1/14/2021</a:t>
             </a:fld>
             <a:endParaRPr lang="en-US"/>
           </a:p>
@@ -1159,7 +1413,7 @@
           <a:p>
             <a:fld id="{7B9ACE5E-1ED8-4B5D-AECC-D2C5A1AFE758}" type="datetimeFigureOut">
               <a:rPr lang="en-US" smtClean="0"/>
-              <a:t>11/6/2020</a:t>
+              <a:t>1/14/2021</a:t>
             </a:fld>
             <a:endParaRPr lang="en-US"/>
           </a:p>
@@ -1367,7 +1621,7 @@
           <a:p>
             <a:fld id="{7B9ACE5E-1ED8-4B5D-AECC-D2C5A1AFE758}" type="datetimeFigureOut">
               <a:rPr lang="en-US" smtClean="0"/>
-              <a:t>11/6/2020</a:t>
+              <a:t>1/14/2021</a:t>
             </a:fld>
             <a:endParaRPr lang="en-US"/>
           </a:p>
@@ -1565,7 +1819,7 @@
           <a:p>
             <a:fld id="{7B9ACE5E-1ED8-4B5D-AECC-D2C5A1AFE758}" type="datetimeFigureOut">
               <a:rPr lang="en-US" smtClean="0"/>
-              <a:t>11/6/2020</a:t>
+              <a:t>1/14/2021</a:t>
             </a:fld>
             <a:endParaRPr lang="en-US"/>
           </a:p>
@@ -1840,7 +2094,7 @@
           <a:p>
             <a:fld id="{7B9ACE5E-1ED8-4B5D-AECC-D2C5A1AFE758}" type="datetimeFigureOut">
               <a:rPr lang="en-US" smtClean="0"/>
-              <a:t>11/6/2020</a:t>
+              <a:t>1/14/2021</a:t>
             </a:fld>
             <a:endParaRPr lang="en-US"/>
           </a:p>
@@ -2105,7 +2359,7 @@
           <a:p>
             <a:fld id="{7B9ACE5E-1ED8-4B5D-AECC-D2C5A1AFE758}" type="datetimeFigureOut">
               <a:rPr lang="en-US" smtClean="0"/>
-              <a:t>11/6/2020</a:t>
+              <a:t>1/14/2021</a:t>
             </a:fld>
             <a:endParaRPr lang="en-US"/>
           </a:p>
@@ -2517,7 +2771,7 @@
           <a:p>
             <a:fld id="{7B9ACE5E-1ED8-4B5D-AECC-D2C5A1AFE758}" type="datetimeFigureOut">
               <a:rPr lang="en-US" smtClean="0"/>
-              <a:t>11/6/2020</a:t>
+              <a:t>1/14/2021</a:t>
             </a:fld>
             <a:endParaRPr lang="en-US"/>
           </a:p>
@@ -2658,7 +2912,7 @@
           <a:p>
             <a:fld id="{7B9ACE5E-1ED8-4B5D-AECC-D2C5A1AFE758}" type="datetimeFigureOut">
               <a:rPr lang="en-US" smtClean="0"/>
-              <a:t>11/6/2020</a:t>
+              <a:t>1/14/2021</a:t>
             </a:fld>
             <a:endParaRPr lang="en-US"/>
           </a:p>
@@ -2771,7 +3025,7 @@
           <a:p>
             <a:fld id="{7B9ACE5E-1ED8-4B5D-AECC-D2C5A1AFE758}" type="datetimeFigureOut">
               <a:rPr lang="en-US" smtClean="0"/>
-              <a:t>11/6/2020</a:t>
+              <a:t>1/14/2021</a:t>
             </a:fld>
             <a:endParaRPr lang="en-US"/>
           </a:p>
@@ -3082,7 +3336,7 @@
           <a:p>
             <a:fld id="{7B9ACE5E-1ED8-4B5D-AECC-D2C5A1AFE758}" type="datetimeFigureOut">
               <a:rPr lang="en-US" smtClean="0"/>
-              <a:t>11/6/2020</a:t>
+              <a:t>1/14/2021</a:t>
             </a:fld>
             <a:endParaRPr lang="en-US"/>
           </a:p>
@@ -3370,7 +3624,7 @@
           <a:p>
             <a:fld id="{7B9ACE5E-1ED8-4B5D-AECC-D2C5A1AFE758}" type="datetimeFigureOut">
               <a:rPr lang="en-US" smtClean="0"/>
-              <a:t>11/6/2020</a:t>
+              <a:t>1/14/2021</a:t>
             </a:fld>
             <a:endParaRPr lang="en-US"/>
           </a:p>
@@ -3611,7 +3865,7 @@
           <a:p>
             <a:fld id="{7B9ACE5E-1ED8-4B5D-AECC-D2C5A1AFE758}" type="datetimeFigureOut">
               <a:rPr lang="en-US" smtClean="0"/>
-              <a:t>11/6/2020</a:t>
+              <a:t>1/14/2021</a:t>
             </a:fld>
             <a:endParaRPr lang="en-US"/>
           </a:p>
@@ -4142,8 +4396,8 @@
           </a:p>
         </p:txBody>
       </p:sp>
-      <mc:AlternateContent xmlns:mc="http://schemas.openxmlformats.org/markup-compatibility/2006">
-        <mc:Choice xmlns:a14="http://schemas.microsoft.com/office/drawing/2010/main" Requires="a14">
+      <mc:AlternateContent xmlns:mc="http://schemas.openxmlformats.org/markup-compatibility/2006" xmlns:a14="http://schemas.microsoft.com/office/drawing/2010/main">
+        <mc:Choice Requires="a14">
           <p:sp>
             <p:nvSpPr>
               <p:cNvPr id="3" name="Content Placeholder 2">
@@ -4236,7 +4490,7 @@
                           <a:rPr lang="en-US" b="0" i="1" smtClean="0">
                             <a:latin typeface="Cambria Math" panose="02040503050406030204" pitchFamily="18" charset="0"/>
                           </a:rPr>
-                          <m:t>𝑉</m:t>
+                          <m:t>𝑣</m:t>
                         </m:r>
                         <m:d>
                           <m:dPr>
@@ -4710,6 +4964,94 @@
               </a:p>
               <a:p>
                 <a:endParaRPr lang="en-US" dirty="0"/>
+              </a:p>
+              <a:p>
+                <a14:m>
+                  <m:oMath xmlns:m="http://schemas.openxmlformats.org/officeDocument/2006/math">
+                    <m:sSub>
+                      <m:sSubPr>
+                        <m:ctrlPr>
+                          <a:rPr lang="en-US" b="0" i="1" smtClean="0">
+                            <a:latin typeface="Cambria Math" panose="02040503050406030204" pitchFamily="18" charset="0"/>
+                          </a:rPr>
+                        </m:ctrlPr>
+                      </m:sSubPr>
+                      <m:e>
+                        <m:r>
+                          <a:rPr lang="en-US" b="0" i="1" smtClean="0">
+                            <a:latin typeface="Cambria Math" panose="02040503050406030204" pitchFamily="18" charset="0"/>
+                          </a:rPr>
+                          <m:t>𝑃</m:t>
+                        </m:r>
+                      </m:e>
+                      <m:sub>
+                        <m:r>
+                          <a:rPr lang="en-US" b="0" i="1" smtClean="0">
+                            <a:latin typeface="Cambria Math" panose="02040503050406030204" pitchFamily="18" charset="0"/>
+                          </a:rPr>
+                          <m:t>𝑣𝑎𝑠𝑐</m:t>
+                        </m:r>
+                      </m:sub>
+                    </m:sSub>
+                    <m:d>
+                      <m:dPr>
+                        <m:ctrlPr>
+                          <a:rPr lang="en-US" b="0" i="1" smtClean="0">
+                            <a:latin typeface="Cambria Math" panose="02040503050406030204" pitchFamily="18" charset="0"/>
+                          </a:rPr>
+                        </m:ctrlPr>
+                      </m:dPr>
+                      <m:e>
+                        <m:r>
+                          <a:rPr lang="en-US" b="0" i="1" smtClean="0">
+                            <a:latin typeface="Cambria Math" panose="02040503050406030204" pitchFamily="18" charset="0"/>
+                          </a:rPr>
+                          <m:t>𝑡</m:t>
+                        </m:r>
+                        <m:r>
+                          <a:rPr lang="en-US" b="0" i="1" smtClean="0">
+                            <a:latin typeface="Cambria Math" panose="02040503050406030204" pitchFamily="18" charset="0"/>
+                          </a:rPr>
+                          <m:t>,0</m:t>
+                        </m:r>
+                      </m:e>
+                    </m:d>
+                    <m:r>
+                      <a:rPr lang="en-US" b="0" i="1" smtClean="0">
+                        <a:latin typeface="Cambria Math" panose="02040503050406030204" pitchFamily="18" charset="0"/>
+                      </a:rPr>
+                      <m:t>=</m:t>
+                    </m:r>
+                    <m:sSub>
+                      <m:sSubPr>
+                        <m:ctrlPr>
+                          <a:rPr lang="en-US" b="0" i="1" smtClean="0">
+                            <a:latin typeface="Cambria Math" panose="02040503050406030204" pitchFamily="18" charset="0"/>
+                          </a:rPr>
+                        </m:ctrlPr>
+                      </m:sSubPr>
+                      <m:e>
+                        <m:r>
+                          <a:rPr lang="en-US" b="0" i="1" smtClean="0">
+                            <a:latin typeface="Cambria Math" panose="02040503050406030204" pitchFamily="18" charset="0"/>
+                          </a:rPr>
+                          <m:t>𝑃</m:t>
+                        </m:r>
+                      </m:e>
+                      <m:sub>
+                        <m:r>
+                          <a:rPr lang="en-US" b="0" i="1" smtClean="0">
+                            <a:latin typeface="Cambria Math" panose="02040503050406030204" pitchFamily="18" charset="0"/>
+                          </a:rPr>
+                          <m:t>𝑖𝑛</m:t>
+                        </m:r>
+                      </m:sub>
+                    </m:sSub>
+                  </m:oMath>
+                </a14:m>
+                <a:endParaRPr lang="en-US" b="0" i="1" dirty="0">
+                  <a:latin typeface="Cambria Math" panose="02040503050406030204" pitchFamily="18" charset="0"/>
+                </a:endParaRPr>
               </a:p>
               <a:p>
                 <a14:m>
@@ -4884,7 +5226,7 @@
             </p:txBody>
           </p:sp>
         </mc:Choice>
-        <mc:Fallback>
+        <mc:Fallback xmlns="">
           <p:sp>
             <p:nvSpPr>
               <p:cNvPr id="3" name="Content Placeholder 2">
@@ -5723,8 +6065,8 @@
           </a:p>
         </p:txBody>
       </p:sp>
-      <mc:AlternateContent xmlns:mc="http://schemas.openxmlformats.org/markup-compatibility/2006">
-        <mc:Choice xmlns:a14="http://schemas.microsoft.com/office/drawing/2010/main" Requires="a14">
+      <mc:AlternateContent xmlns:mc="http://schemas.openxmlformats.org/markup-compatibility/2006" xmlns:a14="http://schemas.microsoft.com/office/drawing/2010/main">
+        <mc:Choice Requires="a14">
           <p:sp>
             <p:nvSpPr>
               <p:cNvPr id="3" name="Content Placeholder 2">
@@ -5744,7 +6086,7 @@
             <p:spPr/>
             <p:txBody>
               <a:bodyPr>
-                <a:normAutofit fontScale="92500" lnSpcReduction="20000"/>
+                <a:normAutofit fontScale="85000" lnSpcReduction="20000"/>
               </a:bodyPr>
               <a:lstStyle/>
               <a:p>
@@ -6168,70 +6510,93 @@
                         </m:sSub>
                       </m:e>
                     </m:d>
-                    <m:func>
-                      <m:funcPr>
+                    <m:d>
+                      <m:dPr>
                         <m:ctrlPr>
                           <a:rPr lang="en-US" b="0" i="1" smtClean="0">
                             <a:latin typeface="Cambria Math" panose="02040503050406030204" pitchFamily="18" charset="0"/>
                           </a:rPr>
                         </m:ctrlPr>
-                      </m:funcPr>
-                      <m:fName>
-                        <m:r>
-                          <m:rPr>
-                            <m:sty m:val="p"/>
-                          </m:rPr>
-                          <a:rPr lang="en-US" b="0" i="0" smtClean="0">
-                            <a:latin typeface="Cambria Math" panose="02040503050406030204" pitchFamily="18" charset="0"/>
-                          </a:rPr>
-                          <m:t>exp</m:t>
-                        </m:r>
-                      </m:fName>
+                      </m:dPr>
                       <m:e>
-                        <m:d>
-                          <m:dPr>
+                        <m:func>
+                          <m:funcPr>
                             <m:ctrlPr>
                               <a:rPr lang="en-US" b="0" i="1" smtClean="0">
                                 <a:latin typeface="Cambria Math" panose="02040503050406030204" pitchFamily="18" charset="0"/>
                               </a:rPr>
                             </m:ctrlPr>
-                          </m:dPr>
-                          <m:e>
+                          </m:funcPr>
+                          <m:fName>
                             <m:r>
                               <a:rPr lang="en-US" b="0" i="1" smtClean="0">
                                 <a:latin typeface="Cambria Math" panose="02040503050406030204" pitchFamily="18" charset="0"/>
                               </a:rPr>
-                              <m:t>−</m:t>
+                              <m:t>1−</m:t>
                             </m:r>
-                            <m:f>
-                              <m:fPr>
+                            <m:r>
+                              <m:rPr>
+                                <m:sty m:val="p"/>
+                              </m:rPr>
+                              <a:rPr lang="en-US" b="0" i="0" smtClean="0">
+                                <a:latin typeface="Cambria Math" panose="02040503050406030204" pitchFamily="18" charset="0"/>
+                              </a:rPr>
+                              <m:t>exp</m:t>
+                            </m:r>
+                          </m:fName>
+                          <m:e>
+                            <m:d>
+                              <m:dPr>
                                 <m:ctrlPr>
                                   <a:rPr lang="en-US" b="0" i="1" smtClean="0">
                                     <a:latin typeface="Cambria Math" panose="02040503050406030204" pitchFamily="18" charset="0"/>
                                   </a:rPr>
                                 </m:ctrlPr>
-                              </m:fPr>
-                              <m:num>
+                              </m:dPr>
+                              <m:e>
                                 <m:r>
                                   <a:rPr lang="en-US" b="0" i="1" smtClean="0">
                                     <a:latin typeface="Cambria Math" panose="02040503050406030204" pitchFamily="18" charset="0"/>
                                   </a:rPr>
-                                  <m:t>𝐷</m:t>
+                                  <m:t>−</m:t>
                                 </m:r>
-                              </m:num>
-                              <m:den>
-                                <m:r>
-                                  <a:rPr lang="en-US" b="0" i="1" smtClean="0">
-                                    <a:latin typeface="Cambria Math" panose="02040503050406030204" pitchFamily="18" charset="0"/>
-                                  </a:rPr>
-                                  <m:t>𝑞</m:t>
-                                </m:r>
-                              </m:den>
-                            </m:f>
+                                <m:f>
+                                  <m:fPr>
+                                    <m:ctrlPr>
+                                      <a:rPr lang="en-US" b="0" i="1" smtClean="0">
+                                        <a:latin typeface="Cambria Math" panose="02040503050406030204" pitchFamily="18" charset="0"/>
+                                      </a:rPr>
+                                    </m:ctrlPr>
+                                  </m:fPr>
+                                  <m:num>
+                                    <m:r>
+                                      <a:rPr lang="en-US" b="0" i="1" smtClean="0">
+                                        <a:latin typeface="Cambria Math" panose="02040503050406030204" pitchFamily="18" charset="0"/>
+                                      </a:rPr>
+                                      <m:t>𝐷</m:t>
+                                    </m:r>
+                                  </m:num>
+                                  <m:den>
+                                    <m:r>
+                                      <a:rPr lang="en-US" b="0" i="1" smtClean="0">
+                                        <a:latin typeface="Cambria Math" panose="02040503050406030204" pitchFamily="18" charset="0"/>
+                                      </a:rPr>
+                                      <m:t>𝑞</m:t>
+                                    </m:r>
+                                  </m:den>
+                                </m:f>
+                              </m:e>
+                            </m:d>
                           </m:e>
-                        </m:d>
+                        </m:func>
                       </m:e>
-                    </m:func>
+                    </m:d>
+                    <m:r>
+                      <a:rPr lang="en-US" b="0" i="1" smtClean="0">
+                        <a:latin typeface="Cambria Math" panose="02040503050406030204" pitchFamily="18" charset="0"/>
+                      </a:rPr>
+                      <m:t> </m:t>
+                    </m:r>
                   </m:oMath>
                 </a14:m>
                 <a:endParaRPr lang="en-US" b="1" dirty="0"/>
@@ -6247,6 +6612,235 @@
               </a:p>
               <a:p>
                 <a:pPr lvl="1"/>
+                <a:endParaRPr lang="en-US" b="0" i="1" dirty="0">
+                  <a:latin typeface="Cambria Math" panose="02040503050406030204" pitchFamily="18" charset="0"/>
+                </a:endParaRPr>
+              </a:p>
+              <a:p>
+                <a:pPr lvl="1"/>
+                <a14:m>
+                  <m:oMath xmlns:m="http://schemas.openxmlformats.org/officeDocument/2006/math">
+                    <m:sSubSup>
+                      <m:sSubSupPr>
+                        <m:ctrlPr>
+                          <a:rPr lang="en-US" b="0" i="1" smtClean="0">
+                            <a:latin typeface="Cambria Math" panose="02040503050406030204" pitchFamily="18" charset="0"/>
+                          </a:rPr>
+                        </m:ctrlPr>
+                      </m:sSubSupPr>
+                      <m:e>
+                        <m:r>
+                          <a:rPr lang="en-US" b="0" i="1" smtClean="0">
+                            <a:latin typeface="Cambria Math" panose="02040503050406030204" pitchFamily="18" charset="0"/>
+                          </a:rPr>
+                          <m:t>𝑃</m:t>
+                        </m:r>
+                      </m:e>
+                      <m:sub>
+                        <m:r>
+                          <a:rPr lang="en-US" b="0" i="1" smtClean="0">
+                            <a:latin typeface="Cambria Math" panose="02040503050406030204" pitchFamily="18" charset="0"/>
+                          </a:rPr>
+                          <m:t>𝑣𝑎𝑠𝑐</m:t>
+                        </m:r>
+                      </m:sub>
+                      <m:sup>
+                        <m:r>
+                          <a:rPr lang="en-US" b="0" i="1" smtClean="0">
+                            <a:latin typeface="Cambria Math" panose="02040503050406030204" pitchFamily="18" charset="0"/>
+                          </a:rPr>
+                          <m:t>∗</m:t>
+                        </m:r>
+                      </m:sup>
+                    </m:sSubSup>
+                    <m:r>
+                      <a:rPr lang="en-US" b="0" i="1" smtClean="0">
+                        <a:latin typeface="Cambria Math" panose="02040503050406030204" pitchFamily="18" charset="0"/>
+                      </a:rPr>
+                      <m:t>(</m:t>
+                    </m:r>
+                    <m:r>
+                      <a:rPr lang="en-US" b="0" i="1" smtClean="0">
+                        <a:latin typeface="Cambria Math" panose="02040503050406030204" pitchFamily="18" charset="0"/>
+                      </a:rPr>
+                      <m:t>𝑙</m:t>
+                    </m:r>
+                    <m:r>
+                      <a:rPr lang="en-US" b="0" i="1" smtClean="0">
+                        <a:latin typeface="Cambria Math" panose="02040503050406030204" pitchFamily="18" charset="0"/>
+                      </a:rPr>
+                      <m:t>)=</m:t>
+                    </m:r>
+                    <m:sSub>
+                      <m:sSubPr>
+                        <m:ctrlPr>
+                          <a:rPr lang="en-US" i="1">
+                            <a:latin typeface="Cambria Math" panose="02040503050406030204" pitchFamily="18" charset="0"/>
+                          </a:rPr>
+                        </m:ctrlPr>
+                      </m:sSubPr>
+                      <m:e>
+                        <m:r>
+                          <a:rPr lang="en-US" i="1">
+                            <a:latin typeface="Cambria Math" panose="02040503050406030204" pitchFamily="18" charset="0"/>
+                          </a:rPr>
+                          <m:t>𝑃</m:t>
+                        </m:r>
+                      </m:e>
+                      <m:sub>
+                        <m:r>
+                          <a:rPr lang="en-US" i="1">
+                            <a:latin typeface="Cambria Math" panose="02040503050406030204" pitchFamily="18" charset="0"/>
+                          </a:rPr>
+                          <m:t>𝑎𝑙𝑣</m:t>
+                        </m:r>
+                      </m:sub>
+                    </m:sSub>
+                    <m:r>
+                      <a:rPr lang="en-US" i="1">
+                        <a:latin typeface="Cambria Math" panose="02040503050406030204" pitchFamily="18" charset="0"/>
+                      </a:rPr>
+                      <m:t>+</m:t>
+                    </m:r>
+                    <m:d>
+                      <m:dPr>
+                        <m:ctrlPr>
+                          <a:rPr lang="en-US" i="1">
+                            <a:latin typeface="Cambria Math" panose="02040503050406030204" pitchFamily="18" charset="0"/>
+                          </a:rPr>
+                        </m:ctrlPr>
+                      </m:dPr>
+                      <m:e>
+                        <m:sSub>
+                          <m:sSubPr>
+                            <m:ctrlPr>
+                              <a:rPr lang="en-US" i="1">
+                                <a:latin typeface="Cambria Math" panose="02040503050406030204" pitchFamily="18" charset="0"/>
+                              </a:rPr>
+                            </m:ctrlPr>
+                          </m:sSubPr>
+                          <m:e>
+                            <m:r>
+                              <a:rPr lang="en-US" i="1">
+                                <a:latin typeface="Cambria Math" panose="02040503050406030204" pitchFamily="18" charset="0"/>
+                              </a:rPr>
+                              <m:t>𝑃</m:t>
+                            </m:r>
+                          </m:e>
+                          <m:sub>
+                            <m:r>
+                              <a:rPr lang="en-US" i="1">
+                                <a:latin typeface="Cambria Math" panose="02040503050406030204" pitchFamily="18" charset="0"/>
+                              </a:rPr>
+                              <m:t>𝑖𝑛</m:t>
+                            </m:r>
+                          </m:sub>
+                        </m:sSub>
+                        <m:r>
+                          <a:rPr lang="en-US" i="1">
+                            <a:latin typeface="Cambria Math" panose="02040503050406030204" pitchFamily="18" charset="0"/>
+                          </a:rPr>
+                          <m:t>−</m:t>
+                        </m:r>
+                        <m:sSub>
+                          <m:sSubPr>
+                            <m:ctrlPr>
+                              <a:rPr lang="en-US" i="1">
+                                <a:latin typeface="Cambria Math" panose="02040503050406030204" pitchFamily="18" charset="0"/>
+                              </a:rPr>
+                            </m:ctrlPr>
+                          </m:sSubPr>
+                          <m:e>
+                            <m:r>
+                              <a:rPr lang="en-US" i="1">
+                                <a:latin typeface="Cambria Math" panose="02040503050406030204" pitchFamily="18" charset="0"/>
+                              </a:rPr>
+                              <m:t>𝑃</m:t>
+                            </m:r>
+                          </m:e>
+                          <m:sub>
+                            <m:r>
+                              <a:rPr lang="en-US" i="1">
+                                <a:latin typeface="Cambria Math" panose="02040503050406030204" pitchFamily="18" charset="0"/>
+                              </a:rPr>
+                              <m:t>𝑎𝑙𝑣</m:t>
+                            </m:r>
+                          </m:sub>
+                        </m:sSub>
+                      </m:e>
+                    </m:d>
+                    <m:func>
+                      <m:funcPr>
+                        <m:ctrlPr>
+                          <a:rPr lang="en-US" i="1">
+                            <a:latin typeface="Cambria Math" panose="02040503050406030204" pitchFamily="18" charset="0"/>
+                          </a:rPr>
+                        </m:ctrlPr>
+                      </m:funcPr>
+                      <m:fName>
+                        <m:r>
+                          <m:rPr>
+                            <m:sty m:val="p"/>
+                          </m:rPr>
+                          <a:rPr lang="en-US">
+                            <a:latin typeface="Cambria Math" panose="02040503050406030204" pitchFamily="18" charset="0"/>
+                          </a:rPr>
+                          <m:t>exp</m:t>
+                        </m:r>
+                      </m:fName>
+                      <m:e>
+                        <m:d>
+                          <m:dPr>
+                            <m:ctrlPr>
+                              <a:rPr lang="en-US" i="1">
+                                <a:latin typeface="Cambria Math" panose="02040503050406030204" pitchFamily="18" charset="0"/>
+                              </a:rPr>
+                            </m:ctrlPr>
+                          </m:dPr>
+                          <m:e>
+                            <m:r>
+                              <a:rPr lang="en-US" i="1">
+                                <a:latin typeface="Cambria Math" panose="02040503050406030204" pitchFamily="18" charset="0"/>
+                              </a:rPr>
+                              <m:t>−</m:t>
+                            </m:r>
+                            <m:f>
+                              <m:fPr>
+                                <m:ctrlPr>
+                                  <a:rPr lang="en-US" i="1">
+                                    <a:latin typeface="Cambria Math" panose="02040503050406030204" pitchFamily="18" charset="0"/>
+                                  </a:rPr>
+                                </m:ctrlPr>
+                              </m:fPr>
+                              <m:num>
+                                <m:r>
+                                  <a:rPr lang="en-US" i="1">
+                                    <a:latin typeface="Cambria Math" panose="02040503050406030204" pitchFamily="18" charset="0"/>
+                                  </a:rPr>
+                                  <m:t>𝐷</m:t>
+                                </m:r>
+                              </m:num>
+                              <m:den>
+                                <m:r>
+                                  <a:rPr lang="en-US" i="1">
+                                    <a:latin typeface="Cambria Math" panose="02040503050406030204" pitchFamily="18" charset="0"/>
+                                  </a:rPr>
+                                  <m:t>𝑞</m:t>
+                                </m:r>
+                              </m:den>
+                            </m:f>
+                          </m:e>
+                        </m:d>
+                      </m:e>
+                    </m:func>
+                  </m:oMath>
+                </a14:m>
+                <a:endParaRPr lang="en-US" b="0" i="1" dirty="0">
+                  <a:latin typeface="Cambria Math" panose="02040503050406030204" pitchFamily="18" charset="0"/>
+                </a:endParaRPr>
+              </a:p>
+              <a:p>
+                <a:pPr lvl="1"/>
                 <a14:m>
                   <m:oMath xmlns:m="http://schemas.openxmlformats.org/officeDocument/2006/math">
                     <m:sSubSup>
@@ -6337,12 +6931,6 @@
                             </m:ctrlPr>
                           </m:dPr>
                           <m:e>
-                            <m:r>
-                              <a:rPr lang="en-US" b="0" i="1" smtClean="0">
-                                <a:latin typeface="Cambria Math" panose="02040503050406030204" pitchFamily="18" charset="0"/>
-                              </a:rPr>
-                              <m:t>1−</m:t>
-                            </m:r>
                             <m:func>
                               <m:funcPr>
                                 <m:ctrlPr>
@@ -6407,6 +6995,12 @@
                                 </m:d>
                               </m:e>
                             </m:func>
+                            <m:r>
+                              <a:rPr lang="en-US" b="0" i="1" smtClean="0">
+                                <a:latin typeface="Cambria Math" panose="02040503050406030204" pitchFamily="18" charset="0"/>
+                              </a:rPr>
+                              <m:t>−1</m:t>
+                            </m:r>
                           </m:e>
                         </m:d>
                         <m:r>
@@ -6463,18 +7057,6 @@
                             </m:ctrlPr>
                           </m:dPr>
                           <m:e>
-                            <m:r>
-                              <a:rPr lang="en-US" b="0" i="1" smtClean="0">
-                                <a:latin typeface="Cambria Math" panose="02040503050406030204" pitchFamily="18" charset="0"/>
-                              </a:rPr>
-                              <m:t>1</m:t>
-                            </m:r>
-                            <m:r>
-                              <a:rPr lang="en-US" b="0" i="1" smtClean="0">
-                                <a:latin typeface="Cambria Math" panose="02040503050406030204" pitchFamily="18" charset="0"/>
-                              </a:rPr>
-                              <m:t>−</m:t>
-                            </m:r>
                             <m:func>
                               <m:funcPr>
                                 <m:ctrlPr>
@@ -6539,6 +7121,12 @@
                                 </m:d>
                               </m:e>
                             </m:func>
+                            <m:r>
+                              <a:rPr lang="en-US" b="0" i="1" smtClean="0">
+                                <a:latin typeface="Cambria Math" panose="02040503050406030204" pitchFamily="18" charset="0"/>
+                              </a:rPr>
+                              <m:t>−1</m:t>
+                            </m:r>
                           </m:e>
                         </m:d>
                         <m:r>
@@ -6553,241 +7141,8 @@
                           </a:rPr>
                           <m:t>𝑣</m:t>
                         </m:r>
-                        <m:r>
-                          <a:rPr lang="en-US" b="0" i="1" smtClean="0">
-                            <a:latin typeface="Cambria Math" panose="02040503050406030204" pitchFamily="18" charset="0"/>
-                          </a:rPr>
-                          <m:t>−2</m:t>
-                        </m:r>
-                        <m:r>
-                          <a:rPr lang="en-US" b="0" i="1" smtClean="0">
-                            <a:latin typeface="Cambria Math" panose="02040503050406030204" pitchFamily="18" charset="0"/>
-                          </a:rPr>
-                          <m:t>𝐷</m:t>
-                        </m:r>
                       </m:den>
                     </m:f>
-                  </m:oMath>
-                </a14:m>
-                <a:endParaRPr lang="en-US" b="0" dirty="0"/>
-              </a:p>
-              <a:p>
-                <a:pPr lvl="1"/>
-                <a14:m>
-                  <m:oMath xmlns:m="http://schemas.openxmlformats.org/officeDocument/2006/math">
-                    <m:sSubSup>
-                      <m:sSubSupPr>
-                        <m:ctrlPr>
-                          <a:rPr lang="en-US" b="0" i="1" smtClean="0">
-                            <a:latin typeface="Cambria Math" panose="02040503050406030204" pitchFamily="18" charset="0"/>
-                          </a:rPr>
-                        </m:ctrlPr>
-                      </m:sSubSupPr>
-                      <m:e>
-                        <m:r>
-                          <a:rPr lang="en-US" b="0" i="1" smtClean="0">
-                            <a:latin typeface="Cambria Math" panose="02040503050406030204" pitchFamily="18" charset="0"/>
-                          </a:rPr>
-                          <m:t>𝑃</m:t>
-                        </m:r>
-                      </m:e>
-                      <m:sub>
-                        <m:r>
-                          <a:rPr lang="en-US" b="0" i="1" smtClean="0">
-                            <a:latin typeface="Cambria Math" panose="02040503050406030204" pitchFamily="18" charset="0"/>
-                          </a:rPr>
-                          <m:t>𝑣𝑎𝑠𝑐</m:t>
-                        </m:r>
-                      </m:sub>
-                      <m:sup>
-                        <m:r>
-                          <a:rPr lang="en-US" b="0" i="1" smtClean="0">
-                            <a:latin typeface="Cambria Math" panose="02040503050406030204" pitchFamily="18" charset="0"/>
-                          </a:rPr>
-                          <m:t>∗</m:t>
-                        </m:r>
-                      </m:sup>
-                    </m:sSubSup>
-                    <m:r>
-                      <a:rPr lang="en-US" b="0" i="1" smtClean="0">
-                        <a:latin typeface="Cambria Math" panose="02040503050406030204" pitchFamily="18" charset="0"/>
-                      </a:rPr>
-                      <m:t>(</m:t>
-                    </m:r>
-                    <m:r>
-                      <a:rPr lang="en-US" b="0" i="1" smtClean="0">
-                        <a:latin typeface="Cambria Math" panose="02040503050406030204" pitchFamily="18" charset="0"/>
-                      </a:rPr>
-                      <m:t>𝑙</m:t>
-                    </m:r>
-                    <m:r>
-                      <a:rPr lang="en-US" b="0" i="1" smtClean="0">
-                        <a:latin typeface="Cambria Math" panose="02040503050406030204" pitchFamily="18" charset="0"/>
-                      </a:rPr>
-                      <m:t>)=</m:t>
-                    </m:r>
-                    <m:sSub>
-                      <m:sSubPr>
-                        <m:ctrlPr>
-                          <a:rPr lang="en-US" i="1">
-                            <a:latin typeface="Cambria Math" panose="02040503050406030204" pitchFamily="18" charset="0"/>
-                          </a:rPr>
-                        </m:ctrlPr>
-                      </m:sSubPr>
-                      <m:e>
-                        <m:r>
-                          <a:rPr lang="en-US" i="1">
-                            <a:latin typeface="Cambria Math" panose="02040503050406030204" pitchFamily="18" charset="0"/>
-                          </a:rPr>
-                          <m:t>𝑃</m:t>
-                        </m:r>
-                      </m:e>
-                      <m:sub>
-                        <m:r>
-                          <a:rPr lang="en-US" i="1">
-                            <a:latin typeface="Cambria Math" panose="02040503050406030204" pitchFamily="18" charset="0"/>
-                          </a:rPr>
-                          <m:t>𝑎𝑙𝑣</m:t>
-                        </m:r>
-                      </m:sub>
-                    </m:sSub>
-                    <m:r>
-                      <a:rPr lang="en-US" i="1">
-                        <a:latin typeface="Cambria Math" panose="02040503050406030204" pitchFamily="18" charset="0"/>
-                      </a:rPr>
-                      <m:t>+</m:t>
-                    </m:r>
-                    <m:d>
-                      <m:dPr>
-                        <m:ctrlPr>
-                          <a:rPr lang="en-US" i="1">
-                            <a:latin typeface="Cambria Math" panose="02040503050406030204" pitchFamily="18" charset="0"/>
-                          </a:rPr>
-                        </m:ctrlPr>
-                      </m:dPr>
-                      <m:e>
-                        <m:sSub>
-                          <m:sSubPr>
-                            <m:ctrlPr>
-                              <a:rPr lang="en-US" i="1">
-                                <a:latin typeface="Cambria Math" panose="02040503050406030204" pitchFamily="18" charset="0"/>
-                              </a:rPr>
-                            </m:ctrlPr>
-                          </m:sSubPr>
-                          <m:e>
-                            <m:r>
-                              <a:rPr lang="en-US" i="1">
-                                <a:latin typeface="Cambria Math" panose="02040503050406030204" pitchFamily="18" charset="0"/>
-                              </a:rPr>
-                              <m:t>𝑃</m:t>
-                            </m:r>
-                          </m:e>
-                          <m:sub>
-                            <m:r>
-                              <a:rPr lang="en-US" i="1">
-                                <a:latin typeface="Cambria Math" panose="02040503050406030204" pitchFamily="18" charset="0"/>
-                              </a:rPr>
-                              <m:t>𝑖𝑛</m:t>
-                            </m:r>
-                          </m:sub>
-                        </m:sSub>
-                        <m:r>
-                          <a:rPr lang="en-US" i="1">
-                            <a:latin typeface="Cambria Math" panose="02040503050406030204" pitchFamily="18" charset="0"/>
-                          </a:rPr>
-                          <m:t>−</m:t>
-                        </m:r>
-                        <m:sSub>
-                          <m:sSubPr>
-                            <m:ctrlPr>
-                              <a:rPr lang="en-US" i="1">
-                                <a:latin typeface="Cambria Math" panose="02040503050406030204" pitchFamily="18" charset="0"/>
-                              </a:rPr>
-                            </m:ctrlPr>
-                          </m:sSubPr>
-                          <m:e>
-                            <m:r>
-                              <a:rPr lang="en-US" i="1">
-                                <a:latin typeface="Cambria Math" panose="02040503050406030204" pitchFamily="18" charset="0"/>
-                              </a:rPr>
-                              <m:t>𝑃</m:t>
-                            </m:r>
-                          </m:e>
-                          <m:sub>
-                            <m:r>
-                              <a:rPr lang="en-US" i="1">
-                                <a:latin typeface="Cambria Math" panose="02040503050406030204" pitchFamily="18" charset="0"/>
-                              </a:rPr>
-                              <m:t>𝑎𝑙𝑣</m:t>
-                            </m:r>
-                          </m:sub>
-                        </m:sSub>
-                      </m:e>
-                    </m:d>
-                    <m:func>
-                      <m:funcPr>
-                        <m:ctrlPr>
-                          <a:rPr lang="en-US" i="1">
-                            <a:latin typeface="Cambria Math" panose="02040503050406030204" pitchFamily="18" charset="0"/>
-                          </a:rPr>
-                        </m:ctrlPr>
-                      </m:funcPr>
-                      <m:fName>
-                        <m:r>
-                          <m:rPr>
-                            <m:sty m:val="p"/>
-                          </m:rPr>
-                          <a:rPr lang="en-US">
-                            <a:latin typeface="Cambria Math" panose="02040503050406030204" pitchFamily="18" charset="0"/>
-                          </a:rPr>
-                          <m:t>exp</m:t>
-                        </m:r>
-                      </m:fName>
-                      <m:e>
-                        <m:d>
-                          <m:dPr>
-                            <m:ctrlPr>
-                              <a:rPr lang="en-US" i="1">
-                                <a:latin typeface="Cambria Math" panose="02040503050406030204" pitchFamily="18" charset="0"/>
-                              </a:rPr>
-                            </m:ctrlPr>
-                          </m:dPr>
-                          <m:e>
-                            <m:r>
-                              <a:rPr lang="en-US" i="1">
-                                <a:latin typeface="Cambria Math" panose="02040503050406030204" pitchFamily="18" charset="0"/>
-                              </a:rPr>
-                              <m:t>−</m:t>
-                            </m:r>
-                            <m:f>
-                              <m:fPr>
-                                <m:ctrlPr>
-                                  <a:rPr lang="en-US" i="1">
-                                    <a:latin typeface="Cambria Math" panose="02040503050406030204" pitchFamily="18" charset="0"/>
-                                  </a:rPr>
-                                </m:ctrlPr>
-                              </m:fPr>
-                              <m:num>
-                                <m:r>
-                                  <a:rPr lang="en-US" i="1">
-                                    <a:latin typeface="Cambria Math" panose="02040503050406030204" pitchFamily="18" charset="0"/>
-                                  </a:rPr>
-                                  <m:t>𝐷</m:t>
-                                </m:r>
-                              </m:num>
-                              <m:den>
-                                <m:r>
-                                  <a:rPr lang="en-US" i="1">
-                                    <a:latin typeface="Cambria Math" panose="02040503050406030204" pitchFamily="18" charset="0"/>
-                                  </a:rPr>
-                                  <m:t>𝑞</m:t>
-                                </m:r>
-                              </m:den>
-                            </m:f>
-                          </m:e>
-                        </m:d>
-                      </m:e>
-                    </m:func>
                   </m:oMath>
                 </a14:m>
                 <a:endParaRPr lang="en-US" b="0" dirty="0"/>
@@ -6795,7 +7150,7 @@
             </p:txBody>
           </p:sp>
         </mc:Choice>
-        <mc:Fallback>
+        <mc:Fallback xmlns="">
           <p:sp>
             <p:nvSpPr>
               <p:cNvPr id="3" name="Content Placeholder 2">
@@ -6816,7 +7171,7 @@
               <a:blipFill>
                 <a:blip r:embed="rId2"/>
                 <a:stretch>
-                  <a:fillRect l="-928" t="-3501"/>
+                  <a:fillRect l="-812" t="-3221"/>
                 </a:stretch>
               </a:blipFill>
             </p:spPr>
@@ -6839,6 +7194,4773 @@
     <p:extLst>
       <p:ext uri="{BB962C8B-B14F-4D97-AF65-F5344CB8AC3E}">
         <p14:creationId xmlns:p14="http://schemas.microsoft.com/office/powerpoint/2010/main" val="1028067249"/>
+      </p:ext>
+    </p:extLst>
+  </p:cSld>
+  <p:clrMapOvr>
+    <a:masterClrMapping/>
+  </p:clrMapOvr>
+</p:sld>
+</file>
+
+<file path=ppt/slides/slide12.xml><?xml version="1.0" encoding="utf-8"?>
+<p:sld xmlns:a="http://schemas.openxmlformats.org/drawingml/2006/main" xmlns:r="http://schemas.openxmlformats.org/officeDocument/2006/relationships" xmlns:p="http://schemas.openxmlformats.org/presentationml/2006/main">
+  <p:cSld>
+    <p:spTree>
+      <p:nvGrpSpPr>
+        <p:cNvPr id="1" name=""/>
+        <p:cNvGrpSpPr/>
+        <p:nvPr/>
+      </p:nvGrpSpPr>
+      <p:grpSpPr>
+        <a:xfrm>
+          <a:off x="0" y="0"/>
+          <a:ext cx="0" cy="0"/>
+          <a:chOff x="0" y="0"/>
+          <a:chExt cx="0" cy="0"/>
+        </a:xfrm>
+      </p:grpSpPr>
+      <p:sp>
+        <p:nvSpPr>
+          <p:cNvPr id="2" name="Title 1">
+            <a:extLst>
+              <a:ext uri="{FF2B5EF4-FFF2-40B4-BE49-F238E27FC236}">
+                <a16:creationId xmlns:a16="http://schemas.microsoft.com/office/drawing/2014/main" id="{76BE0450-9282-49E1-97C7-54A6CE09300D}"/>
+              </a:ext>
+            </a:extLst>
+          </p:cNvPr>
+          <p:cNvSpPr>
+            <a:spLocks noGrp="1"/>
+          </p:cNvSpPr>
+          <p:nvPr>
+            <p:ph type="title"/>
+          </p:nvPr>
+        </p:nvSpPr>
+        <p:spPr/>
+        <p:txBody>
+          <a:bodyPr/>
+          <a:lstStyle/>
+          <a:p>
+            <a:r>
+              <a:rPr lang="en-US" dirty="0"/>
+              <a:t>Fixed Points of Model C</a:t>
+            </a:r>
+          </a:p>
+        </p:txBody>
+      </p:sp>
+      <p:pic>
+        <p:nvPicPr>
+          <p:cNvPr id="5" name="Picture 4" descr="Diagram&#10;&#10;Description automatically generated">
+            <a:extLst>
+              <a:ext uri="{FF2B5EF4-FFF2-40B4-BE49-F238E27FC236}">
+                <a16:creationId xmlns:a16="http://schemas.microsoft.com/office/drawing/2014/main" id="{F502B026-40B3-457A-8995-047D503F1EDE}"/>
+              </a:ext>
+            </a:extLst>
+          </p:cNvPr>
+          <p:cNvPicPr>
+            <a:picLocks noChangeAspect="1"/>
+          </p:cNvPicPr>
+          <p:nvPr/>
+        </p:nvPicPr>
+        <p:blipFill rotWithShape="1">
+          <a:blip r:embed="rId2">
+            <a:extLst>
+              <a:ext uri="{28A0092B-C50C-407E-A947-70E740481C1C}">
+                <a14:useLocalDpi xmlns:a14="http://schemas.microsoft.com/office/drawing/2010/main" val="0"/>
+              </a:ext>
+            </a:extLst>
+          </a:blip>
+          <a:srcRect l="9925" t="23253" r="6875" b="23199"/>
+          <a:stretch/>
+        </p:blipFill>
+        <p:spPr>
+          <a:xfrm>
+            <a:off x="385426" y="1624914"/>
+            <a:ext cx="11217865" cy="3725561"/>
+          </a:xfrm>
+          <a:prstGeom prst="rect">
+            <a:avLst/>
+          </a:prstGeom>
+        </p:spPr>
+      </p:pic>
+      <p:sp>
+        <p:nvSpPr>
+          <p:cNvPr id="6" name="Content Placeholder 2">
+            <a:extLst>
+              <a:ext uri="{FF2B5EF4-FFF2-40B4-BE49-F238E27FC236}">
+                <a16:creationId xmlns:a16="http://schemas.microsoft.com/office/drawing/2014/main" id="{DBC5BF98-B783-4558-A68C-E7D3F012544C}"/>
+              </a:ext>
+            </a:extLst>
+          </p:cNvPr>
+          <p:cNvSpPr>
+            <a:spLocks noGrp="1"/>
+          </p:cNvSpPr>
+          <p:nvPr>
+            <p:ph idx="1"/>
+          </p:nvPr>
+        </p:nvSpPr>
+        <p:spPr>
+          <a:xfrm>
+            <a:off x="635131" y="5743756"/>
+            <a:ext cx="11556869" cy="687447"/>
+          </a:xfrm>
+        </p:spPr>
+        <p:txBody>
+          <a:bodyPr>
+            <a:normAutofit/>
+          </a:bodyPr>
+          <a:lstStyle/>
+          <a:p>
+            <a:pPr marL="0" indent="0">
+              <a:buNone/>
+            </a:pPr>
+            <a:r>
+              <a:rPr lang="en-US" b="1" dirty="0"/>
+              <a:t>The magnitude of (air, blood) flow affect pulmonary oxygen uptake</a:t>
+            </a:r>
+          </a:p>
+        </p:txBody>
+      </p:sp>
+    </p:spTree>
+    <p:extLst>
+      <p:ext uri="{BB962C8B-B14F-4D97-AF65-F5344CB8AC3E}">
+        <p14:creationId xmlns:p14="http://schemas.microsoft.com/office/powerpoint/2010/main" val="1216489406"/>
+      </p:ext>
+    </p:extLst>
+  </p:cSld>
+  <p:clrMapOvr>
+    <a:masterClrMapping/>
+  </p:clrMapOvr>
+</p:sld>
+</file>
+
+<file path=ppt/slides/slide13.xml><?xml version="1.0" encoding="utf-8"?>
+<p:sld xmlns:a="http://schemas.openxmlformats.org/drawingml/2006/main" xmlns:r="http://schemas.openxmlformats.org/officeDocument/2006/relationships" xmlns:p="http://schemas.openxmlformats.org/presentationml/2006/main">
+  <p:cSld>
+    <p:spTree>
+      <p:nvGrpSpPr>
+        <p:cNvPr id="1" name=""/>
+        <p:cNvGrpSpPr/>
+        <p:nvPr/>
+      </p:nvGrpSpPr>
+      <p:grpSpPr>
+        <a:xfrm>
+          <a:off x="0" y="0"/>
+          <a:ext cx="0" cy="0"/>
+          <a:chOff x="0" y="0"/>
+          <a:chExt cx="0" cy="0"/>
+        </a:xfrm>
+      </p:grpSpPr>
+      <p:sp>
+        <p:nvSpPr>
+          <p:cNvPr id="2" name="Title 1">
+            <a:extLst>
+              <a:ext uri="{FF2B5EF4-FFF2-40B4-BE49-F238E27FC236}">
+                <a16:creationId xmlns:a16="http://schemas.microsoft.com/office/drawing/2014/main" id="{52C79DD4-0B1F-47A5-BE84-B4AA5AA592D9}"/>
+              </a:ext>
+            </a:extLst>
+          </p:cNvPr>
+          <p:cNvSpPr>
+            <a:spLocks noGrp="1"/>
+          </p:cNvSpPr>
+          <p:nvPr>
+            <p:ph type="title"/>
+          </p:nvPr>
+        </p:nvSpPr>
+        <p:spPr/>
+        <p:txBody>
+          <a:bodyPr/>
+          <a:lstStyle/>
+          <a:p>
+            <a:r>
+              <a:rPr lang="en-US" dirty="0"/>
+              <a:t>Model D</a:t>
+            </a:r>
+          </a:p>
+        </p:txBody>
+      </p:sp>
+      <mc:AlternateContent xmlns:mc="http://schemas.openxmlformats.org/markup-compatibility/2006" xmlns:a14="http://schemas.microsoft.com/office/drawing/2010/main">
+        <mc:Choice Requires="a14">
+          <p:sp>
+            <p:nvSpPr>
+              <p:cNvPr id="3" name="Content Placeholder 2">
+                <a:extLst>
+                  <a:ext uri="{FF2B5EF4-FFF2-40B4-BE49-F238E27FC236}">
+                    <a16:creationId xmlns:a16="http://schemas.microsoft.com/office/drawing/2014/main" id="{AE28555E-88EA-4EF9-99C9-DA7594AEE9CD}"/>
+                  </a:ext>
+                </a:extLst>
+              </p:cNvPr>
+              <p:cNvSpPr>
+                <a:spLocks noGrp="1"/>
+              </p:cNvSpPr>
+              <p:nvPr>
+                <p:ph idx="1"/>
+              </p:nvPr>
+            </p:nvSpPr>
+            <p:spPr>
+              <a:xfrm>
+                <a:off x="838200" y="1627047"/>
+                <a:ext cx="10515600" cy="4865828"/>
+              </a:xfrm>
+            </p:spPr>
+            <p:txBody>
+              <a:bodyPr>
+                <a:normAutofit fontScale="85000" lnSpcReduction="20000"/>
+              </a:bodyPr>
+              <a:lstStyle/>
+              <a:p>
+                <a14:m>
+                  <m:oMath xmlns:m="http://schemas.openxmlformats.org/officeDocument/2006/math">
+                    <m:f>
+                      <m:fPr>
+                        <m:ctrlPr>
+                          <a:rPr lang="en-US" b="0" i="1" smtClean="0">
+                            <a:latin typeface="Cambria Math" panose="02040503050406030204" pitchFamily="18" charset="0"/>
+                          </a:rPr>
+                        </m:ctrlPr>
+                      </m:fPr>
+                      <m:num>
+                        <m:r>
+                          <a:rPr lang="en-US" b="0" i="1" smtClean="0">
+                            <a:latin typeface="Cambria Math" panose="02040503050406030204" pitchFamily="18" charset="0"/>
+                          </a:rPr>
+                          <m:t>𝑑</m:t>
+                        </m:r>
+                        <m:sSub>
+                          <m:sSubPr>
+                            <m:ctrlPr>
+                              <a:rPr lang="en-US" b="0" i="1" smtClean="0">
+                                <a:latin typeface="Cambria Math" panose="02040503050406030204" pitchFamily="18" charset="0"/>
+                              </a:rPr>
+                            </m:ctrlPr>
+                          </m:sSubPr>
+                          <m:e>
+                            <m:r>
+                              <a:rPr lang="en-US" b="0" i="1" smtClean="0">
+                                <a:latin typeface="Cambria Math" panose="02040503050406030204" pitchFamily="18" charset="0"/>
+                              </a:rPr>
+                              <m:t>𝑃</m:t>
+                            </m:r>
+                          </m:e>
+                          <m:sub>
+                            <m:r>
+                              <a:rPr lang="en-US" b="0" i="1" smtClean="0">
+                                <a:latin typeface="Cambria Math" panose="02040503050406030204" pitchFamily="18" charset="0"/>
+                              </a:rPr>
+                              <m:t>𝑎𝑙𝑣</m:t>
+                            </m:r>
+                          </m:sub>
+                        </m:sSub>
+                      </m:num>
+                      <m:den>
+                        <m:r>
+                          <a:rPr lang="en-US" b="0" i="1" smtClean="0">
+                            <a:latin typeface="Cambria Math" panose="02040503050406030204" pitchFamily="18" charset="0"/>
+                          </a:rPr>
+                          <m:t>𝑑𝑡</m:t>
+                        </m:r>
+                      </m:den>
+                    </m:f>
+                    <m:r>
+                      <a:rPr lang="en-US" b="0" i="1" smtClean="0">
+                        <a:latin typeface="Cambria Math" panose="02040503050406030204" pitchFamily="18" charset="0"/>
+                      </a:rPr>
+                      <m:t>=</m:t>
+                    </m:r>
+                    <m:f>
+                      <m:fPr>
+                        <m:ctrlPr>
+                          <a:rPr lang="en-US" b="0" i="1" smtClean="0">
+                            <a:latin typeface="Cambria Math" panose="02040503050406030204" pitchFamily="18" charset="0"/>
+                          </a:rPr>
+                        </m:ctrlPr>
+                      </m:fPr>
+                      <m:num>
+                        <m:r>
+                          <a:rPr lang="en-US" b="0" i="1" smtClean="0">
+                            <a:latin typeface="Cambria Math" panose="02040503050406030204" pitchFamily="18" charset="0"/>
+                          </a:rPr>
+                          <m:t>𝑣</m:t>
+                        </m:r>
+                        <m:d>
+                          <m:dPr>
+                            <m:ctrlPr>
+                              <a:rPr lang="en-US" b="0" i="1" smtClean="0">
+                                <a:latin typeface="Cambria Math" panose="02040503050406030204" pitchFamily="18" charset="0"/>
+                              </a:rPr>
+                            </m:ctrlPr>
+                          </m:dPr>
+                          <m:e>
+                            <m:sSub>
+                              <m:sSubPr>
+                                <m:ctrlPr>
+                                  <a:rPr lang="en-US" b="0" i="1" smtClean="0">
+                                    <a:latin typeface="Cambria Math" panose="02040503050406030204" pitchFamily="18" charset="0"/>
+                                  </a:rPr>
+                                </m:ctrlPr>
+                              </m:sSubPr>
+                              <m:e>
+                                <m:r>
+                                  <a:rPr lang="en-US" b="0" i="1" smtClean="0">
+                                    <a:latin typeface="Cambria Math" panose="02040503050406030204" pitchFamily="18" charset="0"/>
+                                  </a:rPr>
+                                  <m:t>𝑃</m:t>
+                                </m:r>
+                              </m:e>
+                              <m:sub>
+                                <m:r>
+                                  <a:rPr lang="en-US" b="0" i="1" smtClean="0">
+                                    <a:latin typeface="Cambria Math" panose="02040503050406030204" pitchFamily="18" charset="0"/>
+                                  </a:rPr>
+                                  <m:t>𝑎𝑖𝑟</m:t>
+                                </m:r>
+                              </m:sub>
+                            </m:sSub>
+                            <m:r>
+                              <a:rPr lang="en-US" b="0" i="1" smtClean="0">
+                                <a:latin typeface="Cambria Math" panose="02040503050406030204" pitchFamily="18" charset="0"/>
+                              </a:rPr>
+                              <m:t>−</m:t>
+                            </m:r>
+                            <m:sSub>
+                              <m:sSubPr>
+                                <m:ctrlPr>
+                                  <a:rPr lang="en-US" b="0" i="1" smtClean="0">
+                                    <a:latin typeface="Cambria Math" panose="02040503050406030204" pitchFamily="18" charset="0"/>
+                                  </a:rPr>
+                                </m:ctrlPr>
+                              </m:sSubPr>
+                              <m:e>
+                                <m:r>
+                                  <a:rPr lang="en-US" b="0" i="1" smtClean="0">
+                                    <a:latin typeface="Cambria Math" panose="02040503050406030204" pitchFamily="18" charset="0"/>
+                                  </a:rPr>
+                                  <m:t>𝑃</m:t>
+                                </m:r>
+                              </m:e>
+                              <m:sub>
+                                <m:r>
+                                  <a:rPr lang="en-US" b="0" i="1" smtClean="0">
+                                    <a:latin typeface="Cambria Math" panose="02040503050406030204" pitchFamily="18" charset="0"/>
+                                  </a:rPr>
+                                  <m:t>𝑎𝑙𝑣</m:t>
+                                </m:r>
+                              </m:sub>
+                            </m:sSub>
+                          </m:e>
+                        </m:d>
+                        <m:r>
+                          <a:rPr lang="en-US" b="0" i="1" smtClean="0">
+                            <a:latin typeface="Cambria Math" panose="02040503050406030204" pitchFamily="18" charset="0"/>
+                          </a:rPr>
+                          <m:t>−</m:t>
+                        </m:r>
+                        <m:r>
+                          <a:rPr lang="en-US" b="0" i="1" smtClean="0">
+                            <a:latin typeface="Cambria Math" panose="02040503050406030204" pitchFamily="18" charset="0"/>
+                          </a:rPr>
+                          <m:t>𝛼𝛽</m:t>
+                        </m:r>
+                        <m:r>
+                          <a:rPr lang="en-US" b="0" i="1" smtClean="0">
+                            <a:latin typeface="Cambria Math" panose="02040503050406030204" pitchFamily="18" charset="0"/>
+                          </a:rPr>
+                          <m:t>𝐷</m:t>
+                        </m:r>
+                        <m:r>
+                          <a:rPr lang="en-US" b="0" i="1" smtClean="0">
+                            <a:latin typeface="Cambria Math" panose="02040503050406030204" pitchFamily="18" charset="0"/>
+                          </a:rPr>
+                          <m:t>(</m:t>
+                        </m:r>
+                        <m:sSub>
+                          <m:sSubPr>
+                            <m:ctrlPr>
+                              <a:rPr lang="en-US" b="0" i="1" smtClean="0">
+                                <a:latin typeface="Cambria Math" panose="02040503050406030204" pitchFamily="18" charset="0"/>
+                              </a:rPr>
+                            </m:ctrlPr>
+                          </m:sSubPr>
+                          <m:e>
+                            <m:r>
+                              <a:rPr lang="en-US" b="0" i="1" smtClean="0">
+                                <a:latin typeface="Cambria Math" panose="02040503050406030204" pitchFamily="18" charset="0"/>
+                              </a:rPr>
+                              <m:t>𝑃</m:t>
+                            </m:r>
+                          </m:e>
+                          <m:sub>
+                            <m:r>
+                              <a:rPr lang="en-US" b="0" i="1" smtClean="0">
+                                <a:latin typeface="Cambria Math" panose="02040503050406030204" pitchFamily="18" charset="0"/>
+                              </a:rPr>
+                              <m:t>𝑎𝑙𝑣</m:t>
+                            </m:r>
+                          </m:sub>
+                        </m:sSub>
+                        <m:r>
+                          <a:rPr lang="en-US" b="0" i="1" smtClean="0">
+                            <a:latin typeface="Cambria Math" panose="02040503050406030204" pitchFamily="18" charset="0"/>
+                          </a:rPr>
+                          <m:t>−〈</m:t>
+                        </m:r>
+                        <m:sSub>
+                          <m:sSubPr>
+                            <m:ctrlPr>
+                              <a:rPr lang="en-US" b="0" i="1" smtClean="0">
+                                <a:latin typeface="Cambria Math" panose="02040503050406030204" pitchFamily="18" charset="0"/>
+                              </a:rPr>
+                            </m:ctrlPr>
+                          </m:sSubPr>
+                          <m:e>
+                            <m:r>
+                              <a:rPr lang="en-US" b="0" i="1" smtClean="0">
+                                <a:latin typeface="Cambria Math" panose="02040503050406030204" pitchFamily="18" charset="0"/>
+                              </a:rPr>
+                              <m:t>𝑃</m:t>
+                            </m:r>
+                          </m:e>
+                          <m:sub>
+                            <m:r>
+                              <a:rPr lang="en-US" b="0" i="1" smtClean="0">
+                                <a:latin typeface="Cambria Math" panose="02040503050406030204" pitchFamily="18" charset="0"/>
+                              </a:rPr>
+                              <m:t>𝑣𝑎𝑠𝑐</m:t>
+                            </m:r>
+                          </m:sub>
+                        </m:sSub>
+                        <m:r>
+                          <a:rPr lang="en-US" b="0" i="1" smtClean="0">
+                            <a:latin typeface="Cambria Math" panose="02040503050406030204" pitchFamily="18" charset="0"/>
+                          </a:rPr>
+                          <m:t>〉)</m:t>
+                        </m:r>
+                      </m:num>
+                      <m:den>
+                        <m:sSub>
+                          <m:sSubPr>
+                            <m:ctrlPr>
+                              <a:rPr lang="en-US" b="0" i="1" smtClean="0">
+                                <a:latin typeface="Cambria Math" panose="02040503050406030204" pitchFamily="18" charset="0"/>
+                              </a:rPr>
+                            </m:ctrlPr>
+                          </m:sSubPr>
+                          <m:e>
+                            <m:r>
+                              <a:rPr lang="en-US" b="0" i="1" smtClean="0">
+                                <a:latin typeface="Cambria Math" panose="02040503050406030204" pitchFamily="18" charset="0"/>
+                              </a:rPr>
+                              <m:t>𝑉</m:t>
+                            </m:r>
+                          </m:e>
+                          <m:sub>
+                            <m:r>
+                              <a:rPr lang="en-US" b="0" i="1" smtClean="0">
+                                <a:latin typeface="Cambria Math" panose="02040503050406030204" pitchFamily="18" charset="0"/>
+                              </a:rPr>
+                              <m:t>𝑎𝑙𝑣</m:t>
+                            </m:r>
+                          </m:sub>
+                        </m:sSub>
+                      </m:den>
+                    </m:f>
+                  </m:oMath>
+                </a14:m>
+                <a:endParaRPr lang="en-US" dirty="0"/>
+              </a:p>
+              <a:p>
+                <a:endParaRPr lang="en-US" dirty="0"/>
+              </a:p>
+              <a:p>
+                <a14:m>
+                  <m:oMath xmlns:m="http://schemas.openxmlformats.org/officeDocument/2006/math">
+                    <m:f>
+                      <m:fPr>
+                        <m:ctrlPr>
+                          <a:rPr lang="en-US" b="0" i="1" smtClean="0">
+                            <a:latin typeface="Cambria Math" panose="02040503050406030204" pitchFamily="18" charset="0"/>
+                          </a:rPr>
+                        </m:ctrlPr>
+                      </m:fPr>
+                      <m:num>
+                        <m:r>
+                          <a:rPr lang="en-US" b="0" i="1" smtClean="0">
+                            <a:latin typeface="Cambria Math" panose="02040503050406030204" pitchFamily="18" charset="0"/>
+                          </a:rPr>
+                          <m:t>𝜕</m:t>
+                        </m:r>
+                        <m:sSub>
+                          <m:sSubPr>
+                            <m:ctrlPr>
+                              <a:rPr lang="en-US" b="0" i="1" smtClean="0">
+                                <a:latin typeface="Cambria Math" panose="02040503050406030204" pitchFamily="18" charset="0"/>
+                              </a:rPr>
+                            </m:ctrlPr>
+                          </m:sSubPr>
+                          <m:e>
+                            <m:r>
+                              <a:rPr lang="en-US" b="0" i="1" smtClean="0">
+                                <a:latin typeface="Cambria Math" panose="02040503050406030204" pitchFamily="18" charset="0"/>
+                              </a:rPr>
+                              <m:t>𝐶</m:t>
+                            </m:r>
+                          </m:e>
+                          <m:sub>
+                            <m:r>
+                              <a:rPr lang="en-US" b="0" i="1" smtClean="0">
+                                <a:latin typeface="Cambria Math" panose="02040503050406030204" pitchFamily="18" charset="0"/>
+                              </a:rPr>
+                              <m:t>𝑣𝑎𝑠𝑐</m:t>
+                            </m:r>
+                          </m:sub>
+                        </m:sSub>
+                      </m:num>
+                      <m:den>
+                        <m:r>
+                          <a:rPr lang="en-US" b="0" i="1" smtClean="0">
+                            <a:latin typeface="Cambria Math" panose="02040503050406030204" pitchFamily="18" charset="0"/>
+                          </a:rPr>
+                          <m:t>𝜕</m:t>
+                        </m:r>
+                        <m:r>
+                          <a:rPr lang="en-US" b="0" i="1" smtClean="0">
+                            <a:latin typeface="Cambria Math" panose="02040503050406030204" pitchFamily="18" charset="0"/>
+                          </a:rPr>
+                          <m:t>𝑡</m:t>
+                        </m:r>
+                      </m:den>
+                    </m:f>
+                    <m:r>
+                      <a:rPr lang="en-US" b="0" i="1" smtClean="0">
+                        <a:latin typeface="Cambria Math" panose="02040503050406030204" pitchFamily="18" charset="0"/>
+                      </a:rPr>
+                      <m:t>+</m:t>
+                    </m:r>
+                    <m:f>
+                      <m:fPr>
+                        <m:ctrlPr>
+                          <a:rPr lang="en-US" b="0" i="1" smtClean="0">
+                            <a:latin typeface="Cambria Math" panose="02040503050406030204" pitchFamily="18" charset="0"/>
+                          </a:rPr>
+                        </m:ctrlPr>
+                      </m:fPr>
+                      <m:num>
+                        <m:r>
+                          <a:rPr lang="en-US" b="0" i="1" smtClean="0">
+                            <a:latin typeface="Cambria Math" panose="02040503050406030204" pitchFamily="18" charset="0"/>
+                          </a:rPr>
+                          <m:t>𝑞𝑙</m:t>
+                        </m:r>
+                      </m:num>
+                      <m:den>
+                        <m:sSub>
+                          <m:sSubPr>
+                            <m:ctrlPr>
+                              <a:rPr lang="en-US" b="0" i="1" smtClean="0">
+                                <a:latin typeface="Cambria Math" panose="02040503050406030204" pitchFamily="18" charset="0"/>
+                              </a:rPr>
+                            </m:ctrlPr>
+                          </m:sSubPr>
+                          <m:e>
+                            <m:r>
+                              <a:rPr lang="en-US" b="0" i="1" smtClean="0">
+                                <a:latin typeface="Cambria Math" panose="02040503050406030204" pitchFamily="18" charset="0"/>
+                              </a:rPr>
+                              <m:t>𝑉</m:t>
+                            </m:r>
+                          </m:e>
+                          <m:sub>
+                            <m:r>
+                              <a:rPr lang="en-US" b="0" i="1" smtClean="0">
+                                <a:latin typeface="Cambria Math" panose="02040503050406030204" pitchFamily="18" charset="0"/>
+                              </a:rPr>
+                              <m:t>𝑣𝑎𝑠𝑐</m:t>
+                            </m:r>
+                          </m:sub>
+                        </m:sSub>
+                      </m:den>
+                    </m:f>
+                    <m:f>
+                      <m:fPr>
+                        <m:ctrlPr>
+                          <a:rPr lang="en-US" b="0" i="1" smtClean="0">
+                            <a:latin typeface="Cambria Math" panose="02040503050406030204" pitchFamily="18" charset="0"/>
+                          </a:rPr>
+                        </m:ctrlPr>
+                      </m:fPr>
+                      <m:num>
+                        <m:r>
+                          <a:rPr lang="en-US" b="0" i="1" smtClean="0">
+                            <a:latin typeface="Cambria Math" panose="02040503050406030204" pitchFamily="18" charset="0"/>
+                          </a:rPr>
+                          <m:t>𝜕</m:t>
+                        </m:r>
+                        <m:sSub>
+                          <m:sSubPr>
+                            <m:ctrlPr>
+                              <a:rPr lang="en-US" b="0" i="1" smtClean="0">
+                                <a:latin typeface="Cambria Math" panose="02040503050406030204" pitchFamily="18" charset="0"/>
+                              </a:rPr>
+                            </m:ctrlPr>
+                          </m:sSubPr>
+                          <m:e>
+                            <m:r>
+                              <a:rPr lang="en-US" b="0" i="1" smtClean="0">
+                                <a:latin typeface="Cambria Math" panose="02040503050406030204" pitchFamily="18" charset="0"/>
+                              </a:rPr>
+                              <m:t>𝐶</m:t>
+                            </m:r>
+                          </m:e>
+                          <m:sub>
+                            <m:r>
+                              <a:rPr lang="en-US" b="0" i="1" smtClean="0">
+                                <a:latin typeface="Cambria Math" panose="02040503050406030204" pitchFamily="18" charset="0"/>
+                              </a:rPr>
+                              <m:t>𝑣𝑎𝑠𝑐</m:t>
+                            </m:r>
+                          </m:sub>
+                        </m:sSub>
+                      </m:num>
+                      <m:den>
+                        <m:r>
+                          <a:rPr lang="en-US" b="0" i="1" smtClean="0">
+                            <a:latin typeface="Cambria Math" panose="02040503050406030204" pitchFamily="18" charset="0"/>
+                          </a:rPr>
+                          <m:t>𝜕</m:t>
+                        </m:r>
+                        <m:r>
+                          <a:rPr lang="en-US" b="0" i="1" smtClean="0">
+                            <a:latin typeface="Cambria Math" panose="02040503050406030204" pitchFamily="18" charset="0"/>
+                          </a:rPr>
+                          <m:t>𝑥</m:t>
+                        </m:r>
+                      </m:den>
+                    </m:f>
+                    <m:r>
+                      <a:rPr lang="en-US" b="0" i="1" smtClean="0">
+                        <a:latin typeface="Cambria Math" panose="02040503050406030204" pitchFamily="18" charset="0"/>
+                      </a:rPr>
+                      <m:t>=</m:t>
+                    </m:r>
+                    <m:f>
+                      <m:fPr>
+                        <m:ctrlPr>
+                          <a:rPr lang="en-US" b="0" i="1" smtClean="0">
+                            <a:latin typeface="Cambria Math" panose="02040503050406030204" pitchFamily="18" charset="0"/>
+                          </a:rPr>
+                        </m:ctrlPr>
+                      </m:fPr>
+                      <m:num>
+                        <m:r>
+                          <a:rPr lang="en-US" b="0" i="1" smtClean="0">
+                            <a:latin typeface="Cambria Math" panose="02040503050406030204" pitchFamily="18" charset="0"/>
+                          </a:rPr>
+                          <m:t>𝛼</m:t>
+                        </m:r>
+                        <m:r>
+                          <a:rPr lang="en-US" b="0" i="1" smtClean="0">
+                            <a:latin typeface="Cambria Math" panose="02040503050406030204" pitchFamily="18" charset="0"/>
+                          </a:rPr>
+                          <m:t>𝐷</m:t>
+                        </m:r>
+                      </m:num>
+                      <m:den>
+                        <m:sSub>
+                          <m:sSubPr>
+                            <m:ctrlPr>
+                              <a:rPr lang="en-US" b="0" i="1" smtClean="0">
+                                <a:latin typeface="Cambria Math" panose="02040503050406030204" pitchFamily="18" charset="0"/>
+                              </a:rPr>
+                            </m:ctrlPr>
+                          </m:sSubPr>
+                          <m:e>
+                            <m:r>
+                              <a:rPr lang="en-US" b="0" i="1" smtClean="0">
+                                <a:latin typeface="Cambria Math" panose="02040503050406030204" pitchFamily="18" charset="0"/>
+                              </a:rPr>
+                              <m:t>𝑉</m:t>
+                            </m:r>
+                          </m:e>
+                          <m:sub>
+                            <m:r>
+                              <a:rPr lang="en-US" b="0" i="1" smtClean="0">
+                                <a:latin typeface="Cambria Math" panose="02040503050406030204" pitchFamily="18" charset="0"/>
+                              </a:rPr>
+                              <m:t>𝑣𝑎𝑠𝑐</m:t>
+                            </m:r>
+                          </m:sub>
+                        </m:sSub>
+                      </m:den>
+                    </m:f>
+                    <m:r>
+                      <a:rPr lang="en-US" b="0" i="1" smtClean="0">
+                        <a:latin typeface="Cambria Math" panose="02040503050406030204" pitchFamily="18" charset="0"/>
+                      </a:rPr>
+                      <m:t>(</m:t>
+                    </m:r>
+                    <m:sSub>
+                      <m:sSubPr>
+                        <m:ctrlPr>
+                          <a:rPr lang="en-US" b="0" i="1" smtClean="0">
+                            <a:latin typeface="Cambria Math" panose="02040503050406030204" pitchFamily="18" charset="0"/>
+                          </a:rPr>
+                        </m:ctrlPr>
+                      </m:sSubPr>
+                      <m:e>
+                        <m:r>
+                          <a:rPr lang="en-US" b="0" i="1" smtClean="0">
+                            <a:latin typeface="Cambria Math" panose="02040503050406030204" pitchFamily="18" charset="0"/>
+                          </a:rPr>
+                          <m:t>𝑃</m:t>
+                        </m:r>
+                      </m:e>
+                      <m:sub>
+                        <m:r>
+                          <a:rPr lang="en-US" b="0" i="1" smtClean="0">
+                            <a:latin typeface="Cambria Math" panose="02040503050406030204" pitchFamily="18" charset="0"/>
+                          </a:rPr>
+                          <m:t>𝑎𝑙𝑣</m:t>
+                        </m:r>
+                      </m:sub>
+                    </m:sSub>
+                    <m:r>
+                      <a:rPr lang="en-US" b="0" i="1" smtClean="0">
+                        <a:latin typeface="Cambria Math" panose="02040503050406030204" pitchFamily="18" charset="0"/>
+                      </a:rPr>
+                      <m:t>−</m:t>
+                    </m:r>
+                    <m:sSub>
+                      <m:sSubPr>
+                        <m:ctrlPr>
+                          <a:rPr lang="en-US" b="0" i="1" smtClean="0">
+                            <a:latin typeface="Cambria Math" panose="02040503050406030204" pitchFamily="18" charset="0"/>
+                          </a:rPr>
+                        </m:ctrlPr>
+                      </m:sSubPr>
+                      <m:e>
+                        <m:r>
+                          <a:rPr lang="en-US" b="0" i="1" smtClean="0">
+                            <a:latin typeface="Cambria Math" panose="02040503050406030204" pitchFamily="18" charset="0"/>
+                          </a:rPr>
+                          <m:t>𝑃</m:t>
+                        </m:r>
+                      </m:e>
+                      <m:sub>
+                        <m:r>
+                          <a:rPr lang="en-US" b="0" i="1" smtClean="0">
+                            <a:latin typeface="Cambria Math" panose="02040503050406030204" pitchFamily="18" charset="0"/>
+                          </a:rPr>
+                          <m:t>𝑣𝑎𝑠𝑐</m:t>
+                        </m:r>
+                      </m:sub>
+                    </m:sSub>
+                    <m:r>
+                      <a:rPr lang="en-US" b="0" i="1" smtClean="0">
+                        <a:latin typeface="Cambria Math" panose="02040503050406030204" pitchFamily="18" charset="0"/>
+                      </a:rPr>
+                      <m:t>)</m:t>
+                    </m:r>
+                  </m:oMath>
+                </a14:m>
+                <a:endParaRPr lang="en-US" dirty="0"/>
+              </a:p>
+              <a:p>
+                <a:pPr marL="0" indent="0">
+                  <a:buNone/>
+                </a:pPr>
+                <a:endParaRPr lang="en-US" dirty="0"/>
+              </a:p>
+              <a:p>
+                <a14:m>
+                  <m:oMath xmlns:m="http://schemas.openxmlformats.org/officeDocument/2006/math">
+                    <m:sSub>
+                      <m:sSubPr>
+                        <m:ctrlPr>
+                          <a:rPr lang="en-US" b="0" i="1" smtClean="0">
+                            <a:latin typeface="Cambria Math" panose="02040503050406030204" pitchFamily="18" charset="0"/>
+                          </a:rPr>
+                        </m:ctrlPr>
+                      </m:sSubPr>
+                      <m:e>
+                        <m:r>
+                          <a:rPr lang="en-US" b="0" i="1" smtClean="0">
+                            <a:latin typeface="Cambria Math" panose="02040503050406030204" pitchFamily="18" charset="0"/>
+                          </a:rPr>
+                          <m:t>𝐶</m:t>
+                        </m:r>
+                      </m:e>
+                      <m:sub>
+                        <m:r>
+                          <a:rPr lang="en-US" b="0" i="1" smtClean="0">
+                            <a:latin typeface="Cambria Math" panose="02040503050406030204" pitchFamily="18" charset="0"/>
+                          </a:rPr>
+                          <m:t>𝑣𝑎𝑠𝑐</m:t>
+                        </m:r>
+                      </m:sub>
+                    </m:sSub>
+                    <m:d>
+                      <m:dPr>
+                        <m:ctrlPr>
+                          <a:rPr lang="en-US" b="0" i="1" smtClean="0">
+                            <a:latin typeface="Cambria Math" panose="02040503050406030204" pitchFamily="18" charset="0"/>
+                          </a:rPr>
+                        </m:ctrlPr>
+                      </m:dPr>
+                      <m:e>
+                        <m:r>
+                          <a:rPr lang="en-US" b="0" i="1" smtClean="0">
+                            <a:latin typeface="Cambria Math" panose="02040503050406030204" pitchFamily="18" charset="0"/>
+                          </a:rPr>
+                          <m:t>𝑡</m:t>
+                        </m:r>
+                        <m:r>
+                          <a:rPr lang="en-US" b="0" i="1" smtClean="0">
+                            <a:latin typeface="Cambria Math" panose="02040503050406030204" pitchFamily="18" charset="0"/>
+                          </a:rPr>
+                          <m:t>,0</m:t>
+                        </m:r>
+                      </m:e>
+                    </m:d>
+                    <m:r>
+                      <a:rPr lang="en-US" b="0" i="1" smtClean="0">
+                        <a:latin typeface="Cambria Math" panose="02040503050406030204" pitchFamily="18" charset="0"/>
+                      </a:rPr>
+                      <m:t>=</m:t>
+                    </m:r>
+                    <m:sSub>
+                      <m:sSubPr>
+                        <m:ctrlPr>
+                          <a:rPr lang="en-US" b="0" i="1" smtClean="0">
+                            <a:latin typeface="Cambria Math" panose="02040503050406030204" pitchFamily="18" charset="0"/>
+                          </a:rPr>
+                        </m:ctrlPr>
+                      </m:sSubPr>
+                      <m:e>
+                        <m:r>
+                          <a:rPr lang="en-US" b="0" i="1" smtClean="0">
+                            <a:latin typeface="Cambria Math" panose="02040503050406030204" pitchFamily="18" charset="0"/>
+                          </a:rPr>
+                          <m:t>𝐶</m:t>
+                        </m:r>
+                      </m:e>
+                      <m:sub>
+                        <m:r>
+                          <a:rPr lang="en-US" b="0" i="1" smtClean="0">
+                            <a:latin typeface="Cambria Math" panose="02040503050406030204" pitchFamily="18" charset="0"/>
+                          </a:rPr>
+                          <m:t>𝑖𝑛</m:t>
+                        </m:r>
+                      </m:sub>
+                    </m:sSub>
+                  </m:oMath>
+                </a14:m>
+                <a:endParaRPr lang="en-US" b="0" i="1" dirty="0">
+                  <a:latin typeface="Cambria Math" panose="02040503050406030204" pitchFamily="18" charset="0"/>
+                </a:endParaRPr>
+              </a:p>
+              <a:p>
+                <a14:m>
+                  <m:oMath xmlns:m="http://schemas.openxmlformats.org/officeDocument/2006/math">
+                    <m:d>
+                      <m:dPr>
+                        <m:begChr m:val="〈"/>
+                        <m:endChr m:val="〉"/>
+                        <m:ctrlPr>
+                          <a:rPr lang="en-US" b="0" i="1" smtClean="0">
+                            <a:latin typeface="Cambria Math" panose="02040503050406030204" pitchFamily="18" charset="0"/>
+                          </a:rPr>
+                        </m:ctrlPr>
+                      </m:dPr>
+                      <m:e>
+                        <m:sSub>
+                          <m:sSubPr>
+                            <m:ctrlPr>
+                              <a:rPr lang="en-US" b="0" i="1" smtClean="0">
+                                <a:latin typeface="Cambria Math" panose="02040503050406030204" pitchFamily="18" charset="0"/>
+                              </a:rPr>
+                            </m:ctrlPr>
+                          </m:sSubPr>
+                          <m:e>
+                            <m:r>
+                              <a:rPr lang="en-US" b="0" i="1" smtClean="0">
+                                <a:latin typeface="Cambria Math" panose="02040503050406030204" pitchFamily="18" charset="0"/>
+                              </a:rPr>
+                              <m:t>𝑃</m:t>
+                            </m:r>
+                          </m:e>
+                          <m:sub>
+                            <m:r>
+                              <a:rPr lang="en-US" b="0" i="1" smtClean="0">
+                                <a:latin typeface="Cambria Math" panose="02040503050406030204" pitchFamily="18" charset="0"/>
+                              </a:rPr>
+                              <m:t>𝑣𝑎𝑠𝑐</m:t>
+                            </m:r>
+                          </m:sub>
+                        </m:sSub>
+                      </m:e>
+                    </m:d>
+                    <m:r>
+                      <a:rPr lang="en-US" b="0" i="1" smtClean="0">
+                        <a:latin typeface="Cambria Math" panose="02040503050406030204" pitchFamily="18" charset="0"/>
+                      </a:rPr>
+                      <m:t>(</m:t>
+                    </m:r>
+                    <m:r>
+                      <a:rPr lang="en-US" b="0" i="1" smtClean="0">
+                        <a:latin typeface="Cambria Math" panose="02040503050406030204" pitchFamily="18" charset="0"/>
+                      </a:rPr>
+                      <m:t>𝑡</m:t>
+                    </m:r>
+                    <m:r>
+                      <a:rPr lang="en-US" b="0" i="1" smtClean="0">
+                        <a:latin typeface="Cambria Math" panose="02040503050406030204" pitchFamily="18" charset="0"/>
+                      </a:rPr>
+                      <m:t>)</m:t>
+                    </m:r>
+                    <m:r>
+                      <a:rPr lang="en-US" b="0" i="0" smtClean="0">
+                        <a:latin typeface="Cambria Math" panose="02040503050406030204" pitchFamily="18" charset="0"/>
+                      </a:rPr>
+                      <m:t>=</m:t>
+                    </m:r>
+                    <m:f>
+                      <m:fPr>
+                        <m:ctrlPr>
+                          <a:rPr lang="en-US" b="0" i="1" smtClean="0">
+                            <a:latin typeface="Cambria Math" panose="02040503050406030204" pitchFamily="18" charset="0"/>
+                          </a:rPr>
+                        </m:ctrlPr>
+                      </m:fPr>
+                      <m:num>
+                        <m:r>
+                          <a:rPr lang="en-US" b="0" i="0" smtClean="0">
+                            <a:latin typeface="Cambria Math" panose="02040503050406030204" pitchFamily="18" charset="0"/>
+                          </a:rPr>
+                          <m:t>1</m:t>
+                        </m:r>
+                      </m:num>
+                      <m:den>
+                        <m:r>
+                          <a:rPr lang="en-US" b="0" i="1" smtClean="0">
+                            <a:latin typeface="Cambria Math" panose="02040503050406030204" pitchFamily="18" charset="0"/>
+                          </a:rPr>
+                          <m:t>𝑙</m:t>
+                        </m:r>
+                      </m:den>
+                    </m:f>
+                    <m:nary>
+                      <m:naryPr>
+                        <m:subHide m:val="on"/>
+                        <m:supHide m:val="on"/>
+                        <m:ctrlPr>
+                          <a:rPr lang="en-US" b="0" i="1" smtClean="0">
+                            <a:latin typeface="Cambria Math" panose="02040503050406030204" pitchFamily="18" charset="0"/>
+                          </a:rPr>
+                        </m:ctrlPr>
+                      </m:naryPr>
+                      <m:sub/>
+                      <m:sup/>
+                      <m:e>
+                        <m:sSub>
+                          <m:sSubPr>
+                            <m:ctrlPr>
+                              <a:rPr lang="en-US" b="0" i="1" smtClean="0">
+                                <a:latin typeface="Cambria Math" panose="02040503050406030204" pitchFamily="18" charset="0"/>
+                              </a:rPr>
+                            </m:ctrlPr>
+                          </m:sSubPr>
+                          <m:e>
+                            <m:r>
+                              <a:rPr lang="en-US" b="0" i="1" smtClean="0">
+                                <a:latin typeface="Cambria Math" panose="02040503050406030204" pitchFamily="18" charset="0"/>
+                              </a:rPr>
+                              <m:t>𝑃</m:t>
+                            </m:r>
+                          </m:e>
+                          <m:sub>
+                            <m:r>
+                              <a:rPr lang="en-US" b="0" i="1" smtClean="0">
+                                <a:latin typeface="Cambria Math" panose="02040503050406030204" pitchFamily="18" charset="0"/>
+                              </a:rPr>
+                              <m:t>𝑣𝑎𝑠𝑐</m:t>
+                            </m:r>
+                          </m:sub>
+                        </m:sSub>
+                        <m:r>
+                          <a:rPr lang="en-US" b="0" i="1" smtClean="0">
+                            <a:latin typeface="Cambria Math" panose="02040503050406030204" pitchFamily="18" charset="0"/>
+                          </a:rPr>
+                          <m:t>(</m:t>
+                        </m:r>
+                        <m:r>
+                          <a:rPr lang="en-US" b="0" i="1" smtClean="0">
+                            <a:latin typeface="Cambria Math" panose="02040503050406030204" pitchFamily="18" charset="0"/>
+                          </a:rPr>
+                          <m:t>𝑡</m:t>
+                        </m:r>
+                        <m:r>
+                          <a:rPr lang="en-US" b="0" i="1" smtClean="0">
+                            <a:latin typeface="Cambria Math" panose="02040503050406030204" pitchFamily="18" charset="0"/>
+                          </a:rPr>
+                          <m:t>,</m:t>
+                        </m:r>
+                        <m:r>
+                          <a:rPr lang="en-US" b="0" i="1" smtClean="0">
+                            <a:latin typeface="Cambria Math" panose="02040503050406030204" pitchFamily="18" charset="0"/>
+                          </a:rPr>
+                          <m:t>𝑥</m:t>
+                        </m:r>
+                        <m:r>
+                          <a:rPr lang="en-US" b="0" i="1" smtClean="0">
+                            <a:latin typeface="Cambria Math" panose="02040503050406030204" pitchFamily="18" charset="0"/>
+                          </a:rPr>
+                          <m:t>)</m:t>
+                        </m:r>
+                        <m:r>
+                          <a:rPr lang="en-US" b="0" i="1" smtClean="0">
+                            <a:latin typeface="Cambria Math" panose="02040503050406030204" pitchFamily="18" charset="0"/>
+                          </a:rPr>
+                          <m:t>𝑑𝑥</m:t>
+                        </m:r>
+                      </m:e>
+                    </m:nary>
+                  </m:oMath>
+                </a14:m>
+                <a:endParaRPr lang="en-US" dirty="0"/>
+              </a:p>
+              <a:p>
+                <a:endParaRPr lang="en-US" dirty="0"/>
+              </a:p>
+              <a:p>
+                <a14:m>
+                  <m:oMath xmlns:m="http://schemas.openxmlformats.org/officeDocument/2006/math">
+                    <m:sSub>
+                      <m:sSubPr>
+                        <m:ctrlPr>
+                          <a:rPr lang="en-US" b="0" i="1" dirty="0" smtClean="0">
+                            <a:latin typeface="Cambria Math" panose="02040503050406030204" pitchFamily="18" charset="0"/>
+                          </a:rPr>
+                        </m:ctrlPr>
+                      </m:sSubPr>
+                      <m:e>
+                        <m:r>
+                          <a:rPr lang="en-US" b="0" i="1" dirty="0" smtClean="0">
+                            <a:latin typeface="Cambria Math" panose="02040503050406030204" pitchFamily="18" charset="0"/>
+                          </a:rPr>
+                          <m:t>𝐶</m:t>
+                        </m:r>
+                      </m:e>
+                      <m:sub>
+                        <m:r>
+                          <a:rPr lang="en-US" b="0" i="1" dirty="0" smtClean="0">
+                            <a:latin typeface="Cambria Math" panose="02040503050406030204" pitchFamily="18" charset="0"/>
+                          </a:rPr>
+                          <m:t>𝑣𝑎𝑠𝑐</m:t>
+                        </m:r>
+                      </m:sub>
+                    </m:sSub>
+                    <m:r>
+                      <a:rPr lang="en-US" b="0" i="1" dirty="0" smtClean="0">
+                        <a:latin typeface="Cambria Math" panose="02040503050406030204" pitchFamily="18" charset="0"/>
+                      </a:rPr>
+                      <m:t>=</m:t>
+                    </m:r>
+                    <m:r>
+                      <a:rPr lang="en-US" b="0" i="1" dirty="0" smtClean="0">
+                        <a:latin typeface="Cambria Math" panose="02040503050406030204" pitchFamily="18" charset="0"/>
+                      </a:rPr>
+                      <m:t>𝛼</m:t>
+                    </m:r>
+                    <m:sSub>
+                      <m:sSubPr>
+                        <m:ctrlPr>
+                          <a:rPr lang="en-US" b="0" i="1" dirty="0" smtClean="0">
+                            <a:latin typeface="Cambria Math" panose="02040503050406030204" pitchFamily="18" charset="0"/>
+                          </a:rPr>
+                        </m:ctrlPr>
+                      </m:sSubPr>
+                      <m:e>
+                        <m:r>
+                          <a:rPr lang="en-US" b="0" i="1" dirty="0" smtClean="0">
+                            <a:latin typeface="Cambria Math" panose="02040503050406030204" pitchFamily="18" charset="0"/>
+                          </a:rPr>
+                          <m:t>𝑃</m:t>
+                        </m:r>
+                      </m:e>
+                      <m:sub>
+                        <m:r>
+                          <a:rPr lang="en-US" b="0" i="1" dirty="0" smtClean="0">
+                            <a:latin typeface="Cambria Math" panose="02040503050406030204" pitchFamily="18" charset="0"/>
+                          </a:rPr>
+                          <m:t>𝑣𝑎𝑠𝑐</m:t>
+                        </m:r>
+                      </m:sub>
+                    </m:sSub>
+                    <m:r>
+                      <a:rPr lang="en-US" b="0" i="1" dirty="0" smtClean="0">
+                        <a:latin typeface="Cambria Math" panose="02040503050406030204" pitchFamily="18" charset="0"/>
+                      </a:rPr>
+                      <m:t>+</m:t>
+                    </m:r>
+                    <m:sSub>
+                      <m:sSubPr>
+                        <m:ctrlPr>
+                          <a:rPr lang="en-US" b="0" i="1" dirty="0" smtClean="0">
+                            <a:latin typeface="Cambria Math" panose="02040503050406030204" pitchFamily="18" charset="0"/>
+                          </a:rPr>
+                        </m:ctrlPr>
+                      </m:sSubPr>
+                      <m:e>
+                        <m:r>
+                          <a:rPr lang="en-US" b="0" i="1" dirty="0" smtClean="0">
+                            <a:latin typeface="Cambria Math" panose="02040503050406030204" pitchFamily="18" charset="0"/>
+                          </a:rPr>
+                          <m:t>𝐶</m:t>
+                        </m:r>
+                      </m:e>
+                      <m:sub>
+                        <m:r>
+                          <a:rPr lang="en-US" b="0" i="1" dirty="0" smtClean="0">
+                            <a:latin typeface="Cambria Math" panose="02040503050406030204" pitchFamily="18" charset="0"/>
+                          </a:rPr>
+                          <m:t>𝐻𝑏</m:t>
+                        </m:r>
+                      </m:sub>
+                    </m:sSub>
+                    <m:f>
+                      <m:fPr>
+                        <m:ctrlPr>
+                          <a:rPr lang="en-US" b="0" i="1" dirty="0" smtClean="0">
+                            <a:latin typeface="Cambria Math" panose="02040503050406030204" pitchFamily="18" charset="0"/>
+                          </a:rPr>
+                        </m:ctrlPr>
+                      </m:fPr>
+                      <m:num>
+                        <m:sSubSup>
+                          <m:sSubSupPr>
+                            <m:ctrlPr>
+                              <a:rPr lang="en-US" b="0" i="1" dirty="0" smtClean="0">
+                                <a:latin typeface="Cambria Math" panose="02040503050406030204" pitchFamily="18" charset="0"/>
+                              </a:rPr>
+                            </m:ctrlPr>
+                          </m:sSubSupPr>
+                          <m:e>
+                            <m:r>
+                              <a:rPr lang="en-US" b="0" i="1" dirty="0" smtClean="0">
+                                <a:latin typeface="Cambria Math" panose="02040503050406030204" pitchFamily="18" charset="0"/>
+                              </a:rPr>
+                              <m:t>𝑃</m:t>
+                            </m:r>
+                          </m:e>
+                          <m:sub>
+                            <m:r>
+                              <a:rPr lang="en-US" b="0" i="1" dirty="0" smtClean="0">
+                                <a:latin typeface="Cambria Math" panose="02040503050406030204" pitchFamily="18" charset="0"/>
+                              </a:rPr>
+                              <m:t>𝑣𝑎𝑠𝑐</m:t>
+                            </m:r>
+                          </m:sub>
+                          <m:sup>
+                            <m:r>
+                              <a:rPr lang="en-US" b="0" i="1" dirty="0" smtClean="0">
+                                <a:latin typeface="Cambria Math" panose="02040503050406030204" pitchFamily="18" charset="0"/>
+                              </a:rPr>
+                              <m:t>𝑛</m:t>
+                            </m:r>
+                          </m:sup>
+                        </m:sSubSup>
+                      </m:num>
+                      <m:den>
+                        <m:sSubSup>
+                          <m:sSubSupPr>
+                            <m:ctrlPr>
+                              <a:rPr lang="en-US" b="0" i="1" dirty="0" smtClean="0">
+                                <a:latin typeface="Cambria Math" panose="02040503050406030204" pitchFamily="18" charset="0"/>
+                              </a:rPr>
+                            </m:ctrlPr>
+                          </m:sSubSupPr>
+                          <m:e>
+                            <m:r>
+                              <a:rPr lang="en-US" b="0" i="1" dirty="0" smtClean="0">
+                                <a:latin typeface="Cambria Math" panose="02040503050406030204" pitchFamily="18" charset="0"/>
+                              </a:rPr>
+                              <m:t>𝑃</m:t>
+                            </m:r>
+                          </m:e>
+                          <m:sub>
+                            <m:r>
+                              <a:rPr lang="en-US" b="0" i="1" dirty="0" smtClean="0">
+                                <a:latin typeface="Cambria Math" panose="02040503050406030204" pitchFamily="18" charset="0"/>
+                              </a:rPr>
+                              <m:t>𝑣𝑎𝑠𝑐</m:t>
+                            </m:r>
+                          </m:sub>
+                          <m:sup>
+                            <m:r>
+                              <a:rPr lang="en-US" b="0" i="1" dirty="0" smtClean="0">
+                                <a:latin typeface="Cambria Math" panose="02040503050406030204" pitchFamily="18" charset="0"/>
+                              </a:rPr>
+                              <m:t>𝑛</m:t>
+                            </m:r>
+                          </m:sup>
+                        </m:sSubSup>
+                        <m:r>
+                          <a:rPr lang="en-US" b="0" i="1" dirty="0" smtClean="0">
+                            <a:latin typeface="Cambria Math" panose="02040503050406030204" pitchFamily="18" charset="0"/>
+                          </a:rPr>
+                          <m:t>+</m:t>
+                        </m:r>
+                        <m:sSubSup>
+                          <m:sSubSupPr>
+                            <m:ctrlPr>
+                              <a:rPr lang="en-US" b="0" i="1" dirty="0" smtClean="0">
+                                <a:latin typeface="Cambria Math" panose="02040503050406030204" pitchFamily="18" charset="0"/>
+                              </a:rPr>
+                            </m:ctrlPr>
+                          </m:sSubSupPr>
+                          <m:e>
+                            <m:r>
+                              <a:rPr lang="en-US" b="0" i="1" dirty="0" smtClean="0">
+                                <a:latin typeface="Cambria Math" panose="02040503050406030204" pitchFamily="18" charset="0"/>
+                              </a:rPr>
+                              <m:t>𝑃</m:t>
+                            </m:r>
+                          </m:e>
+                          <m:sub>
+                            <m:r>
+                              <a:rPr lang="en-US" b="0" i="1" dirty="0" smtClean="0">
+                                <a:latin typeface="Cambria Math" panose="02040503050406030204" pitchFamily="18" charset="0"/>
+                              </a:rPr>
+                              <m:t>50</m:t>
+                            </m:r>
+                          </m:sub>
+                          <m:sup>
+                            <m:r>
+                              <a:rPr lang="en-US" b="0" i="1" dirty="0" smtClean="0">
+                                <a:latin typeface="Cambria Math" panose="02040503050406030204" pitchFamily="18" charset="0"/>
+                              </a:rPr>
+                              <m:t>𝑛</m:t>
+                            </m:r>
+                          </m:sup>
+                        </m:sSubSup>
+                      </m:den>
+                    </m:f>
+                  </m:oMath>
+                </a14:m>
+                <a:endParaRPr lang="en-US" dirty="0"/>
+              </a:p>
+              <a:p>
+                <a14:m>
+                  <m:oMath xmlns:m="http://schemas.openxmlformats.org/officeDocument/2006/math">
+                    <m:sSub>
+                      <m:sSubPr>
+                        <m:ctrlPr>
+                          <a:rPr lang="en-US" b="0" i="1" smtClean="0">
+                            <a:latin typeface="Cambria Math" panose="02040503050406030204" pitchFamily="18" charset="0"/>
+                          </a:rPr>
+                        </m:ctrlPr>
+                      </m:sSubPr>
+                      <m:e>
+                        <m:r>
+                          <a:rPr lang="en-US" b="0" i="1" smtClean="0">
+                            <a:latin typeface="Cambria Math" panose="02040503050406030204" pitchFamily="18" charset="0"/>
+                          </a:rPr>
+                          <m:t>𝑃</m:t>
+                        </m:r>
+                      </m:e>
+                      <m:sub>
+                        <m:r>
+                          <a:rPr lang="en-US" b="0" i="1" smtClean="0">
+                            <a:latin typeface="Cambria Math" panose="02040503050406030204" pitchFamily="18" charset="0"/>
+                          </a:rPr>
+                          <m:t>𝑎𝑙𝑣</m:t>
+                        </m:r>
+                      </m:sub>
+                    </m:sSub>
+                    <m:r>
+                      <a:rPr lang="en-US" b="0" i="1" smtClean="0">
+                        <a:latin typeface="Cambria Math" panose="02040503050406030204" pitchFamily="18" charset="0"/>
+                      </a:rPr>
+                      <m:t>=</m:t>
+                    </m:r>
+                    <m:r>
+                      <a:rPr lang="en-US" b="0" i="1" smtClean="0">
+                        <a:latin typeface="Cambria Math" panose="02040503050406030204" pitchFamily="18" charset="0"/>
+                      </a:rPr>
+                      <m:t>𝛽</m:t>
+                    </m:r>
+                    <m:f>
+                      <m:fPr>
+                        <m:ctrlPr>
+                          <a:rPr lang="en-US" b="0" i="1" smtClean="0">
+                            <a:latin typeface="Cambria Math" panose="02040503050406030204" pitchFamily="18" charset="0"/>
+                          </a:rPr>
+                        </m:ctrlPr>
+                      </m:fPr>
+                      <m:num>
+                        <m:sSub>
+                          <m:sSubPr>
+                            <m:ctrlPr>
+                              <a:rPr lang="en-US" b="0" i="1" smtClean="0">
+                                <a:latin typeface="Cambria Math" panose="02040503050406030204" pitchFamily="18" charset="0"/>
+                              </a:rPr>
+                            </m:ctrlPr>
+                          </m:sSubPr>
+                          <m:e>
+                            <m:r>
+                              <a:rPr lang="en-US" b="0" i="1" smtClean="0">
+                                <a:latin typeface="Cambria Math" panose="02040503050406030204" pitchFamily="18" charset="0"/>
+                              </a:rPr>
+                              <m:t>𝑀</m:t>
+                            </m:r>
+                          </m:e>
+                          <m:sub>
+                            <m:r>
+                              <a:rPr lang="en-US" b="0" i="1" smtClean="0">
+                                <a:latin typeface="Cambria Math" panose="02040503050406030204" pitchFamily="18" charset="0"/>
+                              </a:rPr>
+                              <m:t>𝑎𝑙𝑣</m:t>
+                            </m:r>
+                          </m:sub>
+                        </m:sSub>
+                      </m:num>
+                      <m:den>
+                        <m:sSub>
+                          <m:sSubPr>
+                            <m:ctrlPr>
+                              <a:rPr lang="en-US" b="0" i="1" smtClean="0">
+                                <a:latin typeface="Cambria Math" panose="02040503050406030204" pitchFamily="18" charset="0"/>
+                              </a:rPr>
+                            </m:ctrlPr>
+                          </m:sSubPr>
+                          <m:e>
+                            <m:r>
+                              <a:rPr lang="en-US" b="0" i="1" smtClean="0">
+                                <a:latin typeface="Cambria Math" panose="02040503050406030204" pitchFamily="18" charset="0"/>
+                              </a:rPr>
+                              <m:t>𝑉</m:t>
+                            </m:r>
+                          </m:e>
+                          <m:sub>
+                            <m:r>
+                              <a:rPr lang="en-US" b="0" i="1" smtClean="0">
+                                <a:latin typeface="Cambria Math" panose="02040503050406030204" pitchFamily="18" charset="0"/>
+                              </a:rPr>
+                              <m:t>𝑎𝑙𝑣</m:t>
+                            </m:r>
+                          </m:sub>
+                        </m:sSub>
+                      </m:den>
+                    </m:f>
+                    <m:r>
+                      <a:rPr lang="en-US" b="0" i="1" smtClean="0">
+                        <a:latin typeface="Cambria Math" panose="02040503050406030204" pitchFamily="18" charset="0"/>
+                      </a:rPr>
+                      <m:t>=</m:t>
+                    </m:r>
+                    <m:r>
+                      <a:rPr lang="en-US" b="0" i="1" smtClean="0">
+                        <a:latin typeface="Cambria Math" panose="02040503050406030204" pitchFamily="18" charset="0"/>
+                      </a:rPr>
+                      <m:t>𝛽</m:t>
+                    </m:r>
+                    <m:sSub>
+                      <m:sSubPr>
+                        <m:ctrlPr>
+                          <a:rPr lang="en-US" b="0" i="1" smtClean="0">
+                            <a:latin typeface="Cambria Math" panose="02040503050406030204" pitchFamily="18" charset="0"/>
+                          </a:rPr>
+                        </m:ctrlPr>
+                      </m:sSubPr>
+                      <m:e>
+                        <m:r>
+                          <a:rPr lang="en-US" b="0" i="1" smtClean="0">
+                            <a:latin typeface="Cambria Math" panose="02040503050406030204" pitchFamily="18" charset="0"/>
+                          </a:rPr>
+                          <m:t>𝐶</m:t>
+                        </m:r>
+                      </m:e>
+                      <m:sub>
+                        <m:r>
+                          <a:rPr lang="en-US" b="0" i="1" smtClean="0">
+                            <a:latin typeface="Cambria Math" panose="02040503050406030204" pitchFamily="18" charset="0"/>
+                          </a:rPr>
+                          <m:t>𝑎𝑙𝑣</m:t>
+                        </m:r>
+                      </m:sub>
+                    </m:sSub>
+                  </m:oMath>
+                </a14:m>
+                <a:endParaRPr lang="en-US" dirty="0"/>
+              </a:p>
+              <a:p>
+                <a:endParaRPr lang="en-US" dirty="0"/>
+              </a:p>
+            </p:txBody>
+          </p:sp>
+        </mc:Choice>
+        <mc:Fallback xmlns="">
+          <p:sp>
+            <p:nvSpPr>
+              <p:cNvPr id="3" name="Content Placeholder 2">
+                <a:extLst>
+                  <a:ext uri="{FF2B5EF4-FFF2-40B4-BE49-F238E27FC236}">
+                    <a16:creationId xmlns:a16="http://schemas.microsoft.com/office/drawing/2014/main" id="{AE28555E-88EA-4EF9-99C9-DA7594AEE9CD}"/>
+                  </a:ext>
+                </a:extLst>
+              </p:cNvPr>
+              <p:cNvSpPr>
+                <a:spLocks noGrp="1" noRot="1" noChangeAspect="1" noMove="1" noResize="1" noEditPoints="1" noAdjustHandles="1" noChangeArrowheads="1" noChangeShapeType="1" noTextEdit="1"/>
+              </p:cNvSpPr>
+              <p:nvPr>
+                <p:ph idx="1"/>
+              </p:nvPr>
+            </p:nvSpPr>
+            <p:spPr>
+              <a:xfrm>
+                <a:off x="838200" y="1627047"/>
+                <a:ext cx="10515600" cy="4865828"/>
+              </a:xfrm>
+              <a:blipFill>
+                <a:blip r:embed="rId2"/>
+                <a:stretch>
+                  <a:fillRect l="-812"/>
+                </a:stretch>
+              </a:blipFill>
+            </p:spPr>
+            <p:txBody>
+              <a:bodyPr/>
+              <a:lstStyle/>
+              <a:p>
+                <a:r>
+                  <a:rPr lang="en-US">
+                    <a:noFill/>
+                  </a:rPr>
+                  <a:t> </a:t>
+                </a:r>
+              </a:p>
+            </p:txBody>
+          </p:sp>
+        </mc:Fallback>
+      </mc:AlternateContent>
+      <p:grpSp>
+        <p:nvGrpSpPr>
+          <p:cNvPr id="4" name="Group 3">
+            <a:extLst>
+              <a:ext uri="{FF2B5EF4-FFF2-40B4-BE49-F238E27FC236}">
+                <a16:creationId xmlns:a16="http://schemas.microsoft.com/office/drawing/2014/main" id="{2A7E3E24-951F-40F7-BD56-E05F1994CFEF}"/>
+              </a:ext>
+            </a:extLst>
+          </p:cNvPr>
+          <p:cNvGrpSpPr/>
+          <p:nvPr/>
+        </p:nvGrpSpPr>
+        <p:grpSpPr>
+          <a:xfrm>
+            <a:off x="7339065" y="129175"/>
+            <a:ext cx="4745010" cy="2415735"/>
+            <a:chOff x="1620762" y="885529"/>
+            <a:chExt cx="5612765" cy="2373980"/>
+          </a:xfrm>
+        </p:grpSpPr>
+        <p:sp>
+          <p:nvSpPr>
+            <p:cNvPr id="5" name="Rectangle 4">
+              <a:extLst>
+                <a:ext uri="{FF2B5EF4-FFF2-40B4-BE49-F238E27FC236}">
+                  <a16:creationId xmlns:a16="http://schemas.microsoft.com/office/drawing/2014/main" id="{E5BED1C2-0F5A-40AB-823D-533820DD07D8}"/>
+                </a:ext>
+              </a:extLst>
+            </p:cNvPr>
+            <p:cNvSpPr/>
+            <p:nvPr/>
+          </p:nvSpPr>
+          <p:spPr>
+            <a:xfrm rot="10800000">
+              <a:off x="2161774" y="2828207"/>
+              <a:ext cx="4655966" cy="341220"/>
+            </a:xfrm>
+            <a:prstGeom prst="rect">
+              <a:avLst/>
+            </a:prstGeom>
+            <a:gradFill flip="none" rotWithShape="1">
+              <a:gsLst>
+                <a:gs pos="12000">
+                  <a:schemeClr val="accent1">
+                    <a:shade val="67500"/>
+                    <a:satMod val="115000"/>
+                    <a:alpha val="96000"/>
+                  </a:schemeClr>
+                </a:gs>
+                <a:gs pos="91000">
+                  <a:srgbClr val="FF0000">
+                    <a:lumMod val="95000"/>
+                  </a:srgbClr>
+                </a:gs>
+              </a:gsLst>
+              <a:path path="circle">
+                <a:fillToRect l="100000" t="100000"/>
+              </a:path>
+              <a:tileRect r="-100000" b="-100000"/>
+            </a:gradFill>
+            <a:ln>
+              <a:solidFill>
+                <a:schemeClr val="tx1"/>
+              </a:solidFill>
+            </a:ln>
+          </p:spPr>
+          <p:style>
+            <a:lnRef idx="2">
+              <a:schemeClr val="accent1">
+                <a:shade val="50000"/>
+              </a:schemeClr>
+            </a:lnRef>
+            <a:fillRef idx="1">
+              <a:schemeClr val="accent1"/>
+            </a:fillRef>
+            <a:effectRef idx="0">
+              <a:schemeClr val="accent1"/>
+            </a:effectRef>
+            <a:fontRef idx="minor">
+              <a:schemeClr val="lt1"/>
+            </a:fontRef>
+          </p:style>
+          <p:txBody>
+            <a:bodyPr rtlCol="0" anchor="ctr"/>
+            <a:lstStyle/>
+            <a:p>
+              <a:pPr algn="ctr"/>
+              <a:endParaRPr lang="en-US"/>
+            </a:p>
+          </p:txBody>
+        </p:sp>
+        <p:sp>
+          <p:nvSpPr>
+            <p:cNvPr id="6" name="Rectangle: Top Corners Rounded 5">
+              <a:extLst>
+                <a:ext uri="{FF2B5EF4-FFF2-40B4-BE49-F238E27FC236}">
+                  <a16:creationId xmlns:a16="http://schemas.microsoft.com/office/drawing/2014/main" id="{24467B3C-25CE-4152-BDDA-E50FE7245D7B}"/>
+                </a:ext>
+              </a:extLst>
+            </p:cNvPr>
+            <p:cNvSpPr/>
+            <p:nvPr/>
+          </p:nvSpPr>
+          <p:spPr>
+            <a:xfrm>
+              <a:off x="2385882" y="1527023"/>
+              <a:ext cx="4207748" cy="1301184"/>
+            </a:xfrm>
+            <a:prstGeom prst="round2SameRect">
+              <a:avLst>
+                <a:gd name="adj1" fmla="val 50000"/>
+                <a:gd name="adj2" fmla="val 0"/>
+              </a:avLst>
+            </a:prstGeom>
+            <a:noFill/>
+            <a:ln w="38100">
+              <a:solidFill>
+                <a:schemeClr val="tx1"/>
+              </a:solidFill>
+            </a:ln>
+          </p:spPr>
+          <p:style>
+            <a:lnRef idx="2">
+              <a:schemeClr val="accent1">
+                <a:shade val="50000"/>
+              </a:schemeClr>
+            </a:lnRef>
+            <a:fillRef idx="1">
+              <a:schemeClr val="accent1"/>
+            </a:fillRef>
+            <a:effectRef idx="0">
+              <a:schemeClr val="accent1"/>
+            </a:effectRef>
+            <a:fontRef idx="minor">
+              <a:schemeClr val="lt1"/>
+            </a:fontRef>
+          </p:style>
+          <p:txBody>
+            <a:bodyPr rtlCol="0" anchor="ctr"/>
+            <a:lstStyle/>
+            <a:p>
+              <a:pPr algn="ctr"/>
+              <a:endParaRPr lang="en-US"/>
+            </a:p>
+          </p:txBody>
+        </p:sp>
+        <p:sp>
+          <p:nvSpPr>
+            <p:cNvPr id="7" name="Rectangle 6">
+              <a:extLst>
+                <a:ext uri="{FF2B5EF4-FFF2-40B4-BE49-F238E27FC236}">
+                  <a16:creationId xmlns:a16="http://schemas.microsoft.com/office/drawing/2014/main" id="{48DF1D6F-469B-44D5-9F93-CA86518D18F3}"/>
+                </a:ext>
+              </a:extLst>
+            </p:cNvPr>
+            <p:cNvSpPr/>
+            <p:nvPr/>
+          </p:nvSpPr>
+          <p:spPr>
+            <a:xfrm>
+              <a:off x="4261074" y="885529"/>
+              <a:ext cx="457364" cy="641494"/>
+            </a:xfrm>
+            <a:prstGeom prst="rect">
+              <a:avLst/>
+            </a:prstGeom>
+            <a:noFill/>
+            <a:ln w="28575">
+              <a:solidFill>
+                <a:schemeClr val="tx1"/>
+              </a:solidFill>
+            </a:ln>
+          </p:spPr>
+          <p:style>
+            <a:lnRef idx="2">
+              <a:schemeClr val="accent1">
+                <a:shade val="50000"/>
+              </a:schemeClr>
+            </a:lnRef>
+            <a:fillRef idx="1">
+              <a:schemeClr val="accent1"/>
+            </a:fillRef>
+            <a:effectRef idx="0">
+              <a:schemeClr val="accent1"/>
+            </a:effectRef>
+            <a:fontRef idx="minor">
+              <a:schemeClr val="lt1"/>
+            </a:fontRef>
+          </p:style>
+          <p:txBody>
+            <a:bodyPr rtlCol="0" anchor="ctr"/>
+            <a:lstStyle/>
+            <a:p>
+              <a:pPr algn="ctr"/>
+              <a:endParaRPr lang="en-US"/>
+            </a:p>
+          </p:txBody>
+        </p:sp>
+        <p:sp>
+          <p:nvSpPr>
+            <p:cNvPr id="8" name="Rectangle 7">
+              <a:extLst>
+                <a:ext uri="{FF2B5EF4-FFF2-40B4-BE49-F238E27FC236}">
+                  <a16:creationId xmlns:a16="http://schemas.microsoft.com/office/drawing/2014/main" id="{8E674B5B-81F6-488E-B724-90DCCBEA244A}"/>
+                </a:ext>
+              </a:extLst>
+            </p:cNvPr>
+            <p:cNvSpPr/>
+            <p:nvPr/>
+          </p:nvSpPr>
+          <p:spPr>
+            <a:xfrm>
+              <a:off x="4272173" y="1510875"/>
+              <a:ext cx="439406" cy="411057"/>
+            </a:xfrm>
+            <a:prstGeom prst="rect">
+              <a:avLst/>
+            </a:prstGeom>
+            <a:solidFill>
+              <a:schemeClr val="bg1"/>
+            </a:solidFill>
+            <a:ln>
+              <a:noFill/>
+            </a:ln>
+          </p:spPr>
+          <p:style>
+            <a:lnRef idx="2">
+              <a:schemeClr val="accent1">
+                <a:shade val="50000"/>
+              </a:schemeClr>
+            </a:lnRef>
+            <a:fillRef idx="1">
+              <a:schemeClr val="accent1"/>
+            </a:fillRef>
+            <a:effectRef idx="0">
+              <a:schemeClr val="accent1"/>
+            </a:effectRef>
+            <a:fontRef idx="minor">
+              <a:schemeClr val="lt1"/>
+            </a:fontRef>
+          </p:style>
+          <p:txBody>
+            <a:bodyPr rtlCol="0" anchor="ctr"/>
+            <a:lstStyle/>
+            <a:p>
+              <a:pPr algn="ctr"/>
+              <a:endParaRPr lang="en-US"/>
+            </a:p>
+          </p:txBody>
+        </p:sp>
+        <p:sp>
+          <p:nvSpPr>
+            <p:cNvPr id="9" name="TextBox 8">
+              <a:extLst>
+                <a:ext uri="{FF2B5EF4-FFF2-40B4-BE49-F238E27FC236}">
+                  <a16:creationId xmlns:a16="http://schemas.microsoft.com/office/drawing/2014/main" id="{CF3E441A-CD28-4EA3-93AE-A3845636546A}"/>
+                </a:ext>
+              </a:extLst>
+            </p:cNvPr>
+            <p:cNvSpPr txBox="1"/>
+            <p:nvPr/>
+          </p:nvSpPr>
+          <p:spPr>
+            <a:xfrm rot="16200000">
+              <a:off x="3742575" y="2190436"/>
+              <a:ext cx="1090714" cy="1047432"/>
+            </a:xfrm>
+            <a:prstGeom prst="rect">
+              <a:avLst/>
+            </a:prstGeom>
+            <a:noFill/>
+          </p:spPr>
+          <p:txBody>
+            <a:bodyPr wrap="square" rtlCol="0">
+              <a:spAutoFit/>
+            </a:bodyPr>
+            <a:lstStyle/>
+            <a:p>
+              <a:r>
+                <a:rPr lang="en-US" sz="6600" dirty="0"/>
+                <a:t>⇋</a:t>
+              </a:r>
+            </a:p>
+          </p:txBody>
+        </p:sp>
+        <p:cxnSp>
+          <p:nvCxnSpPr>
+            <p:cNvPr id="10" name="Straight Arrow Connector 9">
+              <a:extLst>
+                <a:ext uri="{FF2B5EF4-FFF2-40B4-BE49-F238E27FC236}">
+                  <a16:creationId xmlns:a16="http://schemas.microsoft.com/office/drawing/2014/main" id="{315FC438-1E68-419C-9D39-BA4B5A56C5E6}"/>
+                </a:ext>
+              </a:extLst>
+            </p:cNvPr>
+            <p:cNvCxnSpPr>
+              <a:cxnSpLocks/>
+              <a:endCxn id="5" idx="3"/>
+            </p:cNvCxnSpPr>
+            <p:nvPr/>
+          </p:nvCxnSpPr>
+          <p:spPr>
+            <a:xfrm>
+              <a:off x="1620762" y="2997683"/>
+              <a:ext cx="541012" cy="1134"/>
+            </a:xfrm>
+            <a:prstGeom prst="straightConnector1">
+              <a:avLst/>
+            </a:prstGeom>
+            <a:ln w="28575">
+              <a:solidFill>
+                <a:schemeClr val="tx1"/>
+              </a:solidFill>
+              <a:tailEnd type="triangle"/>
+            </a:ln>
+          </p:spPr>
+          <p:style>
+            <a:lnRef idx="1">
+              <a:schemeClr val="accent1"/>
+            </a:lnRef>
+            <a:fillRef idx="0">
+              <a:schemeClr val="accent1"/>
+            </a:fillRef>
+            <a:effectRef idx="0">
+              <a:schemeClr val="accent1"/>
+            </a:effectRef>
+            <a:fontRef idx="minor">
+              <a:schemeClr val="tx1"/>
+            </a:fontRef>
+          </p:style>
+        </p:cxnSp>
+        <p:cxnSp>
+          <p:nvCxnSpPr>
+            <p:cNvPr id="11" name="Straight Arrow Connector 10">
+              <a:extLst>
+                <a:ext uri="{FF2B5EF4-FFF2-40B4-BE49-F238E27FC236}">
+                  <a16:creationId xmlns:a16="http://schemas.microsoft.com/office/drawing/2014/main" id="{14A248DA-97BF-4CAC-94DD-81FDF3F296FC}"/>
+                </a:ext>
+              </a:extLst>
+            </p:cNvPr>
+            <p:cNvCxnSpPr>
+              <a:cxnSpLocks/>
+            </p:cNvCxnSpPr>
+            <p:nvPr/>
+          </p:nvCxnSpPr>
+          <p:spPr>
+            <a:xfrm flipV="1">
+              <a:off x="6817740" y="2997683"/>
+              <a:ext cx="415787" cy="1134"/>
+            </a:xfrm>
+            <a:prstGeom prst="straightConnector1">
+              <a:avLst/>
+            </a:prstGeom>
+            <a:ln w="28575">
+              <a:solidFill>
+                <a:schemeClr val="tx1"/>
+              </a:solidFill>
+              <a:tailEnd type="triangle"/>
+            </a:ln>
+          </p:spPr>
+          <p:style>
+            <a:lnRef idx="1">
+              <a:schemeClr val="accent1"/>
+            </a:lnRef>
+            <a:fillRef idx="0">
+              <a:schemeClr val="accent1"/>
+            </a:fillRef>
+            <a:effectRef idx="0">
+              <a:schemeClr val="accent1"/>
+            </a:effectRef>
+            <a:fontRef idx="minor">
+              <a:schemeClr val="tx1"/>
+            </a:fontRef>
+          </p:style>
+        </p:cxnSp>
+        <p:sp>
+          <p:nvSpPr>
+            <p:cNvPr id="12" name="TextBox 11">
+              <a:extLst>
+                <a:ext uri="{FF2B5EF4-FFF2-40B4-BE49-F238E27FC236}">
+                  <a16:creationId xmlns:a16="http://schemas.microsoft.com/office/drawing/2014/main" id="{A8C90343-C663-4843-91C5-50F77B61FD58}"/>
+                </a:ext>
+              </a:extLst>
+            </p:cNvPr>
+            <p:cNvSpPr txBox="1"/>
+            <p:nvPr/>
+          </p:nvSpPr>
+          <p:spPr>
+            <a:xfrm>
+              <a:off x="2462345" y="2357511"/>
+              <a:ext cx="1154512" cy="413183"/>
+            </a:xfrm>
+            <a:prstGeom prst="rect">
+              <a:avLst/>
+            </a:prstGeom>
+            <a:noFill/>
+          </p:spPr>
+          <p:txBody>
+            <a:bodyPr wrap="square" rtlCol="0">
+              <a:spAutoFit/>
+            </a:bodyPr>
+            <a:lstStyle/>
+            <a:p>
+              <a:r>
+                <a:rPr lang="en-US" dirty="0"/>
+                <a:t>Alveoli</a:t>
+              </a:r>
+            </a:p>
+          </p:txBody>
+        </p:sp>
+        <p:sp>
+          <p:nvSpPr>
+            <p:cNvPr id="13" name="TextBox 12">
+              <a:extLst>
+                <a:ext uri="{FF2B5EF4-FFF2-40B4-BE49-F238E27FC236}">
+                  <a16:creationId xmlns:a16="http://schemas.microsoft.com/office/drawing/2014/main" id="{AB038C36-01FD-4CB2-AB34-8CAD6E1CF6F4}"/>
+                </a:ext>
+              </a:extLst>
+            </p:cNvPr>
+            <p:cNvSpPr txBox="1"/>
+            <p:nvPr/>
+          </p:nvSpPr>
+          <p:spPr>
+            <a:xfrm>
+              <a:off x="4711577" y="936667"/>
+              <a:ext cx="1188511" cy="413183"/>
+            </a:xfrm>
+            <a:prstGeom prst="rect">
+              <a:avLst/>
+            </a:prstGeom>
+            <a:noFill/>
+          </p:spPr>
+          <p:txBody>
+            <a:bodyPr wrap="square" rtlCol="0">
+              <a:spAutoFit/>
+            </a:bodyPr>
+            <a:lstStyle/>
+            <a:p>
+              <a:r>
+                <a:rPr lang="en-US" dirty="0"/>
+                <a:t>Airway</a:t>
+              </a:r>
+            </a:p>
+          </p:txBody>
+        </p:sp>
+        <p:sp>
+          <p:nvSpPr>
+            <p:cNvPr id="14" name="TextBox 13">
+              <a:extLst>
+                <a:ext uri="{FF2B5EF4-FFF2-40B4-BE49-F238E27FC236}">
+                  <a16:creationId xmlns:a16="http://schemas.microsoft.com/office/drawing/2014/main" id="{D3E4E945-779A-4758-9A1D-08595C926E9E}"/>
+                </a:ext>
+              </a:extLst>
+            </p:cNvPr>
+            <p:cNvSpPr txBox="1"/>
+            <p:nvPr/>
+          </p:nvSpPr>
+          <p:spPr>
+            <a:xfrm>
+              <a:off x="2267710" y="2779462"/>
+              <a:ext cx="2272707" cy="413183"/>
+            </a:xfrm>
+            <a:prstGeom prst="rect">
+              <a:avLst/>
+            </a:prstGeom>
+            <a:noFill/>
+            <a:ln>
+              <a:noFill/>
+            </a:ln>
+          </p:spPr>
+          <p:txBody>
+            <a:bodyPr wrap="square" rtlCol="0">
+              <a:spAutoFit/>
+            </a:bodyPr>
+            <a:lstStyle/>
+            <a:p>
+              <a:r>
+                <a:rPr lang="en-US" b="1" dirty="0">
+                  <a:ln w="10160">
+                    <a:solidFill>
+                      <a:schemeClr val="tx1"/>
+                    </a:solidFill>
+                    <a:prstDash val="solid"/>
+                  </a:ln>
+                  <a:solidFill>
+                    <a:srgbClr val="FFFFFF"/>
+                  </a:solidFill>
+                  <a:effectLst>
+                    <a:outerShdw blurRad="38100" dist="22860" dir="5400000" algn="tl" rotWithShape="0">
+                      <a:srgbClr val="000000">
+                        <a:alpha val="30000"/>
+                      </a:srgbClr>
+                    </a:outerShdw>
+                  </a:effectLst>
+                </a:rPr>
+                <a:t>Capillaries</a:t>
+              </a:r>
+            </a:p>
+          </p:txBody>
+        </p:sp>
+      </p:grpSp>
+      <mc:AlternateContent xmlns:mc="http://schemas.openxmlformats.org/markup-compatibility/2006" xmlns:a14="http://schemas.microsoft.com/office/drawing/2010/main">
+        <mc:Choice Requires="a14">
+          <p:sp>
+            <p:nvSpPr>
+              <p:cNvPr id="16" name="TextBox 15">
+                <a:extLst>
+                  <a:ext uri="{FF2B5EF4-FFF2-40B4-BE49-F238E27FC236}">
+                    <a16:creationId xmlns:a16="http://schemas.microsoft.com/office/drawing/2014/main" id="{EF005087-2E35-42AA-853F-2BEA8793309A}"/>
+                  </a:ext>
+                </a:extLst>
+              </p:cNvPr>
+              <p:cNvSpPr txBox="1"/>
+              <p:nvPr/>
+            </p:nvSpPr>
+            <p:spPr>
+              <a:xfrm>
+                <a:off x="7723358" y="2844165"/>
+                <a:ext cx="4082288" cy="3785652"/>
+              </a:xfrm>
+              <a:prstGeom prst="rect">
+                <a:avLst/>
+              </a:prstGeom>
+              <a:noFill/>
+              <a:ln w="19050">
+                <a:solidFill>
+                  <a:schemeClr val="tx1"/>
+                </a:solidFill>
+              </a:ln>
+            </p:spPr>
+            <p:txBody>
+              <a:bodyPr wrap="square" rtlCol="0">
+                <a:spAutoFit/>
+              </a:bodyPr>
+              <a:lstStyle/>
+              <a:p>
+                <a14:m>
+                  <m:oMath xmlns:m="http://schemas.openxmlformats.org/officeDocument/2006/math">
+                    <m:sSub>
+                      <m:sSubPr>
+                        <m:ctrlPr>
+                          <a:rPr lang="en-US" sz="1600" b="0" i="1" smtClean="0">
+                            <a:latin typeface="Cambria Math" panose="02040503050406030204" pitchFamily="18" charset="0"/>
+                          </a:rPr>
+                        </m:ctrlPr>
+                      </m:sSubPr>
+                      <m:e>
+                        <m:r>
+                          <a:rPr lang="en-US" sz="1600" b="0" i="1" smtClean="0">
+                            <a:latin typeface="Cambria Math" panose="02040503050406030204" pitchFamily="18" charset="0"/>
+                          </a:rPr>
+                          <m:t>𝐶</m:t>
+                        </m:r>
+                      </m:e>
+                      <m:sub>
+                        <m:r>
+                          <a:rPr lang="en-US" sz="1600" b="0" i="1" smtClean="0">
+                            <a:latin typeface="Cambria Math" panose="02040503050406030204" pitchFamily="18" charset="0"/>
+                          </a:rPr>
+                          <m:t>𝑖𝑛</m:t>
+                        </m:r>
+                      </m:sub>
+                    </m:sSub>
+                  </m:oMath>
+                </a14:m>
+                <a:r>
+                  <a:rPr lang="en-US" sz="1600" b="0" i="1" dirty="0">
+                    <a:latin typeface="Cambria Math" panose="02040503050406030204" pitchFamily="18" charset="0"/>
+                  </a:rPr>
+                  <a:t> </a:t>
+                </a:r>
+                <a:r>
+                  <a:rPr lang="en-US" sz="1600" dirty="0"/>
+                  <a:t>– deoxygenated blood (mM)</a:t>
+                </a:r>
+                <a:endParaRPr lang="en-US" sz="1600" b="0" i="1" dirty="0">
+                  <a:latin typeface="Cambria Math" panose="02040503050406030204" pitchFamily="18" charset="0"/>
+                </a:endParaRPr>
+              </a:p>
+              <a:p>
+                <a14:m>
+                  <m:oMath xmlns:m="http://schemas.openxmlformats.org/officeDocument/2006/math">
+                    <m:sSub>
+                      <m:sSubPr>
+                        <m:ctrlPr>
+                          <a:rPr lang="en-US" sz="1600" b="0" i="1" smtClean="0">
+                            <a:latin typeface="Cambria Math" panose="02040503050406030204" pitchFamily="18" charset="0"/>
+                          </a:rPr>
+                        </m:ctrlPr>
+                      </m:sSubPr>
+                      <m:e>
+                        <m:r>
+                          <a:rPr lang="en-US" sz="1600" b="0" i="1" smtClean="0">
+                            <a:latin typeface="Cambria Math" panose="02040503050406030204" pitchFamily="18" charset="0"/>
+                          </a:rPr>
+                          <m:t>𝑃</m:t>
+                        </m:r>
+                      </m:e>
+                      <m:sub>
+                        <m:r>
+                          <a:rPr lang="en-US" sz="1600" b="0" i="1" smtClean="0">
+                            <a:latin typeface="Cambria Math" panose="02040503050406030204" pitchFamily="18" charset="0"/>
+                          </a:rPr>
+                          <m:t>𝑎𝑖𝑟</m:t>
+                        </m:r>
+                      </m:sub>
+                    </m:sSub>
+                  </m:oMath>
+                </a14:m>
+                <a:r>
+                  <a:rPr lang="en-US" sz="1600" dirty="0"/>
+                  <a:t> – oxygen in the air (mmHg)</a:t>
+                </a:r>
+                <a:endParaRPr lang="en-US" sz="1600" b="0" i="1" dirty="0">
+                  <a:latin typeface="Cambria Math" panose="02040503050406030204" pitchFamily="18" charset="0"/>
+                </a:endParaRPr>
+              </a:p>
+              <a:p>
+                <a:endParaRPr lang="en-US" sz="1600" b="0" i="1" dirty="0">
+                  <a:latin typeface="Cambria Math" panose="02040503050406030204" pitchFamily="18" charset="0"/>
+                </a:endParaRPr>
+              </a:p>
+              <a:p>
+                <a14:m>
+                  <m:oMath xmlns:m="http://schemas.openxmlformats.org/officeDocument/2006/math">
+                    <m:r>
+                      <a:rPr lang="en-US" sz="1600" b="0" i="1" smtClean="0">
+                        <a:latin typeface="Cambria Math" panose="02040503050406030204" pitchFamily="18" charset="0"/>
+                      </a:rPr>
+                      <m:t>𝑞</m:t>
+                    </m:r>
+                  </m:oMath>
+                </a14:m>
+                <a:r>
+                  <a:rPr lang="en-US" sz="1600" dirty="0"/>
+                  <a:t> – blood flow (ml/s)</a:t>
+                </a:r>
+              </a:p>
+              <a:p>
+                <a14:m>
+                  <m:oMath xmlns:m="http://schemas.openxmlformats.org/officeDocument/2006/math">
+                    <m:r>
+                      <a:rPr lang="en-US" sz="1600" b="0" i="1" smtClean="0">
+                        <a:latin typeface="Cambria Math" panose="02040503050406030204" pitchFamily="18" charset="0"/>
+                      </a:rPr>
+                      <m:t>𝑣</m:t>
+                    </m:r>
+                  </m:oMath>
+                </a14:m>
+                <a:r>
+                  <a:rPr lang="en-US" sz="1600" dirty="0"/>
+                  <a:t> – air flow (ml/s)</a:t>
+                </a:r>
+              </a:p>
+              <a:p>
+                <a14:m>
+                  <m:oMath xmlns:m="http://schemas.openxmlformats.org/officeDocument/2006/math">
+                    <m:r>
+                      <a:rPr lang="en-US" sz="1600" b="0" i="1" smtClean="0">
+                        <a:latin typeface="Cambria Math" panose="02040503050406030204" pitchFamily="18" charset="0"/>
+                      </a:rPr>
+                      <m:t>𝐷</m:t>
+                    </m:r>
+                  </m:oMath>
+                </a14:m>
+                <a:r>
+                  <a:rPr lang="en-US" sz="1600" dirty="0"/>
+                  <a:t> – apparent diffusion capacity (ml/s)</a:t>
+                </a:r>
+              </a:p>
+              <a:p>
+                <a:endParaRPr lang="en-US" sz="1600" dirty="0"/>
+              </a:p>
+              <a:p>
+                <a14:m>
+                  <m:oMath xmlns:m="http://schemas.openxmlformats.org/officeDocument/2006/math">
+                    <m:r>
+                      <a:rPr lang="en-US" sz="1600" b="0" i="1" smtClean="0">
+                        <a:latin typeface="Cambria Math" panose="02040503050406030204" pitchFamily="18" charset="0"/>
+                      </a:rPr>
+                      <m:t>𝑙</m:t>
+                    </m:r>
+                  </m:oMath>
+                </a14:m>
+                <a:r>
+                  <a:rPr lang="en-US" sz="1600" dirty="0"/>
+                  <a:t> – length of capillary (cm)</a:t>
+                </a:r>
+              </a:p>
+              <a:p>
+                <a:endParaRPr lang="en-US" sz="1600" dirty="0"/>
+              </a:p>
+              <a:p>
+                <a14:m>
+                  <m:oMath xmlns:m="http://schemas.openxmlformats.org/officeDocument/2006/math">
+                    <m:r>
+                      <a:rPr lang="en-US" sz="1600" b="0" i="1" smtClean="0">
+                        <a:latin typeface="Cambria Math" panose="02040503050406030204" pitchFamily="18" charset="0"/>
+                      </a:rPr>
+                      <m:t>𝛽</m:t>
+                    </m:r>
+                  </m:oMath>
+                </a14:m>
+                <a:r>
+                  <a:rPr lang="en-US" sz="1600" dirty="0"/>
+                  <a:t> – O2 solubility in the air (mmHg/mM)</a:t>
+                </a:r>
+              </a:p>
+              <a:p>
+                <a14:m>
+                  <m:oMath xmlns:m="http://schemas.openxmlformats.org/officeDocument/2006/math">
+                    <m:r>
+                      <a:rPr lang="en-US" sz="1600" b="0" i="1" smtClean="0">
+                        <a:latin typeface="Cambria Math" panose="02040503050406030204" pitchFamily="18" charset="0"/>
+                      </a:rPr>
+                      <m:t>𝛼</m:t>
+                    </m:r>
+                  </m:oMath>
+                </a14:m>
+                <a:r>
+                  <a:rPr lang="en-US" sz="1600" dirty="0"/>
+                  <a:t> – O2 solubility in plasma/water (mM/mmHg)</a:t>
+                </a:r>
+              </a:p>
+              <a:p>
+                <a14:m>
+                  <m:oMath xmlns:m="http://schemas.openxmlformats.org/officeDocument/2006/math">
+                    <m:sSub>
+                      <m:sSubPr>
+                        <m:ctrlPr>
+                          <a:rPr lang="en-US" sz="1600" b="0" i="1" smtClean="0">
+                            <a:latin typeface="Cambria Math" panose="02040503050406030204" pitchFamily="18" charset="0"/>
+                          </a:rPr>
+                        </m:ctrlPr>
+                      </m:sSubPr>
+                      <m:e>
+                        <m:r>
+                          <a:rPr lang="en-US" sz="1600" b="0" i="1" smtClean="0">
+                            <a:latin typeface="Cambria Math" panose="02040503050406030204" pitchFamily="18" charset="0"/>
+                          </a:rPr>
+                          <m:t>𝐶</m:t>
+                        </m:r>
+                      </m:e>
+                      <m:sub>
+                        <m:r>
+                          <a:rPr lang="en-US" sz="1600" b="0" i="1" smtClean="0">
+                            <a:latin typeface="Cambria Math" panose="02040503050406030204" pitchFamily="18" charset="0"/>
+                          </a:rPr>
+                          <m:t>𝐻𝑏</m:t>
+                        </m:r>
+                      </m:sub>
+                    </m:sSub>
+                  </m:oMath>
+                </a14:m>
+                <a:r>
+                  <a:rPr lang="en-US" sz="1600" dirty="0"/>
+                  <a:t>– Concentration of hemoglobin binding sites (mM)</a:t>
+                </a:r>
+              </a:p>
+              <a:p>
+                <a14:m>
+                  <m:oMath xmlns:m="http://schemas.openxmlformats.org/officeDocument/2006/math">
+                    <m:r>
+                      <a:rPr lang="en-US" sz="1600" b="0" i="1" smtClean="0">
+                        <a:latin typeface="Cambria Math" panose="02040503050406030204" pitchFamily="18" charset="0"/>
+                      </a:rPr>
+                      <m:t>𝑛</m:t>
+                    </m:r>
+                  </m:oMath>
+                </a14:m>
+                <a:r>
+                  <a:rPr lang="en-US" sz="1600" dirty="0"/>
+                  <a:t> – Hill coefficient (unitless)</a:t>
+                </a:r>
+              </a:p>
+              <a:p>
+                <a14:m>
+                  <m:oMath xmlns:m="http://schemas.openxmlformats.org/officeDocument/2006/math">
+                    <m:sSub>
+                      <m:sSubPr>
+                        <m:ctrlPr>
+                          <a:rPr lang="en-US" sz="1600" b="0" i="1" smtClean="0">
+                            <a:latin typeface="Cambria Math" panose="02040503050406030204" pitchFamily="18" charset="0"/>
+                          </a:rPr>
+                        </m:ctrlPr>
+                      </m:sSubPr>
+                      <m:e>
+                        <m:r>
+                          <a:rPr lang="en-US" sz="1600" b="0" i="1" smtClean="0">
+                            <a:latin typeface="Cambria Math" panose="02040503050406030204" pitchFamily="18" charset="0"/>
+                          </a:rPr>
+                          <m:t>𝑃</m:t>
+                        </m:r>
+                      </m:e>
+                      <m:sub>
+                        <m:r>
+                          <a:rPr lang="en-US" sz="1600" b="0" i="1" smtClean="0">
+                            <a:latin typeface="Cambria Math" panose="02040503050406030204" pitchFamily="18" charset="0"/>
+                          </a:rPr>
+                          <m:t>50</m:t>
+                        </m:r>
+                      </m:sub>
+                    </m:sSub>
+                  </m:oMath>
+                </a14:m>
+                <a:r>
+                  <a:rPr lang="en-US" sz="1600" dirty="0"/>
+                  <a:t> – Half-max saturation (mmHg)</a:t>
+                </a:r>
+              </a:p>
+            </p:txBody>
+          </p:sp>
+        </mc:Choice>
+        <mc:Fallback xmlns="">
+          <p:sp>
+            <p:nvSpPr>
+              <p:cNvPr id="16" name="TextBox 15">
+                <a:extLst>
+                  <a:ext uri="{FF2B5EF4-FFF2-40B4-BE49-F238E27FC236}">
+                    <a16:creationId xmlns:a16="http://schemas.microsoft.com/office/drawing/2014/main" id="{EF005087-2E35-42AA-853F-2BEA8793309A}"/>
+                  </a:ext>
+                </a:extLst>
+              </p:cNvPr>
+              <p:cNvSpPr txBox="1">
+                <a:spLocks noRot="1" noChangeAspect="1" noMove="1" noResize="1" noEditPoints="1" noAdjustHandles="1" noChangeArrowheads="1" noChangeShapeType="1" noTextEdit="1"/>
+              </p:cNvSpPr>
+              <p:nvPr/>
+            </p:nvSpPr>
+            <p:spPr>
+              <a:xfrm>
+                <a:off x="7723358" y="2844165"/>
+                <a:ext cx="4082288" cy="3785652"/>
+              </a:xfrm>
+              <a:prstGeom prst="rect">
+                <a:avLst/>
+              </a:prstGeom>
+              <a:blipFill>
+                <a:blip r:embed="rId3"/>
+                <a:stretch>
+                  <a:fillRect l="-743" t="-321" b="-801"/>
+                </a:stretch>
+              </a:blipFill>
+              <a:ln w="19050">
+                <a:solidFill>
+                  <a:schemeClr val="tx1"/>
+                </a:solidFill>
+              </a:ln>
+            </p:spPr>
+            <p:txBody>
+              <a:bodyPr/>
+              <a:lstStyle/>
+              <a:p>
+                <a:r>
+                  <a:rPr lang="en-US">
+                    <a:noFill/>
+                  </a:rPr>
+                  <a:t> </a:t>
+                </a:r>
+              </a:p>
+            </p:txBody>
+          </p:sp>
+        </mc:Fallback>
+      </mc:AlternateContent>
+    </p:spTree>
+    <p:extLst>
+      <p:ext uri="{BB962C8B-B14F-4D97-AF65-F5344CB8AC3E}">
+        <p14:creationId xmlns:p14="http://schemas.microsoft.com/office/powerpoint/2010/main" val="462593626"/>
+      </p:ext>
+    </p:extLst>
+  </p:cSld>
+  <p:clrMapOvr>
+    <a:masterClrMapping/>
+  </p:clrMapOvr>
+</p:sld>
+</file>
+
+<file path=ppt/slides/slide14.xml><?xml version="1.0" encoding="utf-8"?>
+<p:sld xmlns:a="http://schemas.openxmlformats.org/drawingml/2006/main" xmlns:r="http://schemas.openxmlformats.org/officeDocument/2006/relationships" xmlns:p="http://schemas.openxmlformats.org/presentationml/2006/main">
+  <p:cSld>
+    <p:spTree>
+      <p:nvGrpSpPr>
+        <p:cNvPr id="1" name=""/>
+        <p:cNvGrpSpPr/>
+        <p:nvPr/>
+      </p:nvGrpSpPr>
+      <p:grpSpPr>
+        <a:xfrm>
+          <a:off x="0" y="0"/>
+          <a:ext cx="0" cy="0"/>
+          <a:chOff x="0" y="0"/>
+          <a:chExt cx="0" cy="0"/>
+        </a:xfrm>
+      </p:grpSpPr>
+      <p:sp>
+        <p:nvSpPr>
+          <p:cNvPr id="2" name="Title 1">
+            <a:extLst>
+              <a:ext uri="{FF2B5EF4-FFF2-40B4-BE49-F238E27FC236}">
+                <a16:creationId xmlns:a16="http://schemas.microsoft.com/office/drawing/2014/main" id="{07CF5FB2-28C1-40FE-9FE5-A7BC4F245EBE}"/>
+              </a:ext>
+            </a:extLst>
+          </p:cNvPr>
+          <p:cNvSpPr>
+            <a:spLocks noGrp="1"/>
+          </p:cNvSpPr>
+          <p:nvPr>
+            <p:ph type="title"/>
+          </p:nvPr>
+        </p:nvSpPr>
+        <p:spPr/>
+        <p:txBody>
+          <a:bodyPr/>
+          <a:lstStyle/>
+          <a:p>
+            <a:r>
+              <a:rPr lang="en-US" dirty="0"/>
+              <a:t>Solving for the Fixed Points of Model D</a:t>
+            </a:r>
+          </a:p>
+        </p:txBody>
+      </p:sp>
+      <mc:AlternateContent xmlns:mc="http://schemas.openxmlformats.org/markup-compatibility/2006" xmlns:a14="http://schemas.microsoft.com/office/drawing/2010/main">
+        <mc:Choice Requires="a14">
+          <p:sp>
+            <p:nvSpPr>
+              <p:cNvPr id="3" name="Content Placeholder 2">
+                <a:extLst>
+                  <a:ext uri="{FF2B5EF4-FFF2-40B4-BE49-F238E27FC236}">
+                    <a16:creationId xmlns:a16="http://schemas.microsoft.com/office/drawing/2014/main" id="{E0F08092-3093-45D9-8078-63EC714EDB10}"/>
+                  </a:ext>
+                </a:extLst>
+              </p:cNvPr>
+              <p:cNvSpPr>
+                <a:spLocks noGrp="1"/>
+              </p:cNvSpPr>
+              <p:nvPr>
+                <p:ph idx="1"/>
+              </p:nvPr>
+            </p:nvSpPr>
+            <p:spPr>
+              <a:xfrm>
+                <a:off x="838200" y="1690688"/>
+                <a:ext cx="10515600" cy="4957247"/>
+              </a:xfrm>
+            </p:spPr>
+            <p:txBody>
+              <a:bodyPr>
+                <a:normAutofit fontScale="77500" lnSpcReduction="20000"/>
+              </a:bodyPr>
+              <a:lstStyle/>
+              <a:p>
+                <a:r>
+                  <a:rPr lang="en-US" b="1" dirty="0">
+                    <a:latin typeface="Calibri" panose="020F0502020204030204" pitchFamily="34" charset="0"/>
+                    <a:cs typeface="Calibri" panose="020F0502020204030204" pitchFamily="34" charset="0"/>
+                  </a:rPr>
+                  <a:t>Applying a SS assumption yields the following system</a:t>
+                </a:r>
+              </a:p>
+              <a:p>
+                <a:endParaRPr lang="en-US" b="0" i="1" dirty="0">
+                  <a:latin typeface="Cambria Math" panose="02040503050406030204" pitchFamily="18" charset="0"/>
+                </a:endParaRPr>
+              </a:p>
+              <a:p>
+                <a:pPr marL="0" indent="0">
+                  <a:buNone/>
+                </a:pPr>
+                <a14:m>
+                  <m:oMathPara xmlns:m="http://schemas.openxmlformats.org/officeDocument/2006/math">
+                    <m:oMathParaPr>
+                      <m:jc m:val="centerGroup"/>
+                    </m:oMathParaPr>
+                    <m:oMath xmlns:m="http://schemas.openxmlformats.org/officeDocument/2006/math">
+                      <m:f>
+                        <m:fPr>
+                          <m:ctrlPr>
+                            <a:rPr lang="en-US" b="0" i="1" smtClean="0">
+                              <a:latin typeface="Cambria Math" panose="02040503050406030204" pitchFamily="18" charset="0"/>
+                            </a:rPr>
+                          </m:ctrlPr>
+                        </m:fPr>
+                        <m:num>
+                          <m:r>
+                            <a:rPr lang="en-US" b="0" i="1" smtClean="0">
+                              <a:latin typeface="Cambria Math" panose="02040503050406030204" pitchFamily="18" charset="0"/>
+                            </a:rPr>
+                            <m:t>𝑑</m:t>
+                          </m:r>
+                          <m:sSub>
+                            <m:sSubPr>
+                              <m:ctrlPr>
+                                <a:rPr lang="en-US" b="0" i="1" smtClean="0">
+                                  <a:latin typeface="Cambria Math" panose="02040503050406030204" pitchFamily="18" charset="0"/>
+                                </a:rPr>
+                              </m:ctrlPr>
+                            </m:sSubPr>
+                            <m:e>
+                              <m:r>
+                                <a:rPr lang="en-US" b="0" i="1" smtClean="0">
+                                  <a:latin typeface="Cambria Math" panose="02040503050406030204" pitchFamily="18" charset="0"/>
+                                </a:rPr>
+                                <m:t>𝐶</m:t>
+                              </m:r>
+                            </m:e>
+                            <m:sub>
+                              <m:r>
+                                <a:rPr lang="en-US" b="0" i="1" smtClean="0">
+                                  <a:latin typeface="Cambria Math" panose="02040503050406030204" pitchFamily="18" charset="0"/>
+                                </a:rPr>
+                                <m:t>𝑣𝑎𝑠𝑐</m:t>
+                              </m:r>
+                            </m:sub>
+                          </m:sSub>
+                        </m:num>
+                        <m:den>
+                          <m:r>
+                            <a:rPr lang="en-US" b="0" i="1" smtClean="0">
+                              <a:latin typeface="Cambria Math" panose="02040503050406030204" pitchFamily="18" charset="0"/>
+                            </a:rPr>
+                            <m:t>𝑑𝑥</m:t>
+                          </m:r>
+                        </m:den>
+                      </m:f>
+                      <m:r>
+                        <a:rPr lang="en-US" b="0" i="1" smtClean="0">
+                          <a:latin typeface="Cambria Math" panose="02040503050406030204" pitchFamily="18" charset="0"/>
+                        </a:rPr>
+                        <m:t>=</m:t>
+                      </m:r>
+                      <m:f>
+                        <m:fPr>
+                          <m:ctrlPr>
+                            <a:rPr lang="en-US" b="0" i="1" smtClean="0">
+                              <a:latin typeface="Cambria Math" panose="02040503050406030204" pitchFamily="18" charset="0"/>
+                            </a:rPr>
+                          </m:ctrlPr>
+                        </m:fPr>
+                        <m:num>
+                          <m:r>
+                            <a:rPr lang="en-US" b="0" i="1" smtClean="0">
+                              <a:latin typeface="Cambria Math" panose="02040503050406030204" pitchFamily="18" charset="0"/>
+                            </a:rPr>
+                            <m:t>𝛼</m:t>
+                          </m:r>
+                          <m:r>
+                            <a:rPr lang="en-US" b="0" i="1" smtClean="0">
+                              <a:latin typeface="Cambria Math" panose="02040503050406030204" pitchFamily="18" charset="0"/>
+                            </a:rPr>
+                            <m:t>𝐷</m:t>
+                          </m:r>
+                        </m:num>
+                        <m:den>
+                          <m:r>
+                            <a:rPr lang="en-US" b="0" i="1" smtClean="0">
+                              <a:latin typeface="Cambria Math" panose="02040503050406030204" pitchFamily="18" charset="0"/>
+                            </a:rPr>
+                            <m:t>𝑞𝑙</m:t>
+                          </m:r>
+                        </m:den>
+                      </m:f>
+                      <m:d>
+                        <m:dPr>
+                          <m:ctrlPr>
+                            <a:rPr lang="en-US" b="0" i="1" smtClean="0">
+                              <a:latin typeface="Cambria Math" panose="02040503050406030204" pitchFamily="18" charset="0"/>
+                            </a:rPr>
+                          </m:ctrlPr>
+                        </m:dPr>
+                        <m:e>
+                          <m:sSub>
+                            <m:sSubPr>
+                              <m:ctrlPr>
+                                <a:rPr lang="en-US" b="0" i="1" smtClean="0">
+                                  <a:latin typeface="Cambria Math" panose="02040503050406030204" pitchFamily="18" charset="0"/>
+                                </a:rPr>
+                              </m:ctrlPr>
+                            </m:sSubPr>
+                            <m:e>
+                              <m:r>
+                                <a:rPr lang="en-US" b="0" i="1" smtClean="0">
+                                  <a:latin typeface="Cambria Math" panose="02040503050406030204" pitchFamily="18" charset="0"/>
+                                </a:rPr>
+                                <m:t>𝑃</m:t>
+                              </m:r>
+                            </m:e>
+                            <m:sub>
+                              <m:r>
+                                <a:rPr lang="en-US" b="0" i="1" smtClean="0">
+                                  <a:latin typeface="Cambria Math" panose="02040503050406030204" pitchFamily="18" charset="0"/>
+                                </a:rPr>
+                                <m:t>𝑎𝑙𝑣</m:t>
+                              </m:r>
+                            </m:sub>
+                          </m:sSub>
+                          <m:r>
+                            <a:rPr lang="en-US" b="0" i="1" smtClean="0">
+                              <a:latin typeface="Cambria Math" panose="02040503050406030204" pitchFamily="18" charset="0"/>
+                            </a:rPr>
+                            <m:t>−</m:t>
+                          </m:r>
+                          <m:sSub>
+                            <m:sSubPr>
+                              <m:ctrlPr>
+                                <a:rPr lang="en-US" b="0" i="1" smtClean="0">
+                                  <a:latin typeface="Cambria Math" panose="02040503050406030204" pitchFamily="18" charset="0"/>
+                                </a:rPr>
+                              </m:ctrlPr>
+                            </m:sSubPr>
+                            <m:e>
+                              <m:r>
+                                <a:rPr lang="en-US" b="0" i="1" smtClean="0">
+                                  <a:latin typeface="Cambria Math" panose="02040503050406030204" pitchFamily="18" charset="0"/>
+                                </a:rPr>
+                                <m:t>𝑃</m:t>
+                              </m:r>
+                            </m:e>
+                            <m:sub>
+                              <m:r>
+                                <a:rPr lang="en-US" b="0" i="1" smtClean="0">
+                                  <a:latin typeface="Cambria Math" panose="02040503050406030204" pitchFamily="18" charset="0"/>
+                                </a:rPr>
+                                <m:t>𝑣𝑎𝑠𝑐</m:t>
+                              </m:r>
+                            </m:sub>
+                          </m:sSub>
+                        </m:e>
+                      </m:d>
+                      <m:r>
+                        <a:rPr lang="en-US" b="0" i="1" smtClean="0">
+                          <a:latin typeface="Cambria Math" panose="02040503050406030204" pitchFamily="18" charset="0"/>
+                        </a:rPr>
+                        <m:t>;</m:t>
+                      </m:r>
+                      <m:sSub>
+                        <m:sSubPr>
+                          <m:ctrlPr>
+                            <a:rPr lang="en-US" b="0" i="1" smtClean="0">
+                              <a:latin typeface="Cambria Math" panose="02040503050406030204" pitchFamily="18" charset="0"/>
+                            </a:rPr>
+                          </m:ctrlPr>
+                        </m:sSubPr>
+                        <m:e>
+                          <m:r>
+                            <a:rPr lang="en-US" b="0" i="1" smtClean="0">
+                              <a:latin typeface="Cambria Math" panose="02040503050406030204" pitchFamily="18" charset="0"/>
+                            </a:rPr>
+                            <m:t>𝐶</m:t>
+                          </m:r>
+                        </m:e>
+                        <m:sub>
+                          <m:r>
+                            <a:rPr lang="en-US" b="0" i="1" smtClean="0">
+                              <a:latin typeface="Cambria Math" panose="02040503050406030204" pitchFamily="18" charset="0"/>
+                            </a:rPr>
+                            <m:t>𝑣𝑎𝑠𝑐</m:t>
+                          </m:r>
+                        </m:sub>
+                      </m:sSub>
+                      <m:d>
+                        <m:dPr>
+                          <m:ctrlPr>
+                            <a:rPr lang="en-US" b="0" i="1" smtClean="0">
+                              <a:latin typeface="Cambria Math" panose="02040503050406030204" pitchFamily="18" charset="0"/>
+                            </a:rPr>
+                          </m:ctrlPr>
+                        </m:dPr>
+                        <m:e>
+                          <m:r>
+                            <a:rPr lang="en-US" b="0" i="1" smtClean="0">
+                              <a:latin typeface="Cambria Math" panose="02040503050406030204" pitchFamily="18" charset="0"/>
+                            </a:rPr>
+                            <m:t>0</m:t>
+                          </m:r>
+                        </m:e>
+                      </m:d>
+                      <m:r>
+                        <a:rPr lang="en-US" b="0" i="1" smtClean="0">
+                          <a:latin typeface="Cambria Math" panose="02040503050406030204" pitchFamily="18" charset="0"/>
+                        </a:rPr>
+                        <m:t>=</m:t>
+                      </m:r>
+                      <m:sSub>
+                        <m:sSubPr>
+                          <m:ctrlPr>
+                            <a:rPr lang="en-US" b="0" i="1" smtClean="0">
+                              <a:latin typeface="Cambria Math" panose="02040503050406030204" pitchFamily="18" charset="0"/>
+                            </a:rPr>
+                          </m:ctrlPr>
+                        </m:sSubPr>
+                        <m:e>
+                          <m:r>
+                            <a:rPr lang="en-US" b="0" i="1" smtClean="0">
+                              <a:latin typeface="Cambria Math" panose="02040503050406030204" pitchFamily="18" charset="0"/>
+                            </a:rPr>
+                            <m:t>𝐶</m:t>
+                          </m:r>
+                        </m:e>
+                        <m:sub>
+                          <m:r>
+                            <a:rPr lang="en-US" b="0" i="1" smtClean="0">
+                              <a:latin typeface="Cambria Math" panose="02040503050406030204" pitchFamily="18" charset="0"/>
+                            </a:rPr>
+                            <m:t>𝑖𝑛</m:t>
+                          </m:r>
+                        </m:sub>
+                      </m:sSub>
+                    </m:oMath>
+                  </m:oMathPara>
+                </a14:m>
+                <a:endParaRPr lang="en-US" dirty="0"/>
+              </a:p>
+              <a:p>
+                <a:pPr marL="0" indent="0">
+                  <a:buNone/>
+                </a:pPr>
+                <a:endParaRPr lang="en-US" b="0" i="1" dirty="0">
+                  <a:latin typeface="Cambria Math" panose="02040503050406030204" pitchFamily="18" charset="0"/>
+                </a:endParaRPr>
+              </a:p>
+              <a:p>
+                <a:pPr marL="0" indent="0">
+                  <a:buNone/>
+                </a:pPr>
+                <a14:m>
+                  <m:oMathPara xmlns:m="http://schemas.openxmlformats.org/officeDocument/2006/math">
+                    <m:oMathParaPr>
+                      <m:jc m:val="centerGroup"/>
+                    </m:oMathParaPr>
+                    <m:oMath xmlns:m="http://schemas.openxmlformats.org/officeDocument/2006/math">
+                      <m:sSub>
+                        <m:sSubPr>
+                          <m:ctrlPr>
+                            <a:rPr lang="en-US" b="0" i="1" smtClean="0">
+                              <a:latin typeface="Cambria Math" panose="02040503050406030204" pitchFamily="18" charset="0"/>
+                            </a:rPr>
+                          </m:ctrlPr>
+                        </m:sSubPr>
+                        <m:e>
+                          <m:r>
+                            <a:rPr lang="en-US" b="0" i="1" smtClean="0">
+                              <a:latin typeface="Cambria Math" panose="02040503050406030204" pitchFamily="18" charset="0"/>
+                            </a:rPr>
+                            <m:t>𝑃</m:t>
+                          </m:r>
+                        </m:e>
+                        <m:sub>
+                          <m:r>
+                            <a:rPr lang="en-US" b="0" i="1" smtClean="0">
+                              <a:latin typeface="Cambria Math" panose="02040503050406030204" pitchFamily="18" charset="0"/>
+                            </a:rPr>
+                            <m:t>𝑎𝑙𝑣</m:t>
+                          </m:r>
+                        </m:sub>
+                      </m:sSub>
+                      <m:r>
+                        <a:rPr lang="en-US" b="0" i="1" smtClean="0">
+                          <a:latin typeface="Cambria Math" panose="02040503050406030204" pitchFamily="18" charset="0"/>
+                        </a:rPr>
+                        <m:t>=</m:t>
+                      </m:r>
+                      <m:f>
+                        <m:fPr>
+                          <m:ctrlPr>
+                            <a:rPr lang="en-US" b="0" i="1" smtClean="0">
+                              <a:latin typeface="Cambria Math" panose="02040503050406030204" pitchFamily="18" charset="0"/>
+                            </a:rPr>
+                          </m:ctrlPr>
+                        </m:fPr>
+                        <m:num>
+                          <m:r>
+                            <a:rPr lang="en-US" b="0" i="1" smtClean="0">
+                              <a:latin typeface="Cambria Math" panose="02040503050406030204" pitchFamily="18" charset="0"/>
+                            </a:rPr>
+                            <m:t>𝑣</m:t>
+                          </m:r>
+                          <m:sSub>
+                            <m:sSubPr>
+                              <m:ctrlPr>
+                                <a:rPr lang="en-US" b="0" i="1" smtClean="0">
+                                  <a:latin typeface="Cambria Math" panose="02040503050406030204" pitchFamily="18" charset="0"/>
+                                </a:rPr>
+                              </m:ctrlPr>
+                            </m:sSubPr>
+                            <m:e>
+                              <m:r>
+                                <a:rPr lang="en-US" b="0" i="1" smtClean="0">
+                                  <a:latin typeface="Cambria Math" panose="02040503050406030204" pitchFamily="18" charset="0"/>
+                                </a:rPr>
+                                <m:t>𝑃</m:t>
+                              </m:r>
+                            </m:e>
+                            <m:sub>
+                              <m:r>
+                                <a:rPr lang="en-US" b="0" i="1" smtClean="0">
+                                  <a:latin typeface="Cambria Math" panose="02040503050406030204" pitchFamily="18" charset="0"/>
+                                </a:rPr>
+                                <m:t>𝑎𝑖𝑟</m:t>
+                              </m:r>
+                            </m:sub>
+                          </m:sSub>
+                          <m:r>
+                            <a:rPr lang="en-US" b="0" i="1" smtClean="0">
+                              <a:latin typeface="Cambria Math" panose="02040503050406030204" pitchFamily="18" charset="0"/>
+                            </a:rPr>
+                            <m:t>+</m:t>
+                          </m:r>
+                          <m:r>
+                            <a:rPr lang="en-US" b="0" i="1" smtClean="0">
+                              <a:latin typeface="Cambria Math" panose="02040503050406030204" pitchFamily="18" charset="0"/>
+                            </a:rPr>
+                            <m:t>𝛼𝛽</m:t>
+                          </m:r>
+                          <m:r>
+                            <a:rPr lang="en-US" b="0" i="1" smtClean="0">
+                              <a:latin typeface="Cambria Math" panose="02040503050406030204" pitchFamily="18" charset="0"/>
+                            </a:rPr>
+                            <m:t>𝐷</m:t>
+                          </m:r>
+                          <m:d>
+                            <m:dPr>
+                              <m:begChr m:val="〈"/>
+                              <m:endChr m:val="〉"/>
+                              <m:ctrlPr>
+                                <a:rPr lang="en-US" i="1">
+                                  <a:latin typeface="Cambria Math" panose="02040503050406030204" pitchFamily="18" charset="0"/>
+                                </a:rPr>
+                              </m:ctrlPr>
+                            </m:dPr>
+                            <m:e>
+                              <m:sSub>
+                                <m:sSubPr>
+                                  <m:ctrlPr>
+                                    <a:rPr lang="en-US" i="1">
+                                      <a:latin typeface="Cambria Math" panose="02040503050406030204" pitchFamily="18" charset="0"/>
+                                    </a:rPr>
+                                  </m:ctrlPr>
+                                </m:sSubPr>
+                                <m:e>
+                                  <m:r>
+                                    <a:rPr lang="en-US" i="1">
+                                      <a:latin typeface="Cambria Math" panose="02040503050406030204" pitchFamily="18" charset="0"/>
+                                    </a:rPr>
+                                    <m:t>𝑃</m:t>
+                                  </m:r>
+                                </m:e>
+                                <m:sub>
+                                  <m:r>
+                                    <a:rPr lang="en-US" i="1">
+                                      <a:latin typeface="Cambria Math" panose="02040503050406030204" pitchFamily="18" charset="0"/>
+                                    </a:rPr>
+                                    <m:t>𝑣𝑎𝑠𝑐</m:t>
+                                  </m:r>
+                                </m:sub>
+                              </m:sSub>
+                            </m:e>
+                          </m:d>
+                        </m:num>
+                        <m:den>
+                          <m:r>
+                            <a:rPr lang="en-US" b="0" i="1" smtClean="0">
+                              <a:latin typeface="Cambria Math" panose="02040503050406030204" pitchFamily="18" charset="0"/>
+                            </a:rPr>
+                            <m:t>𝑣</m:t>
+                          </m:r>
+                          <m:r>
+                            <a:rPr lang="en-US" b="0" i="1" smtClean="0">
+                              <a:latin typeface="Cambria Math" panose="02040503050406030204" pitchFamily="18" charset="0"/>
+                            </a:rPr>
+                            <m:t>+</m:t>
+                          </m:r>
+                          <m:r>
+                            <a:rPr lang="en-US" b="0" i="1" smtClean="0">
+                              <a:latin typeface="Cambria Math" panose="02040503050406030204" pitchFamily="18" charset="0"/>
+                            </a:rPr>
+                            <m:t>𝛼𝛽</m:t>
+                          </m:r>
+                          <m:r>
+                            <a:rPr lang="en-US" b="0" i="1" smtClean="0">
+                              <a:latin typeface="Cambria Math" panose="02040503050406030204" pitchFamily="18" charset="0"/>
+                            </a:rPr>
+                            <m:t>𝐷</m:t>
+                          </m:r>
+                        </m:den>
+                      </m:f>
+                      <m:r>
+                        <a:rPr lang="en-US" b="0" i="1" smtClean="0">
+                          <a:latin typeface="Cambria Math" panose="02040503050406030204" pitchFamily="18" charset="0"/>
+                        </a:rPr>
+                        <m:t>;</m:t>
+                      </m:r>
+                      <m:d>
+                        <m:dPr>
+                          <m:begChr m:val="〈"/>
+                          <m:endChr m:val="〉"/>
+                          <m:ctrlPr>
+                            <a:rPr lang="en-US" i="1">
+                              <a:latin typeface="Cambria Math" panose="02040503050406030204" pitchFamily="18" charset="0"/>
+                            </a:rPr>
+                          </m:ctrlPr>
+                        </m:dPr>
+                        <m:e>
+                          <m:sSub>
+                            <m:sSubPr>
+                              <m:ctrlPr>
+                                <a:rPr lang="en-US" i="1">
+                                  <a:latin typeface="Cambria Math" panose="02040503050406030204" pitchFamily="18" charset="0"/>
+                                </a:rPr>
+                              </m:ctrlPr>
+                            </m:sSubPr>
+                            <m:e>
+                              <m:r>
+                                <a:rPr lang="en-US" i="1">
+                                  <a:latin typeface="Cambria Math" panose="02040503050406030204" pitchFamily="18" charset="0"/>
+                                </a:rPr>
+                                <m:t>𝑃</m:t>
+                              </m:r>
+                            </m:e>
+                            <m:sub>
+                              <m:r>
+                                <a:rPr lang="en-US" i="1">
+                                  <a:latin typeface="Cambria Math" panose="02040503050406030204" pitchFamily="18" charset="0"/>
+                                </a:rPr>
+                                <m:t>𝑣𝑎𝑠𝑐</m:t>
+                              </m:r>
+                            </m:sub>
+                          </m:sSub>
+                        </m:e>
+                      </m:d>
+                      <m:d>
+                        <m:dPr>
+                          <m:ctrlPr>
+                            <a:rPr lang="en-US" i="1">
+                              <a:latin typeface="Cambria Math" panose="02040503050406030204" pitchFamily="18" charset="0"/>
+                            </a:rPr>
+                          </m:ctrlPr>
+                        </m:dPr>
+                        <m:e>
+                          <m:r>
+                            <a:rPr lang="en-US" i="1">
+                              <a:latin typeface="Cambria Math" panose="02040503050406030204" pitchFamily="18" charset="0"/>
+                            </a:rPr>
+                            <m:t>𝑡</m:t>
+                          </m:r>
+                        </m:e>
+                      </m:d>
+                      <m:r>
+                        <a:rPr lang="en-US">
+                          <a:latin typeface="Cambria Math" panose="02040503050406030204" pitchFamily="18" charset="0"/>
+                        </a:rPr>
+                        <m:t>=</m:t>
+                      </m:r>
+                      <m:f>
+                        <m:fPr>
+                          <m:ctrlPr>
+                            <a:rPr lang="en-US" i="1">
+                              <a:latin typeface="Cambria Math" panose="02040503050406030204" pitchFamily="18" charset="0"/>
+                            </a:rPr>
+                          </m:ctrlPr>
+                        </m:fPr>
+                        <m:num>
+                          <m:r>
+                            <a:rPr lang="en-US">
+                              <a:latin typeface="Cambria Math" panose="02040503050406030204" pitchFamily="18" charset="0"/>
+                            </a:rPr>
+                            <m:t>1</m:t>
+                          </m:r>
+                        </m:num>
+                        <m:den>
+                          <m:r>
+                            <a:rPr lang="en-US" i="1">
+                              <a:latin typeface="Cambria Math" panose="02040503050406030204" pitchFamily="18" charset="0"/>
+                            </a:rPr>
+                            <m:t>𝑙</m:t>
+                          </m:r>
+                        </m:den>
+                      </m:f>
+                      <m:nary>
+                        <m:naryPr>
+                          <m:subHide m:val="on"/>
+                          <m:supHide m:val="on"/>
+                          <m:ctrlPr>
+                            <a:rPr lang="en-US" i="1">
+                              <a:latin typeface="Cambria Math" panose="02040503050406030204" pitchFamily="18" charset="0"/>
+                            </a:rPr>
+                          </m:ctrlPr>
+                        </m:naryPr>
+                        <m:sub/>
+                        <m:sup/>
+                        <m:e>
+                          <m:sSub>
+                            <m:sSubPr>
+                              <m:ctrlPr>
+                                <a:rPr lang="en-US" i="1">
+                                  <a:latin typeface="Cambria Math" panose="02040503050406030204" pitchFamily="18" charset="0"/>
+                                </a:rPr>
+                              </m:ctrlPr>
+                            </m:sSubPr>
+                            <m:e>
+                              <m:r>
+                                <a:rPr lang="en-US" i="1">
+                                  <a:latin typeface="Cambria Math" panose="02040503050406030204" pitchFamily="18" charset="0"/>
+                                </a:rPr>
+                                <m:t>𝑃</m:t>
+                              </m:r>
+                            </m:e>
+                            <m:sub>
+                              <m:r>
+                                <a:rPr lang="en-US" i="1">
+                                  <a:latin typeface="Cambria Math" panose="02040503050406030204" pitchFamily="18" charset="0"/>
+                                </a:rPr>
+                                <m:t>𝑣𝑎𝑠𝑐</m:t>
+                              </m:r>
+                            </m:sub>
+                          </m:sSub>
+                          <m:d>
+                            <m:dPr>
+                              <m:ctrlPr>
+                                <a:rPr lang="en-US" i="1">
+                                  <a:latin typeface="Cambria Math" panose="02040503050406030204" pitchFamily="18" charset="0"/>
+                                </a:rPr>
+                              </m:ctrlPr>
+                            </m:dPr>
+                            <m:e>
+                              <m:r>
+                                <a:rPr lang="en-US" i="1">
+                                  <a:latin typeface="Cambria Math" panose="02040503050406030204" pitchFamily="18" charset="0"/>
+                                </a:rPr>
+                                <m:t>𝑡</m:t>
+                              </m:r>
+                              <m:r>
+                                <a:rPr lang="en-US" i="1">
+                                  <a:latin typeface="Cambria Math" panose="02040503050406030204" pitchFamily="18" charset="0"/>
+                                </a:rPr>
+                                <m:t>,</m:t>
+                              </m:r>
+                              <m:r>
+                                <a:rPr lang="en-US" i="1">
+                                  <a:latin typeface="Cambria Math" panose="02040503050406030204" pitchFamily="18" charset="0"/>
+                                </a:rPr>
+                                <m:t>𝑥</m:t>
+                              </m:r>
+                            </m:e>
+                          </m:d>
+                          <m:r>
+                            <a:rPr lang="en-US" i="1">
+                              <a:latin typeface="Cambria Math" panose="02040503050406030204" pitchFamily="18" charset="0"/>
+                            </a:rPr>
+                            <m:t>𝑑𝑥</m:t>
+                          </m:r>
+                        </m:e>
+                      </m:nary>
+                    </m:oMath>
+                  </m:oMathPara>
+                </a14:m>
+                <a:endParaRPr lang="en-US" dirty="0"/>
+              </a:p>
+              <a:p>
+                <a:pPr marL="0" indent="0">
+                  <a:buNone/>
+                </a:pPr>
+                <a:endParaRPr lang="en-US" dirty="0"/>
+              </a:p>
+              <a:p>
+                <a:pPr marL="0" indent="0">
+                  <a:buNone/>
+                </a:pPr>
+                <a14:m>
+                  <m:oMathPara xmlns:m="http://schemas.openxmlformats.org/officeDocument/2006/math">
+                    <m:oMathParaPr>
+                      <m:jc m:val="centerGroup"/>
+                    </m:oMathParaPr>
+                    <m:oMath xmlns:m="http://schemas.openxmlformats.org/officeDocument/2006/math">
+                      <m:sSub>
+                        <m:sSubPr>
+                          <m:ctrlPr>
+                            <a:rPr lang="en-US" b="0" i="1" dirty="0" smtClean="0">
+                              <a:latin typeface="Cambria Math" panose="02040503050406030204" pitchFamily="18" charset="0"/>
+                            </a:rPr>
+                          </m:ctrlPr>
+                        </m:sSubPr>
+                        <m:e>
+                          <m:r>
+                            <a:rPr lang="en-US" b="0" i="1" dirty="0" smtClean="0">
+                              <a:latin typeface="Cambria Math" panose="02040503050406030204" pitchFamily="18" charset="0"/>
+                            </a:rPr>
+                            <m:t>𝐶</m:t>
+                          </m:r>
+                        </m:e>
+                        <m:sub>
+                          <m:r>
+                            <a:rPr lang="en-US" b="0" i="1" dirty="0" smtClean="0">
+                              <a:latin typeface="Cambria Math" panose="02040503050406030204" pitchFamily="18" charset="0"/>
+                            </a:rPr>
+                            <m:t>𝑣𝑎𝑠𝑐</m:t>
+                          </m:r>
+                        </m:sub>
+                      </m:sSub>
+                      <m:r>
+                        <a:rPr lang="en-US" b="0" i="1" dirty="0" smtClean="0">
+                          <a:latin typeface="Cambria Math" panose="02040503050406030204" pitchFamily="18" charset="0"/>
+                        </a:rPr>
+                        <m:t>=</m:t>
+                      </m:r>
+                      <m:r>
+                        <a:rPr lang="en-US" b="0" i="1" dirty="0" smtClean="0">
+                          <a:latin typeface="Cambria Math" panose="02040503050406030204" pitchFamily="18" charset="0"/>
+                        </a:rPr>
+                        <m:t>𝛼</m:t>
+                      </m:r>
+                      <m:sSub>
+                        <m:sSubPr>
+                          <m:ctrlPr>
+                            <a:rPr lang="en-US" b="0" i="1" dirty="0" smtClean="0">
+                              <a:latin typeface="Cambria Math" panose="02040503050406030204" pitchFamily="18" charset="0"/>
+                            </a:rPr>
+                          </m:ctrlPr>
+                        </m:sSubPr>
+                        <m:e>
+                          <m:r>
+                            <a:rPr lang="en-US" b="0" i="1" dirty="0" smtClean="0">
+                              <a:latin typeface="Cambria Math" panose="02040503050406030204" pitchFamily="18" charset="0"/>
+                            </a:rPr>
+                            <m:t>𝑃</m:t>
+                          </m:r>
+                        </m:e>
+                        <m:sub>
+                          <m:r>
+                            <a:rPr lang="en-US" b="0" i="1" dirty="0" smtClean="0">
+                              <a:latin typeface="Cambria Math" panose="02040503050406030204" pitchFamily="18" charset="0"/>
+                            </a:rPr>
+                            <m:t>𝑣𝑎𝑠𝑐</m:t>
+                          </m:r>
+                        </m:sub>
+                      </m:sSub>
+                      <m:r>
+                        <a:rPr lang="en-US" b="0" i="1" dirty="0" smtClean="0">
+                          <a:latin typeface="Cambria Math" panose="02040503050406030204" pitchFamily="18" charset="0"/>
+                        </a:rPr>
+                        <m:t>+</m:t>
+                      </m:r>
+                      <m:sSub>
+                        <m:sSubPr>
+                          <m:ctrlPr>
+                            <a:rPr lang="en-US" b="0" i="1" dirty="0" smtClean="0">
+                              <a:latin typeface="Cambria Math" panose="02040503050406030204" pitchFamily="18" charset="0"/>
+                            </a:rPr>
+                          </m:ctrlPr>
+                        </m:sSubPr>
+                        <m:e>
+                          <m:r>
+                            <a:rPr lang="en-US" b="0" i="1" dirty="0" smtClean="0">
+                              <a:latin typeface="Cambria Math" panose="02040503050406030204" pitchFamily="18" charset="0"/>
+                            </a:rPr>
+                            <m:t>𝐶</m:t>
+                          </m:r>
+                        </m:e>
+                        <m:sub>
+                          <m:r>
+                            <a:rPr lang="en-US" b="0" i="1" dirty="0" smtClean="0">
+                              <a:latin typeface="Cambria Math" panose="02040503050406030204" pitchFamily="18" charset="0"/>
+                            </a:rPr>
+                            <m:t>𝐻𝑏</m:t>
+                          </m:r>
+                        </m:sub>
+                      </m:sSub>
+                      <m:f>
+                        <m:fPr>
+                          <m:ctrlPr>
+                            <a:rPr lang="en-US" b="0" i="1" dirty="0" smtClean="0">
+                              <a:latin typeface="Cambria Math" panose="02040503050406030204" pitchFamily="18" charset="0"/>
+                            </a:rPr>
+                          </m:ctrlPr>
+                        </m:fPr>
+                        <m:num>
+                          <m:sSubSup>
+                            <m:sSubSupPr>
+                              <m:ctrlPr>
+                                <a:rPr lang="en-US" b="0" i="1" dirty="0" smtClean="0">
+                                  <a:latin typeface="Cambria Math" panose="02040503050406030204" pitchFamily="18" charset="0"/>
+                                </a:rPr>
+                              </m:ctrlPr>
+                            </m:sSubSupPr>
+                            <m:e>
+                              <m:r>
+                                <a:rPr lang="en-US" b="0" i="1" dirty="0" smtClean="0">
+                                  <a:latin typeface="Cambria Math" panose="02040503050406030204" pitchFamily="18" charset="0"/>
+                                </a:rPr>
+                                <m:t>𝑃</m:t>
+                              </m:r>
+                            </m:e>
+                            <m:sub>
+                              <m:r>
+                                <a:rPr lang="en-US" b="0" i="1" dirty="0" smtClean="0">
+                                  <a:latin typeface="Cambria Math" panose="02040503050406030204" pitchFamily="18" charset="0"/>
+                                </a:rPr>
+                                <m:t>𝑣𝑎𝑠𝑐</m:t>
+                              </m:r>
+                            </m:sub>
+                            <m:sup>
+                              <m:r>
+                                <a:rPr lang="en-US" b="0" i="1" dirty="0" smtClean="0">
+                                  <a:latin typeface="Cambria Math" panose="02040503050406030204" pitchFamily="18" charset="0"/>
+                                </a:rPr>
+                                <m:t>𝑛</m:t>
+                              </m:r>
+                            </m:sup>
+                          </m:sSubSup>
+                        </m:num>
+                        <m:den>
+                          <m:sSubSup>
+                            <m:sSubSupPr>
+                              <m:ctrlPr>
+                                <a:rPr lang="en-US" b="0" i="1" dirty="0" smtClean="0">
+                                  <a:latin typeface="Cambria Math" panose="02040503050406030204" pitchFamily="18" charset="0"/>
+                                </a:rPr>
+                              </m:ctrlPr>
+                            </m:sSubSupPr>
+                            <m:e>
+                              <m:r>
+                                <a:rPr lang="en-US" b="0" i="1" dirty="0" smtClean="0">
+                                  <a:latin typeface="Cambria Math" panose="02040503050406030204" pitchFamily="18" charset="0"/>
+                                </a:rPr>
+                                <m:t>𝑃</m:t>
+                              </m:r>
+                            </m:e>
+                            <m:sub>
+                              <m:r>
+                                <a:rPr lang="en-US" b="0" i="1" dirty="0" smtClean="0">
+                                  <a:latin typeface="Cambria Math" panose="02040503050406030204" pitchFamily="18" charset="0"/>
+                                </a:rPr>
+                                <m:t>𝑣𝑎𝑠𝑐</m:t>
+                              </m:r>
+                            </m:sub>
+                            <m:sup>
+                              <m:r>
+                                <a:rPr lang="en-US" b="0" i="1" dirty="0" smtClean="0">
+                                  <a:latin typeface="Cambria Math" panose="02040503050406030204" pitchFamily="18" charset="0"/>
+                                </a:rPr>
+                                <m:t>𝑛</m:t>
+                              </m:r>
+                            </m:sup>
+                          </m:sSubSup>
+                          <m:r>
+                            <a:rPr lang="en-US" b="0" i="1" dirty="0" smtClean="0">
+                              <a:latin typeface="Cambria Math" panose="02040503050406030204" pitchFamily="18" charset="0"/>
+                            </a:rPr>
+                            <m:t>+</m:t>
+                          </m:r>
+                          <m:sSubSup>
+                            <m:sSubSupPr>
+                              <m:ctrlPr>
+                                <a:rPr lang="en-US" b="0" i="1" dirty="0" smtClean="0">
+                                  <a:latin typeface="Cambria Math" panose="02040503050406030204" pitchFamily="18" charset="0"/>
+                                </a:rPr>
+                              </m:ctrlPr>
+                            </m:sSubSupPr>
+                            <m:e>
+                              <m:r>
+                                <a:rPr lang="en-US" b="0" i="1" dirty="0" smtClean="0">
+                                  <a:latin typeface="Cambria Math" panose="02040503050406030204" pitchFamily="18" charset="0"/>
+                                </a:rPr>
+                                <m:t>𝑃</m:t>
+                              </m:r>
+                            </m:e>
+                            <m:sub>
+                              <m:r>
+                                <a:rPr lang="en-US" b="0" i="1" dirty="0" smtClean="0">
+                                  <a:latin typeface="Cambria Math" panose="02040503050406030204" pitchFamily="18" charset="0"/>
+                                </a:rPr>
+                                <m:t>50</m:t>
+                              </m:r>
+                            </m:sub>
+                            <m:sup>
+                              <m:r>
+                                <a:rPr lang="en-US" b="0" i="1" dirty="0" smtClean="0">
+                                  <a:latin typeface="Cambria Math" panose="02040503050406030204" pitchFamily="18" charset="0"/>
+                                </a:rPr>
+                                <m:t>𝑛</m:t>
+                              </m:r>
+                            </m:sup>
+                          </m:sSubSup>
+                        </m:den>
+                      </m:f>
+                    </m:oMath>
+                  </m:oMathPara>
+                </a14:m>
+                <a:endParaRPr lang="en-US" dirty="0"/>
+              </a:p>
+              <a:p>
+                <a:pPr marL="0" indent="0">
+                  <a:buNone/>
+                </a:pPr>
+                <a:endParaRPr lang="en-US" dirty="0"/>
+              </a:p>
+              <a:p>
+                <a:r>
+                  <a:rPr lang="en-US" dirty="0"/>
+                  <a:t>… I’m not sure if this is considered a DAE or an </a:t>
+                </a:r>
+                <a:r>
+                  <a:rPr lang="en-US" dirty="0" err="1"/>
+                  <a:t>integro</a:t>
+                </a:r>
+                <a:r>
+                  <a:rPr lang="en-US" dirty="0"/>
+                  <a:t>-differential equation. Regardless, it’s not trivial to solve for the fixed points of </a:t>
+                </a:r>
+                <a14:m>
+                  <m:oMath xmlns:m="http://schemas.openxmlformats.org/officeDocument/2006/math">
+                    <m:sSub>
+                      <m:sSubPr>
+                        <m:ctrlPr>
+                          <a:rPr lang="en-US" b="0" i="1" smtClean="0">
+                            <a:latin typeface="Cambria Math" panose="02040503050406030204" pitchFamily="18" charset="0"/>
+                          </a:rPr>
+                        </m:ctrlPr>
+                      </m:sSubPr>
+                      <m:e>
+                        <m:r>
+                          <a:rPr lang="en-US" b="0" i="1" smtClean="0">
+                            <a:latin typeface="Cambria Math" panose="02040503050406030204" pitchFamily="18" charset="0"/>
+                          </a:rPr>
+                          <m:t>𝑃</m:t>
+                        </m:r>
+                      </m:e>
+                      <m:sub>
+                        <m:r>
+                          <a:rPr lang="en-US" b="0" i="1" smtClean="0">
+                            <a:latin typeface="Cambria Math" panose="02040503050406030204" pitchFamily="18" charset="0"/>
+                          </a:rPr>
+                          <m:t>𝑎𝑙𝑣</m:t>
+                        </m:r>
+                      </m:sub>
+                    </m:sSub>
+                  </m:oMath>
+                </a14:m>
+                <a:r>
+                  <a:rPr lang="en-US" dirty="0"/>
+                  <a:t> and </a:t>
+                </a:r>
+                <a14:m>
+                  <m:oMath xmlns:m="http://schemas.openxmlformats.org/officeDocument/2006/math">
+                    <m:sSub>
+                      <m:sSubPr>
+                        <m:ctrlPr>
+                          <a:rPr lang="en-US" b="0" i="1" smtClean="0">
+                            <a:latin typeface="Cambria Math" panose="02040503050406030204" pitchFamily="18" charset="0"/>
+                          </a:rPr>
+                        </m:ctrlPr>
+                      </m:sSubPr>
+                      <m:e>
+                        <m:r>
+                          <a:rPr lang="en-US" b="0" i="1" smtClean="0">
+                            <a:latin typeface="Cambria Math" panose="02040503050406030204" pitchFamily="18" charset="0"/>
+                          </a:rPr>
+                          <m:t>𝑃</m:t>
+                        </m:r>
+                      </m:e>
+                      <m:sub>
+                        <m:r>
+                          <a:rPr lang="en-US" b="0" i="1" smtClean="0">
+                            <a:latin typeface="Cambria Math" panose="02040503050406030204" pitchFamily="18" charset="0"/>
+                          </a:rPr>
+                          <m:t>𝑣𝑎𝑠𝑐</m:t>
+                        </m:r>
+                      </m:sub>
+                    </m:sSub>
+                  </m:oMath>
+                </a14:m>
+                <a:endParaRPr lang="en-US" dirty="0"/>
+              </a:p>
+              <a:p>
+                <a:r>
+                  <a:rPr lang="en-US" dirty="0"/>
+                  <a:t>After a lot of dead ends of how-to math this out, I’ve settled on the brute force approach of numerically relaxing the system</a:t>
+                </a:r>
+              </a:p>
+            </p:txBody>
+          </p:sp>
+        </mc:Choice>
+        <mc:Fallback xmlns="">
+          <p:sp>
+            <p:nvSpPr>
+              <p:cNvPr id="3" name="Content Placeholder 2">
+                <a:extLst>
+                  <a:ext uri="{FF2B5EF4-FFF2-40B4-BE49-F238E27FC236}">
+                    <a16:creationId xmlns:a16="http://schemas.microsoft.com/office/drawing/2014/main" id="{E0F08092-3093-45D9-8078-63EC714EDB10}"/>
+                  </a:ext>
+                </a:extLst>
+              </p:cNvPr>
+              <p:cNvSpPr>
+                <a:spLocks noGrp="1" noRot="1" noChangeAspect="1" noMove="1" noResize="1" noEditPoints="1" noAdjustHandles="1" noChangeArrowheads="1" noChangeShapeType="1" noTextEdit="1"/>
+              </p:cNvSpPr>
+              <p:nvPr>
+                <p:ph idx="1"/>
+              </p:nvPr>
+            </p:nvSpPr>
+            <p:spPr>
+              <a:xfrm>
+                <a:off x="838200" y="1690688"/>
+                <a:ext cx="10515600" cy="4957247"/>
+              </a:xfrm>
+              <a:blipFill>
+                <a:blip r:embed="rId2"/>
+                <a:stretch>
+                  <a:fillRect l="-696" t="-2457" r="-870" b="-1351"/>
+                </a:stretch>
+              </a:blipFill>
+            </p:spPr>
+            <p:txBody>
+              <a:bodyPr/>
+              <a:lstStyle/>
+              <a:p>
+                <a:r>
+                  <a:rPr lang="en-US">
+                    <a:noFill/>
+                  </a:rPr>
+                  <a:t> </a:t>
+                </a:r>
+              </a:p>
+            </p:txBody>
+          </p:sp>
+        </mc:Fallback>
+      </mc:AlternateContent>
+    </p:spTree>
+    <p:extLst>
+      <p:ext uri="{BB962C8B-B14F-4D97-AF65-F5344CB8AC3E}">
+        <p14:creationId xmlns:p14="http://schemas.microsoft.com/office/powerpoint/2010/main" val="2822352627"/>
+      </p:ext>
+    </p:extLst>
+  </p:cSld>
+  <p:clrMapOvr>
+    <a:masterClrMapping/>
+  </p:clrMapOvr>
+</p:sld>
+</file>
+
+<file path=ppt/slides/slide15.xml><?xml version="1.0" encoding="utf-8"?>
+<p:sld xmlns:a="http://schemas.openxmlformats.org/drawingml/2006/main" xmlns:r="http://schemas.openxmlformats.org/officeDocument/2006/relationships" xmlns:p="http://schemas.openxmlformats.org/presentationml/2006/main">
+  <p:cSld>
+    <p:spTree>
+      <p:nvGrpSpPr>
+        <p:cNvPr id="1" name=""/>
+        <p:cNvGrpSpPr/>
+        <p:nvPr/>
+      </p:nvGrpSpPr>
+      <p:grpSpPr>
+        <a:xfrm>
+          <a:off x="0" y="0"/>
+          <a:ext cx="0" cy="0"/>
+          <a:chOff x="0" y="0"/>
+          <a:chExt cx="0" cy="0"/>
+        </a:xfrm>
+      </p:grpSpPr>
+      <p:sp>
+        <p:nvSpPr>
+          <p:cNvPr id="2" name="Title 1">
+            <a:extLst>
+              <a:ext uri="{FF2B5EF4-FFF2-40B4-BE49-F238E27FC236}">
+                <a16:creationId xmlns:a16="http://schemas.microsoft.com/office/drawing/2014/main" id="{F53801C7-4F69-4D2D-B668-FF817CBE8C8C}"/>
+              </a:ext>
+            </a:extLst>
+          </p:cNvPr>
+          <p:cNvSpPr>
+            <a:spLocks noGrp="1"/>
+          </p:cNvSpPr>
+          <p:nvPr>
+            <p:ph type="title"/>
+          </p:nvPr>
+        </p:nvSpPr>
+        <p:spPr>
+          <a:xfrm>
+            <a:off x="838200" y="365125"/>
+            <a:ext cx="10943968" cy="1325563"/>
+          </a:xfrm>
+        </p:spPr>
+        <p:txBody>
+          <a:bodyPr/>
+          <a:lstStyle/>
+          <a:p>
+            <a:r>
+              <a:rPr lang="en-US" dirty="0"/>
+              <a:t>Approach to solve for Fixed Points of Model D </a:t>
+            </a:r>
+          </a:p>
+        </p:txBody>
+      </p:sp>
+      <mc:AlternateContent xmlns:mc="http://schemas.openxmlformats.org/markup-compatibility/2006" xmlns:a14="http://schemas.microsoft.com/office/drawing/2010/main">
+        <mc:Choice Requires="a14">
+          <p:sp>
+            <p:nvSpPr>
+              <p:cNvPr id="3" name="Content Placeholder 2">
+                <a:extLst>
+                  <a:ext uri="{FF2B5EF4-FFF2-40B4-BE49-F238E27FC236}">
+                    <a16:creationId xmlns:a16="http://schemas.microsoft.com/office/drawing/2014/main" id="{9FE58CE5-BAD9-4F13-8B64-8F18FCA4AE1A}"/>
+                  </a:ext>
+                </a:extLst>
+              </p:cNvPr>
+              <p:cNvSpPr>
+                <a:spLocks noGrp="1"/>
+              </p:cNvSpPr>
+              <p:nvPr>
+                <p:ph idx="1"/>
+              </p:nvPr>
+            </p:nvSpPr>
+            <p:spPr>
+              <a:xfrm>
+                <a:off x="593124" y="1825625"/>
+                <a:ext cx="10760676" cy="4351338"/>
+              </a:xfrm>
+            </p:spPr>
+            <p:txBody>
+              <a:bodyPr>
+                <a:normAutofit/>
+              </a:bodyPr>
+              <a:lstStyle/>
+              <a:p>
+                <a:r>
+                  <a:rPr lang="en-US" dirty="0"/>
+                  <a:t>Make a discretized vector </a:t>
+                </a:r>
+                <a14:m>
+                  <m:oMath xmlns:m="http://schemas.openxmlformats.org/officeDocument/2006/math">
+                    <m:sSub>
+                      <m:sSubPr>
+                        <m:ctrlPr>
+                          <a:rPr lang="en-US" b="0" i="1" smtClean="0">
+                            <a:latin typeface="Cambria Math" panose="02040503050406030204" pitchFamily="18" charset="0"/>
+                          </a:rPr>
+                        </m:ctrlPr>
+                      </m:sSubPr>
+                      <m:e>
+                        <m:r>
+                          <a:rPr lang="en-US" b="0" i="1" smtClean="0">
+                            <a:latin typeface="Cambria Math" panose="02040503050406030204" pitchFamily="18" charset="0"/>
+                          </a:rPr>
+                          <m:t>𝐶</m:t>
+                        </m:r>
+                      </m:e>
+                      <m:sub>
+                        <m:r>
+                          <a:rPr lang="en-US" b="0" i="1" smtClean="0">
+                            <a:latin typeface="Cambria Math" panose="02040503050406030204" pitchFamily="18" charset="0"/>
+                          </a:rPr>
+                          <m:t>𝑣𝑎𝑠𝑐</m:t>
+                        </m:r>
+                        <m:r>
+                          <a:rPr lang="en-US" b="0" i="1" smtClean="0">
+                            <a:latin typeface="Cambria Math" panose="02040503050406030204" pitchFamily="18" charset="0"/>
+                          </a:rPr>
+                          <m:t>,</m:t>
+                        </m:r>
+                        <m:r>
+                          <a:rPr lang="en-US" b="0" i="1" smtClean="0">
+                            <a:latin typeface="Cambria Math" panose="02040503050406030204" pitchFamily="18" charset="0"/>
+                          </a:rPr>
+                          <m:t>𝑖</m:t>
+                        </m:r>
+                      </m:sub>
+                    </m:sSub>
+                  </m:oMath>
+                </a14:m>
+                <a:r>
+                  <a:rPr lang="en-US" dirty="0"/>
+                  <a:t> - where  </a:t>
+                </a:r>
+                <a14:m>
+                  <m:oMath xmlns:m="http://schemas.openxmlformats.org/officeDocument/2006/math">
+                    <m:r>
+                      <a:rPr lang="en-US" b="0" i="1" smtClean="0">
+                        <a:latin typeface="Cambria Math" panose="02040503050406030204" pitchFamily="18" charset="0"/>
+                      </a:rPr>
+                      <m:t>𝑖</m:t>
+                    </m:r>
+                  </m:oMath>
+                </a14:m>
+                <a:r>
+                  <a:rPr lang="en-US" dirty="0"/>
+                  <a:t> is an index for spatial nodes</a:t>
+                </a:r>
+              </a:p>
+              <a:p>
+                <a:r>
+                  <a:rPr lang="en-US" dirty="0"/>
+                  <a:t>While loop</a:t>
+                </a:r>
+              </a:p>
+              <a:p>
+                <a:pPr lvl="1"/>
+                <a:r>
+                  <a:rPr lang="en-US" dirty="0"/>
+                  <a:t>Calculate </a:t>
+                </a:r>
+                <a14:m>
+                  <m:oMath xmlns:m="http://schemas.openxmlformats.org/officeDocument/2006/math">
+                    <m:sSub>
+                      <m:sSubPr>
+                        <m:ctrlPr>
+                          <a:rPr lang="en-US" b="0" i="1" smtClean="0">
+                            <a:latin typeface="Cambria Math" panose="02040503050406030204" pitchFamily="18" charset="0"/>
+                          </a:rPr>
+                        </m:ctrlPr>
+                      </m:sSubPr>
+                      <m:e>
+                        <m:r>
+                          <a:rPr lang="en-US" b="0" i="1" smtClean="0">
+                            <a:latin typeface="Cambria Math" panose="02040503050406030204" pitchFamily="18" charset="0"/>
+                          </a:rPr>
+                          <m:t>𝑃</m:t>
+                        </m:r>
+                      </m:e>
+                      <m:sub>
+                        <m:r>
+                          <a:rPr lang="en-US" b="0" i="1" smtClean="0">
+                            <a:latin typeface="Cambria Math" panose="02040503050406030204" pitchFamily="18" charset="0"/>
+                          </a:rPr>
+                          <m:t>𝑣𝑎𝑠𝑐</m:t>
+                        </m:r>
+                        <m:r>
+                          <a:rPr lang="en-US" b="0" i="1" smtClean="0">
+                            <a:latin typeface="Cambria Math" panose="02040503050406030204" pitchFamily="18" charset="0"/>
+                          </a:rPr>
+                          <m:t>,</m:t>
+                        </m:r>
+                        <m:r>
+                          <a:rPr lang="en-US" b="0" i="1" smtClean="0">
+                            <a:latin typeface="Cambria Math" panose="02040503050406030204" pitchFamily="18" charset="0"/>
+                          </a:rPr>
+                          <m:t>𝑖</m:t>
+                        </m:r>
+                      </m:sub>
+                    </m:sSub>
+                  </m:oMath>
+                </a14:m>
+                <a:r>
+                  <a:rPr lang="en-US" b="0" dirty="0"/>
+                  <a:t> - interpolation from predefined </a:t>
+                </a:r>
+                <a14:m>
+                  <m:oMath xmlns:m="http://schemas.openxmlformats.org/officeDocument/2006/math">
+                    <m:r>
+                      <a:rPr lang="en-US" b="0" i="1" smtClean="0">
+                        <a:latin typeface="Cambria Math" panose="02040503050406030204" pitchFamily="18" charset="0"/>
+                      </a:rPr>
+                      <m:t>𝐶</m:t>
+                    </m:r>
+                    <m:r>
+                      <a:rPr lang="en-US" b="0" i="1" smtClean="0">
+                        <a:latin typeface="Cambria Math" panose="02040503050406030204" pitchFamily="18" charset="0"/>
+                      </a:rPr>
+                      <m:t>−</m:t>
+                    </m:r>
+                    <m:r>
+                      <a:rPr lang="en-US" b="0" i="1" smtClean="0">
+                        <a:latin typeface="Cambria Math" panose="02040503050406030204" pitchFamily="18" charset="0"/>
+                      </a:rPr>
+                      <m:t>𝑃</m:t>
+                    </m:r>
+                  </m:oMath>
+                </a14:m>
+                <a:r>
+                  <a:rPr lang="en-US" b="0" dirty="0"/>
+                  <a:t> relationship</a:t>
+                </a:r>
+              </a:p>
+              <a:p>
+                <a:pPr lvl="1"/>
+                <a:r>
+                  <a:rPr lang="en-US" dirty="0"/>
+                  <a:t>Calculate </a:t>
+                </a:r>
+                <a14:m>
+                  <m:oMath xmlns:m="http://schemas.openxmlformats.org/officeDocument/2006/math">
+                    <m:d>
+                      <m:dPr>
+                        <m:begChr m:val="〈"/>
+                        <m:endChr m:val="〉"/>
+                        <m:ctrlPr>
+                          <a:rPr lang="en-US" i="1" smtClean="0">
+                            <a:latin typeface="Cambria Math" panose="02040503050406030204" pitchFamily="18" charset="0"/>
+                          </a:rPr>
+                        </m:ctrlPr>
+                      </m:dPr>
+                      <m:e>
+                        <m:sSub>
+                          <m:sSubPr>
+                            <m:ctrlPr>
+                              <a:rPr lang="en-US" i="1">
+                                <a:latin typeface="Cambria Math" panose="02040503050406030204" pitchFamily="18" charset="0"/>
+                              </a:rPr>
+                            </m:ctrlPr>
+                          </m:sSubPr>
+                          <m:e>
+                            <m:r>
+                              <a:rPr lang="en-US" i="1">
+                                <a:latin typeface="Cambria Math" panose="02040503050406030204" pitchFamily="18" charset="0"/>
+                              </a:rPr>
+                              <m:t>𝑃</m:t>
+                            </m:r>
+                          </m:e>
+                          <m:sub>
+                            <m:r>
+                              <a:rPr lang="en-US" i="1">
+                                <a:latin typeface="Cambria Math" panose="02040503050406030204" pitchFamily="18" charset="0"/>
+                              </a:rPr>
+                              <m:t>𝑣𝑎𝑠𝑐</m:t>
+                            </m:r>
+                          </m:sub>
+                        </m:sSub>
+                      </m:e>
+                    </m:d>
+                  </m:oMath>
+                </a14:m>
+                <a:r>
+                  <a:rPr lang="en-US" dirty="0"/>
+                  <a:t> - the arithmetic average of vector </a:t>
+                </a:r>
+                <a14:m>
+                  <m:oMath xmlns:m="http://schemas.openxmlformats.org/officeDocument/2006/math">
+                    <m:sSub>
+                      <m:sSubPr>
+                        <m:ctrlPr>
+                          <a:rPr lang="en-US" b="0" i="1" smtClean="0">
+                            <a:latin typeface="Cambria Math" panose="02040503050406030204" pitchFamily="18" charset="0"/>
+                          </a:rPr>
+                        </m:ctrlPr>
+                      </m:sSubPr>
+                      <m:e>
+                        <m:r>
+                          <a:rPr lang="en-US" b="0" i="1" smtClean="0">
+                            <a:latin typeface="Cambria Math" panose="02040503050406030204" pitchFamily="18" charset="0"/>
+                          </a:rPr>
+                          <m:t>𝑃</m:t>
+                        </m:r>
+                      </m:e>
+                      <m:sub>
+                        <m:r>
+                          <a:rPr lang="en-US" b="0" i="1" smtClean="0">
+                            <a:latin typeface="Cambria Math" panose="02040503050406030204" pitchFamily="18" charset="0"/>
+                          </a:rPr>
+                          <m:t>𝑣𝑎𝑠𝑐</m:t>
+                        </m:r>
+                        <m:r>
+                          <a:rPr lang="en-US" b="0" i="1" smtClean="0">
+                            <a:latin typeface="Cambria Math" panose="02040503050406030204" pitchFamily="18" charset="0"/>
+                          </a:rPr>
+                          <m:t>,</m:t>
+                        </m:r>
+                        <m:r>
+                          <a:rPr lang="en-US" b="0" i="1" smtClean="0">
+                            <a:latin typeface="Cambria Math" panose="02040503050406030204" pitchFamily="18" charset="0"/>
+                          </a:rPr>
+                          <m:t>𝑖</m:t>
+                        </m:r>
+                      </m:sub>
+                    </m:sSub>
+                  </m:oMath>
+                </a14:m>
+                <a:endParaRPr lang="en-US" dirty="0"/>
+              </a:p>
+              <a:p>
+                <a:pPr lvl="1"/>
+                <a14:m>
+                  <m:oMath xmlns:m="http://schemas.openxmlformats.org/officeDocument/2006/math">
+                    <m:sSub>
+                      <m:sSubPr>
+                        <m:ctrlPr>
+                          <a:rPr lang="en-US" b="0" i="1" smtClean="0">
+                            <a:latin typeface="Cambria Math" panose="02040503050406030204" pitchFamily="18" charset="0"/>
+                          </a:rPr>
+                        </m:ctrlPr>
+                      </m:sSubPr>
+                      <m:e>
+                        <m:r>
+                          <a:rPr lang="en-US" b="0" i="1" smtClean="0">
+                            <a:latin typeface="Cambria Math" panose="02040503050406030204" pitchFamily="18" charset="0"/>
+                          </a:rPr>
+                          <m:t>𝑃</m:t>
+                        </m:r>
+                      </m:e>
+                      <m:sub>
+                        <m:r>
+                          <a:rPr lang="en-US" b="0" i="1" smtClean="0">
+                            <a:latin typeface="Cambria Math" panose="02040503050406030204" pitchFamily="18" charset="0"/>
+                          </a:rPr>
+                          <m:t>𝑎𝑙𝑣</m:t>
+                        </m:r>
+                      </m:sub>
+                    </m:sSub>
+                    <m:r>
+                      <a:rPr lang="en-US" b="0" i="0" smtClean="0">
+                        <a:latin typeface="Cambria Math" panose="02040503050406030204" pitchFamily="18" charset="0"/>
+                      </a:rPr>
+                      <m:t>=</m:t>
+                    </m:r>
+                    <m:f>
+                      <m:fPr>
+                        <m:ctrlPr>
+                          <a:rPr lang="en-US" i="1">
+                            <a:latin typeface="Cambria Math" panose="02040503050406030204" pitchFamily="18" charset="0"/>
+                          </a:rPr>
+                        </m:ctrlPr>
+                      </m:fPr>
+                      <m:num>
+                        <m:r>
+                          <a:rPr lang="en-US" i="1">
+                            <a:latin typeface="Cambria Math" panose="02040503050406030204" pitchFamily="18" charset="0"/>
+                          </a:rPr>
+                          <m:t>𝑣</m:t>
+                        </m:r>
+                        <m:sSub>
+                          <m:sSubPr>
+                            <m:ctrlPr>
+                              <a:rPr lang="en-US" i="1">
+                                <a:latin typeface="Cambria Math" panose="02040503050406030204" pitchFamily="18" charset="0"/>
+                              </a:rPr>
+                            </m:ctrlPr>
+                          </m:sSubPr>
+                          <m:e>
+                            <m:r>
+                              <a:rPr lang="en-US" i="1">
+                                <a:latin typeface="Cambria Math" panose="02040503050406030204" pitchFamily="18" charset="0"/>
+                              </a:rPr>
+                              <m:t>𝑃</m:t>
+                            </m:r>
+                          </m:e>
+                          <m:sub>
+                            <m:r>
+                              <a:rPr lang="en-US" i="1">
+                                <a:latin typeface="Cambria Math" panose="02040503050406030204" pitchFamily="18" charset="0"/>
+                              </a:rPr>
+                              <m:t>𝑎𝑖𝑟</m:t>
+                            </m:r>
+                          </m:sub>
+                        </m:sSub>
+                        <m:r>
+                          <a:rPr lang="en-US" i="1">
+                            <a:latin typeface="Cambria Math" panose="02040503050406030204" pitchFamily="18" charset="0"/>
+                          </a:rPr>
+                          <m:t>+</m:t>
+                        </m:r>
+                        <m:r>
+                          <a:rPr lang="en-US" i="1">
+                            <a:latin typeface="Cambria Math" panose="02040503050406030204" pitchFamily="18" charset="0"/>
+                          </a:rPr>
+                          <m:t>𝛼𝛽</m:t>
+                        </m:r>
+                        <m:r>
+                          <a:rPr lang="en-US" i="1">
+                            <a:latin typeface="Cambria Math" panose="02040503050406030204" pitchFamily="18" charset="0"/>
+                          </a:rPr>
+                          <m:t>𝐷</m:t>
+                        </m:r>
+                        <m:d>
+                          <m:dPr>
+                            <m:begChr m:val="〈"/>
+                            <m:endChr m:val="〉"/>
+                            <m:ctrlPr>
+                              <a:rPr lang="en-US" i="1">
+                                <a:latin typeface="Cambria Math" panose="02040503050406030204" pitchFamily="18" charset="0"/>
+                              </a:rPr>
+                            </m:ctrlPr>
+                          </m:dPr>
+                          <m:e>
+                            <m:sSub>
+                              <m:sSubPr>
+                                <m:ctrlPr>
+                                  <a:rPr lang="en-US" i="1">
+                                    <a:latin typeface="Cambria Math" panose="02040503050406030204" pitchFamily="18" charset="0"/>
+                                  </a:rPr>
+                                </m:ctrlPr>
+                              </m:sSubPr>
+                              <m:e>
+                                <m:r>
+                                  <a:rPr lang="en-US" i="1">
+                                    <a:latin typeface="Cambria Math" panose="02040503050406030204" pitchFamily="18" charset="0"/>
+                                  </a:rPr>
+                                  <m:t>𝑃</m:t>
+                                </m:r>
+                              </m:e>
+                              <m:sub>
+                                <m:r>
+                                  <a:rPr lang="en-US" i="1">
+                                    <a:latin typeface="Cambria Math" panose="02040503050406030204" pitchFamily="18" charset="0"/>
+                                  </a:rPr>
+                                  <m:t>𝑣𝑎𝑠𝑐</m:t>
+                                </m:r>
+                              </m:sub>
+                            </m:sSub>
+                          </m:e>
+                        </m:d>
+                      </m:num>
+                      <m:den>
+                        <m:r>
+                          <a:rPr lang="en-US" i="1">
+                            <a:latin typeface="Cambria Math" panose="02040503050406030204" pitchFamily="18" charset="0"/>
+                          </a:rPr>
+                          <m:t>𝑣</m:t>
+                        </m:r>
+                        <m:r>
+                          <a:rPr lang="en-US" i="1">
+                            <a:latin typeface="Cambria Math" panose="02040503050406030204" pitchFamily="18" charset="0"/>
+                          </a:rPr>
+                          <m:t>+</m:t>
+                        </m:r>
+                        <m:r>
+                          <a:rPr lang="en-US" i="1">
+                            <a:latin typeface="Cambria Math" panose="02040503050406030204" pitchFamily="18" charset="0"/>
+                          </a:rPr>
+                          <m:t>𝛼𝛽</m:t>
+                        </m:r>
+                        <m:r>
+                          <a:rPr lang="en-US" i="1">
+                            <a:latin typeface="Cambria Math" panose="02040503050406030204" pitchFamily="18" charset="0"/>
+                          </a:rPr>
+                          <m:t>𝐷</m:t>
+                        </m:r>
+                      </m:den>
+                    </m:f>
+                  </m:oMath>
+                </a14:m>
+                <a:endParaRPr lang="en-US" dirty="0"/>
+              </a:p>
+              <a:p>
+                <a:pPr lvl="1"/>
+                <a14:m>
+                  <m:oMath xmlns:m="http://schemas.openxmlformats.org/officeDocument/2006/math">
+                    <m:r>
+                      <m:rPr>
+                        <m:sty m:val="p"/>
+                      </m:rPr>
+                      <a:rPr lang="en-US" b="0" i="0" smtClean="0">
+                        <a:latin typeface="Cambria Math" panose="02040503050406030204" pitchFamily="18" charset="0"/>
+                      </a:rPr>
+                      <m:t>Δ</m:t>
+                    </m:r>
+                    <m:sSub>
+                      <m:sSubPr>
+                        <m:ctrlPr>
+                          <a:rPr lang="en-US" b="0" i="1" smtClean="0">
+                            <a:latin typeface="Cambria Math" panose="02040503050406030204" pitchFamily="18" charset="0"/>
+                          </a:rPr>
+                        </m:ctrlPr>
+                      </m:sSubPr>
+                      <m:e>
+                        <m:r>
+                          <a:rPr lang="en-US" b="0" i="1" smtClean="0">
+                            <a:latin typeface="Cambria Math" panose="02040503050406030204" pitchFamily="18" charset="0"/>
+                          </a:rPr>
+                          <m:t>𝐶</m:t>
+                        </m:r>
+                      </m:e>
+                      <m:sub>
+                        <m:r>
+                          <a:rPr lang="en-US" b="0" i="1" smtClean="0">
+                            <a:latin typeface="Cambria Math" panose="02040503050406030204" pitchFamily="18" charset="0"/>
+                          </a:rPr>
+                          <m:t>𝑣𝑎𝑠𝑐</m:t>
+                        </m:r>
+                        <m:r>
+                          <a:rPr lang="en-US" b="0" i="1" smtClean="0">
+                            <a:latin typeface="Cambria Math" panose="02040503050406030204" pitchFamily="18" charset="0"/>
+                          </a:rPr>
+                          <m:t>,</m:t>
+                        </m:r>
+                        <m:r>
+                          <a:rPr lang="en-US" b="0" i="1" smtClean="0">
+                            <a:latin typeface="Cambria Math" panose="02040503050406030204" pitchFamily="18" charset="0"/>
+                          </a:rPr>
+                          <m:t>𝑖</m:t>
+                        </m:r>
+                      </m:sub>
+                    </m:sSub>
+                    <m:r>
+                      <a:rPr lang="en-US" b="0" i="1" smtClean="0">
+                        <a:latin typeface="Cambria Math" panose="02040503050406030204" pitchFamily="18" charset="0"/>
+                      </a:rPr>
+                      <m:t>=</m:t>
+                    </m:r>
+                    <m:f>
+                      <m:fPr>
+                        <m:ctrlPr>
+                          <a:rPr lang="en-US" b="0" i="1" smtClean="0">
+                            <a:latin typeface="Cambria Math" panose="02040503050406030204" pitchFamily="18" charset="0"/>
+                          </a:rPr>
+                        </m:ctrlPr>
+                      </m:fPr>
+                      <m:num>
+                        <m:r>
+                          <m:rPr>
+                            <m:sty m:val="p"/>
+                          </m:rPr>
+                          <a:rPr lang="en-US" b="0" i="0" smtClean="0">
+                            <a:latin typeface="Cambria Math" panose="02040503050406030204" pitchFamily="18" charset="0"/>
+                          </a:rPr>
+                          <m:t>Δ</m:t>
+                        </m:r>
+                        <m:r>
+                          <a:rPr lang="en-US" b="0" i="1" smtClean="0">
+                            <a:latin typeface="Cambria Math" panose="02040503050406030204" pitchFamily="18" charset="0"/>
+                          </a:rPr>
+                          <m:t>𝑥</m:t>
+                        </m:r>
+                        <m:r>
+                          <a:rPr lang="en-US" b="0" i="1" smtClean="0">
+                            <a:latin typeface="Cambria Math" panose="02040503050406030204" pitchFamily="18" charset="0"/>
+                          </a:rPr>
+                          <m:t>𝛼</m:t>
+                        </m:r>
+                        <m:r>
+                          <a:rPr lang="en-US" b="0" i="1" smtClean="0">
+                            <a:latin typeface="Cambria Math" panose="02040503050406030204" pitchFamily="18" charset="0"/>
+                          </a:rPr>
+                          <m:t>𝐷</m:t>
+                        </m:r>
+                      </m:num>
+                      <m:den>
+                        <m:r>
+                          <a:rPr lang="en-US" b="0" i="1" smtClean="0">
+                            <a:latin typeface="Cambria Math" panose="02040503050406030204" pitchFamily="18" charset="0"/>
+                          </a:rPr>
+                          <m:t>𝑞𝑙</m:t>
+                        </m:r>
+                      </m:den>
+                    </m:f>
+                    <m:r>
+                      <a:rPr lang="en-US" b="0" i="1" smtClean="0">
+                        <a:latin typeface="Cambria Math" panose="02040503050406030204" pitchFamily="18" charset="0"/>
+                      </a:rPr>
+                      <m:t>(</m:t>
+                    </m:r>
+                    <m:sSub>
+                      <m:sSubPr>
+                        <m:ctrlPr>
+                          <a:rPr lang="en-US" b="0" i="1" smtClean="0">
+                            <a:latin typeface="Cambria Math" panose="02040503050406030204" pitchFamily="18" charset="0"/>
+                          </a:rPr>
+                        </m:ctrlPr>
+                      </m:sSubPr>
+                      <m:e>
+                        <m:r>
+                          <a:rPr lang="en-US" b="0" i="1" smtClean="0">
+                            <a:latin typeface="Cambria Math" panose="02040503050406030204" pitchFamily="18" charset="0"/>
+                          </a:rPr>
+                          <m:t>𝑃</m:t>
+                        </m:r>
+                      </m:e>
+                      <m:sub>
+                        <m:r>
+                          <a:rPr lang="en-US" b="0" i="1" smtClean="0">
+                            <a:latin typeface="Cambria Math" panose="02040503050406030204" pitchFamily="18" charset="0"/>
+                          </a:rPr>
+                          <m:t>𝑎𝑙𝑣</m:t>
+                        </m:r>
+                      </m:sub>
+                    </m:sSub>
+                    <m:r>
+                      <a:rPr lang="en-US" b="0" i="1" smtClean="0">
+                        <a:latin typeface="Cambria Math" panose="02040503050406030204" pitchFamily="18" charset="0"/>
+                      </a:rPr>
+                      <m:t>−</m:t>
+                    </m:r>
+                    <m:d>
+                      <m:dPr>
+                        <m:begChr m:val="〈"/>
+                        <m:endChr m:val="〉"/>
+                        <m:ctrlPr>
+                          <a:rPr lang="en-US" i="1">
+                            <a:latin typeface="Cambria Math" panose="02040503050406030204" pitchFamily="18" charset="0"/>
+                          </a:rPr>
+                        </m:ctrlPr>
+                      </m:dPr>
+                      <m:e>
+                        <m:sSub>
+                          <m:sSubPr>
+                            <m:ctrlPr>
+                              <a:rPr lang="en-US" i="1">
+                                <a:latin typeface="Cambria Math" panose="02040503050406030204" pitchFamily="18" charset="0"/>
+                              </a:rPr>
+                            </m:ctrlPr>
+                          </m:sSubPr>
+                          <m:e>
+                            <m:r>
+                              <a:rPr lang="en-US" i="1">
+                                <a:latin typeface="Cambria Math" panose="02040503050406030204" pitchFamily="18" charset="0"/>
+                              </a:rPr>
+                              <m:t>𝑃</m:t>
+                            </m:r>
+                          </m:e>
+                          <m:sub>
+                            <m:r>
+                              <a:rPr lang="en-US" i="1">
+                                <a:latin typeface="Cambria Math" panose="02040503050406030204" pitchFamily="18" charset="0"/>
+                              </a:rPr>
+                              <m:t>𝑣𝑎𝑠𝑐</m:t>
+                            </m:r>
+                          </m:sub>
+                        </m:sSub>
+                      </m:e>
+                    </m:d>
+                    <m:r>
+                      <a:rPr lang="en-US" b="0" i="1" smtClean="0">
+                        <a:latin typeface="Cambria Math" panose="02040503050406030204" pitchFamily="18" charset="0"/>
+                      </a:rPr>
+                      <m:t>)</m:t>
+                    </m:r>
+                  </m:oMath>
+                </a14:m>
+                <a:r>
+                  <a:rPr lang="en-US" dirty="0"/>
+                  <a:t> – derived by forward finite difference</a:t>
+                </a:r>
+              </a:p>
+              <a:p>
+                <a:pPr lvl="1"/>
+                <a:r>
+                  <a:rPr lang="en-US" dirty="0"/>
+                  <a:t>Update </a:t>
+                </a:r>
+                <a14:m>
+                  <m:oMath xmlns:m="http://schemas.openxmlformats.org/officeDocument/2006/math">
+                    <m:sSub>
+                      <m:sSubPr>
+                        <m:ctrlPr>
+                          <a:rPr lang="en-US" b="0" i="1" smtClean="0">
+                            <a:latin typeface="Cambria Math" panose="02040503050406030204" pitchFamily="18" charset="0"/>
+                          </a:rPr>
+                        </m:ctrlPr>
+                      </m:sSubPr>
+                      <m:e>
+                        <m:r>
+                          <a:rPr lang="en-US" b="0" i="1" smtClean="0">
+                            <a:latin typeface="Cambria Math" panose="02040503050406030204" pitchFamily="18" charset="0"/>
+                          </a:rPr>
+                          <m:t>𝐶</m:t>
+                        </m:r>
+                      </m:e>
+                      <m:sub>
+                        <m:r>
+                          <a:rPr lang="en-US" b="0" i="1" smtClean="0">
+                            <a:latin typeface="Cambria Math" panose="02040503050406030204" pitchFamily="18" charset="0"/>
+                          </a:rPr>
+                          <m:t>𝑣𝑎𝑠𝑐</m:t>
+                        </m:r>
+                        <m:r>
+                          <a:rPr lang="en-US" b="0" i="1" smtClean="0">
+                            <a:latin typeface="Cambria Math" panose="02040503050406030204" pitchFamily="18" charset="0"/>
+                          </a:rPr>
+                          <m:t>,</m:t>
+                        </m:r>
+                        <m:r>
+                          <a:rPr lang="en-US" b="0" i="1" smtClean="0">
+                            <a:latin typeface="Cambria Math" panose="02040503050406030204" pitchFamily="18" charset="0"/>
+                          </a:rPr>
+                          <m:t>𝑖</m:t>
+                        </m:r>
+                        <m:r>
+                          <a:rPr lang="en-US" b="0" i="1" smtClean="0">
+                            <a:latin typeface="Cambria Math" panose="02040503050406030204" pitchFamily="18" charset="0"/>
+                          </a:rPr>
+                          <m:t>,</m:t>
+                        </m:r>
+                        <m:r>
+                          <a:rPr lang="en-US" b="0" i="1" smtClean="0">
+                            <a:latin typeface="Cambria Math" panose="02040503050406030204" pitchFamily="18" charset="0"/>
+                          </a:rPr>
+                          <m:t>𝑛𝑒𝑤</m:t>
+                        </m:r>
+                      </m:sub>
+                    </m:sSub>
+                    <m:r>
+                      <a:rPr lang="en-US" b="0" i="1" smtClean="0">
+                        <a:latin typeface="Cambria Math" panose="02040503050406030204" pitchFamily="18" charset="0"/>
+                      </a:rPr>
+                      <m:t>=</m:t>
+                    </m:r>
+                    <m:sSub>
+                      <m:sSubPr>
+                        <m:ctrlPr>
+                          <a:rPr lang="en-US" b="0" i="1" smtClean="0">
+                            <a:latin typeface="Cambria Math" panose="02040503050406030204" pitchFamily="18" charset="0"/>
+                          </a:rPr>
+                        </m:ctrlPr>
+                      </m:sSubPr>
+                      <m:e>
+                        <m:r>
+                          <a:rPr lang="en-US" b="0" i="1" smtClean="0">
+                            <a:latin typeface="Cambria Math" panose="02040503050406030204" pitchFamily="18" charset="0"/>
+                          </a:rPr>
+                          <m:t>𝐶</m:t>
+                        </m:r>
+                      </m:e>
+                      <m:sub>
+                        <m:r>
+                          <a:rPr lang="en-US" b="0" i="1" smtClean="0">
+                            <a:latin typeface="Cambria Math" panose="02040503050406030204" pitchFamily="18" charset="0"/>
+                          </a:rPr>
+                          <m:t>𝑣𝑎𝑠𝑐</m:t>
+                        </m:r>
+                        <m:r>
+                          <a:rPr lang="en-US" b="0" i="1" smtClean="0">
+                            <a:latin typeface="Cambria Math" panose="02040503050406030204" pitchFamily="18" charset="0"/>
+                          </a:rPr>
+                          <m:t>,</m:t>
+                        </m:r>
+                        <m:r>
+                          <a:rPr lang="en-US" b="0" i="1" smtClean="0">
+                            <a:latin typeface="Cambria Math" panose="02040503050406030204" pitchFamily="18" charset="0"/>
+                          </a:rPr>
+                          <m:t>𝑖</m:t>
+                        </m:r>
+                        <m:r>
+                          <a:rPr lang="en-US" b="0" i="1" smtClean="0">
+                            <a:latin typeface="Cambria Math" panose="02040503050406030204" pitchFamily="18" charset="0"/>
+                          </a:rPr>
+                          <m:t>,</m:t>
+                        </m:r>
+                        <m:r>
+                          <a:rPr lang="en-US" b="0" i="1" smtClean="0">
+                            <a:latin typeface="Cambria Math" panose="02040503050406030204" pitchFamily="18" charset="0"/>
+                          </a:rPr>
+                          <m:t>𝑜𝑙𝑑</m:t>
+                        </m:r>
+                      </m:sub>
+                    </m:sSub>
+                    <m:r>
+                      <a:rPr lang="en-US" b="0" i="1" smtClean="0">
+                        <a:latin typeface="Cambria Math" panose="02040503050406030204" pitchFamily="18" charset="0"/>
+                      </a:rPr>
+                      <m:t>+</m:t>
+                    </m:r>
+                    <m:r>
+                      <m:rPr>
+                        <m:sty m:val="p"/>
+                      </m:rPr>
+                      <a:rPr lang="en-US" b="0" i="0" smtClean="0">
+                        <a:latin typeface="Cambria Math" panose="02040503050406030204" pitchFamily="18" charset="0"/>
+                      </a:rPr>
+                      <m:t>Δ</m:t>
+                    </m:r>
+                    <m:sSub>
+                      <m:sSubPr>
+                        <m:ctrlPr>
+                          <a:rPr lang="en-US" b="0" i="1" smtClean="0">
+                            <a:latin typeface="Cambria Math" panose="02040503050406030204" pitchFamily="18" charset="0"/>
+                          </a:rPr>
+                        </m:ctrlPr>
+                      </m:sSubPr>
+                      <m:e>
+                        <m:r>
+                          <a:rPr lang="en-US" b="0" i="1" smtClean="0">
+                            <a:latin typeface="Cambria Math" panose="02040503050406030204" pitchFamily="18" charset="0"/>
+                          </a:rPr>
+                          <m:t>𝐶</m:t>
+                        </m:r>
+                      </m:e>
+                      <m:sub>
+                        <m:r>
+                          <a:rPr lang="en-US" b="0" i="1" smtClean="0">
+                            <a:latin typeface="Cambria Math" panose="02040503050406030204" pitchFamily="18" charset="0"/>
+                          </a:rPr>
+                          <m:t>𝑣𝑎𝑠𝑐</m:t>
+                        </m:r>
+                        <m:r>
+                          <a:rPr lang="en-US" b="0" i="1" smtClean="0">
+                            <a:latin typeface="Cambria Math" panose="02040503050406030204" pitchFamily="18" charset="0"/>
+                          </a:rPr>
+                          <m:t>,</m:t>
+                        </m:r>
+                        <m:r>
+                          <a:rPr lang="en-US" b="0" i="1" smtClean="0">
+                            <a:latin typeface="Cambria Math" panose="02040503050406030204" pitchFamily="18" charset="0"/>
+                          </a:rPr>
+                          <m:t>𝑖</m:t>
+                        </m:r>
+                      </m:sub>
+                    </m:sSub>
+                  </m:oMath>
+                </a14:m>
+                <a:r>
+                  <a:rPr lang="en-US" dirty="0"/>
+                  <a:t> - also by forward finite difference</a:t>
+                </a:r>
+              </a:p>
+              <a:p>
+                <a:pPr lvl="1"/>
+                <a:r>
+                  <a:rPr lang="en-US" dirty="0"/>
+                  <a:t>End loop when </a:t>
+                </a:r>
+                <a14:m>
+                  <m:oMath xmlns:m="http://schemas.openxmlformats.org/officeDocument/2006/math">
+                    <m:d>
+                      <m:dPr>
+                        <m:begChr m:val="|"/>
+                        <m:endChr m:val="|"/>
+                        <m:ctrlPr>
+                          <a:rPr lang="en-US" b="0" i="1" smtClean="0">
+                            <a:latin typeface="Cambria Math" panose="02040503050406030204" pitchFamily="18" charset="0"/>
+                          </a:rPr>
+                        </m:ctrlPr>
+                      </m:dPr>
+                      <m:e>
+                        <m:f>
+                          <m:fPr>
+                            <m:ctrlPr>
+                              <a:rPr lang="en-US" b="0" i="1" smtClean="0">
+                                <a:latin typeface="Cambria Math" panose="02040503050406030204" pitchFamily="18" charset="0"/>
+                              </a:rPr>
+                            </m:ctrlPr>
+                          </m:fPr>
+                          <m:num>
+                            <m:sSub>
+                              <m:sSubPr>
+                                <m:ctrlPr>
+                                  <a:rPr lang="en-US" b="0" i="1" smtClean="0">
+                                    <a:latin typeface="Cambria Math" panose="02040503050406030204" pitchFamily="18" charset="0"/>
+                                  </a:rPr>
+                                </m:ctrlPr>
+                              </m:sSubPr>
+                              <m:e>
+                                <m:r>
+                                  <a:rPr lang="en-US" b="0" i="1" smtClean="0">
+                                    <a:latin typeface="Cambria Math" panose="02040503050406030204" pitchFamily="18" charset="0"/>
+                                  </a:rPr>
+                                  <m:t>𝐶</m:t>
+                                </m:r>
+                              </m:e>
+                              <m:sub>
+                                <m:r>
+                                  <a:rPr lang="en-US" b="0" i="1" smtClean="0">
+                                    <a:latin typeface="Cambria Math" panose="02040503050406030204" pitchFamily="18" charset="0"/>
+                                  </a:rPr>
+                                  <m:t>𝑣𝑎𝑠𝑐</m:t>
+                                </m:r>
+                                <m:r>
+                                  <a:rPr lang="en-US" b="0" i="1" smtClean="0">
+                                    <a:latin typeface="Cambria Math" panose="02040503050406030204" pitchFamily="18" charset="0"/>
+                                  </a:rPr>
+                                  <m:t>,</m:t>
+                                </m:r>
+                                <m:r>
+                                  <a:rPr lang="en-US" b="0" i="1" smtClean="0">
+                                    <a:latin typeface="Cambria Math" panose="02040503050406030204" pitchFamily="18" charset="0"/>
+                                  </a:rPr>
+                                  <m:t>𝑖</m:t>
+                                </m:r>
+                                <m:r>
+                                  <a:rPr lang="en-US" b="0" i="1" smtClean="0">
+                                    <a:latin typeface="Cambria Math" panose="02040503050406030204" pitchFamily="18" charset="0"/>
+                                  </a:rPr>
+                                  <m:t>,</m:t>
+                                </m:r>
+                                <m:r>
+                                  <a:rPr lang="en-US" b="0" i="1" smtClean="0">
+                                    <a:latin typeface="Cambria Math" panose="02040503050406030204" pitchFamily="18" charset="0"/>
+                                  </a:rPr>
+                                  <m:t>𝑛𝑒𝑤</m:t>
+                                </m:r>
+                              </m:sub>
+                            </m:sSub>
+                            <m:r>
+                              <a:rPr lang="en-US" b="0" i="1" smtClean="0">
+                                <a:latin typeface="Cambria Math" panose="02040503050406030204" pitchFamily="18" charset="0"/>
+                              </a:rPr>
+                              <m:t>−</m:t>
+                            </m:r>
+                            <m:sSub>
+                              <m:sSubPr>
+                                <m:ctrlPr>
+                                  <a:rPr lang="en-US" i="1">
+                                    <a:latin typeface="Cambria Math" panose="02040503050406030204" pitchFamily="18" charset="0"/>
+                                  </a:rPr>
+                                </m:ctrlPr>
+                              </m:sSubPr>
+                              <m:e>
+                                <m:r>
+                                  <a:rPr lang="en-US" i="1">
+                                    <a:latin typeface="Cambria Math" panose="02040503050406030204" pitchFamily="18" charset="0"/>
+                                  </a:rPr>
+                                  <m:t>𝐶</m:t>
+                                </m:r>
+                              </m:e>
+                              <m:sub>
+                                <m:r>
+                                  <a:rPr lang="en-US" i="1">
+                                    <a:latin typeface="Cambria Math" panose="02040503050406030204" pitchFamily="18" charset="0"/>
+                                  </a:rPr>
+                                  <m:t>𝑣𝑎𝑠𝑐</m:t>
+                                </m:r>
+                                <m:r>
+                                  <a:rPr lang="en-US" i="1">
+                                    <a:latin typeface="Cambria Math" panose="02040503050406030204" pitchFamily="18" charset="0"/>
+                                  </a:rPr>
+                                  <m:t>,</m:t>
+                                </m:r>
+                                <m:r>
+                                  <a:rPr lang="en-US" i="1">
+                                    <a:latin typeface="Cambria Math" panose="02040503050406030204" pitchFamily="18" charset="0"/>
+                                  </a:rPr>
+                                  <m:t>𝑖</m:t>
+                                </m:r>
+                                <m:r>
+                                  <a:rPr lang="en-US" i="1">
+                                    <a:latin typeface="Cambria Math" panose="02040503050406030204" pitchFamily="18" charset="0"/>
+                                  </a:rPr>
+                                  <m:t>,</m:t>
+                                </m:r>
+                                <m:r>
+                                  <a:rPr lang="en-US" i="1">
+                                    <a:latin typeface="Cambria Math" panose="02040503050406030204" pitchFamily="18" charset="0"/>
+                                  </a:rPr>
+                                  <m:t>𝑜𝑙𝑑</m:t>
+                                </m:r>
+                              </m:sub>
+                            </m:sSub>
+                          </m:num>
+                          <m:den>
+                            <m:sSub>
+                              <m:sSubPr>
+                                <m:ctrlPr>
+                                  <a:rPr lang="en-US" i="1">
+                                    <a:latin typeface="Cambria Math" panose="02040503050406030204" pitchFamily="18" charset="0"/>
+                                  </a:rPr>
+                                </m:ctrlPr>
+                              </m:sSubPr>
+                              <m:e>
+                                <m:r>
+                                  <a:rPr lang="en-US" i="1">
+                                    <a:latin typeface="Cambria Math" panose="02040503050406030204" pitchFamily="18" charset="0"/>
+                                  </a:rPr>
+                                  <m:t>𝐶</m:t>
+                                </m:r>
+                              </m:e>
+                              <m:sub>
+                                <m:r>
+                                  <a:rPr lang="en-US" i="1">
+                                    <a:latin typeface="Cambria Math" panose="02040503050406030204" pitchFamily="18" charset="0"/>
+                                  </a:rPr>
+                                  <m:t>𝑣𝑎𝑠𝑐</m:t>
+                                </m:r>
+                                <m:r>
+                                  <a:rPr lang="en-US" i="1">
+                                    <a:latin typeface="Cambria Math" panose="02040503050406030204" pitchFamily="18" charset="0"/>
+                                  </a:rPr>
+                                  <m:t>,</m:t>
+                                </m:r>
+                                <m:r>
+                                  <a:rPr lang="en-US" i="1">
+                                    <a:latin typeface="Cambria Math" panose="02040503050406030204" pitchFamily="18" charset="0"/>
+                                  </a:rPr>
+                                  <m:t>𝑖</m:t>
+                                </m:r>
+                                <m:r>
+                                  <a:rPr lang="en-US" i="1">
+                                    <a:latin typeface="Cambria Math" panose="02040503050406030204" pitchFamily="18" charset="0"/>
+                                  </a:rPr>
+                                  <m:t>,</m:t>
+                                </m:r>
+                                <m:r>
+                                  <a:rPr lang="en-US" i="1">
+                                    <a:latin typeface="Cambria Math" panose="02040503050406030204" pitchFamily="18" charset="0"/>
+                                  </a:rPr>
+                                  <m:t>𝑜𝑙𝑑</m:t>
+                                </m:r>
+                              </m:sub>
+                            </m:sSub>
+                          </m:den>
+                        </m:f>
+                      </m:e>
+                    </m:d>
+                    <m:r>
+                      <a:rPr lang="en-US" b="0" i="0" smtClean="0">
+                        <a:latin typeface="Cambria Math" panose="02040503050406030204" pitchFamily="18" charset="0"/>
+                      </a:rPr>
+                      <m:t>≤</m:t>
+                    </m:r>
+                    <m:sSup>
+                      <m:sSupPr>
+                        <m:ctrlPr>
+                          <a:rPr lang="en-US" b="0" i="1" smtClean="0">
+                            <a:latin typeface="Cambria Math" panose="02040503050406030204" pitchFamily="18" charset="0"/>
+                          </a:rPr>
+                        </m:ctrlPr>
+                      </m:sSupPr>
+                      <m:e>
+                        <m:r>
+                          <a:rPr lang="en-US" b="0" i="0" smtClean="0">
+                            <a:latin typeface="Cambria Math" panose="02040503050406030204" pitchFamily="18" charset="0"/>
+                          </a:rPr>
+                          <m:t>10</m:t>
+                        </m:r>
+                      </m:e>
+                      <m:sup>
+                        <m:r>
+                          <a:rPr lang="en-US" b="0" i="1" smtClean="0">
+                            <a:latin typeface="Cambria Math" panose="02040503050406030204" pitchFamily="18" charset="0"/>
+                          </a:rPr>
+                          <m:t>−12</m:t>
+                        </m:r>
+                      </m:sup>
+                    </m:sSup>
+                  </m:oMath>
+                </a14:m>
+                <a:endParaRPr lang="en-US" dirty="0"/>
+              </a:p>
+            </p:txBody>
+          </p:sp>
+        </mc:Choice>
+        <mc:Fallback xmlns="">
+          <p:sp>
+            <p:nvSpPr>
+              <p:cNvPr id="3" name="Content Placeholder 2">
+                <a:extLst>
+                  <a:ext uri="{FF2B5EF4-FFF2-40B4-BE49-F238E27FC236}">
+                    <a16:creationId xmlns:a16="http://schemas.microsoft.com/office/drawing/2014/main" id="{9FE58CE5-BAD9-4F13-8B64-8F18FCA4AE1A}"/>
+                  </a:ext>
+                </a:extLst>
+              </p:cNvPr>
+              <p:cNvSpPr>
+                <a:spLocks noGrp="1" noRot="1" noChangeAspect="1" noMove="1" noResize="1" noEditPoints="1" noAdjustHandles="1" noChangeArrowheads="1" noChangeShapeType="1" noTextEdit="1"/>
+              </p:cNvSpPr>
+              <p:nvPr>
+                <p:ph idx="1"/>
+              </p:nvPr>
+            </p:nvSpPr>
+            <p:spPr>
+              <a:xfrm>
+                <a:off x="593124" y="1825625"/>
+                <a:ext cx="10760676" cy="4351338"/>
+              </a:xfrm>
+              <a:blipFill>
+                <a:blip r:embed="rId2"/>
+                <a:stretch>
+                  <a:fillRect l="-1019" t="-2101"/>
+                </a:stretch>
+              </a:blipFill>
+            </p:spPr>
+            <p:txBody>
+              <a:bodyPr/>
+              <a:lstStyle/>
+              <a:p>
+                <a:r>
+                  <a:rPr lang="en-US">
+                    <a:noFill/>
+                  </a:rPr>
+                  <a:t> </a:t>
+                </a:r>
+              </a:p>
+            </p:txBody>
+          </p:sp>
+        </mc:Fallback>
+      </mc:AlternateContent>
+    </p:spTree>
+    <p:extLst>
+      <p:ext uri="{BB962C8B-B14F-4D97-AF65-F5344CB8AC3E}">
+        <p14:creationId xmlns:p14="http://schemas.microsoft.com/office/powerpoint/2010/main" val="3421594668"/>
+      </p:ext>
+    </p:extLst>
+  </p:cSld>
+  <p:clrMapOvr>
+    <a:masterClrMapping/>
+  </p:clrMapOvr>
+</p:sld>
+</file>
+
+<file path=ppt/slides/slide16.xml><?xml version="1.0" encoding="utf-8"?>
+<p:sld xmlns:a="http://schemas.openxmlformats.org/drawingml/2006/main" xmlns:r="http://schemas.openxmlformats.org/officeDocument/2006/relationships" xmlns:p="http://schemas.openxmlformats.org/presentationml/2006/main">
+  <p:cSld>
+    <p:spTree>
+      <p:nvGrpSpPr>
+        <p:cNvPr id="1" name=""/>
+        <p:cNvGrpSpPr/>
+        <p:nvPr/>
+      </p:nvGrpSpPr>
+      <p:grpSpPr>
+        <a:xfrm>
+          <a:off x="0" y="0"/>
+          <a:ext cx="0" cy="0"/>
+          <a:chOff x="0" y="0"/>
+          <a:chExt cx="0" cy="0"/>
+        </a:xfrm>
+      </p:grpSpPr>
+      <p:sp>
+        <p:nvSpPr>
+          <p:cNvPr id="2" name="Title 1">
+            <a:extLst>
+              <a:ext uri="{FF2B5EF4-FFF2-40B4-BE49-F238E27FC236}">
+                <a16:creationId xmlns:a16="http://schemas.microsoft.com/office/drawing/2014/main" id="{55D658C1-4480-431B-91BB-75F15C4DBA5C}"/>
+              </a:ext>
+            </a:extLst>
+          </p:cNvPr>
+          <p:cNvSpPr>
+            <a:spLocks noGrp="1"/>
+          </p:cNvSpPr>
+          <p:nvPr>
+            <p:ph type="title"/>
+          </p:nvPr>
+        </p:nvSpPr>
+        <p:spPr/>
+        <p:txBody>
+          <a:bodyPr/>
+          <a:lstStyle/>
+          <a:p>
+            <a:r>
+              <a:rPr lang="en-US" dirty="0"/>
+              <a:t>Numerical Stability</a:t>
+            </a:r>
+          </a:p>
+        </p:txBody>
+      </p:sp>
+      <p:pic>
+        <p:nvPicPr>
+          <p:cNvPr id="5" name="Picture 4" descr="Chart, line chart&#10;&#10;Description automatically generated">
+            <a:extLst>
+              <a:ext uri="{FF2B5EF4-FFF2-40B4-BE49-F238E27FC236}">
+                <a16:creationId xmlns:a16="http://schemas.microsoft.com/office/drawing/2014/main" id="{CD5EE897-7BCE-42F2-B56F-4F230F7A5034}"/>
+              </a:ext>
+            </a:extLst>
+          </p:cNvPr>
+          <p:cNvPicPr>
+            <a:picLocks noChangeAspect="1"/>
+          </p:cNvPicPr>
+          <p:nvPr/>
+        </p:nvPicPr>
+        <p:blipFill>
+          <a:blip r:embed="rId2">
+            <a:extLst>
+              <a:ext uri="{28A0092B-C50C-407E-A947-70E740481C1C}">
+                <a14:useLocalDpi xmlns:a14="http://schemas.microsoft.com/office/drawing/2010/main" val="0"/>
+              </a:ext>
+            </a:extLst>
+          </a:blip>
+          <a:stretch>
+            <a:fillRect/>
+          </a:stretch>
+        </p:blipFill>
+        <p:spPr>
+          <a:xfrm>
+            <a:off x="6096000" y="1210855"/>
+            <a:ext cx="5467350" cy="4532824"/>
+          </a:xfrm>
+          <a:prstGeom prst="rect">
+            <a:avLst/>
+          </a:prstGeom>
+        </p:spPr>
+      </p:pic>
+      <p:pic>
+        <p:nvPicPr>
+          <p:cNvPr id="7" name="Picture 6" descr="Chart, line chart&#10;&#10;Description automatically generated">
+            <a:extLst>
+              <a:ext uri="{FF2B5EF4-FFF2-40B4-BE49-F238E27FC236}">
+                <a16:creationId xmlns:a16="http://schemas.microsoft.com/office/drawing/2014/main" id="{EDAEAEEB-E1E1-4691-8CBB-EA6F058C06C5}"/>
+              </a:ext>
+            </a:extLst>
+          </p:cNvPr>
+          <p:cNvPicPr>
+            <a:picLocks noChangeAspect="1"/>
+          </p:cNvPicPr>
+          <p:nvPr/>
+        </p:nvPicPr>
+        <p:blipFill>
+          <a:blip r:embed="rId3">
+            <a:extLst>
+              <a:ext uri="{28A0092B-C50C-407E-A947-70E740481C1C}">
+                <a14:useLocalDpi xmlns:a14="http://schemas.microsoft.com/office/drawing/2010/main" val="0"/>
+              </a:ext>
+            </a:extLst>
+          </a:blip>
+          <a:stretch>
+            <a:fillRect/>
+          </a:stretch>
+        </p:blipFill>
+        <p:spPr>
+          <a:xfrm>
+            <a:off x="573838" y="1421192"/>
+            <a:ext cx="5204662" cy="4258987"/>
+          </a:xfrm>
+          <a:prstGeom prst="rect">
+            <a:avLst/>
+          </a:prstGeom>
+        </p:spPr>
+      </p:pic>
+      <p:sp>
+        <p:nvSpPr>
+          <p:cNvPr id="8" name="Content Placeholder 2">
+            <a:extLst>
+              <a:ext uri="{FF2B5EF4-FFF2-40B4-BE49-F238E27FC236}">
+                <a16:creationId xmlns:a16="http://schemas.microsoft.com/office/drawing/2014/main" id="{B927A7B2-DC57-43D4-BC47-5706DD3FFA43}"/>
+              </a:ext>
+            </a:extLst>
+          </p:cNvPr>
+          <p:cNvSpPr>
+            <a:spLocks noGrp="1"/>
+          </p:cNvSpPr>
+          <p:nvPr>
+            <p:ph idx="1"/>
+          </p:nvPr>
+        </p:nvSpPr>
+        <p:spPr>
+          <a:xfrm>
+            <a:off x="1273240" y="5998466"/>
+            <a:ext cx="9226419" cy="687447"/>
+          </a:xfrm>
+        </p:spPr>
+        <p:txBody>
+          <a:bodyPr>
+            <a:normAutofit fontScale="92500" lnSpcReduction="10000"/>
+          </a:bodyPr>
+          <a:lstStyle/>
+          <a:p>
+            <a:pPr marL="0" indent="0">
+              <a:buNone/>
+            </a:pPr>
+            <a:r>
+              <a:rPr lang="en-US" sz="2400" dirty="0"/>
+              <a:t>The more granular discretization  we use, the more iterations are required to reach a given error threshold</a:t>
+            </a:r>
+          </a:p>
+        </p:txBody>
+      </p:sp>
+    </p:spTree>
+    <p:extLst>
+      <p:ext uri="{BB962C8B-B14F-4D97-AF65-F5344CB8AC3E}">
+        <p14:creationId xmlns:p14="http://schemas.microsoft.com/office/powerpoint/2010/main" val="1566473531"/>
+      </p:ext>
+    </p:extLst>
+  </p:cSld>
+  <p:clrMapOvr>
+    <a:masterClrMapping/>
+  </p:clrMapOvr>
+</p:sld>
+</file>
+
+<file path=ppt/slides/slide17.xml><?xml version="1.0" encoding="utf-8"?>
+<p:sld xmlns:a="http://schemas.openxmlformats.org/drawingml/2006/main" xmlns:r="http://schemas.openxmlformats.org/officeDocument/2006/relationships" xmlns:p="http://schemas.openxmlformats.org/presentationml/2006/main">
+  <p:cSld>
+    <p:spTree>
+      <p:nvGrpSpPr>
+        <p:cNvPr id="1" name=""/>
+        <p:cNvGrpSpPr/>
+        <p:nvPr/>
+      </p:nvGrpSpPr>
+      <p:grpSpPr>
+        <a:xfrm>
+          <a:off x="0" y="0"/>
+          <a:ext cx="0" cy="0"/>
+          <a:chOff x="0" y="0"/>
+          <a:chExt cx="0" cy="0"/>
+        </a:xfrm>
+      </p:grpSpPr>
+      <p:sp>
+        <p:nvSpPr>
+          <p:cNvPr id="2" name="Title 1">
+            <a:extLst>
+              <a:ext uri="{FF2B5EF4-FFF2-40B4-BE49-F238E27FC236}">
+                <a16:creationId xmlns:a16="http://schemas.microsoft.com/office/drawing/2014/main" id="{0612C22F-A397-4573-B945-AD10993C5DFE}"/>
+              </a:ext>
+            </a:extLst>
+          </p:cNvPr>
+          <p:cNvSpPr>
+            <a:spLocks noGrp="1"/>
+          </p:cNvSpPr>
+          <p:nvPr>
+            <p:ph type="title"/>
+          </p:nvPr>
+        </p:nvSpPr>
+        <p:spPr/>
+        <p:txBody>
+          <a:bodyPr/>
+          <a:lstStyle/>
+          <a:p>
+            <a:r>
+              <a:rPr lang="en-US" dirty="0"/>
+              <a:t>Fixed Points of Model D</a:t>
+            </a:r>
+          </a:p>
+        </p:txBody>
+      </p:sp>
+      <p:pic>
+        <p:nvPicPr>
+          <p:cNvPr id="5" name="Picture 4" descr="Diagram&#10;&#10;Description automatically generated">
+            <a:extLst>
+              <a:ext uri="{FF2B5EF4-FFF2-40B4-BE49-F238E27FC236}">
+                <a16:creationId xmlns:a16="http://schemas.microsoft.com/office/drawing/2014/main" id="{7AB1B9BC-A154-4F11-8057-0E1837F2A814}"/>
+              </a:ext>
+            </a:extLst>
+          </p:cNvPr>
+          <p:cNvPicPr>
+            <a:picLocks noChangeAspect="1"/>
+          </p:cNvPicPr>
+          <p:nvPr/>
+        </p:nvPicPr>
+        <p:blipFill rotWithShape="1">
+          <a:blip r:embed="rId2">
+            <a:extLst>
+              <a:ext uri="{28A0092B-C50C-407E-A947-70E740481C1C}">
+                <a14:useLocalDpi xmlns:a14="http://schemas.microsoft.com/office/drawing/2010/main" val="0"/>
+              </a:ext>
+            </a:extLst>
+          </a:blip>
+          <a:srcRect l="10104" t="23858" r="6875" b="24060"/>
+          <a:stretch/>
+        </p:blipFill>
+        <p:spPr>
+          <a:xfrm>
+            <a:off x="114299" y="1797049"/>
+            <a:ext cx="11808883" cy="3822701"/>
+          </a:xfrm>
+          <a:prstGeom prst="rect">
+            <a:avLst/>
+          </a:prstGeom>
+        </p:spPr>
+      </p:pic>
+    </p:spTree>
+    <p:extLst>
+      <p:ext uri="{BB962C8B-B14F-4D97-AF65-F5344CB8AC3E}">
+        <p14:creationId xmlns:p14="http://schemas.microsoft.com/office/powerpoint/2010/main" val="1176701747"/>
       </p:ext>
     </p:extLst>
   </p:cSld>

--- a/simpleVQ.pptx
+++ b/simpleVQ.pptx
@@ -5,7 +5,7 @@
     <p:sldMasterId id="2147483648" r:id="rId1"/>
   </p:sldMasterIdLst>
   <p:notesMasterIdLst>
-    <p:notesMasterId r:id="rId19"/>
+    <p:notesMasterId r:id="rId21"/>
   </p:notesMasterIdLst>
   <p:sldIdLst>
     <p:sldId id="256" r:id="rId2"/>
@@ -25,6 +25,8 @@
     <p:sldId id="530" r:id="rId16"/>
     <p:sldId id="531" r:id="rId17"/>
     <p:sldId id="532" r:id="rId18"/>
+    <p:sldId id="533" r:id="rId19"/>
+    <p:sldId id="534" r:id="rId20"/>
   </p:sldIdLst>
   <p:sldSz cx="12192000" cy="6858000"/>
   <p:notesSz cx="6858000" cy="9144000"/>
@@ -134,7 +136,7 @@
 <file path=ppt/revisionInfo.xml><?xml version="1.0" encoding="utf-8"?>
 <p1510:revInfo xmlns:a="http://schemas.openxmlformats.org/drawingml/2006/main" xmlns:r="http://schemas.openxmlformats.org/officeDocument/2006/relationships" xmlns:p1510="http://schemas.microsoft.com/office/powerpoint/2015/10/main">
   <p1510:revLst>
-    <p1510:client id="{DCD0010E-E5EB-46E1-8333-CDE87CEE2E10}" v="879" dt="2021-01-14T20:08:53.083"/>
+    <p1510:client id="{DCD0010E-E5EB-46E1-8333-CDE87CEE2E10}" v="1173" dt="2021-01-18T14:31:47.939"/>
   </p1510:revLst>
 </p1510:revInfo>
 </file>
@@ -144,7 +146,7 @@
   <pc:docChgLst>
     <pc:chgData name="Drew Marquis" userId="6ae91fd8ce8dc452" providerId="LiveId" clId="{DCD0010E-E5EB-46E1-8333-CDE87CEE2E10}"/>
     <pc:docChg chg="undo custSel addSld delSld modSld">
-      <pc:chgData name="Drew Marquis" userId="6ae91fd8ce8dc452" providerId="LiveId" clId="{DCD0010E-E5EB-46E1-8333-CDE87CEE2E10}" dt="2021-01-14T20:09:18.119" v="2434" actId="1076"/>
+      <pc:chgData name="Drew Marquis" userId="6ae91fd8ce8dc452" providerId="LiveId" clId="{DCD0010E-E5EB-46E1-8333-CDE87CEE2E10}" dt="2021-01-18T14:32:14.218" v="4234" actId="20577"/>
       <pc:docMkLst>
         <pc:docMk/>
       </pc:docMkLst>
@@ -386,6 +388,52 @@
             <ac:picMk id="5" creationId="{7AB1B9BC-A154-4F11-8057-0E1837F2A814}"/>
           </ac:picMkLst>
         </pc:picChg>
+      </pc:sldChg>
+      <pc:sldChg chg="modSp new mod">
+        <pc:chgData name="Drew Marquis" userId="6ae91fd8ce8dc452" providerId="LiveId" clId="{DCD0010E-E5EB-46E1-8333-CDE87CEE2E10}" dt="2021-01-18T14:27:13.040" v="3724" actId="27636"/>
+        <pc:sldMkLst>
+          <pc:docMk/>
+          <pc:sldMk cId="3426473916" sldId="533"/>
+        </pc:sldMkLst>
+        <pc:spChg chg="mod">
+          <ac:chgData name="Drew Marquis" userId="6ae91fd8ce8dc452" providerId="LiveId" clId="{DCD0010E-E5EB-46E1-8333-CDE87CEE2E10}" dt="2021-01-18T14:27:09.112" v="3722" actId="6549"/>
+          <ac:spMkLst>
+            <pc:docMk/>
+            <pc:sldMk cId="3426473916" sldId="533"/>
+            <ac:spMk id="2" creationId="{DFB39472-5B7E-461A-8BF8-4F2CFD902571}"/>
+          </ac:spMkLst>
+        </pc:spChg>
+        <pc:spChg chg="mod">
+          <ac:chgData name="Drew Marquis" userId="6ae91fd8ce8dc452" providerId="LiveId" clId="{DCD0010E-E5EB-46E1-8333-CDE87CEE2E10}" dt="2021-01-18T14:27:13.040" v="3724" actId="27636"/>
+          <ac:spMkLst>
+            <pc:docMk/>
+            <pc:sldMk cId="3426473916" sldId="533"/>
+            <ac:spMk id="3" creationId="{D0E27DDC-D950-4120-85E4-CD973482DA69}"/>
+          </ac:spMkLst>
+        </pc:spChg>
+      </pc:sldChg>
+      <pc:sldChg chg="modSp new mod">
+        <pc:chgData name="Drew Marquis" userId="6ae91fd8ce8dc452" providerId="LiveId" clId="{DCD0010E-E5EB-46E1-8333-CDE87CEE2E10}" dt="2021-01-18T14:32:14.218" v="4234" actId="20577"/>
+        <pc:sldMkLst>
+          <pc:docMk/>
+          <pc:sldMk cId="253291021" sldId="534"/>
+        </pc:sldMkLst>
+        <pc:spChg chg="mod">
+          <ac:chgData name="Drew Marquis" userId="6ae91fd8ce8dc452" providerId="LiveId" clId="{DCD0010E-E5EB-46E1-8333-CDE87CEE2E10}" dt="2021-01-18T14:28:49.568" v="3736" actId="20577"/>
+          <ac:spMkLst>
+            <pc:docMk/>
+            <pc:sldMk cId="253291021" sldId="534"/>
+            <ac:spMk id="2" creationId="{6E145E46-0ED8-4110-A89C-E6B42A3BEE16}"/>
+          </ac:spMkLst>
+        </pc:spChg>
+        <pc:spChg chg="mod">
+          <ac:chgData name="Drew Marquis" userId="6ae91fd8ce8dc452" providerId="LiveId" clId="{DCD0010E-E5EB-46E1-8333-CDE87CEE2E10}" dt="2021-01-18T14:32:14.218" v="4234" actId="20577"/>
+          <ac:spMkLst>
+            <pc:docMk/>
+            <pc:sldMk cId="253291021" sldId="534"/>
+            <ac:spMk id="3" creationId="{07D560FE-AA4B-4E4D-B3D2-F95C1AC512FE}"/>
+          </ac:spMkLst>
+        </pc:spChg>
       </pc:sldChg>
     </pc:docChg>
   </pc:docChgLst>
@@ -717,7 +765,7 @@
           <a:p>
             <a:fld id="{F7D92278-9D26-4755-B95D-9C7B0F025AB5}" type="datetimeFigureOut">
               <a:rPr lang="en-US" smtClean="0"/>
-              <a:t>1/14/2021</a:t>
+              <a:t>1/18/2021</a:t>
             </a:fld>
             <a:endParaRPr lang="en-US"/>
           </a:p>
@@ -1215,7 +1263,7 @@
           <a:p>
             <a:fld id="{7B9ACE5E-1ED8-4B5D-AECC-D2C5A1AFE758}" type="datetimeFigureOut">
               <a:rPr lang="en-US" smtClean="0"/>
-              <a:t>1/14/2021</a:t>
+              <a:t>1/18/2021</a:t>
             </a:fld>
             <a:endParaRPr lang="en-US"/>
           </a:p>
@@ -1413,7 +1461,7 @@
           <a:p>
             <a:fld id="{7B9ACE5E-1ED8-4B5D-AECC-D2C5A1AFE758}" type="datetimeFigureOut">
               <a:rPr lang="en-US" smtClean="0"/>
-              <a:t>1/14/2021</a:t>
+              <a:t>1/18/2021</a:t>
             </a:fld>
             <a:endParaRPr lang="en-US"/>
           </a:p>
@@ -1621,7 +1669,7 @@
           <a:p>
             <a:fld id="{7B9ACE5E-1ED8-4B5D-AECC-D2C5A1AFE758}" type="datetimeFigureOut">
               <a:rPr lang="en-US" smtClean="0"/>
-              <a:t>1/14/2021</a:t>
+              <a:t>1/18/2021</a:t>
             </a:fld>
             <a:endParaRPr lang="en-US"/>
           </a:p>
@@ -1819,7 +1867,7 @@
           <a:p>
             <a:fld id="{7B9ACE5E-1ED8-4B5D-AECC-D2C5A1AFE758}" type="datetimeFigureOut">
               <a:rPr lang="en-US" smtClean="0"/>
-              <a:t>1/14/2021</a:t>
+              <a:t>1/18/2021</a:t>
             </a:fld>
             <a:endParaRPr lang="en-US"/>
           </a:p>
@@ -2094,7 +2142,7 @@
           <a:p>
             <a:fld id="{7B9ACE5E-1ED8-4B5D-AECC-D2C5A1AFE758}" type="datetimeFigureOut">
               <a:rPr lang="en-US" smtClean="0"/>
-              <a:t>1/14/2021</a:t>
+              <a:t>1/18/2021</a:t>
             </a:fld>
             <a:endParaRPr lang="en-US"/>
           </a:p>
@@ -2359,7 +2407,7 @@
           <a:p>
             <a:fld id="{7B9ACE5E-1ED8-4B5D-AECC-D2C5A1AFE758}" type="datetimeFigureOut">
               <a:rPr lang="en-US" smtClean="0"/>
-              <a:t>1/14/2021</a:t>
+              <a:t>1/18/2021</a:t>
             </a:fld>
             <a:endParaRPr lang="en-US"/>
           </a:p>
@@ -2771,7 +2819,7 @@
           <a:p>
             <a:fld id="{7B9ACE5E-1ED8-4B5D-AECC-D2C5A1AFE758}" type="datetimeFigureOut">
               <a:rPr lang="en-US" smtClean="0"/>
-              <a:t>1/14/2021</a:t>
+              <a:t>1/18/2021</a:t>
             </a:fld>
             <a:endParaRPr lang="en-US"/>
           </a:p>
@@ -2912,7 +2960,7 @@
           <a:p>
             <a:fld id="{7B9ACE5E-1ED8-4B5D-AECC-D2C5A1AFE758}" type="datetimeFigureOut">
               <a:rPr lang="en-US" smtClean="0"/>
-              <a:t>1/14/2021</a:t>
+              <a:t>1/18/2021</a:t>
             </a:fld>
             <a:endParaRPr lang="en-US"/>
           </a:p>
@@ -3025,7 +3073,7 @@
           <a:p>
             <a:fld id="{7B9ACE5E-1ED8-4B5D-AECC-D2C5A1AFE758}" type="datetimeFigureOut">
               <a:rPr lang="en-US" smtClean="0"/>
-              <a:t>1/14/2021</a:t>
+              <a:t>1/18/2021</a:t>
             </a:fld>
             <a:endParaRPr lang="en-US"/>
           </a:p>
@@ -3336,7 +3384,7 @@
           <a:p>
             <a:fld id="{7B9ACE5E-1ED8-4B5D-AECC-D2C5A1AFE758}" type="datetimeFigureOut">
               <a:rPr lang="en-US" smtClean="0"/>
-              <a:t>1/14/2021</a:t>
+              <a:t>1/18/2021</a:t>
             </a:fld>
             <a:endParaRPr lang="en-US"/>
           </a:p>
@@ -3624,7 +3672,7 @@
           <a:p>
             <a:fld id="{7B9ACE5E-1ED8-4B5D-AECC-D2C5A1AFE758}" type="datetimeFigureOut">
               <a:rPr lang="en-US" smtClean="0"/>
-              <a:t>1/14/2021</a:t>
+              <a:t>1/18/2021</a:t>
             </a:fld>
             <a:endParaRPr lang="en-US"/>
           </a:p>
@@ -3865,7 +3913,7 @@
           <a:p>
             <a:fld id="{7B9ACE5E-1ED8-4B5D-AECC-D2C5A1AFE758}" type="datetimeFigureOut">
               <a:rPr lang="en-US" smtClean="0"/>
-              <a:t>1/14/2021</a:t>
+              <a:t>1/18/2021</a:t>
             </a:fld>
             <a:endParaRPr lang="en-US"/>
           </a:p>
@@ -11961,6 +12009,461 @@
     <p:extLst>
       <p:ext uri="{BB962C8B-B14F-4D97-AF65-F5344CB8AC3E}">
         <p14:creationId xmlns:p14="http://schemas.microsoft.com/office/powerpoint/2010/main" val="1176701747"/>
+      </p:ext>
+    </p:extLst>
+  </p:cSld>
+  <p:clrMapOvr>
+    <a:masterClrMapping/>
+  </p:clrMapOvr>
+</p:sld>
+</file>
+
+<file path=ppt/slides/slide18.xml><?xml version="1.0" encoding="utf-8"?>
+<p:sld xmlns:a="http://schemas.openxmlformats.org/drawingml/2006/main" xmlns:r="http://schemas.openxmlformats.org/officeDocument/2006/relationships" xmlns:p="http://schemas.openxmlformats.org/presentationml/2006/main">
+  <p:cSld>
+    <p:spTree>
+      <p:nvGrpSpPr>
+        <p:cNvPr id="1" name=""/>
+        <p:cNvGrpSpPr/>
+        <p:nvPr/>
+      </p:nvGrpSpPr>
+      <p:grpSpPr>
+        <a:xfrm>
+          <a:off x="0" y="0"/>
+          <a:ext cx="0" cy="0"/>
+          <a:chOff x="0" y="0"/>
+          <a:chExt cx="0" cy="0"/>
+        </a:xfrm>
+      </p:grpSpPr>
+      <p:sp>
+        <p:nvSpPr>
+          <p:cNvPr id="2" name="Title 1">
+            <a:extLst>
+              <a:ext uri="{FF2B5EF4-FFF2-40B4-BE49-F238E27FC236}">
+                <a16:creationId xmlns:a16="http://schemas.microsoft.com/office/drawing/2014/main" id="{DFB39472-5B7E-461A-8BF8-4F2CFD902571}"/>
+              </a:ext>
+            </a:extLst>
+          </p:cNvPr>
+          <p:cNvSpPr>
+            <a:spLocks noGrp="1"/>
+          </p:cNvSpPr>
+          <p:nvPr>
+            <p:ph type="title"/>
+          </p:nvPr>
+        </p:nvSpPr>
+        <p:spPr/>
+        <p:txBody>
+          <a:bodyPr/>
+          <a:lstStyle/>
+          <a:p>
+            <a:r>
+              <a:rPr lang="en-US" dirty="0"/>
+              <a:t>Interpretations/Observations</a:t>
+            </a:r>
+          </a:p>
+        </p:txBody>
+      </p:sp>
+      <p:sp>
+        <p:nvSpPr>
+          <p:cNvPr id="3" name="Content Placeholder 2">
+            <a:extLst>
+              <a:ext uri="{FF2B5EF4-FFF2-40B4-BE49-F238E27FC236}">
+                <a16:creationId xmlns:a16="http://schemas.microsoft.com/office/drawing/2014/main" id="{D0E27DDC-D950-4120-85E4-CD973482DA69}"/>
+              </a:ext>
+            </a:extLst>
+          </p:cNvPr>
+          <p:cNvSpPr>
+            <a:spLocks noGrp="1"/>
+          </p:cNvSpPr>
+          <p:nvPr>
+            <p:ph idx="1"/>
+          </p:nvPr>
+        </p:nvSpPr>
+        <p:spPr>
+          <a:xfrm>
+            <a:off x="838200" y="1624914"/>
+            <a:ext cx="10515600" cy="4552049"/>
+          </a:xfrm>
+        </p:spPr>
+        <p:txBody>
+          <a:bodyPr>
+            <a:normAutofit fontScale="70000" lnSpcReduction="20000"/>
+          </a:bodyPr>
+          <a:lstStyle/>
+          <a:p>
+            <a:r>
+              <a:rPr lang="en-US" b="1" dirty="0"/>
+              <a:t>Model A </a:t>
+            </a:r>
+          </a:p>
+          <a:p>
+            <a:pPr lvl="1"/>
+            <a:r>
+              <a:rPr lang="en-US" dirty="0" err="1"/>
+              <a:t>Alv-vasc</a:t>
+            </a:r>
+            <a:r>
+              <a:rPr lang="en-US" dirty="0"/>
+              <a:t> O2 gradient as a function of air and blood flow is symmetric</a:t>
+            </a:r>
+          </a:p>
+          <a:p>
+            <a:pPr lvl="1"/>
+            <a:r>
+              <a:rPr lang="en-US" dirty="0"/>
+              <a:t>To follow a given O2 isocline in the vascular space, airflow needs to be increased more than a given increase in blood flow</a:t>
+            </a:r>
+          </a:p>
+          <a:p>
+            <a:pPr lvl="1"/>
+            <a:endParaRPr lang="en-US" dirty="0"/>
+          </a:p>
+          <a:p>
+            <a:r>
+              <a:rPr lang="en-US" b="1" dirty="0"/>
+              <a:t>Model B</a:t>
+            </a:r>
+          </a:p>
+          <a:p>
+            <a:pPr lvl="1"/>
+            <a:r>
+              <a:rPr lang="en-US" dirty="0"/>
+              <a:t>Similar behavior to Model A, but the </a:t>
+            </a:r>
+            <a:r>
+              <a:rPr lang="en-US" dirty="0" err="1"/>
+              <a:t>Alv-vasc</a:t>
+            </a:r>
+            <a:r>
+              <a:rPr lang="en-US" dirty="0"/>
+              <a:t> O2 gradient surface is no longer perfectly symmetric – a likely result of the hemoglobin saturation function</a:t>
+            </a:r>
+          </a:p>
+          <a:p>
+            <a:pPr lvl="1"/>
+            <a:endParaRPr lang="en-US" dirty="0"/>
+          </a:p>
+          <a:p>
+            <a:r>
+              <a:rPr lang="en-US" b="1" dirty="0"/>
+              <a:t>Model C</a:t>
+            </a:r>
+          </a:p>
+          <a:p>
+            <a:pPr lvl="1"/>
+            <a:r>
+              <a:rPr lang="en-US" dirty="0"/>
+              <a:t>Similar behavior to Model B, however the change in symmetry of the </a:t>
+            </a:r>
+            <a:r>
+              <a:rPr lang="en-US" dirty="0" err="1"/>
+              <a:t>Alv-vasc</a:t>
+            </a:r>
+            <a:r>
+              <a:rPr lang="en-US" dirty="0"/>
+              <a:t> O2 gradient is likely due to this formulation accounting for the spatial length of a capillary</a:t>
+            </a:r>
+          </a:p>
+          <a:p>
+            <a:endParaRPr lang="en-US" dirty="0"/>
+          </a:p>
+          <a:p>
+            <a:r>
+              <a:rPr lang="en-US" b="1" dirty="0"/>
+              <a:t>Model D</a:t>
+            </a:r>
+          </a:p>
+          <a:p>
+            <a:pPr lvl="1"/>
+            <a:r>
+              <a:rPr lang="en-US" dirty="0"/>
+              <a:t>We see a new nonlinearity emerge on the </a:t>
+            </a:r>
+            <a:r>
+              <a:rPr lang="en-US" dirty="0" err="1"/>
+              <a:t>Alv-vasc</a:t>
+            </a:r>
+            <a:r>
+              <a:rPr lang="en-US" dirty="0"/>
+              <a:t> O2 gradient surface when we account for both hemoglobin and the spatial profile</a:t>
+            </a:r>
+          </a:p>
+          <a:p>
+            <a:pPr lvl="1"/>
+            <a:r>
+              <a:rPr lang="en-US" dirty="0"/>
+              <a:t>Vascular O2 appears to be a lot more sensitive to changes in blood flow compared to the other 3 models</a:t>
+            </a:r>
+          </a:p>
+        </p:txBody>
+      </p:sp>
+    </p:spTree>
+    <p:extLst>
+      <p:ext uri="{BB962C8B-B14F-4D97-AF65-F5344CB8AC3E}">
+        <p14:creationId xmlns:p14="http://schemas.microsoft.com/office/powerpoint/2010/main" val="3426473916"/>
+      </p:ext>
+    </p:extLst>
+  </p:cSld>
+  <p:clrMapOvr>
+    <a:masterClrMapping/>
+  </p:clrMapOvr>
+</p:sld>
+</file>
+
+<file path=ppt/slides/slide19.xml><?xml version="1.0" encoding="utf-8"?>
+<p:sld xmlns:a="http://schemas.openxmlformats.org/drawingml/2006/main" xmlns:r="http://schemas.openxmlformats.org/officeDocument/2006/relationships" xmlns:p="http://schemas.openxmlformats.org/presentationml/2006/main">
+  <p:cSld>
+    <p:spTree>
+      <p:nvGrpSpPr>
+        <p:cNvPr id="1" name=""/>
+        <p:cNvGrpSpPr/>
+        <p:nvPr/>
+      </p:nvGrpSpPr>
+      <p:grpSpPr>
+        <a:xfrm>
+          <a:off x="0" y="0"/>
+          <a:ext cx="0" cy="0"/>
+          <a:chOff x="0" y="0"/>
+          <a:chExt cx="0" cy="0"/>
+        </a:xfrm>
+      </p:grpSpPr>
+      <p:sp>
+        <p:nvSpPr>
+          <p:cNvPr id="2" name="Title 1">
+            <a:extLst>
+              <a:ext uri="{FF2B5EF4-FFF2-40B4-BE49-F238E27FC236}">
+                <a16:creationId xmlns:a16="http://schemas.microsoft.com/office/drawing/2014/main" id="{6E145E46-0ED8-4110-A89C-E6B42A3BEE16}"/>
+              </a:ext>
+            </a:extLst>
+          </p:cNvPr>
+          <p:cNvSpPr>
+            <a:spLocks noGrp="1"/>
+          </p:cNvSpPr>
+          <p:nvPr>
+            <p:ph type="title"/>
+          </p:nvPr>
+        </p:nvSpPr>
+        <p:spPr/>
+        <p:txBody>
+          <a:bodyPr/>
+          <a:lstStyle/>
+          <a:p>
+            <a:r>
+              <a:rPr lang="en-US" dirty="0"/>
+              <a:t>Next Steps?</a:t>
+            </a:r>
+          </a:p>
+        </p:txBody>
+      </p:sp>
+      <mc:AlternateContent xmlns:mc="http://schemas.openxmlformats.org/markup-compatibility/2006">
+        <mc:Choice xmlns:a14="http://schemas.microsoft.com/office/drawing/2010/main" Requires="a14">
+          <p:sp>
+            <p:nvSpPr>
+              <p:cNvPr id="3" name="Content Placeholder 2">
+                <a:extLst>
+                  <a:ext uri="{FF2B5EF4-FFF2-40B4-BE49-F238E27FC236}">
+                    <a16:creationId xmlns:a16="http://schemas.microsoft.com/office/drawing/2014/main" id="{07D560FE-AA4B-4E4D-B3D2-F95C1AC512FE}"/>
+                  </a:ext>
+                </a:extLst>
+              </p:cNvPr>
+              <p:cNvSpPr>
+                <a:spLocks noGrp="1"/>
+              </p:cNvSpPr>
+              <p:nvPr>
+                <p:ph idx="1"/>
+              </p:nvPr>
+            </p:nvSpPr>
+            <p:spPr/>
+            <p:txBody>
+              <a:bodyPr/>
+              <a:lstStyle/>
+              <a:p>
+                <a:r>
+                  <a:rPr lang="en-US" dirty="0"/>
+                  <a:t>I’ve done a decent exploration of how the apparent diffusion (</a:t>
+                </a:r>
+                <a14:m>
+                  <m:oMath xmlns:m="http://schemas.openxmlformats.org/officeDocument/2006/math">
+                    <m:r>
+                      <a:rPr lang="en-US" b="0" i="1" smtClean="0">
+                        <a:latin typeface="Cambria Math" panose="02040503050406030204" pitchFamily="18" charset="0"/>
+                      </a:rPr>
+                      <m:t>𝐷</m:t>
+                    </m:r>
+                  </m:oMath>
+                </a14:m>
+                <a:r>
+                  <a:rPr lang="en-US" dirty="0"/>
+                  <a:t>) parameters changes these fixed-point surfaces – the results are intuitive – increasing </a:t>
+                </a:r>
+                <a14:m>
+                  <m:oMath xmlns:m="http://schemas.openxmlformats.org/officeDocument/2006/math">
+                    <m:r>
+                      <a:rPr lang="en-US" b="0" i="1" smtClean="0">
+                        <a:latin typeface="Cambria Math" panose="02040503050406030204" pitchFamily="18" charset="0"/>
+                      </a:rPr>
+                      <m:t>𝐷</m:t>
+                    </m:r>
+                  </m:oMath>
+                </a14:m>
+                <a:r>
+                  <a:rPr lang="en-US" dirty="0"/>
+                  <a:t> tends to linearize the O2 isoclines and flatten the </a:t>
+                </a:r>
+                <a:r>
+                  <a:rPr lang="en-US" dirty="0" err="1"/>
+                  <a:t>Alv-vasc</a:t>
+                </a:r>
+                <a:r>
+                  <a:rPr lang="en-US" dirty="0"/>
+                  <a:t> O2 gradient surface</a:t>
+                </a:r>
+              </a:p>
+              <a:p>
+                <a:endParaRPr lang="en-US" dirty="0"/>
+              </a:p>
+              <a:p>
+                <a:r>
+                  <a:rPr lang="en-US" dirty="0"/>
+                  <a:t>Explore how changing hemoglobin parameters affects these surfaces?</a:t>
+                </a:r>
+              </a:p>
+              <a:p>
+                <a:pPr lvl="1"/>
+                <a14:m>
+                  <m:oMath xmlns:m="http://schemas.openxmlformats.org/officeDocument/2006/math">
+                    <m:sSub>
+                      <m:sSubPr>
+                        <m:ctrlPr>
+                          <a:rPr lang="en-US" b="0" i="1" smtClean="0">
+                            <a:latin typeface="Cambria Math" panose="02040503050406030204" pitchFamily="18" charset="0"/>
+                          </a:rPr>
+                        </m:ctrlPr>
+                      </m:sSubPr>
+                      <m:e>
+                        <m:r>
+                          <a:rPr lang="en-US" b="0" i="1" smtClean="0">
+                            <a:latin typeface="Cambria Math" panose="02040503050406030204" pitchFamily="18" charset="0"/>
+                          </a:rPr>
+                          <m:t>𝑃</m:t>
+                        </m:r>
+                      </m:e>
+                      <m:sub>
+                        <m:r>
+                          <a:rPr lang="en-US" b="0" i="1" smtClean="0">
+                            <a:latin typeface="Cambria Math" panose="02040503050406030204" pitchFamily="18" charset="0"/>
+                          </a:rPr>
+                          <m:t>50</m:t>
+                        </m:r>
+                      </m:sub>
+                    </m:sSub>
+                    <m:r>
+                      <a:rPr lang="en-US" b="0" i="1" smtClean="0">
+                        <a:latin typeface="Cambria Math" panose="02040503050406030204" pitchFamily="18" charset="0"/>
+                      </a:rPr>
+                      <m:t>, </m:t>
+                    </m:r>
+                    <m:r>
+                      <a:rPr lang="en-US" b="0" i="1" smtClean="0">
+                        <a:latin typeface="Cambria Math" panose="02040503050406030204" pitchFamily="18" charset="0"/>
+                      </a:rPr>
+                      <m:t>𝑛</m:t>
+                    </m:r>
+                    <m:r>
+                      <a:rPr lang="en-US" b="0" i="1" smtClean="0">
+                        <a:latin typeface="Cambria Math" panose="02040503050406030204" pitchFamily="18" charset="0"/>
+                      </a:rPr>
+                      <m:t>, </m:t>
+                    </m:r>
+                    <m:sSub>
+                      <m:sSubPr>
+                        <m:ctrlPr>
+                          <a:rPr lang="en-US" b="0" i="1" smtClean="0">
+                            <a:latin typeface="Cambria Math" panose="02040503050406030204" pitchFamily="18" charset="0"/>
+                          </a:rPr>
+                        </m:ctrlPr>
+                      </m:sSubPr>
+                      <m:e>
+                        <m:r>
+                          <a:rPr lang="en-US" b="0" i="1" smtClean="0">
+                            <a:latin typeface="Cambria Math" panose="02040503050406030204" pitchFamily="18" charset="0"/>
+                          </a:rPr>
+                          <m:t>𝐶</m:t>
+                        </m:r>
+                      </m:e>
+                      <m:sub>
+                        <m:r>
+                          <a:rPr lang="en-US" b="0" i="1" smtClean="0">
+                            <a:latin typeface="Cambria Math" panose="02040503050406030204" pitchFamily="18" charset="0"/>
+                          </a:rPr>
+                          <m:t>𝐻𝑏</m:t>
+                        </m:r>
+                      </m:sub>
+                    </m:sSub>
+                  </m:oMath>
+                </a14:m>
+                <a:r>
+                  <a:rPr lang="en-US" i="1" dirty="0"/>
+                  <a:t>?</a:t>
+                </a:r>
+              </a:p>
+              <a:p>
+                <a:pPr lvl="1"/>
+                <a:endParaRPr lang="en-US" i="1" dirty="0"/>
+              </a:p>
+              <a:p>
+                <a:r>
+                  <a:rPr lang="en-US" dirty="0"/>
+                  <a:t>Compare to data in the literature?</a:t>
+                </a:r>
+              </a:p>
+            </p:txBody>
+          </p:sp>
+        </mc:Choice>
+        <mc:Fallback>
+          <p:sp>
+            <p:nvSpPr>
+              <p:cNvPr id="3" name="Content Placeholder 2">
+                <a:extLst>
+                  <a:ext uri="{FF2B5EF4-FFF2-40B4-BE49-F238E27FC236}">
+                    <a16:creationId xmlns:a16="http://schemas.microsoft.com/office/drawing/2014/main" id="{07D560FE-AA4B-4E4D-B3D2-F95C1AC512FE}"/>
+                  </a:ext>
+                </a:extLst>
+              </p:cNvPr>
+              <p:cNvSpPr>
+                <a:spLocks noGrp="1" noRot="1" noChangeAspect="1" noMove="1" noResize="1" noEditPoints="1" noAdjustHandles="1" noChangeArrowheads="1" noChangeShapeType="1" noTextEdit="1"/>
+              </p:cNvSpPr>
+              <p:nvPr>
+                <p:ph idx="1"/>
+              </p:nvPr>
+            </p:nvSpPr>
+            <p:spPr>
+              <a:blipFill>
+                <a:blip r:embed="rId2"/>
+                <a:stretch>
+                  <a:fillRect l="-1043" t="-2241" r="-696"/>
+                </a:stretch>
+              </a:blipFill>
+            </p:spPr>
+            <p:txBody>
+              <a:bodyPr/>
+              <a:lstStyle/>
+              <a:p>
+                <a:r>
+                  <a:rPr lang="en-US">
+                    <a:noFill/>
+                  </a:rPr>
+                  <a:t> </a:t>
+                </a:r>
+              </a:p>
+            </p:txBody>
+          </p:sp>
+        </mc:Fallback>
+      </mc:AlternateContent>
+    </p:spTree>
+    <p:extLst>
+      <p:ext uri="{BB962C8B-B14F-4D97-AF65-F5344CB8AC3E}">
+        <p14:creationId xmlns:p14="http://schemas.microsoft.com/office/powerpoint/2010/main" val="253291021"/>
       </p:ext>
     </p:extLst>
   </p:cSld>
